--- a/sessions/GAB 2021/Choosing right Data Service.pptx
+++ b/sessions/GAB 2021/Choosing right Data Service.pptx
@@ -5,27 +5,29 @@
     <p:sldMasterId id="2147483660" r:id="rId1"/>
   </p:sldMasterIdLst>
   <p:notesMasterIdLst>
-    <p:notesMasterId r:id="rId20"/>
+    <p:notesMasterId r:id="rId22"/>
   </p:notesMasterIdLst>
   <p:sldIdLst>
     <p:sldId id="256" r:id="rId2"/>
     <p:sldId id="257" r:id="rId3"/>
     <p:sldId id="260" r:id="rId4"/>
     <p:sldId id="266" r:id="rId5"/>
-    <p:sldId id="267" r:id="rId6"/>
-    <p:sldId id="258" r:id="rId7"/>
-    <p:sldId id="263" r:id="rId8"/>
-    <p:sldId id="264" r:id="rId9"/>
-    <p:sldId id="265" r:id="rId10"/>
-    <p:sldId id="262" r:id="rId11"/>
-    <p:sldId id="271" r:id="rId12"/>
-    <p:sldId id="274" r:id="rId13"/>
-    <p:sldId id="275" r:id="rId14"/>
-    <p:sldId id="272" r:id="rId15"/>
-    <p:sldId id="273" r:id="rId16"/>
-    <p:sldId id="270" r:id="rId17"/>
-    <p:sldId id="269" r:id="rId18"/>
-    <p:sldId id="268" r:id="rId19"/>
+    <p:sldId id="276" r:id="rId6"/>
+    <p:sldId id="267" r:id="rId7"/>
+    <p:sldId id="258" r:id="rId8"/>
+    <p:sldId id="263" r:id="rId9"/>
+    <p:sldId id="264" r:id="rId10"/>
+    <p:sldId id="265" r:id="rId11"/>
+    <p:sldId id="262" r:id="rId12"/>
+    <p:sldId id="277" r:id="rId13"/>
+    <p:sldId id="271" r:id="rId14"/>
+    <p:sldId id="274" r:id="rId15"/>
+    <p:sldId id="275" r:id="rId16"/>
+    <p:sldId id="272" r:id="rId17"/>
+    <p:sldId id="273" r:id="rId18"/>
+    <p:sldId id="270" r:id="rId19"/>
+    <p:sldId id="269" r:id="rId20"/>
+    <p:sldId id="268" r:id="rId21"/>
   </p:sldIdLst>
   <p:sldSz cx="12192000" cy="6858000"/>
   <p:notesSz cx="6858000" cy="9144000"/>
@@ -540,7 +542,7 @@
           <a:p>
             <a:r>
               <a:rPr lang="en-GB" dirty="0"/>
-              <a:t>Technology democratization has led to make available best features, killer open-source frameworks to be available in almost all products in a line. Although the cloud provider used in one’s company takes priority, it makes it difficult to choose the best that fits for requirement. In this session, let me share my learnings, how our team analysed different frameworks for use cases. I hope it would help someone to choose the right data analytics tool for his need.</a:t>
+              <a:t>Technology democratization has led to make available the best features and the killer open-source frameworks to be available in almost all products in a line. Although the cloud provider used in one’s company takes priority, it makes it difficult to choose the best that fits for requirement. In this session, let me share my learnings, how our team analysed different frameworks for use cases. I hope it would help someone to choose the right data analytics tool for his need.</a:t>
             </a:r>
             <a:endParaRPr lang="en-IN" dirty="0"/>
           </a:p>
@@ -876,7 +878,7 @@
           <a:p>
             <a:fld id="{61D11EEE-6408-426C-86EC-A45CD40E17C7}" type="slidenum">
               <a:rPr lang="en-IN" smtClean="0"/>
-              <a:t>5</a:t>
+              <a:t>6</a:t>
             </a:fld>
             <a:endParaRPr lang="en-IN"/>
           </a:p>
@@ -960,7 +962,7 @@
           <a:p>
             <a:fld id="{61D11EEE-6408-426C-86EC-A45CD40E17C7}" type="slidenum">
               <a:rPr lang="en-IN" smtClean="0"/>
-              <a:t>6</a:t>
+              <a:t>7</a:t>
             </a:fld>
             <a:endParaRPr lang="en-IN"/>
           </a:p>
@@ -1044,7 +1046,7 @@
           <a:p>
             <a:fld id="{61D11EEE-6408-426C-86EC-A45CD40E17C7}" type="slidenum">
               <a:rPr lang="en-IN" smtClean="0"/>
-              <a:t>12</a:t>
+              <a:t>14</a:t>
             </a:fld>
             <a:endParaRPr lang="en-IN"/>
           </a:p>
@@ -1132,7 +1134,7 @@
           <a:p>
             <a:fld id="{61D11EEE-6408-426C-86EC-A45CD40E17C7}" type="slidenum">
               <a:rPr lang="en-IN" smtClean="0"/>
-              <a:t>15</a:t>
+              <a:t>17</a:t>
             </a:fld>
             <a:endParaRPr lang="en-IN"/>
           </a:p>
@@ -1220,7 +1222,7 @@
           <a:p>
             <a:fld id="{61D11EEE-6408-426C-86EC-A45CD40E17C7}" type="slidenum">
               <a:rPr lang="en-IN" smtClean="0"/>
-              <a:t>16</a:t>
+              <a:t>18</a:t>
             </a:fld>
             <a:endParaRPr lang="en-IN"/>
           </a:p>
@@ -21844,6 +21846,94 @@
           <p:cNvPr id="2" name="Title 1">
             <a:extLst>
               <a:ext uri="{FF2B5EF4-FFF2-40B4-BE49-F238E27FC236}">
+                <a16:creationId xmlns:a16="http://schemas.microsoft.com/office/drawing/2014/main" id="{5B87CF65-8203-45A0-8A1D-449B3DDD5664}"/>
+              </a:ext>
+            </a:extLst>
+          </p:cNvPr>
+          <p:cNvSpPr>
+            <a:spLocks noGrp="1"/>
+          </p:cNvSpPr>
+          <p:nvPr>
+            <p:ph type="title"/>
+          </p:nvPr>
+        </p:nvSpPr>
+        <p:spPr/>
+        <p:txBody>
+          <a:bodyPr/>
+          <a:lstStyle/>
+          <a:p>
+            <a:r>
+              <a:rPr lang="en-GB" dirty="0"/>
+              <a:t>Data LAKEHOUSE</a:t>
+            </a:r>
+            <a:endParaRPr lang="en-IN" dirty="0"/>
+          </a:p>
+        </p:txBody>
+      </p:sp>
+      <p:sp>
+        <p:nvSpPr>
+          <p:cNvPr id="3" name="Content Placeholder 2">
+            <a:extLst>
+              <a:ext uri="{FF2B5EF4-FFF2-40B4-BE49-F238E27FC236}">
+                <a16:creationId xmlns:a16="http://schemas.microsoft.com/office/drawing/2014/main" id="{86CBC334-2225-4ED6-8E26-6DDD7BD9E2FA}"/>
+              </a:ext>
+            </a:extLst>
+          </p:cNvPr>
+          <p:cNvSpPr>
+            <a:spLocks noGrp="1"/>
+          </p:cNvSpPr>
+          <p:nvPr>
+            <p:ph idx="1"/>
+          </p:nvPr>
+        </p:nvSpPr>
+        <p:spPr/>
+        <p:txBody>
+          <a:bodyPr/>
+          <a:lstStyle/>
+          <a:p>
+            <a:r>
+              <a:rPr lang="en-GB" dirty="0"/>
+              <a:t>* Sting together the best of both worlds – Data warehouse and Data lake.</a:t>
+            </a:r>
+            <a:endParaRPr lang="en-IN" dirty="0"/>
+          </a:p>
+        </p:txBody>
+      </p:sp>
+    </p:spTree>
+    <p:extLst>
+      <p:ext uri="{BB962C8B-B14F-4D97-AF65-F5344CB8AC3E}">
+        <p14:creationId xmlns:p14="http://schemas.microsoft.com/office/powerpoint/2010/main" val="3135131184"/>
+      </p:ext>
+    </p:extLst>
+  </p:cSld>
+  <p:clrMapOvr>
+    <a:masterClrMapping/>
+  </p:clrMapOvr>
+</p:sld>
+</file>
+
+<file path=ppt/slides/slide11.xml><?xml version="1.0" encoding="utf-8"?>
+<p:sld xmlns:a="http://schemas.openxmlformats.org/drawingml/2006/main" xmlns:r="http://schemas.openxmlformats.org/officeDocument/2006/relationships" xmlns:p="http://schemas.openxmlformats.org/presentationml/2006/main">
+  <p:cSld>
+    <p:spTree>
+      <p:nvGrpSpPr>
+        <p:cNvPr id="1" name=""/>
+        <p:cNvGrpSpPr/>
+        <p:nvPr/>
+      </p:nvGrpSpPr>
+      <p:grpSpPr>
+        <a:xfrm>
+          <a:off x="0" y="0"/>
+          <a:ext cx="0" cy="0"/>
+          <a:chOff x="0" y="0"/>
+          <a:chExt cx="0" cy="0"/>
+        </a:xfrm>
+      </p:grpSpPr>
+      <p:sp>
+        <p:nvSpPr>
+          <p:cNvPr id="2" name="Title 1">
+            <a:extLst>
+              <a:ext uri="{FF2B5EF4-FFF2-40B4-BE49-F238E27FC236}">
                 <a16:creationId xmlns:a16="http://schemas.microsoft.com/office/drawing/2014/main" id="{B166AB00-3643-4180-B7ED-73AE2A87ADB3}"/>
               </a:ext>
             </a:extLst>
@@ -21916,7 +22006,84 @@
 </p:sld>
 </file>
 
-<file path=ppt/slides/slide11.xml><?xml version="1.0" encoding="utf-8"?>
+<file path=ppt/slides/slide12.xml><?xml version="1.0" encoding="utf-8"?>
+<p:sld xmlns:a="http://schemas.openxmlformats.org/drawingml/2006/main" xmlns:r="http://schemas.openxmlformats.org/officeDocument/2006/relationships" xmlns:p="http://schemas.openxmlformats.org/presentationml/2006/main">
+  <p:cSld>
+    <p:spTree>
+      <p:nvGrpSpPr>
+        <p:cNvPr id="1" name=""/>
+        <p:cNvGrpSpPr/>
+        <p:nvPr/>
+      </p:nvGrpSpPr>
+      <p:grpSpPr>
+        <a:xfrm>
+          <a:off x="0" y="0"/>
+          <a:ext cx="0" cy="0"/>
+          <a:chOff x="0" y="0"/>
+          <a:chExt cx="0" cy="0"/>
+        </a:xfrm>
+      </p:grpSpPr>
+      <p:pic>
+        <p:nvPicPr>
+          <p:cNvPr id="3074" name="Picture 2">
+            <a:extLst>
+              <a:ext uri="{FF2B5EF4-FFF2-40B4-BE49-F238E27FC236}">
+                <a16:creationId xmlns:a16="http://schemas.microsoft.com/office/drawing/2014/main" id="{55530FED-4EFE-41A4-AE39-512AE0D0F96A}"/>
+              </a:ext>
+            </a:extLst>
+          </p:cNvPr>
+          <p:cNvPicPr>
+            <a:picLocks noChangeAspect="1" noChangeArrowheads="1"/>
+          </p:cNvPicPr>
+          <p:nvPr/>
+        </p:nvPicPr>
+        <p:blipFill>
+          <a:blip r:embed="rId2">
+            <a:extLst>
+              <a:ext uri="{28A0092B-C50C-407E-A947-70E740481C1C}">
+                <a14:useLocalDpi xmlns:a14="http://schemas.microsoft.com/office/drawing/2010/main" val="0"/>
+              </a:ext>
+            </a:extLst>
+          </a:blip>
+          <a:srcRect/>
+          <a:stretch>
+            <a:fillRect/>
+          </a:stretch>
+        </p:blipFill>
+        <p:spPr bwMode="auto">
+          <a:xfrm>
+            <a:off x="381000" y="428625"/>
+            <a:ext cx="11430000" cy="6000750"/>
+          </a:xfrm>
+          <a:prstGeom prst="rect">
+            <a:avLst/>
+          </a:prstGeom>
+          <a:noFill/>
+          <a:extLst>
+            <a:ext uri="{909E8E84-426E-40DD-AFC4-6F175D3DCCD1}">
+              <a14:hiddenFill xmlns:a14="http://schemas.microsoft.com/office/drawing/2010/main">
+                <a:solidFill>
+                  <a:srgbClr val="FFFFFF"/>
+                </a:solidFill>
+              </a14:hiddenFill>
+            </a:ext>
+          </a:extLst>
+        </p:spPr>
+      </p:pic>
+    </p:spTree>
+    <p:extLst>
+      <p:ext uri="{BB962C8B-B14F-4D97-AF65-F5344CB8AC3E}">
+        <p14:creationId xmlns:p14="http://schemas.microsoft.com/office/powerpoint/2010/main" val="1528854340"/>
+      </p:ext>
+    </p:extLst>
+  </p:cSld>
+  <p:clrMapOvr>
+    <a:masterClrMapping/>
+  </p:clrMapOvr>
+</p:sld>
+</file>
+
+<file path=ppt/slides/slide13.xml><?xml version="1.0" encoding="utf-8"?>
 <p:sld xmlns:a="http://schemas.openxmlformats.org/drawingml/2006/main" xmlns:r="http://schemas.openxmlformats.org/officeDocument/2006/relationships" xmlns:p="http://schemas.openxmlformats.org/presentationml/2006/main">
   <p:cSld>
     <p:spTree>
@@ -22025,7 +22192,7 @@
 </p:sld>
 </file>
 
-<file path=ppt/slides/slide12.xml><?xml version="1.0" encoding="utf-8"?>
+<file path=ppt/slides/slide14.xml><?xml version="1.0" encoding="utf-8"?>
 <p:sld xmlns:a="http://schemas.openxmlformats.org/drawingml/2006/main" xmlns:r="http://schemas.openxmlformats.org/officeDocument/2006/relationships" xmlns:p="http://schemas.openxmlformats.org/presentationml/2006/main">
   <p:cSld>
     <p:spTree>
@@ -22109,7 +22276,7 @@
 </p:sld>
 </file>
 
-<file path=ppt/slides/slide13.xml><?xml version="1.0" encoding="utf-8"?>
+<file path=ppt/slides/slide15.xml><?xml version="1.0" encoding="utf-8"?>
 <p:sld xmlns:a="http://schemas.openxmlformats.org/drawingml/2006/main" xmlns:r="http://schemas.openxmlformats.org/officeDocument/2006/relationships" xmlns:p="http://schemas.openxmlformats.org/presentationml/2006/main">
   <p:cSld>
     <p:spTree>
@@ -22197,7 +22364,7 @@
 </p:sld>
 </file>
 
-<file path=ppt/slides/slide14.xml><?xml version="1.0" encoding="utf-8"?>
+<file path=ppt/slides/slide16.xml><?xml version="1.0" encoding="utf-8"?>
 <p:sld xmlns:a="http://schemas.openxmlformats.org/drawingml/2006/main" xmlns:r="http://schemas.openxmlformats.org/officeDocument/2006/relationships" xmlns:p="http://schemas.openxmlformats.org/presentationml/2006/main">
   <p:cSld>
     <p:spTree>
@@ -22658,7 +22825,7 @@
 </p:sld>
 </file>
 
-<file path=ppt/slides/slide15.xml><?xml version="1.0" encoding="utf-8"?>
+<file path=ppt/slides/slide17.xml><?xml version="1.0" encoding="utf-8"?>
 <p:sld xmlns:a="http://schemas.openxmlformats.org/drawingml/2006/main" xmlns:r="http://schemas.openxmlformats.org/officeDocument/2006/relationships" xmlns:p="http://schemas.openxmlformats.org/presentationml/2006/main">
   <p:cSld>
     <p:spTree>
@@ -23137,7 +23304,7 @@
 </p:sld>
 </file>
 
-<file path=ppt/slides/slide16.xml><?xml version="1.0" encoding="utf-8"?>
+<file path=ppt/slides/slide18.xml><?xml version="1.0" encoding="utf-8"?>
 <p:sld xmlns:a="http://schemas.openxmlformats.org/drawingml/2006/main" xmlns:r="http://schemas.openxmlformats.org/officeDocument/2006/relationships" xmlns:p="http://schemas.openxmlformats.org/presentationml/2006/main">
   <p:cSld>
     <p:spTree>
@@ -23267,7 +23434,7 @@
 </p:sld>
 </file>
 
-<file path=ppt/slides/slide17.xml><?xml version="1.0" encoding="utf-8"?>
+<file path=ppt/slides/slide19.xml><?xml version="1.0" encoding="utf-8"?>
 <p:sld xmlns:a="http://schemas.openxmlformats.org/drawingml/2006/main" xmlns:r="http://schemas.openxmlformats.org/officeDocument/2006/relationships" xmlns:p="http://schemas.openxmlformats.org/presentationml/2006/main">
   <p:cSld>
     <p:spTree>
@@ -23389,165 +23556,6 @@
     <p:extLst>
       <p:ext uri="{BB962C8B-B14F-4D97-AF65-F5344CB8AC3E}">
         <p14:creationId xmlns:p14="http://schemas.microsoft.com/office/powerpoint/2010/main" val="2629790823"/>
-      </p:ext>
-    </p:extLst>
-  </p:cSld>
-  <p:clrMapOvr>
-    <a:masterClrMapping/>
-  </p:clrMapOvr>
-</p:sld>
-</file>
-
-<file path=ppt/slides/slide18.xml><?xml version="1.0" encoding="utf-8"?>
-<p:sld xmlns:a="http://schemas.openxmlformats.org/drawingml/2006/main" xmlns:r="http://schemas.openxmlformats.org/officeDocument/2006/relationships" xmlns:p="http://schemas.openxmlformats.org/presentationml/2006/main">
-  <p:cSld>
-    <p:spTree>
-      <p:nvGrpSpPr>
-        <p:cNvPr id="1" name=""/>
-        <p:cNvGrpSpPr/>
-        <p:nvPr/>
-      </p:nvGrpSpPr>
-      <p:grpSpPr>
-        <a:xfrm>
-          <a:off x="0" y="0"/>
-          <a:ext cx="0" cy="0"/>
-          <a:chOff x="0" y="0"/>
-          <a:chExt cx="0" cy="0"/>
-        </a:xfrm>
-      </p:grpSpPr>
-      <p:sp>
-        <p:nvSpPr>
-          <p:cNvPr id="2" name="Title 1">
-            <a:extLst>
-              <a:ext uri="{FF2B5EF4-FFF2-40B4-BE49-F238E27FC236}">
-                <a16:creationId xmlns:a16="http://schemas.microsoft.com/office/drawing/2014/main" id="{5821B448-FBBB-44C8-9056-3CB932167082}"/>
-              </a:ext>
-            </a:extLst>
-          </p:cNvPr>
-          <p:cNvSpPr>
-            <a:spLocks noGrp="1"/>
-          </p:cNvSpPr>
-          <p:nvPr>
-            <p:ph type="title"/>
-          </p:nvPr>
-        </p:nvSpPr>
-        <p:spPr/>
-        <p:txBody>
-          <a:bodyPr/>
-          <a:lstStyle/>
-          <a:p>
-            <a:r>
-              <a:rPr lang="en-GB" dirty="0"/>
-              <a:t>Resources</a:t>
-            </a:r>
-            <a:endParaRPr lang="en-IN" dirty="0"/>
-          </a:p>
-        </p:txBody>
-      </p:sp>
-      <p:sp>
-        <p:nvSpPr>
-          <p:cNvPr id="3" name="Content Placeholder 2">
-            <a:extLst>
-              <a:ext uri="{FF2B5EF4-FFF2-40B4-BE49-F238E27FC236}">
-                <a16:creationId xmlns:a16="http://schemas.microsoft.com/office/drawing/2014/main" id="{DC69A0EA-B13B-4A87-A240-D95AF06EDA6C}"/>
-              </a:ext>
-            </a:extLst>
-          </p:cNvPr>
-          <p:cNvSpPr>
-            <a:spLocks noGrp="1"/>
-          </p:cNvSpPr>
-          <p:nvPr>
-            <p:ph idx="1"/>
-          </p:nvPr>
-        </p:nvSpPr>
-        <p:spPr/>
-        <p:txBody>
-          <a:bodyPr/>
-          <a:lstStyle/>
-          <a:p>
-            <a:r>
-              <a:rPr lang="en-GB" dirty="0"/>
-              <a:t>* Blog post by Ivana </a:t>
-            </a:r>
-            <a:r>
-              <a:rPr lang="en-GB" dirty="0" err="1"/>
-              <a:t>Pejeva</a:t>
-            </a:r>
-            <a:r>
-              <a:rPr lang="en-GB" dirty="0"/>
-              <a:t> - </a:t>
-            </a:r>
-            <a:r>
-              <a:rPr lang="en-GB" dirty="0">
-                <a:hlinkClick r:id="rId2"/>
-              </a:rPr>
-              <a:t>https://www.element61.be/en/resource/when-use-azure-synapse-analytics-andor-azure-databricks</a:t>
-            </a:r>
-            <a:r>
-              <a:rPr lang="en-GB" dirty="0"/>
-              <a:t> </a:t>
-            </a:r>
-          </a:p>
-          <a:p>
-            <a:r>
-              <a:rPr lang="en-GB" dirty="0"/>
-              <a:t>* Checkout </a:t>
-            </a:r>
-            <a:r>
-              <a:rPr lang="en-GB" dirty="0">
-                <a:hlinkClick r:id="rId3"/>
-              </a:rPr>
-              <a:t>debate</a:t>
-            </a:r>
-            <a:r>
-              <a:rPr lang="en-GB" dirty="0"/>
-              <a:t> with proponents of each architecture at </a:t>
-            </a:r>
-            <a:r>
-              <a:rPr lang="en-GB" dirty="0" err="1"/>
-              <a:t>Datanova</a:t>
-            </a:r>
-            <a:r>
-              <a:rPr lang="en-GB" dirty="0"/>
-              <a:t> 2021 hosted by </a:t>
-            </a:r>
-            <a:r>
-              <a:rPr lang="en-IN" b="1" i="0" u="none" strike="noStrike" dirty="0">
-                <a:solidFill>
-                  <a:srgbClr val="00A7B5"/>
-                </a:solidFill>
-                <a:effectLst/>
-                <a:latin typeface="Montserrat"/>
-                <a:hlinkClick r:id="rId4"/>
-              </a:rPr>
-              <a:t>Cindi Howson</a:t>
-            </a:r>
-            <a:endParaRPr lang="en-IN" b="1" i="0" u="none" strike="noStrike" dirty="0">
-              <a:solidFill>
-                <a:srgbClr val="00A7B5"/>
-              </a:solidFill>
-              <a:effectLst/>
-              <a:latin typeface="Montserrat"/>
-            </a:endParaRPr>
-          </a:p>
-          <a:p>
-            <a:endParaRPr lang="en-IN" b="1" i="0" u="none" strike="noStrike" dirty="0">
-              <a:solidFill>
-                <a:srgbClr val="00A7B5"/>
-              </a:solidFill>
-              <a:effectLst/>
-              <a:latin typeface="Montserrat"/>
-            </a:endParaRPr>
-          </a:p>
-          <a:p>
-            <a:endParaRPr lang="en-IN" dirty="0"/>
-          </a:p>
-        </p:txBody>
-      </p:sp>
-    </p:spTree>
-    <p:extLst>
-      <p:ext uri="{BB962C8B-B14F-4D97-AF65-F5344CB8AC3E}">
-        <p14:creationId xmlns:p14="http://schemas.microsoft.com/office/powerpoint/2010/main" val="1854144517"/>
       </p:ext>
     </p:extLst>
   </p:cSld>
@@ -24073,6 +24081,165 @@
 </p:sld>
 </file>
 
+<file path=ppt/slides/slide20.xml><?xml version="1.0" encoding="utf-8"?>
+<p:sld xmlns:a="http://schemas.openxmlformats.org/drawingml/2006/main" xmlns:r="http://schemas.openxmlformats.org/officeDocument/2006/relationships" xmlns:p="http://schemas.openxmlformats.org/presentationml/2006/main">
+  <p:cSld>
+    <p:spTree>
+      <p:nvGrpSpPr>
+        <p:cNvPr id="1" name=""/>
+        <p:cNvGrpSpPr/>
+        <p:nvPr/>
+      </p:nvGrpSpPr>
+      <p:grpSpPr>
+        <a:xfrm>
+          <a:off x="0" y="0"/>
+          <a:ext cx="0" cy="0"/>
+          <a:chOff x="0" y="0"/>
+          <a:chExt cx="0" cy="0"/>
+        </a:xfrm>
+      </p:grpSpPr>
+      <p:sp>
+        <p:nvSpPr>
+          <p:cNvPr id="2" name="Title 1">
+            <a:extLst>
+              <a:ext uri="{FF2B5EF4-FFF2-40B4-BE49-F238E27FC236}">
+                <a16:creationId xmlns:a16="http://schemas.microsoft.com/office/drawing/2014/main" id="{5821B448-FBBB-44C8-9056-3CB932167082}"/>
+              </a:ext>
+            </a:extLst>
+          </p:cNvPr>
+          <p:cNvSpPr>
+            <a:spLocks noGrp="1"/>
+          </p:cNvSpPr>
+          <p:nvPr>
+            <p:ph type="title"/>
+          </p:nvPr>
+        </p:nvSpPr>
+        <p:spPr/>
+        <p:txBody>
+          <a:bodyPr/>
+          <a:lstStyle/>
+          <a:p>
+            <a:r>
+              <a:rPr lang="en-GB" dirty="0"/>
+              <a:t>Resources</a:t>
+            </a:r>
+            <a:endParaRPr lang="en-IN" dirty="0"/>
+          </a:p>
+        </p:txBody>
+      </p:sp>
+      <p:sp>
+        <p:nvSpPr>
+          <p:cNvPr id="3" name="Content Placeholder 2">
+            <a:extLst>
+              <a:ext uri="{FF2B5EF4-FFF2-40B4-BE49-F238E27FC236}">
+                <a16:creationId xmlns:a16="http://schemas.microsoft.com/office/drawing/2014/main" id="{DC69A0EA-B13B-4A87-A240-D95AF06EDA6C}"/>
+              </a:ext>
+            </a:extLst>
+          </p:cNvPr>
+          <p:cNvSpPr>
+            <a:spLocks noGrp="1"/>
+          </p:cNvSpPr>
+          <p:nvPr>
+            <p:ph idx="1"/>
+          </p:nvPr>
+        </p:nvSpPr>
+        <p:spPr/>
+        <p:txBody>
+          <a:bodyPr/>
+          <a:lstStyle/>
+          <a:p>
+            <a:r>
+              <a:rPr lang="en-GB" dirty="0"/>
+              <a:t>* Blog post by Ivana </a:t>
+            </a:r>
+            <a:r>
+              <a:rPr lang="en-GB" dirty="0" err="1"/>
+              <a:t>Pejeva</a:t>
+            </a:r>
+            <a:r>
+              <a:rPr lang="en-GB" dirty="0"/>
+              <a:t> - </a:t>
+            </a:r>
+            <a:r>
+              <a:rPr lang="en-GB" dirty="0">
+                <a:hlinkClick r:id="rId2"/>
+              </a:rPr>
+              <a:t>https://www.element61.be/en/resource/when-use-azure-synapse-analytics-andor-azure-databricks</a:t>
+            </a:r>
+            <a:r>
+              <a:rPr lang="en-GB" dirty="0"/>
+              <a:t> </a:t>
+            </a:r>
+          </a:p>
+          <a:p>
+            <a:r>
+              <a:rPr lang="en-GB" dirty="0"/>
+              <a:t>* Checkout </a:t>
+            </a:r>
+            <a:r>
+              <a:rPr lang="en-GB" dirty="0">
+                <a:hlinkClick r:id="rId3"/>
+              </a:rPr>
+              <a:t>debate</a:t>
+            </a:r>
+            <a:r>
+              <a:rPr lang="en-GB" dirty="0"/>
+              <a:t> with proponents of each architecture at </a:t>
+            </a:r>
+            <a:r>
+              <a:rPr lang="en-GB" dirty="0" err="1"/>
+              <a:t>Datanova</a:t>
+            </a:r>
+            <a:r>
+              <a:rPr lang="en-GB" dirty="0"/>
+              <a:t> 2021 hosted by </a:t>
+            </a:r>
+            <a:r>
+              <a:rPr lang="en-IN" b="1" i="0" u="none" strike="noStrike" dirty="0">
+                <a:solidFill>
+                  <a:srgbClr val="00A7B5"/>
+                </a:solidFill>
+                <a:effectLst/>
+                <a:latin typeface="Montserrat"/>
+                <a:hlinkClick r:id="rId4"/>
+              </a:rPr>
+              <a:t>Cindi Howson</a:t>
+            </a:r>
+            <a:endParaRPr lang="en-IN" b="1" i="0" u="none" strike="noStrike" dirty="0">
+              <a:solidFill>
+                <a:srgbClr val="00A7B5"/>
+              </a:solidFill>
+              <a:effectLst/>
+              <a:latin typeface="Montserrat"/>
+            </a:endParaRPr>
+          </a:p>
+          <a:p>
+            <a:endParaRPr lang="en-IN" b="1" i="0" u="none" strike="noStrike" dirty="0">
+              <a:solidFill>
+                <a:srgbClr val="00A7B5"/>
+              </a:solidFill>
+              <a:effectLst/>
+              <a:latin typeface="Montserrat"/>
+            </a:endParaRPr>
+          </a:p>
+          <a:p>
+            <a:endParaRPr lang="en-IN" dirty="0"/>
+          </a:p>
+        </p:txBody>
+      </p:sp>
+    </p:spTree>
+    <p:extLst>
+      <p:ext uri="{BB962C8B-B14F-4D97-AF65-F5344CB8AC3E}">
+        <p14:creationId xmlns:p14="http://schemas.microsoft.com/office/powerpoint/2010/main" val="1854144517"/>
+      </p:ext>
+    </p:extLst>
+  </p:cSld>
+  <p:clrMapOvr>
+    <a:masterClrMapping/>
+  </p:clrMapOvr>
+</p:sld>
+</file>
+
 <file path=ppt/slides/slide3.xml><?xml version="1.0" encoding="utf-8"?>
 <p:sld xmlns:a="http://schemas.openxmlformats.org/drawingml/2006/main" xmlns:r="http://schemas.openxmlformats.org/officeDocument/2006/relationships" xmlns:p="http://schemas.openxmlformats.org/presentationml/2006/main">
   <p:cSld>
@@ -24237,7 +24404,14 @@
           <a:p>
             <a:r>
               <a:rPr lang="en-GB" dirty="0"/>
-              <a:t>End goal - a data architecture to make smart decisions</a:t>
+              <a:t>End goal of a data architecture – </a:t>
+            </a:r>
+            <a:br>
+              <a:rPr lang="en-GB" dirty="0"/>
+            </a:br>
+            <a:r>
+              <a:rPr lang="en-GB" dirty="0"/>
+              <a:t>Allow USER to take SMART decisions </a:t>
             </a:r>
             <a:endParaRPr lang="en-IN" dirty="0"/>
           </a:p>
@@ -24266,7 +24440,7 @@
           <a:p>
             <a:r>
               <a:rPr lang="en-GB" dirty="0"/>
-              <a:t>* Know your goal.</a:t>
+              <a:t>* Define your goal well.</a:t>
             </a:r>
           </a:p>
           <a:p>
@@ -24275,8 +24449,52 @@
               <a:t>* Don’t choose a data tech stack, just because you / your team knew it well.</a:t>
             </a:r>
           </a:p>
+          <a:p>
+            <a:r>
+              <a:rPr lang="en-GB" dirty="0"/>
+              <a:t>* Try reduce copies. It is a key obstacle to data democratization &amp; fast time to value.</a:t>
+            </a:r>
+          </a:p>
+          <a:p>
+            <a:endParaRPr lang="en-GB" dirty="0"/>
+          </a:p>
         </p:txBody>
       </p:sp>
+      <p:pic>
+        <p:nvPicPr>
+          <p:cNvPr id="5" name="Picture 4">
+            <a:extLst>
+              <a:ext uri="{FF2B5EF4-FFF2-40B4-BE49-F238E27FC236}">
+                <a16:creationId xmlns:a16="http://schemas.microsoft.com/office/drawing/2014/main" id="{1236E338-05AE-4A9B-8542-634904EB740C}"/>
+              </a:ext>
+            </a:extLst>
+          </p:cNvPr>
+          <p:cNvPicPr>
+            <a:picLocks noChangeAspect="1"/>
+          </p:cNvPicPr>
+          <p:nvPr/>
+        </p:nvPicPr>
+        <p:blipFill>
+          <a:blip r:embed="rId3"/>
+          <a:stretch>
+            <a:fillRect/>
+          </a:stretch>
+        </p:blipFill>
+        <p:spPr>
+          <a:xfrm>
+            <a:off x="2586201" y="3809129"/>
+            <a:ext cx="7019597" cy="2800677"/>
+          </a:xfrm>
+          <a:prstGeom prst="rect">
+            <a:avLst/>
+          </a:prstGeom>
+          <a:ln>
+            <a:solidFill>
+              <a:schemeClr val="accent1"/>
+            </a:solidFill>
+          </a:ln>
+        </p:spPr>
+      </p:pic>
     </p:spTree>
     <p:extLst>
       <p:ext uri="{BB962C8B-B14F-4D97-AF65-F5344CB8AC3E}">
@@ -24291,6 +24509,108 @@
 </file>
 
 <file path=ppt/slides/slide5.xml><?xml version="1.0" encoding="utf-8"?>
+<p:sld xmlns:a="http://schemas.openxmlformats.org/drawingml/2006/main" xmlns:r="http://schemas.openxmlformats.org/officeDocument/2006/relationships" xmlns:p="http://schemas.openxmlformats.org/presentationml/2006/main">
+  <p:cSld>
+    <p:spTree>
+      <p:nvGrpSpPr>
+        <p:cNvPr id="1" name=""/>
+        <p:cNvGrpSpPr/>
+        <p:nvPr/>
+      </p:nvGrpSpPr>
+      <p:grpSpPr>
+        <a:xfrm>
+          <a:off x="0" y="0"/>
+          <a:ext cx="0" cy="0"/>
+          <a:chOff x="0" y="0"/>
+          <a:chExt cx="0" cy="0"/>
+        </a:xfrm>
+      </p:grpSpPr>
+      <p:sp>
+        <p:nvSpPr>
+          <p:cNvPr id="2" name="Title 1">
+            <a:extLst>
+              <a:ext uri="{FF2B5EF4-FFF2-40B4-BE49-F238E27FC236}">
+                <a16:creationId xmlns:a16="http://schemas.microsoft.com/office/drawing/2014/main" id="{DE1B8586-A777-41E7-BD55-E05278892E6B}"/>
+              </a:ext>
+            </a:extLst>
+          </p:cNvPr>
+          <p:cNvSpPr>
+            <a:spLocks noGrp="1"/>
+          </p:cNvSpPr>
+          <p:nvPr>
+            <p:ph type="title"/>
+          </p:nvPr>
+        </p:nvSpPr>
+        <p:spPr/>
+        <p:txBody>
+          <a:bodyPr/>
+          <a:lstStyle/>
+          <a:p>
+            <a:r>
+              <a:rPr lang="en-GB" dirty="0"/>
+              <a:t>Data persistence</a:t>
+            </a:r>
+            <a:endParaRPr lang="en-IN" dirty="0"/>
+          </a:p>
+        </p:txBody>
+      </p:sp>
+      <p:pic>
+        <p:nvPicPr>
+          <p:cNvPr id="4" name="Content Placeholder 3">
+            <a:extLst>
+              <a:ext uri="{FF2B5EF4-FFF2-40B4-BE49-F238E27FC236}">
+                <a16:creationId xmlns:a16="http://schemas.microsoft.com/office/drawing/2014/main" id="{993F6781-5232-44C1-B288-841A64EF385C}"/>
+              </a:ext>
+            </a:extLst>
+          </p:cNvPr>
+          <p:cNvPicPr>
+            <a:picLocks noGrp="1"/>
+          </p:cNvPicPr>
+          <p:nvPr>
+            <p:ph idx="1"/>
+          </p:nvPr>
+        </p:nvPicPr>
+        <p:blipFill>
+          <a:blip r:link="rId2">
+            <a:extLst>
+              <a:ext uri="{28A0092B-C50C-407E-A947-70E740481C1C}">
+                <a14:useLocalDpi xmlns:a14="http://schemas.microsoft.com/office/drawing/2010/main" val="0"/>
+              </a:ext>
+            </a:extLst>
+          </a:blip>
+          <a:srcRect/>
+          <a:stretch>
+            <a:fillRect/>
+          </a:stretch>
+        </p:blipFill>
+        <p:spPr bwMode="auto">
+          <a:xfrm>
+            <a:off x="1932215" y="1985555"/>
+            <a:ext cx="8327570" cy="4153988"/>
+          </a:xfrm>
+          <a:prstGeom prst="rect">
+            <a:avLst/>
+          </a:prstGeom>
+          <a:noFill/>
+          <a:ln>
+            <a:noFill/>
+          </a:ln>
+        </p:spPr>
+      </p:pic>
+    </p:spTree>
+    <p:extLst>
+      <p:ext uri="{BB962C8B-B14F-4D97-AF65-F5344CB8AC3E}">
+        <p14:creationId xmlns:p14="http://schemas.microsoft.com/office/powerpoint/2010/main" val="100059540"/>
+      </p:ext>
+    </p:extLst>
+  </p:cSld>
+  <p:clrMapOvr>
+    <a:masterClrMapping/>
+  </p:clrMapOvr>
+</p:sld>
+</file>
+
+<file path=ppt/slides/slide6.xml><?xml version="1.0" encoding="utf-8"?>
 <p:sld xmlns:a="http://schemas.openxmlformats.org/drawingml/2006/main" xmlns:r="http://schemas.openxmlformats.org/officeDocument/2006/relationships" xmlns:p="http://schemas.openxmlformats.org/presentationml/2006/main">
   <p:cSld>
     <p:spTree>
@@ -24393,7 +24713,7 @@
 </p:sld>
 </file>
 
-<file path=ppt/slides/slide6.xml><?xml version="1.0" encoding="utf-8"?>
+<file path=ppt/slides/slide7.xml><?xml version="1.0" encoding="utf-8"?>
 <p:sld xmlns:a="http://schemas.openxmlformats.org/drawingml/2006/main" xmlns:r="http://schemas.openxmlformats.org/officeDocument/2006/relationships" xmlns:p="http://schemas.openxmlformats.org/presentationml/2006/main">
   <p:cSld>
     <p:spTree>
@@ -24460,7 +24780,11 @@
           <a:bodyPr/>
           <a:lstStyle/>
           <a:p>
-            <a:endParaRPr lang="en-IN"/>
+            <a:r>
+              <a:rPr lang="en-GB" dirty="0"/>
+              <a:t>* Co-location of Compute &amp; Storage.</a:t>
+            </a:r>
+            <a:endParaRPr lang="en-IN" dirty="0"/>
           </a:p>
         </p:txBody>
       </p:sp>
@@ -24477,7 +24801,7 @@
 </p:sld>
 </file>
 
-<file path=ppt/slides/slide7.xml><?xml version="1.0" encoding="utf-8"?>
+<file path=ppt/slides/slide8.xml><?xml version="1.0" encoding="utf-8"?>
 <p:sld xmlns:a="http://schemas.openxmlformats.org/drawingml/2006/main" xmlns:r="http://schemas.openxmlformats.org/officeDocument/2006/relationships" xmlns:p="http://schemas.openxmlformats.org/presentationml/2006/main">
   <p:cSld>
     <p:spTree>
@@ -24544,7 +24868,11 @@
           <a:bodyPr/>
           <a:lstStyle/>
           <a:p>
-            <a:endParaRPr lang="en-IN"/>
+            <a:r>
+              <a:rPr lang="en-GB" dirty="0"/>
+              <a:t>* Separation of Compute &amp; Storage</a:t>
+            </a:r>
+            <a:endParaRPr lang="en-IN" dirty="0"/>
           </a:p>
         </p:txBody>
       </p:sp>
@@ -24561,7 +24889,7 @@
 </p:sld>
 </file>
 
-<file path=ppt/slides/slide8.xml><?xml version="1.0" encoding="utf-8"?>
+<file path=ppt/slides/slide9.xml><?xml version="1.0" encoding="utf-8"?>
 <p:sld xmlns:a="http://schemas.openxmlformats.org/drawingml/2006/main" xmlns:r="http://schemas.openxmlformats.org/officeDocument/2006/relationships" xmlns:p="http://schemas.openxmlformats.org/presentationml/2006/main">
   <p:cSld>
     <p:spTree>
@@ -24628,93 +24956,9 @@
           <a:bodyPr/>
           <a:lstStyle/>
           <a:p>
-            <a:endParaRPr lang="en-IN"/>
-          </a:p>
-        </p:txBody>
-      </p:sp>
-    </p:spTree>
-    <p:extLst>
-      <p:ext uri="{BB962C8B-B14F-4D97-AF65-F5344CB8AC3E}">
-        <p14:creationId xmlns:p14="http://schemas.microsoft.com/office/powerpoint/2010/main" val="3586273789"/>
-      </p:ext>
-    </p:extLst>
-  </p:cSld>
-  <p:clrMapOvr>
-    <a:masterClrMapping/>
-  </p:clrMapOvr>
-</p:sld>
-</file>
-
-<file path=ppt/slides/slide9.xml><?xml version="1.0" encoding="utf-8"?>
-<p:sld xmlns:a="http://schemas.openxmlformats.org/drawingml/2006/main" xmlns:r="http://schemas.openxmlformats.org/officeDocument/2006/relationships" xmlns:p="http://schemas.openxmlformats.org/presentationml/2006/main">
-  <p:cSld>
-    <p:spTree>
-      <p:nvGrpSpPr>
-        <p:cNvPr id="1" name=""/>
-        <p:cNvGrpSpPr/>
-        <p:nvPr/>
-      </p:nvGrpSpPr>
-      <p:grpSpPr>
-        <a:xfrm>
-          <a:off x="0" y="0"/>
-          <a:ext cx="0" cy="0"/>
-          <a:chOff x="0" y="0"/>
-          <a:chExt cx="0" cy="0"/>
-        </a:xfrm>
-      </p:grpSpPr>
-      <p:sp>
-        <p:nvSpPr>
-          <p:cNvPr id="2" name="Title 1">
-            <a:extLst>
-              <a:ext uri="{FF2B5EF4-FFF2-40B4-BE49-F238E27FC236}">
-                <a16:creationId xmlns:a16="http://schemas.microsoft.com/office/drawing/2014/main" id="{5B87CF65-8203-45A0-8A1D-449B3DDD5664}"/>
-              </a:ext>
-            </a:extLst>
-          </p:cNvPr>
-          <p:cNvSpPr>
-            <a:spLocks noGrp="1"/>
-          </p:cNvSpPr>
-          <p:nvPr>
-            <p:ph type="title"/>
-          </p:nvPr>
-        </p:nvSpPr>
-        <p:spPr/>
-        <p:txBody>
-          <a:bodyPr/>
-          <a:lstStyle/>
-          <a:p>
             <a:r>
               <a:rPr lang="en-GB" dirty="0"/>
-              <a:t>Data LAKEHOUSE</a:t>
-            </a:r>
-            <a:endParaRPr lang="en-IN" dirty="0"/>
-          </a:p>
-        </p:txBody>
-      </p:sp>
-      <p:sp>
-        <p:nvSpPr>
-          <p:cNvPr id="3" name="Content Placeholder 2">
-            <a:extLst>
-              <a:ext uri="{FF2B5EF4-FFF2-40B4-BE49-F238E27FC236}">
-                <a16:creationId xmlns:a16="http://schemas.microsoft.com/office/drawing/2014/main" id="{86CBC334-2225-4ED6-8E26-6DDD7BD9E2FA}"/>
-              </a:ext>
-            </a:extLst>
-          </p:cNvPr>
-          <p:cNvSpPr>
-            <a:spLocks noGrp="1"/>
-          </p:cNvSpPr>
-          <p:nvPr>
-            <p:ph idx="1"/>
-          </p:nvPr>
-        </p:nvSpPr>
-        <p:spPr/>
-        <p:txBody>
-          <a:bodyPr/>
-          <a:lstStyle/>
-          <a:p>
-            <a:r>
-              <a:rPr lang="en-GB" dirty="0"/>
-              <a:t>* Sting together the best of both worlds – Data warehouse and Data lake.</a:t>
+              <a:t>* Separation of Compute &amp; Data</a:t>
             </a:r>
             <a:endParaRPr lang="en-IN" dirty="0"/>
           </a:p>
@@ -24723,7 +24967,7 @@
     </p:spTree>
     <p:extLst>
       <p:ext uri="{BB962C8B-B14F-4D97-AF65-F5344CB8AC3E}">
-        <p14:creationId xmlns:p14="http://schemas.microsoft.com/office/powerpoint/2010/main" val="3135131184"/>
+        <p14:creationId xmlns:p14="http://schemas.microsoft.com/office/powerpoint/2010/main" val="3586273789"/>
       </p:ext>
     </p:extLst>
   </p:cSld>

--- a/sessions/GAB 2021/Choosing right Data Service.pptx
+++ b/sessions/GAB 2021/Choosing right Data Service.pptx
@@ -5,29 +5,30 @@
     <p:sldMasterId id="2147483660" r:id="rId1"/>
   </p:sldMasterIdLst>
   <p:notesMasterIdLst>
-    <p:notesMasterId r:id="rId22"/>
+    <p:notesMasterId r:id="rId23"/>
   </p:notesMasterIdLst>
   <p:sldIdLst>
     <p:sldId id="256" r:id="rId2"/>
     <p:sldId id="257" r:id="rId3"/>
     <p:sldId id="260" r:id="rId4"/>
     <p:sldId id="266" r:id="rId5"/>
-    <p:sldId id="276" r:id="rId6"/>
-    <p:sldId id="267" r:id="rId7"/>
-    <p:sldId id="258" r:id="rId8"/>
+    <p:sldId id="267" r:id="rId6"/>
+    <p:sldId id="258" r:id="rId7"/>
+    <p:sldId id="276" r:id="rId8"/>
     <p:sldId id="263" r:id="rId9"/>
     <p:sldId id="264" r:id="rId10"/>
-    <p:sldId id="265" r:id="rId11"/>
-    <p:sldId id="262" r:id="rId12"/>
-    <p:sldId id="277" r:id="rId13"/>
-    <p:sldId id="271" r:id="rId14"/>
-    <p:sldId id="274" r:id="rId15"/>
-    <p:sldId id="275" r:id="rId16"/>
-    <p:sldId id="272" r:id="rId17"/>
-    <p:sldId id="273" r:id="rId18"/>
+    <p:sldId id="278" r:id="rId11"/>
+    <p:sldId id="271" r:id="rId12"/>
+    <p:sldId id="274" r:id="rId13"/>
+    <p:sldId id="275" r:id="rId14"/>
+    <p:sldId id="262" r:id="rId15"/>
+    <p:sldId id="272" r:id="rId16"/>
+    <p:sldId id="273" r:id="rId17"/>
+    <p:sldId id="279" r:id="rId18"/>
     <p:sldId id="270" r:id="rId19"/>
     <p:sldId id="269" r:id="rId20"/>
-    <p:sldId id="268" r:id="rId21"/>
+    <p:sldId id="277" r:id="rId21"/>
+    <p:sldId id="268" r:id="rId22"/>
   </p:sldIdLst>
   <p:sldSz cx="12192000" cy="6858000"/>
   <p:notesSz cx="6858000" cy="9144000"/>
@@ -228,7 +229,7 @@
           <a:p>
             <a:fld id="{C3E45019-3D22-4B0F-9E51-C5C311B494D9}" type="datetimeFigureOut">
               <a:rPr lang="en-IN" smtClean="0"/>
-              <a:t>10-04-2021</a:t>
+              <a:t>14-04-2021</a:t>
             </a:fld>
             <a:endParaRPr lang="en-IN"/>
           </a:p>
@@ -584,6 +585,122 @@
 </p:notes>
 </file>
 
+<file path=ppt/notesSlides/notesSlide10.xml><?xml version="1.0" encoding="utf-8"?>
+<p:notes xmlns:a="http://schemas.openxmlformats.org/drawingml/2006/main" xmlns:r="http://schemas.openxmlformats.org/officeDocument/2006/relationships" xmlns:p="http://schemas.openxmlformats.org/presentationml/2006/main">
+  <p:cSld>
+    <p:spTree>
+      <p:nvGrpSpPr>
+        <p:cNvPr id="1" name=""/>
+        <p:cNvGrpSpPr/>
+        <p:nvPr/>
+      </p:nvGrpSpPr>
+      <p:grpSpPr>
+        <a:xfrm>
+          <a:off x="0" y="0"/>
+          <a:ext cx="0" cy="0"/>
+          <a:chOff x="0" y="0"/>
+          <a:chExt cx="0" cy="0"/>
+        </a:xfrm>
+      </p:grpSpPr>
+      <p:sp>
+        <p:nvSpPr>
+          <p:cNvPr id="2" name="Slide Image Placeholder 1"/>
+          <p:cNvSpPr>
+            <a:spLocks noGrp="1" noRot="1" noChangeAspect="1"/>
+          </p:cNvSpPr>
+          <p:nvPr>
+            <p:ph type="sldImg"/>
+          </p:nvPr>
+        </p:nvSpPr>
+        <p:spPr/>
+      </p:sp>
+      <p:sp>
+        <p:nvSpPr>
+          <p:cNvPr id="3" name="Notes Placeholder 2"/>
+          <p:cNvSpPr>
+            <a:spLocks noGrp="1"/>
+          </p:cNvSpPr>
+          <p:nvPr>
+            <p:ph type="body" idx="1"/>
+          </p:nvPr>
+        </p:nvSpPr>
+        <p:spPr/>
+        <p:txBody>
+          <a:bodyPr/>
+          <a:lstStyle/>
+          <a:p>
+            <a:pPr marL="171450" indent="-171450">
+              <a:buFont typeface="Arial" panose="020B0604020202020204" pitchFamily="34" charset="0"/>
+              <a:buChar char="•"/>
+            </a:pPr>
+            <a:r>
+              <a:rPr lang="en-GB" dirty="0"/>
+              <a:t>MySQL was switched to Mongo for few reasons like – Not restricted over rigid schema, Better </a:t>
+            </a:r>
+            <a:r>
+              <a:rPr lang="en-GB" dirty="0" err="1"/>
+              <a:t>sharding</a:t>
+            </a:r>
+            <a:r>
+              <a:rPr lang="en-GB" dirty="0"/>
+              <a:t>, Multi instance need(Dev, staging, prod)</a:t>
+            </a:r>
+          </a:p>
+          <a:p>
+            <a:pPr marL="171450" indent="-171450">
+              <a:buFont typeface="Arial" panose="020B0604020202020204" pitchFamily="34" charset="0"/>
+              <a:buChar char="•"/>
+            </a:pPr>
+            <a:r>
+              <a:rPr lang="en-GB" dirty="0"/>
+              <a:t>Data warehouse we were thinking to opt is Snowflake over Azure.</a:t>
+            </a:r>
+          </a:p>
+          <a:p>
+            <a:pPr marL="171450" indent="-171450">
+              <a:buFont typeface="Arial" panose="020B0604020202020204" pitchFamily="34" charset="0"/>
+              <a:buChar char="•"/>
+            </a:pPr>
+            <a:endParaRPr lang="en-IN" dirty="0"/>
+          </a:p>
+        </p:txBody>
+      </p:sp>
+      <p:sp>
+        <p:nvSpPr>
+          <p:cNvPr id="4" name="Slide Number Placeholder 3"/>
+          <p:cNvSpPr>
+            <a:spLocks noGrp="1"/>
+          </p:cNvSpPr>
+          <p:nvPr>
+            <p:ph type="sldNum" sz="quarter" idx="5"/>
+          </p:nvPr>
+        </p:nvSpPr>
+        <p:spPr/>
+        <p:txBody>
+          <a:bodyPr/>
+          <a:lstStyle/>
+          <a:p>
+            <a:fld id="{61D11EEE-6408-426C-86EC-A45CD40E17C7}" type="slidenum">
+              <a:rPr lang="en-IN" smtClean="0"/>
+              <a:t>18</a:t>
+            </a:fld>
+            <a:endParaRPr lang="en-IN"/>
+          </a:p>
+        </p:txBody>
+      </p:sp>
+    </p:spTree>
+    <p:extLst>
+      <p:ext uri="{BB962C8B-B14F-4D97-AF65-F5344CB8AC3E}">
+        <p14:creationId xmlns:p14="http://schemas.microsoft.com/office/powerpoint/2010/main" val="2244120138"/>
+      </p:ext>
+    </p:extLst>
+  </p:cSld>
+  <p:clrMapOvr>
+    <a:masterClrMapping/>
+  </p:clrMapOvr>
+</p:notes>
+</file>
+
 <file path=ppt/notesSlides/notesSlide2.xml><?xml version="1.0" encoding="utf-8"?>
 <p:notes xmlns:a="http://schemas.openxmlformats.org/drawingml/2006/main" xmlns:r="http://schemas.openxmlformats.org/officeDocument/2006/relationships" xmlns:p="http://schemas.openxmlformats.org/presentationml/2006/main">
   <p:cSld>
@@ -855,7 +972,109 @@
             </a:r>
             <a:r>
               <a:rPr lang="en-GB" dirty="0"/>
-              <a:t> and delta lake concept.</a:t>
+              <a:t> and delta lake concept. The concepts I discuss here will be common that would fit for deciding over data services in Azure as well.</a:t>
+            </a:r>
+            <a:endParaRPr lang="en-IN" dirty="0"/>
+          </a:p>
+        </p:txBody>
+      </p:sp>
+      <p:sp>
+        <p:nvSpPr>
+          <p:cNvPr id="4" name="Slide Number Placeholder 3"/>
+          <p:cNvSpPr>
+            <a:spLocks noGrp="1"/>
+          </p:cNvSpPr>
+          <p:nvPr>
+            <p:ph type="sldNum" sz="quarter" idx="5"/>
+          </p:nvPr>
+        </p:nvSpPr>
+        <p:spPr/>
+        <p:txBody>
+          <a:bodyPr/>
+          <a:lstStyle/>
+          <a:p>
+            <a:fld id="{61D11EEE-6408-426C-86EC-A45CD40E17C7}" type="slidenum">
+              <a:rPr lang="en-IN" smtClean="0"/>
+              <a:t>5</a:t>
+            </a:fld>
+            <a:endParaRPr lang="en-IN"/>
+          </a:p>
+        </p:txBody>
+      </p:sp>
+    </p:spTree>
+    <p:extLst>
+      <p:ext uri="{BB962C8B-B14F-4D97-AF65-F5344CB8AC3E}">
+        <p14:creationId xmlns:p14="http://schemas.microsoft.com/office/powerpoint/2010/main" val="1476315494"/>
+      </p:ext>
+    </p:extLst>
+  </p:cSld>
+  <p:clrMapOvr>
+    <a:masterClrMapping/>
+  </p:clrMapOvr>
+</p:notes>
+</file>
+
+<file path=ppt/notesSlides/notesSlide5.xml><?xml version="1.0" encoding="utf-8"?>
+<p:notes xmlns:a="http://schemas.openxmlformats.org/drawingml/2006/main" xmlns:r="http://schemas.openxmlformats.org/officeDocument/2006/relationships" xmlns:p="http://schemas.openxmlformats.org/presentationml/2006/main">
+  <p:cSld>
+    <p:spTree>
+      <p:nvGrpSpPr>
+        <p:cNvPr id="1" name=""/>
+        <p:cNvGrpSpPr/>
+        <p:nvPr/>
+      </p:nvGrpSpPr>
+      <p:grpSpPr>
+        <a:xfrm>
+          <a:off x="0" y="0"/>
+          <a:ext cx="0" cy="0"/>
+          <a:chOff x="0" y="0"/>
+          <a:chExt cx="0" cy="0"/>
+        </a:xfrm>
+      </p:grpSpPr>
+      <p:sp>
+        <p:nvSpPr>
+          <p:cNvPr id="2" name="Slide Image Placeholder 1"/>
+          <p:cNvSpPr>
+            <a:spLocks noGrp="1" noRot="1" noChangeAspect="1"/>
+          </p:cNvSpPr>
+          <p:nvPr>
+            <p:ph type="sldImg"/>
+          </p:nvPr>
+        </p:nvSpPr>
+        <p:spPr/>
+      </p:sp>
+      <p:sp>
+        <p:nvSpPr>
+          <p:cNvPr id="3" name="Notes Placeholder 2"/>
+          <p:cNvSpPr>
+            <a:spLocks noGrp="1"/>
+          </p:cNvSpPr>
+          <p:nvPr>
+            <p:ph type="body" idx="1"/>
+          </p:nvPr>
+        </p:nvSpPr>
+        <p:spPr/>
+        <p:txBody>
+          <a:bodyPr/>
+          <a:lstStyle/>
+          <a:p>
+            <a:pPr marL="171450" indent="-171450">
+              <a:buFont typeface="Arial" panose="020B0604020202020204" pitchFamily="34" charset="0"/>
+              <a:buChar char="•"/>
+            </a:pPr>
+            <a:r>
+              <a:rPr lang="en-GB" dirty="0"/>
+              <a:t>Size is not an issue as per a database’s doc. But generally not used for big data.</a:t>
+            </a:r>
+          </a:p>
+          <a:p>
+            <a:pPr marL="171450" indent="-171450">
+              <a:buFont typeface="Arial" panose="020B0604020202020204" pitchFamily="34" charset="0"/>
+              <a:buChar char="•"/>
+            </a:pPr>
+            <a:r>
+              <a:rPr lang="en-GB" dirty="0"/>
+              <a:t>OLAP cubes are possible in RDBMS, but it need to be prepared before analytics. Which is what I mean for ad-hoc.</a:t>
             </a:r>
             <a:endParaRPr lang="en-IN" dirty="0"/>
           </a:p>
@@ -887,7 +1106,7 @@
     </p:spTree>
     <p:extLst>
       <p:ext uri="{BB962C8B-B14F-4D97-AF65-F5344CB8AC3E}">
-        <p14:creationId xmlns:p14="http://schemas.microsoft.com/office/powerpoint/2010/main" val="1476315494"/>
+        <p14:creationId xmlns:p14="http://schemas.microsoft.com/office/powerpoint/2010/main" val="1510584662"/>
       </p:ext>
     </p:extLst>
   </p:cSld>
@@ -897,7 +1116,189 @@
 </p:notes>
 </file>
 
-<file path=ppt/notesSlides/notesSlide5.xml><?xml version="1.0" encoding="utf-8"?>
+<file path=ppt/notesSlides/notesSlide6.xml><?xml version="1.0" encoding="utf-8"?>
+<p:notes xmlns:a="http://schemas.openxmlformats.org/drawingml/2006/main" xmlns:r="http://schemas.openxmlformats.org/officeDocument/2006/relationships" xmlns:p="http://schemas.openxmlformats.org/presentationml/2006/main">
+  <p:cSld>
+    <p:spTree>
+      <p:nvGrpSpPr>
+        <p:cNvPr id="1" name=""/>
+        <p:cNvGrpSpPr/>
+        <p:nvPr/>
+      </p:nvGrpSpPr>
+      <p:grpSpPr>
+        <a:xfrm>
+          <a:off x="0" y="0"/>
+          <a:ext cx="0" cy="0"/>
+          <a:chOff x="0" y="0"/>
+          <a:chExt cx="0" cy="0"/>
+        </a:xfrm>
+      </p:grpSpPr>
+      <p:sp>
+        <p:nvSpPr>
+          <p:cNvPr id="2" name="Slide Image Placeholder 1"/>
+          <p:cNvSpPr>
+            <a:spLocks noGrp="1" noRot="1" noChangeAspect="1"/>
+          </p:cNvSpPr>
+          <p:nvPr>
+            <p:ph type="sldImg"/>
+          </p:nvPr>
+        </p:nvSpPr>
+        <p:spPr/>
+      </p:sp>
+      <p:sp>
+        <p:nvSpPr>
+          <p:cNvPr id="3" name="Notes Placeholder 2"/>
+          <p:cNvSpPr>
+            <a:spLocks noGrp="1"/>
+          </p:cNvSpPr>
+          <p:nvPr>
+            <p:ph type="body" idx="1"/>
+          </p:nvPr>
+        </p:nvSpPr>
+        <p:spPr/>
+        <p:txBody>
+          <a:bodyPr/>
+          <a:lstStyle/>
+          <a:p>
+            <a:r>
+              <a:rPr lang="en-GB" dirty="0"/>
+              <a:t>* Data will be converted to proprietary software’s format. While leaving out, the vendor will export it to a common format like parquet or ORC. </a:t>
+            </a:r>
+          </a:p>
+          <a:p>
+            <a:r>
+              <a:rPr lang="en-GB" dirty="0"/>
+              <a:t>* Snowflake has a data type called ‘BINARY’. Still not recommended. Rather you can decide to store the URL that points to that image/video stored in data lakes like S3.</a:t>
+            </a:r>
+            <a:endParaRPr lang="en-IN" dirty="0"/>
+          </a:p>
+        </p:txBody>
+      </p:sp>
+      <p:sp>
+        <p:nvSpPr>
+          <p:cNvPr id="4" name="Slide Number Placeholder 3"/>
+          <p:cNvSpPr>
+            <a:spLocks noGrp="1"/>
+          </p:cNvSpPr>
+          <p:nvPr>
+            <p:ph type="sldNum" sz="quarter" idx="5"/>
+          </p:nvPr>
+        </p:nvSpPr>
+        <p:spPr/>
+        <p:txBody>
+          <a:bodyPr/>
+          <a:lstStyle/>
+          <a:p>
+            <a:fld id="{61D11EEE-6408-426C-86EC-A45CD40E17C7}" type="slidenum">
+              <a:rPr lang="en-IN" smtClean="0"/>
+              <a:t>8</a:t>
+            </a:fld>
+            <a:endParaRPr lang="en-IN"/>
+          </a:p>
+        </p:txBody>
+      </p:sp>
+    </p:spTree>
+    <p:extLst>
+      <p:ext uri="{BB962C8B-B14F-4D97-AF65-F5344CB8AC3E}">
+        <p14:creationId xmlns:p14="http://schemas.microsoft.com/office/powerpoint/2010/main" val="2093567089"/>
+      </p:ext>
+    </p:extLst>
+  </p:cSld>
+  <p:clrMapOvr>
+    <a:masterClrMapping/>
+  </p:clrMapOvr>
+</p:notes>
+</file>
+
+<file path=ppt/notesSlides/notesSlide7.xml><?xml version="1.0" encoding="utf-8"?>
+<p:notes xmlns:a="http://schemas.openxmlformats.org/drawingml/2006/main" xmlns:r="http://schemas.openxmlformats.org/officeDocument/2006/relationships" xmlns:p="http://schemas.openxmlformats.org/presentationml/2006/main">
+  <p:cSld>
+    <p:spTree>
+      <p:nvGrpSpPr>
+        <p:cNvPr id="1" name=""/>
+        <p:cNvGrpSpPr/>
+        <p:nvPr/>
+      </p:nvGrpSpPr>
+      <p:grpSpPr>
+        <a:xfrm>
+          <a:off x="0" y="0"/>
+          <a:ext cx="0" cy="0"/>
+          <a:chOff x="0" y="0"/>
+          <a:chExt cx="0" cy="0"/>
+        </a:xfrm>
+      </p:grpSpPr>
+      <p:sp>
+        <p:nvSpPr>
+          <p:cNvPr id="2" name="Slide Image Placeholder 1"/>
+          <p:cNvSpPr>
+            <a:spLocks noGrp="1" noRot="1" noChangeAspect="1"/>
+          </p:cNvSpPr>
+          <p:nvPr>
+            <p:ph type="sldImg"/>
+          </p:nvPr>
+        </p:nvSpPr>
+        <p:spPr/>
+      </p:sp>
+      <p:sp>
+        <p:nvSpPr>
+          <p:cNvPr id="3" name="Notes Placeholder 2"/>
+          <p:cNvSpPr>
+            <a:spLocks noGrp="1"/>
+          </p:cNvSpPr>
+          <p:nvPr>
+            <p:ph type="body" idx="1"/>
+          </p:nvPr>
+        </p:nvSpPr>
+        <p:spPr/>
+        <p:txBody>
+          <a:bodyPr/>
+          <a:lstStyle/>
+          <a:p>
+            <a:r>
+              <a:rPr lang="en-GB" dirty="0"/>
+              <a:t>* There wont be any conversion or copying to another system. Data relies in 1 single place and all external systems access over same data. So data democratization is good while using data lake.</a:t>
+            </a:r>
+            <a:endParaRPr lang="en-IN" dirty="0"/>
+          </a:p>
+        </p:txBody>
+      </p:sp>
+      <p:sp>
+        <p:nvSpPr>
+          <p:cNvPr id="4" name="Slide Number Placeholder 3"/>
+          <p:cNvSpPr>
+            <a:spLocks noGrp="1"/>
+          </p:cNvSpPr>
+          <p:nvPr>
+            <p:ph type="sldNum" sz="quarter" idx="5"/>
+          </p:nvPr>
+        </p:nvSpPr>
+        <p:spPr/>
+        <p:txBody>
+          <a:bodyPr/>
+          <a:lstStyle/>
+          <a:p>
+            <a:fld id="{61D11EEE-6408-426C-86EC-A45CD40E17C7}" type="slidenum">
+              <a:rPr lang="en-IN" smtClean="0"/>
+              <a:t>9</a:t>
+            </a:fld>
+            <a:endParaRPr lang="en-IN"/>
+          </a:p>
+        </p:txBody>
+      </p:sp>
+    </p:spTree>
+    <p:extLst>
+      <p:ext uri="{BB962C8B-B14F-4D97-AF65-F5344CB8AC3E}">
+        <p14:creationId xmlns:p14="http://schemas.microsoft.com/office/powerpoint/2010/main" val="1155419419"/>
+      </p:ext>
+    </p:extLst>
+  </p:cSld>
+  <p:clrMapOvr>
+    <a:masterClrMapping/>
+  </p:clrMapOvr>
+</p:notes>
+</file>
+
+<file path=ppt/notesSlides/notesSlide8.xml><?xml version="1.0" encoding="utf-8"?>
 <p:notes xmlns:a="http://schemas.openxmlformats.org/drawingml/2006/main" xmlns:r="http://schemas.openxmlformats.org/officeDocument/2006/relationships" xmlns:p="http://schemas.openxmlformats.org/presentationml/2006/main">
   <p:cSld>
     <p:spTree>
@@ -962,91 +1363,7 @@
           <a:p>
             <a:fld id="{61D11EEE-6408-426C-86EC-A45CD40E17C7}" type="slidenum">
               <a:rPr lang="en-IN" smtClean="0"/>
-              <a:t>7</a:t>
-            </a:fld>
-            <a:endParaRPr lang="en-IN"/>
-          </a:p>
-        </p:txBody>
-      </p:sp>
-    </p:spTree>
-    <p:extLst>
-      <p:ext uri="{BB962C8B-B14F-4D97-AF65-F5344CB8AC3E}">
-        <p14:creationId xmlns:p14="http://schemas.microsoft.com/office/powerpoint/2010/main" val="1510584662"/>
-      </p:ext>
-    </p:extLst>
-  </p:cSld>
-  <p:clrMapOvr>
-    <a:masterClrMapping/>
-  </p:clrMapOvr>
-</p:notes>
-</file>
-
-<file path=ppt/notesSlides/notesSlide6.xml><?xml version="1.0" encoding="utf-8"?>
-<p:notes xmlns:a="http://schemas.openxmlformats.org/drawingml/2006/main" xmlns:r="http://schemas.openxmlformats.org/officeDocument/2006/relationships" xmlns:p="http://schemas.openxmlformats.org/presentationml/2006/main">
-  <p:cSld>
-    <p:spTree>
-      <p:nvGrpSpPr>
-        <p:cNvPr id="1" name=""/>
-        <p:cNvGrpSpPr/>
-        <p:nvPr/>
-      </p:nvGrpSpPr>
-      <p:grpSpPr>
-        <a:xfrm>
-          <a:off x="0" y="0"/>
-          <a:ext cx="0" cy="0"/>
-          <a:chOff x="0" y="0"/>
-          <a:chExt cx="0" cy="0"/>
-        </a:xfrm>
-      </p:grpSpPr>
-      <p:sp>
-        <p:nvSpPr>
-          <p:cNvPr id="2" name="Slide Image Placeholder 1"/>
-          <p:cNvSpPr>
-            <a:spLocks noGrp="1" noRot="1" noChangeAspect="1"/>
-          </p:cNvSpPr>
-          <p:nvPr>
-            <p:ph type="sldImg"/>
-          </p:nvPr>
-        </p:nvSpPr>
-        <p:spPr/>
-      </p:sp>
-      <p:sp>
-        <p:nvSpPr>
-          <p:cNvPr id="3" name="Notes Placeholder 2"/>
-          <p:cNvSpPr>
-            <a:spLocks noGrp="1"/>
-          </p:cNvSpPr>
-          <p:nvPr>
-            <p:ph type="body" idx="1"/>
-          </p:nvPr>
-        </p:nvSpPr>
-        <p:spPr/>
-        <p:txBody>
-          <a:bodyPr/>
-          <a:lstStyle/>
-          <a:p>
-            <a:endParaRPr lang="en-IN" dirty="0"/>
-          </a:p>
-        </p:txBody>
-      </p:sp>
-      <p:sp>
-        <p:nvSpPr>
-          <p:cNvPr id="4" name="Slide Number Placeholder 3"/>
-          <p:cNvSpPr>
-            <a:spLocks noGrp="1"/>
-          </p:cNvSpPr>
-          <p:nvPr>
-            <p:ph type="sldNum" sz="quarter" idx="5"/>
-          </p:nvPr>
-        </p:nvSpPr>
-        <p:spPr/>
-        <p:txBody>
-          <a:bodyPr/>
-          <a:lstStyle/>
-          <a:p>
-            <a:fld id="{61D11EEE-6408-426C-86EC-A45CD40E17C7}" type="slidenum">
-              <a:rPr lang="en-IN" smtClean="0"/>
-              <a:t>14</a:t>
+              <a:t>12</a:t>
             </a:fld>
             <a:endParaRPr lang="en-IN"/>
           </a:p>
@@ -1065,7 +1382,7 @@
 </p:notes>
 </file>
 
-<file path=ppt/notesSlides/notesSlide7.xml><?xml version="1.0" encoding="utf-8"?>
+<file path=ppt/notesSlides/notesSlide9.xml><?xml version="1.0" encoding="utf-8"?>
 <p:notes xmlns:a="http://schemas.openxmlformats.org/drawingml/2006/main" xmlns:r="http://schemas.openxmlformats.org/officeDocument/2006/relationships" xmlns:p="http://schemas.openxmlformats.org/presentationml/2006/main">
   <p:cSld>
     <p:spTree>
@@ -1134,7 +1451,7 @@
           <a:p>
             <a:fld id="{61D11EEE-6408-426C-86EC-A45CD40E17C7}" type="slidenum">
               <a:rPr lang="en-IN" smtClean="0"/>
-              <a:t>17</a:t>
+              <a:t>16</a:t>
             </a:fld>
             <a:endParaRPr lang="en-IN"/>
           </a:p>
@@ -1144,94 +1461,6 @@
     <p:extLst>
       <p:ext uri="{BB962C8B-B14F-4D97-AF65-F5344CB8AC3E}">
         <p14:creationId xmlns:p14="http://schemas.microsoft.com/office/powerpoint/2010/main" val="744853297"/>
-      </p:ext>
-    </p:extLst>
-  </p:cSld>
-  <p:clrMapOvr>
-    <a:masterClrMapping/>
-  </p:clrMapOvr>
-</p:notes>
-</file>
-
-<file path=ppt/notesSlides/notesSlide8.xml><?xml version="1.0" encoding="utf-8"?>
-<p:notes xmlns:a="http://schemas.openxmlformats.org/drawingml/2006/main" xmlns:r="http://schemas.openxmlformats.org/officeDocument/2006/relationships" xmlns:p="http://schemas.openxmlformats.org/presentationml/2006/main">
-  <p:cSld>
-    <p:spTree>
-      <p:nvGrpSpPr>
-        <p:cNvPr id="1" name=""/>
-        <p:cNvGrpSpPr/>
-        <p:nvPr/>
-      </p:nvGrpSpPr>
-      <p:grpSpPr>
-        <a:xfrm>
-          <a:off x="0" y="0"/>
-          <a:ext cx="0" cy="0"/>
-          <a:chOff x="0" y="0"/>
-          <a:chExt cx="0" cy="0"/>
-        </a:xfrm>
-      </p:grpSpPr>
-      <p:sp>
-        <p:nvSpPr>
-          <p:cNvPr id="2" name="Slide Image Placeholder 1"/>
-          <p:cNvSpPr>
-            <a:spLocks noGrp="1" noRot="1" noChangeAspect="1"/>
-          </p:cNvSpPr>
-          <p:nvPr>
-            <p:ph type="sldImg"/>
-          </p:nvPr>
-        </p:nvSpPr>
-        <p:spPr/>
-      </p:sp>
-      <p:sp>
-        <p:nvSpPr>
-          <p:cNvPr id="3" name="Notes Placeholder 2"/>
-          <p:cNvSpPr>
-            <a:spLocks noGrp="1"/>
-          </p:cNvSpPr>
-          <p:nvPr>
-            <p:ph type="body" idx="1"/>
-          </p:nvPr>
-        </p:nvSpPr>
-        <p:spPr/>
-        <p:txBody>
-          <a:bodyPr/>
-          <a:lstStyle/>
-          <a:p>
-            <a:r>
-              <a:rPr lang="en-GB" dirty="0"/>
-              <a:t>Data warehouse we opted is Snowflake.</a:t>
-            </a:r>
-            <a:endParaRPr lang="en-IN" dirty="0"/>
-          </a:p>
-        </p:txBody>
-      </p:sp>
-      <p:sp>
-        <p:nvSpPr>
-          <p:cNvPr id="4" name="Slide Number Placeholder 3"/>
-          <p:cNvSpPr>
-            <a:spLocks noGrp="1"/>
-          </p:cNvSpPr>
-          <p:nvPr>
-            <p:ph type="sldNum" sz="quarter" idx="5"/>
-          </p:nvPr>
-        </p:nvSpPr>
-        <p:spPr/>
-        <p:txBody>
-          <a:bodyPr/>
-          <a:lstStyle/>
-          <a:p>
-            <a:fld id="{61D11EEE-6408-426C-86EC-A45CD40E17C7}" type="slidenum">
-              <a:rPr lang="en-IN" smtClean="0"/>
-              <a:t>18</a:t>
-            </a:fld>
-            <a:endParaRPr lang="en-IN"/>
-          </a:p>
-        </p:txBody>
-      </p:sp>
-    </p:spTree>
-    <p:extLst>
-      <p:ext uri="{BB962C8B-B14F-4D97-AF65-F5344CB8AC3E}">
-        <p14:creationId xmlns:p14="http://schemas.microsoft.com/office/powerpoint/2010/main" val="2244120138"/>
       </p:ext>
     </p:extLst>
   </p:cSld>
@@ -10034,7 +10263,7 @@
           <a:p>
             <a:fld id="{9DEB34CA-C89E-4814-A418-5B035F87DCE9}" type="datetimeFigureOut">
               <a:rPr lang="en-IN" smtClean="0"/>
-              <a:t>10-04-2021</a:t>
+              <a:t>14-04-2021</a:t>
             </a:fld>
             <a:endParaRPr lang="en-IN"/>
           </a:p>
@@ -10241,7 +10470,7 @@
           <a:p>
             <a:fld id="{9DEB34CA-C89E-4814-A418-5B035F87DCE9}" type="datetimeFigureOut">
               <a:rPr lang="en-IN" smtClean="0"/>
-              <a:t>10-04-2021</a:t>
+              <a:t>14-04-2021</a:t>
             </a:fld>
             <a:endParaRPr lang="en-IN"/>
           </a:p>
@@ -10421,7 +10650,7 @@
           <a:p>
             <a:fld id="{9DEB34CA-C89E-4814-A418-5B035F87DCE9}" type="datetimeFigureOut">
               <a:rPr lang="en-IN" smtClean="0"/>
-              <a:t>10-04-2021</a:t>
+              <a:t>14-04-2021</a:t>
             </a:fld>
             <a:endParaRPr lang="en-IN"/>
           </a:p>
@@ -10626,7 +10855,7 @@
           <a:p>
             <a:fld id="{9DEB34CA-C89E-4814-A418-5B035F87DCE9}" type="datetimeFigureOut">
               <a:rPr lang="en-IN" smtClean="0"/>
-              <a:t>10-04-2021</a:t>
+              <a:t>14-04-2021</a:t>
             </a:fld>
             <a:endParaRPr lang="en-IN"/>
           </a:p>
@@ -19524,7 +19753,7 @@
           <a:p>
             <a:fld id="{9DEB34CA-C89E-4814-A418-5B035F87DCE9}" type="datetimeFigureOut">
               <a:rPr lang="en-IN" smtClean="0"/>
-              <a:t>10-04-2021</a:t>
+              <a:t>14-04-2021</a:t>
             </a:fld>
             <a:endParaRPr lang="en-IN"/>
           </a:p>
@@ -19798,7 +20027,7 @@
           <a:p>
             <a:fld id="{9DEB34CA-C89E-4814-A418-5B035F87DCE9}" type="datetimeFigureOut">
               <a:rPr lang="en-IN" smtClean="0"/>
-              <a:t>10-04-2021</a:t>
+              <a:t>14-04-2021</a:t>
             </a:fld>
             <a:endParaRPr lang="en-IN"/>
           </a:p>
@@ -20196,7 +20425,7 @@
           <a:p>
             <a:fld id="{9DEB34CA-C89E-4814-A418-5B035F87DCE9}" type="datetimeFigureOut">
               <a:rPr lang="en-IN" smtClean="0"/>
-              <a:t>10-04-2021</a:t>
+              <a:t>14-04-2021</a:t>
             </a:fld>
             <a:endParaRPr lang="en-IN"/>
           </a:p>
@@ -20314,7 +20543,7 @@
           <a:p>
             <a:fld id="{9DEB34CA-C89E-4814-A418-5B035F87DCE9}" type="datetimeFigureOut">
               <a:rPr lang="en-IN" smtClean="0"/>
-              <a:t>10-04-2021</a:t>
+              <a:t>14-04-2021</a:t>
             </a:fld>
             <a:endParaRPr lang="en-IN"/>
           </a:p>
@@ -20409,7 +20638,7 @@
           <a:p>
             <a:fld id="{9DEB34CA-C89E-4814-A418-5B035F87DCE9}" type="datetimeFigureOut">
               <a:rPr lang="en-IN" smtClean="0"/>
-              <a:t>10-04-2021</a:t>
+              <a:t>14-04-2021</a:t>
             </a:fld>
             <a:endParaRPr lang="en-IN"/>
           </a:p>
@@ -20699,7 +20928,7 @@
           <a:p>
             <a:fld id="{9DEB34CA-C89E-4814-A418-5B035F87DCE9}" type="datetimeFigureOut">
               <a:rPr lang="en-IN" smtClean="0"/>
-              <a:t>10-04-2021</a:t>
+              <a:t>14-04-2021</a:t>
             </a:fld>
             <a:endParaRPr lang="en-IN"/>
           </a:p>
@@ -20979,7 +21208,7 @@
           <a:p>
             <a:fld id="{9DEB34CA-C89E-4814-A418-5B035F87DCE9}" type="datetimeFigureOut">
               <a:rPr lang="en-IN" smtClean="0"/>
-              <a:t>10-04-2021</a:t>
+              <a:t>14-04-2021</a:t>
             </a:fld>
             <a:endParaRPr lang="en-IN"/>
           </a:p>
@@ -21229,7 +21458,7 @@
           <a:p>
             <a:fld id="{9DEB34CA-C89E-4814-A418-5B035F87DCE9}" type="datetimeFigureOut">
               <a:rPr lang="en-IN" smtClean="0"/>
-              <a:t>10-04-2021</a:t>
+              <a:t>14-04-2021</a:t>
             </a:fld>
             <a:endParaRPr lang="en-IN"/>
           </a:p>
@@ -21756,21 +21985,21 @@
           <a:p>
             <a:r>
               <a:rPr lang="en-GB" dirty="0"/>
-              <a:t>Azure Synapse Analytics</a:t>
+              <a:t>Synapse Analytics</a:t>
             </a:r>
             <a:br>
               <a:rPr lang="en-GB" dirty="0"/>
             </a:br>
             <a:r>
               <a:rPr lang="en-GB" dirty="0"/>
-              <a:t>Azure SQL Database</a:t>
+              <a:t>SQL Database</a:t>
             </a:r>
             <a:br>
               <a:rPr lang="en-GB" dirty="0"/>
             </a:br>
             <a:r>
               <a:rPr lang="en-GB" dirty="0"/>
-              <a:t>Azure Databricks</a:t>
+              <a:t>Databricks</a:t>
             </a:r>
             <a:endParaRPr lang="en-IN" dirty="0"/>
           </a:p>
@@ -21799,18 +22028,167 @@
           <a:p>
             <a:r>
               <a:rPr lang="en-GB" dirty="0"/>
-              <a:t>When to use? </a:t>
+              <a:t>When to choose one? </a:t>
             </a:r>
           </a:p>
           <a:p>
             <a:r>
               <a:rPr lang="en-GB" dirty="0"/>
-              <a:t>Why?</a:t>
+              <a:t>Why it should be </a:t>
+            </a:r>
+            <a:r>
+              <a:rPr lang="en-GB" dirty="0" err="1"/>
+              <a:t>choosen</a:t>
+            </a:r>
+            <a:r>
+              <a:rPr lang="en-GB" dirty="0"/>
+              <a:t>?</a:t>
             </a:r>
             <a:endParaRPr lang="en-IN" dirty="0"/>
           </a:p>
         </p:txBody>
       </p:sp>
+      <p:pic>
+        <p:nvPicPr>
+          <p:cNvPr id="7170" name="Picture 2" descr="Databricks | LinkedIn">
+            <a:extLst>
+              <a:ext uri="{FF2B5EF4-FFF2-40B4-BE49-F238E27FC236}">
+                <a16:creationId xmlns:a16="http://schemas.microsoft.com/office/drawing/2014/main" id="{55083925-26A7-4406-9E13-B5CD1D80D3EC}"/>
+              </a:ext>
+            </a:extLst>
+          </p:cNvPr>
+          <p:cNvPicPr>
+            <a:picLocks noChangeAspect="1" noChangeArrowheads="1"/>
+          </p:cNvPicPr>
+          <p:nvPr/>
+        </p:nvPicPr>
+        <p:blipFill>
+          <a:blip r:embed="rId3">
+            <a:extLst>
+              <a:ext uri="{28A0092B-C50C-407E-A947-70E740481C1C}">
+                <a14:useLocalDpi xmlns:a14="http://schemas.microsoft.com/office/drawing/2010/main" val="0"/>
+              </a:ext>
+            </a:extLst>
+          </a:blip>
+          <a:srcRect/>
+          <a:stretch>
+            <a:fillRect/>
+          </a:stretch>
+        </p:blipFill>
+        <p:spPr bwMode="auto">
+          <a:xfrm>
+            <a:off x="5381894" y="6049795"/>
+            <a:ext cx="373382" cy="373382"/>
+          </a:xfrm>
+          <a:prstGeom prst="rect">
+            <a:avLst/>
+          </a:prstGeom>
+          <a:noFill/>
+          <a:extLst>
+            <a:ext uri="{909E8E84-426E-40DD-AFC4-6F175D3DCCD1}">
+              <a14:hiddenFill xmlns:a14="http://schemas.microsoft.com/office/drawing/2010/main">
+                <a:solidFill>
+                  <a:srgbClr val="FFFFFF"/>
+                </a:solidFill>
+              </a14:hiddenFill>
+            </a:ext>
+          </a:extLst>
+        </p:spPr>
+      </p:pic>
+      <p:pic>
+        <p:nvPicPr>
+          <p:cNvPr id="5" name="Picture 2" descr="Pricing - Azure Synapse Analytics | Microsoft Azure">
+            <a:extLst>
+              <a:ext uri="{FF2B5EF4-FFF2-40B4-BE49-F238E27FC236}">
+                <a16:creationId xmlns:a16="http://schemas.microsoft.com/office/drawing/2014/main" id="{E9CA64A3-6E14-4FA0-8186-E76159C917CB}"/>
+              </a:ext>
+            </a:extLst>
+          </p:cNvPr>
+          <p:cNvPicPr>
+            <a:picLocks noChangeAspect="1" noChangeArrowheads="1"/>
+          </p:cNvPicPr>
+          <p:nvPr/>
+        </p:nvPicPr>
+        <p:blipFill>
+          <a:blip r:embed="rId4">
+            <a:extLst>
+              <a:ext uri="{28A0092B-C50C-407E-A947-70E740481C1C}">
+                <a14:useLocalDpi xmlns:a14="http://schemas.microsoft.com/office/drawing/2010/main" val="0"/>
+              </a:ext>
+            </a:extLst>
+          </a:blip>
+          <a:srcRect/>
+          <a:stretch>
+            <a:fillRect/>
+          </a:stretch>
+        </p:blipFill>
+        <p:spPr bwMode="auto">
+          <a:xfrm>
+            <a:off x="3683727" y="4860893"/>
+            <a:ext cx="815339" cy="428053"/>
+          </a:xfrm>
+          <a:prstGeom prst="rect">
+            <a:avLst/>
+          </a:prstGeom>
+          <a:noFill/>
+          <a:extLst>
+            <a:ext uri="{909E8E84-426E-40DD-AFC4-6F175D3DCCD1}">
+              <a14:hiddenFill xmlns:a14="http://schemas.microsoft.com/office/drawing/2010/main">
+                <a:solidFill>
+                  <a:srgbClr val="FFFFFF"/>
+                </a:solidFill>
+              </a14:hiddenFill>
+            </a:ext>
+          </a:extLst>
+        </p:spPr>
+      </p:pic>
+      <p:pic>
+        <p:nvPicPr>
+          <p:cNvPr id="7172" name="Picture 4" descr="Migrating Databases to Azure SQL Database - SQLPerformance.com">
+            <a:extLst>
+              <a:ext uri="{FF2B5EF4-FFF2-40B4-BE49-F238E27FC236}">
+                <a16:creationId xmlns:a16="http://schemas.microsoft.com/office/drawing/2014/main" id="{57AEB5B0-E5C5-47FB-8047-2AE1F880B24F}"/>
+              </a:ext>
+            </a:extLst>
+          </p:cNvPr>
+          <p:cNvPicPr>
+            <a:picLocks noChangeAspect="1" noChangeArrowheads="1"/>
+          </p:cNvPicPr>
+          <p:nvPr/>
+        </p:nvPicPr>
+        <p:blipFill>
+          <a:blip r:embed="rId5">
+            <a:extLst>
+              <a:ext uri="{28A0092B-C50C-407E-A947-70E740481C1C}">
+                <a14:useLocalDpi xmlns:a14="http://schemas.microsoft.com/office/drawing/2010/main" val="0"/>
+              </a:ext>
+            </a:extLst>
+          </a:blip>
+          <a:srcRect/>
+          <a:stretch>
+            <a:fillRect/>
+          </a:stretch>
+        </p:blipFill>
+        <p:spPr bwMode="auto">
+          <a:xfrm>
+            <a:off x="4969325" y="5463360"/>
+            <a:ext cx="412569" cy="412569"/>
+          </a:xfrm>
+          <a:prstGeom prst="rect">
+            <a:avLst/>
+          </a:prstGeom>
+          <a:noFill/>
+          <a:extLst>
+            <a:ext uri="{909E8E84-426E-40DD-AFC4-6F175D3DCCD1}">
+              <a14:hiddenFill xmlns:a14="http://schemas.microsoft.com/office/drawing/2010/main">
+                <a:solidFill>
+                  <a:srgbClr val="FFFFFF"/>
+                </a:solidFill>
+              </a14:hiddenFill>
+            </a:ext>
+          </a:extLst>
+        </p:spPr>
+      </p:pic>
     </p:spTree>
     <p:extLst>
       <p:ext uri="{BB962C8B-B14F-4D97-AF65-F5344CB8AC3E}">
@@ -21846,7 +22224,7 @@
           <p:cNvPr id="2" name="Title 1">
             <a:extLst>
               <a:ext uri="{FF2B5EF4-FFF2-40B4-BE49-F238E27FC236}">
-                <a16:creationId xmlns:a16="http://schemas.microsoft.com/office/drawing/2014/main" id="{5B87CF65-8203-45A0-8A1D-449B3DDD5664}"/>
+                <a16:creationId xmlns:a16="http://schemas.microsoft.com/office/drawing/2014/main" id="{3099CA52-52D9-4A34-AB54-256CF268FA03}"/>
               </a:ext>
             </a:extLst>
           </p:cNvPr>
@@ -21864,7 +22242,7 @@
           <a:p>
             <a:r>
               <a:rPr lang="en-GB" dirty="0"/>
-              <a:t>Data LAKEHOUSE</a:t>
+              <a:t>Why different types exist?</a:t>
             </a:r>
             <a:endParaRPr lang="en-IN" dirty="0"/>
           </a:p>
@@ -21875,7 +22253,7 @@
           <p:cNvPr id="3" name="Content Placeholder 2">
             <a:extLst>
               <a:ext uri="{FF2B5EF4-FFF2-40B4-BE49-F238E27FC236}">
-                <a16:creationId xmlns:a16="http://schemas.microsoft.com/office/drawing/2014/main" id="{86CBC334-2225-4ED6-8E26-6DDD7BD9E2FA}"/>
+                <a16:creationId xmlns:a16="http://schemas.microsoft.com/office/drawing/2014/main" id="{073F3D67-797C-4FB9-B127-98F4658B5760}"/>
               </a:ext>
             </a:extLst>
           </p:cNvPr>
@@ -21893,7 +22271,29 @@
           <a:p>
             <a:r>
               <a:rPr lang="en-GB" dirty="0"/>
-              <a:t>* Sting together the best of both worlds – Data warehouse and Data lake.</a:t>
+              <a:t>* Each type solves different problem statements.</a:t>
+            </a:r>
+          </a:p>
+          <a:p>
+            <a:r>
+              <a:rPr lang="en-GB" dirty="0"/>
+              <a:t>* When NoSQL came, people talked </a:t>
+            </a:r>
+            <a:r>
+              <a:rPr lang="en-GB" dirty="0" err="1"/>
+              <a:t>htat</a:t>
+            </a:r>
+            <a:r>
+              <a:rPr lang="en-GB" dirty="0"/>
+              <a:t> RDBMS will die soon. When </a:t>
+            </a:r>
+            <a:r>
+              <a:rPr lang="en-GB" dirty="0" err="1"/>
+              <a:t>BigData</a:t>
+            </a:r>
+            <a:r>
+              <a:rPr lang="en-GB" dirty="0"/>
+              <a:t> hype  was at its peak, it was spoken around that the whole DBMS will die. But none happened. Still RDBMS rocks.</a:t>
             </a:r>
             <a:endParaRPr lang="en-IN" dirty="0"/>
           </a:p>
@@ -21902,7 +22302,7 @@
     </p:spTree>
     <p:extLst>
       <p:ext uri="{BB962C8B-B14F-4D97-AF65-F5344CB8AC3E}">
-        <p14:creationId xmlns:p14="http://schemas.microsoft.com/office/powerpoint/2010/main" val="3135131184"/>
+        <p14:creationId xmlns:p14="http://schemas.microsoft.com/office/powerpoint/2010/main" val="3018072680"/>
       </p:ext>
     </p:extLst>
   </p:cSld>
@@ -21913,177 +22313,6 @@
 </file>
 
 <file path=ppt/slides/slide11.xml><?xml version="1.0" encoding="utf-8"?>
-<p:sld xmlns:a="http://schemas.openxmlformats.org/drawingml/2006/main" xmlns:r="http://schemas.openxmlformats.org/officeDocument/2006/relationships" xmlns:p="http://schemas.openxmlformats.org/presentationml/2006/main">
-  <p:cSld>
-    <p:spTree>
-      <p:nvGrpSpPr>
-        <p:cNvPr id="1" name=""/>
-        <p:cNvGrpSpPr/>
-        <p:nvPr/>
-      </p:nvGrpSpPr>
-      <p:grpSpPr>
-        <a:xfrm>
-          <a:off x="0" y="0"/>
-          <a:ext cx="0" cy="0"/>
-          <a:chOff x="0" y="0"/>
-          <a:chExt cx="0" cy="0"/>
-        </a:xfrm>
-      </p:grpSpPr>
-      <p:sp>
-        <p:nvSpPr>
-          <p:cNvPr id="2" name="Title 1">
-            <a:extLst>
-              <a:ext uri="{FF2B5EF4-FFF2-40B4-BE49-F238E27FC236}">
-                <a16:creationId xmlns:a16="http://schemas.microsoft.com/office/drawing/2014/main" id="{B166AB00-3643-4180-B7ED-73AE2A87ADB3}"/>
-              </a:ext>
-            </a:extLst>
-          </p:cNvPr>
-          <p:cNvSpPr>
-            <a:spLocks noGrp="1"/>
-          </p:cNvSpPr>
-          <p:nvPr>
-            <p:ph type="title"/>
-          </p:nvPr>
-        </p:nvSpPr>
-        <p:spPr/>
-        <p:txBody>
-          <a:bodyPr/>
-          <a:lstStyle/>
-          <a:p>
-            <a:r>
-              <a:rPr lang="en-GB" dirty="0"/>
-              <a:t>Delta lake – The hybrid model</a:t>
-            </a:r>
-            <a:endParaRPr lang="en-IN" dirty="0"/>
-          </a:p>
-        </p:txBody>
-      </p:sp>
-      <p:pic>
-        <p:nvPicPr>
-          <p:cNvPr id="5" name="Content Placeholder 4">
-            <a:extLst>
-              <a:ext uri="{FF2B5EF4-FFF2-40B4-BE49-F238E27FC236}">
-                <a16:creationId xmlns:a16="http://schemas.microsoft.com/office/drawing/2014/main" id="{90D1B4AB-1B08-48DA-81F0-587D0513CD23}"/>
-              </a:ext>
-            </a:extLst>
-          </p:cNvPr>
-          <p:cNvPicPr>
-            <a:picLocks noGrp="1" noChangeAspect="1"/>
-          </p:cNvPicPr>
-          <p:nvPr>
-            <p:ph idx="1"/>
-          </p:nvPr>
-        </p:nvPicPr>
-        <p:blipFill>
-          <a:blip r:embed="rId2">
-            <a:extLst>
-              <a:ext uri="{28A0092B-C50C-407E-A947-70E740481C1C}">
-                <a14:useLocalDpi xmlns:a14="http://schemas.microsoft.com/office/drawing/2010/main" val="0"/>
-              </a:ext>
-            </a:extLst>
-          </a:blip>
-          <a:stretch>
-            <a:fillRect/>
-          </a:stretch>
-        </p:blipFill>
-        <p:spPr>
-          <a:xfrm>
-            <a:off x="3201729" y="2286000"/>
-            <a:ext cx="5364680" cy="4022725"/>
-          </a:xfrm>
-        </p:spPr>
-      </p:pic>
-    </p:spTree>
-    <p:extLst>
-      <p:ext uri="{BB962C8B-B14F-4D97-AF65-F5344CB8AC3E}">
-        <p14:creationId xmlns:p14="http://schemas.microsoft.com/office/powerpoint/2010/main" val="4276804084"/>
-      </p:ext>
-    </p:extLst>
-  </p:cSld>
-  <p:clrMapOvr>
-    <a:masterClrMapping/>
-  </p:clrMapOvr>
-</p:sld>
-</file>
-
-<file path=ppt/slides/slide12.xml><?xml version="1.0" encoding="utf-8"?>
-<p:sld xmlns:a="http://schemas.openxmlformats.org/drawingml/2006/main" xmlns:r="http://schemas.openxmlformats.org/officeDocument/2006/relationships" xmlns:p="http://schemas.openxmlformats.org/presentationml/2006/main">
-  <p:cSld>
-    <p:spTree>
-      <p:nvGrpSpPr>
-        <p:cNvPr id="1" name=""/>
-        <p:cNvGrpSpPr/>
-        <p:nvPr/>
-      </p:nvGrpSpPr>
-      <p:grpSpPr>
-        <a:xfrm>
-          <a:off x="0" y="0"/>
-          <a:ext cx="0" cy="0"/>
-          <a:chOff x="0" y="0"/>
-          <a:chExt cx="0" cy="0"/>
-        </a:xfrm>
-      </p:grpSpPr>
-      <p:pic>
-        <p:nvPicPr>
-          <p:cNvPr id="3074" name="Picture 2">
-            <a:extLst>
-              <a:ext uri="{FF2B5EF4-FFF2-40B4-BE49-F238E27FC236}">
-                <a16:creationId xmlns:a16="http://schemas.microsoft.com/office/drawing/2014/main" id="{55530FED-4EFE-41A4-AE39-512AE0D0F96A}"/>
-              </a:ext>
-            </a:extLst>
-          </p:cNvPr>
-          <p:cNvPicPr>
-            <a:picLocks noChangeAspect="1" noChangeArrowheads="1"/>
-          </p:cNvPicPr>
-          <p:nvPr/>
-        </p:nvPicPr>
-        <p:blipFill>
-          <a:blip r:embed="rId2">
-            <a:extLst>
-              <a:ext uri="{28A0092B-C50C-407E-A947-70E740481C1C}">
-                <a14:useLocalDpi xmlns:a14="http://schemas.microsoft.com/office/drawing/2010/main" val="0"/>
-              </a:ext>
-            </a:extLst>
-          </a:blip>
-          <a:srcRect/>
-          <a:stretch>
-            <a:fillRect/>
-          </a:stretch>
-        </p:blipFill>
-        <p:spPr bwMode="auto">
-          <a:xfrm>
-            <a:off x="381000" y="428625"/>
-            <a:ext cx="11430000" cy="6000750"/>
-          </a:xfrm>
-          <a:prstGeom prst="rect">
-            <a:avLst/>
-          </a:prstGeom>
-          <a:noFill/>
-          <a:extLst>
-            <a:ext uri="{909E8E84-426E-40DD-AFC4-6F175D3DCCD1}">
-              <a14:hiddenFill xmlns:a14="http://schemas.microsoft.com/office/drawing/2010/main">
-                <a:solidFill>
-                  <a:srgbClr val="FFFFFF"/>
-                </a:solidFill>
-              </a14:hiddenFill>
-            </a:ext>
-          </a:extLst>
-        </p:spPr>
-      </p:pic>
-    </p:spTree>
-    <p:extLst>
-      <p:ext uri="{BB962C8B-B14F-4D97-AF65-F5344CB8AC3E}">
-        <p14:creationId xmlns:p14="http://schemas.microsoft.com/office/powerpoint/2010/main" val="1528854340"/>
-      </p:ext>
-    </p:extLst>
-  </p:cSld>
-  <p:clrMapOvr>
-    <a:masterClrMapping/>
-  </p:clrMapOvr>
-</p:sld>
-</file>
-
-<file path=ppt/slides/slide13.xml><?xml version="1.0" encoding="utf-8"?>
 <p:sld xmlns:a="http://schemas.openxmlformats.org/drawingml/2006/main" xmlns:r="http://schemas.openxmlformats.org/officeDocument/2006/relationships" xmlns:p="http://schemas.openxmlformats.org/presentationml/2006/main">
   <p:cSld>
     <p:spTree>
@@ -22179,6 +22408,100 @@
           </a:p>
         </p:txBody>
       </p:sp>
+      <p:pic>
+        <p:nvPicPr>
+          <p:cNvPr id="4" name="Picture 2" descr="Pricing - Azure Synapse Analytics | Microsoft Azure">
+            <a:extLst>
+              <a:ext uri="{FF2B5EF4-FFF2-40B4-BE49-F238E27FC236}">
+                <a16:creationId xmlns:a16="http://schemas.microsoft.com/office/drawing/2014/main" id="{6A894070-A432-4648-9BBF-EDF71A5AC4EB}"/>
+              </a:ext>
+            </a:extLst>
+          </p:cNvPr>
+          <p:cNvPicPr>
+            <a:picLocks noChangeAspect="1" noChangeArrowheads="1"/>
+          </p:cNvPicPr>
+          <p:nvPr/>
+        </p:nvPicPr>
+        <p:blipFill>
+          <a:blip r:embed="rId2">
+            <a:extLst>
+              <a:ext uri="{28A0092B-C50C-407E-A947-70E740481C1C}">
+                <a14:useLocalDpi xmlns:a14="http://schemas.microsoft.com/office/drawing/2010/main" val="0"/>
+              </a:ext>
+            </a:extLst>
+          </a:blip>
+          <a:srcRect/>
+          <a:stretch>
+            <a:fillRect/>
+          </a:stretch>
+        </p:blipFill>
+        <p:spPr bwMode="auto">
+          <a:xfrm>
+            <a:off x="1502229" y="5113870"/>
+            <a:ext cx="1100546" cy="577787"/>
+          </a:xfrm>
+          <a:prstGeom prst="rect">
+            <a:avLst/>
+          </a:prstGeom>
+          <a:noFill/>
+          <a:extLst>
+            <a:ext uri="{909E8E84-426E-40DD-AFC4-6F175D3DCCD1}">
+              <a14:hiddenFill xmlns:a14="http://schemas.microsoft.com/office/drawing/2010/main">
+                <a:solidFill>
+                  <a:srgbClr val="FFFFFF"/>
+                </a:solidFill>
+              </a14:hiddenFill>
+            </a:ext>
+          </a:extLst>
+        </p:spPr>
+      </p:pic>
+      <p:pic>
+        <p:nvPicPr>
+          <p:cNvPr id="5" name="Picture 2" descr="Databricks | LinkedIn">
+            <a:extLst>
+              <a:ext uri="{FF2B5EF4-FFF2-40B4-BE49-F238E27FC236}">
+                <a16:creationId xmlns:a16="http://schemas.microsoft.com/office/drawing/2014/main" id="{6A3B3155-128B-49B7-A843-92BEBBF9A8EB}"/>
+              </a:ext>
+            </a:extLst>
+          </p:cNvPr>
+          <p:cNvPicPr>
+            <a:picLocks noChangeAspect="1" noChangeArrowheads="1"/>
+          </p:cNvPicPr>
+          <p:nvPr/>
+        </p:nvPicPr>
+        <p:blipFill>
+          <a:blip r:embed="rId3">
+            <a:extLst>
+              <a:ext uri="{28A0092B-C50C-407E-A947-70E740481C1C}">
+                <a14:useLocalDpi xmlns:a14="http://schemas.microsoft.com/office/drawing/2010/main" val="0"/>
+              </a:ext>
+            </a:extLst>
+          </a:blip>
+          <a:srcRect/>
+          <a:stretch>
+            <a:fillRect/>
+          </a:stretch>
+        </p:blipFill>
+        <p:spPr bwMode="auto">
+          <a:xfrm>
+            <a:off x="3448594" y="5743908"/>
+            <a:ext cx="511748" cy="511748"/>
+          </a:xfrm>
+          <a:prstGeom prst="rect">
+            <a:avLst/>
+          </a:prstGeom>
+          <a:noFill/>
+          <a:extLst>
+            <a:ext uri="{909E8E84-426E-40DD-AFC4-6F175D3DCCD1}">
+              <a14:hiddenFill xmlns:a14="http://schemas.microsoft.com/office/drawing/2010/main">
+                <a:solidFill>
+                  <a:srgbClr val="FFFFFF"/>
+                </a:solidFill>
+              </a14:hiddenFill>
+            </a:ext>
+          </a:extLst>
+        </p:spPr>
+      </p:pic>
     </p:spTree>
     <p:extLst>
       <p:ext uri="{BB962C8B-B14F-4D97-AF65-F5344CB8AC3E}">
@@ -22192,7 +22515,7 @@
 </p:sld>
 </file>
 
-<file path=ppt/slides/slide14.xml><?xml version="1.0" encoding="utf-8"?>
+<file path=ppt/slides/slide12.xml><?xml version="1.0" encoding="utf-8"?>
 <p:sld xmlns:a="http://schemas.openxmlformats.org/drawingml/2006/main" xmlns:r="http://schemas.openxmlformats.org/officeDocument/2006/relationships" xmlns:p="http://schemas.openxmlformats.org/presentationml/2006/main">
   <p:cSld>
     <p:spTree>
@@ -22259,10 +22582,67 @@
           <a:bodyPr/>
           <a:lstStyle/>
           <a:p>
-            <a:endParaRPr lang="en-IN"/>
+            <a:r>
+              <a:rPr lang="en-GB" dirty="0"/>
+              <a:t>* Data warehouse.</a:t>
+            </a:r>
+          </a:p>
+          <a:p>
+            <a:r>
+              <a:rPr lang="en-GB" dirty="0"/>
+              <a:t>* ISP - </a:t>
+            </a:r>
+            <a:endParaRPr lang="en-IN" dirty="0"/>
           </a:p>
         </p:txBody>
       </p:sp>
+      <p:pic>
+        <p:nvPicPr>
+          <p:cNvPr id="5122" name="Picture 2" descr="Pricing - Azure Synapse Analytics | Microsoft Azure">
+            <a:extLst>
+              <a:ext uri="{FF2B5EF4-FFF2-40B4-BE49-F238E27FC236}">
+                <a16:creationId xmlns:a16="http://schemas.microsoft.com/office/drawing/2014/main" id="{BEA622B4-D764-4EEC-8F8A-CC06E45DF99E}"/>
+              </a:ext>
+            </a:extLst>
+          </p:cNvPr>
+          <p:cNvPicPr>
+            <a:picLocks noChangeAspect="1" noChangeArrowheads="1"/>
+          </p:cNvPicPr>
+          <p:nvPr/>
+        </p:nvPicPr>
+        <p:blipFill>
+          <a:blip r:embed="rId3">
+            <a:extLst>
+              <a:ext uri="{28A0092B-C50C-407E-A947-70E740481C1C}">
+                <a14:useLocalDpi xmlns:a14="http://schemas.microsoft.com/office/drawing/2010/main" val="0"/>
+              </a:ext>
+            </a:extLst>
+          </a:blip>
+          <a:srcRect/>
+          <a:stretch>
+            <a:fillRect/>
+          </a:stretch>
+        </p:blipFill>
+        <p:spPr bwMode="auto">
+          <a:xfrm>
+            <a:off x="9363347" y="585216"/>
+            <a:ext cx="2761706" cy="1449896"/>
+          </a:xfrm>
+          <a:prstGeom prst="rect">
+            <a:avLst/>
+          </a:prstGeom>
+          <a:noFill/>
+          <a:extLst>
+            <a:ext uri="{909E8E84-426E-40DD-AFC4-6F175D3DCCD1}">
+              <a14:hiddenFill xmlns:a14="http://schemas.microsoft.com/office/drawing/2010/main">
+                <a:solidFill>
+                  <a:srgbClr val="FFFFFF"/>
+                </a:solidFill>
+              </a14:hiddenFill>
+            </a:ext>
+          </a:extLst>
+        </p:spPr>
+      </p:pic>
     </p:spTree>
     <p:extLst>
       <p:ext uri="{BB962C8B-B14F-4D97-AF65-F5344CB8AC3E}">
@@ -22276,7 +22656,7 @@
 </p:sld>
 </file>
 
-<file path=ppt/slides/slide15.xml><?xml version="1.0" encoding="utf-8"?>
+<file path=ppt/slides/slide13.xml><?xml version="1.0" encoding="utf-8"?>
 <p:sld xmlns:a="http://schemas.openxmlformats.org/drawingml/2006/main" xmlns:r="http://schemas.openxmlformats.org/officeDocument/2006/relationships" xmlns:p="http://schemas.openxmlformats.org/presentationml/2006/main">
   <p:cSld>
     <p:spTree>
@@ -22347,10 +22727,67 @@
           <a:bodyPr/>
           <a:lstStyle/>
           <a:p>
-            <a:endParaRPr lang="en-IN"/>
+            <a:r>
+              <a:rPr lang="en-GB" dirty="0"/>
+              <a:t>* Data Lake.</a:t>
+            </a:r>
+          </a:p>
+          <a:p>
+            <a:r>
+              <a:rPr lang="en-GB" dirty="0"/>
+              <a:t>* ISP - </a:t>
+            </a:r>
+            <a:endParaRPr lang="en-IN" dirty="0"/>
           </a:p>
         </p:txBody>
       </p:sp>
+      <p:pic>
+        <p:nvPicPr>
+          <p:cNvPr id="6146" name="Picture 2" descr="Databricks | LinkedIn">
+            <a:extLst>
+              <a:ext uri="{FF2B5EF4-FFF2-40B4-BE49-F238E27FC236}">
+                <a16:creationId xmlns:a16="http://schemas.microsoft.com/office/drawing/2014/main" id="{78A5A21C-FE3C-4A99-9A23-C5BC9F472DC5}"/>
+              </a:ext>
+            </a:extLst>
+          </p:cNvPr>
+          <p:cNvPicPr>
+            <a:picLocks noChangeAspect="1" noChangeArrowheads="1"/>
+          </p:cNvPicPr>
+          <p:nvPr/>
+        </p:nvPicPr>
+        <p:blipFill>
+          <a:blip r:embed="rId2">
+            <a:extLst>
+              <a:ext uri="{28A0092B-C50C-407E-A947-70E740481C1C}">
+                <a14:useLocalDpi xmlns:a14="http://schemas.microsoft.com/office/drawing/2010/main" val="0"/>
+              </a:ext>
+            </a:extLst>
+          </a:blip>
+          <a:srcRect/>
+          <a:stretch>
+            <a:fillRect/>
+          </a:stretch>
+        </p:blipFill>
+        <p:spPr bwMode="auto">
+          <a:xfrm>
+            <a:off x="9862457" y="682316"/>
+            <a:ext cx="1305415" cy="1305415"/>
+          </a:xfrm>
+          <a:prstGeom prst="rect">
+            <a:avLst/>
+          </a:prstGeom>
+          <a:noFill/>
+          <a:extLst>
+            <a:ext uri="{909E8E84-426E-40DD-AFC4-6F175D3DCCD1}">
+              <a14:hiddenFill xmlns:a14="http://schemas.microsoft.com/office/drawing/2010/main">
+                <a:solidFill>
+                  <a:srgbClr val="FFFFFF"/>
+                </a:solidFill>
+              </a14:hiddenFill>
+            </a:ext>
+          </a:extLst>
+        </p:spPr>
+      </p:pic>
     </p:spTree>
     <p:extLst>
       <p:ext uri="{BB962C8B-B14F-4D97-AF65-F5344CB8AC3E}">
@@ -22364,7 +22801,109 @@
 </p:sld>
 </file>
 
-<file path=ppt/slides/slide16.xml><?xml version="1.0" encoding="utf-8"?>
+<file path=ppt/slides/slide14.xml><?xml version="1.0" encoding="utf-8"?>
+<p:sld xmlns:a="http://schemas.openxmlformats.org/drawingml/2006/main" xmlns:r="http://schemas.openxmlformats.org/officeDocument/2006/relationships" xmlns:p="http://schemas.openxmlformats.org/presentationml/2006/main">
+  <p:cSld>
+    <p:spTree>
+      <p:nvGrpSpPr>
+        <p:cNvPr id="1" name=""/>
+        <p:cNvGrpSpPr/>
+        <p:nvPr/>
+      </p:nvGrpSpPr>
+      <p:grpSpPr>
+        <a:xfrm>
+          <a:off x="0" y="0"/>
+          <a:ext cx="0" cy="0"/>
+          <a:chOff x="0" y="0"/>
+          <a:chExt cx="0" cy="0"/>
+        </a:xfrm>
+      </p:grpSpPr>
+      <p:sp>
+        <p:nvSpPr>
+          <p:cNvPr id="2" name="Title 1">
+            <a:extLst>
+              <a:ext uri="{FF2B5EF4-FFF2-40B4-BE49-F238E27FC236}">
+                <a16:creationId xmlns:a16="http://schemas.microsoft.com/office/drawing/2014/main" id="{B166AB00-3643-4180-B7ED-73AE2A87ADB3}"/>
+              </a:ext>
+            </a:extLst>
+          </p:cNvPr>
+          <p:cNvSpPr>
+            <a:spLocks noGrp="1"/>
+          </p:cNvSpPr>
+          <p:nvPr>
+            <p:ph type="title"/>
+          </p:nvPr>
+        </p:nvSpPr>
+        <p:spPr/>
+        <p:txBody>
+          <a:bodyPr/>
+          <a:lstStyle/>
+          <a:p>
+            <a:r>
+              <a:rPr lang="en-GB" dirty="0"/>
+              <a:t>Delta lake – hybrid </a:t>
+            </a:r>
+            <a:r>
+              <a:rPr lang="en-GB" dirty="0" err="1"/>
+              <a:t>DATa</a:t>
+            </a:r>
+            <a:r>
+              <a:rPr lang="en-GB" dirty="0"/>
+              <a:t> format</a:t>
+            </a:r>
+            <a:endParaRPr lang="en-IN" dirty="0"/>
+          </a:p>
+        </p:txBody>
+      </p:sp>
+      <p:pic>
+        <p:nvPicPr>
+          <p:cNvPr id="5" name="Content Placeholder 4">
+            <a:extLst>
+              <a:ext uri="{FF2B5EF4-FFF2-40B4-BE49-F238E27FC236}">
+                <a16:creationId xmlns:a16="http://schemas.microsoft.com/office/drawing/2014/main" id="{90D1B4AB-1B08-48DA-81F0-587D0513CD23}"/>
+              </a:ext>
+            </a:extLst>
+          </p:cNvPr>
+          <p:cNvPicPr>
+            <a:picLocks noGrp="1" noChangeAspect="1"/>
+          </p:cNvPicPr>
+          <p:nvPr>
+            <p:ph idx="1"/>
+          </p:nvPr>
+        </p:nvPicPr>
+        <p:blipFill>
+          <a:blip r:embed="rId2">
+            <a:extLst>
+              <a:ext uri="{28A0092B-C50C-407E-A947-70E740481C1C}">
+                <a14:useLocalDpi xmlns:a14="http://schemas.microsoft.com/office/drawing/2010/main" val="0"/>
+              </a:ext>
+            </a:extLst>
+          </a:blip>
+          <a:stretch>
+            <a:fillRect/>
+          </a:stretch>
+        </p:blipFill>
+        <p:spPr>
+          <a:xfrm>
+            <a:off x="3201729" y="2286000"/>
+            <a:ext cx="5364680" cy="4022725"/>
+          </a:xfrm>
+        </p:spPr>
+      </p:pic>
+    </p:spTree>
+    <p:extLst>
+      <p:ext uri="{BB962C8B-B14F-4D97-AF65-F5344CB8AC3E}">
+        <p14:creationId xmlns:p14="http://schemas.microsoft.com/office/powerpoint/2010/main" val="4276804084"/>
+      </p:ext>
+    </p:extLst>
+  </p:cSld>
+  <p:clrMapOvr>
+    <a:masterClrMapping/>
+  </p:clrMapOvr>
+</p:sld>
+</file>
+
+<file path=ppt/slides/slide15.xml><?xml version="1.0" encoding="utf-8"?>
 <p:sld xmlns:a="http://schemas.openxmlformats.org/drawingml/2006/main" xmlns:r="http://schemas.openxmlformats.org/officeDocument/2006/relationships" xmlns:p="http://schemas.openxmlformats.org/presentationml/2006/main">
   <p:cSld>
     <p:spTree>
@@ -22404,7 +22943,7 @@
           <a:p>
             <a:r>
               <a:rPr lang="en-GB" dirty="0"/>
-              <a:t>Common features</a:t>
+              <a:t>Common features IN SYNAPSE &amp; DATABRICKS</a:t>
             </a:r>
             <a:endParaRPr lang="en-IN" dirty="0"/>
           </a:p>
@@ -22426,14 +22965,14 @@
             <p:ph idx="1"/>
             <p:extLst>
               <p:ext uri="{D42A27DB-BD31-4B8C-83A1-F6EECF244321}">
-                <p14:modId xmlns:p14="http://schemas.microsoft.com/office/powerpoint/2010/main" val="2673742258"/>
+                <p14:modId xmlns:p14="http://schemas.microsoft.com/office/powerpoint/2010/main" val="3885059347"/>
               </p:ext>
             </p:extLst>
           </p:nvPr>
         </p:nvGraphicFramePr>
         <p:xfrm>
           <a:off x="1023938" y="2286000"/>
-          <a:ext cx="9720261" cy="3037840"/>
+          <a:ext cx="9720261" cy="3528060"/>
         </p:xfrm>
         <a:graphic>
           <a:graphicData uri="http://schemas.openxmlformats.org/drawingml/2006/table">
@@ -22470,9 +23009,14 @@
                     <a:bodyPr/>
                     <a:lstStyle/>
                     <a:p>
+                      <a:pPr>
+                        <a:lnSpc>
+                          <a:spcPct val="150000"/>
+                        </a:lnSpc>
+                      </a:pPr>
                       <a:r>
                         <a:rPr lang="en-GB" dirty="0"/>
-                        <a:t>Common Feature</a:t>
+                        <a:t>Common feature</a:t>
                       </a:r>
                       <a:endParaRPr lang="en-IN" dirty="0"/>
                     </a:p>
@@ -22484,6 +23028,11 @@
                     <a:bodyPr/>
                     <a:lstStyle/>
                     <a:p>
+                      <a:pPr>
+                        <a:lnSpc>
+                          <a:spcPct val="150000"/>
+                        </a:lnSpc>
+                      </a:pPr>
                       <a:r>
                         <a:rPr lang="en-GB" dirty="0"/>
                         <a:t>Azure Synapse Analytics</a:t>
@@ -22498,6 +23047,11 @@
                     <a:bodyPr/>
                     <a:lstStyle/>
                     <a:p>
+                      <a:pPr>
+                        <a:lnSpc>
+                          <a:spcPct val="150000"/>
+                        </a:lnSpc>
+                      </a:pPr>
                       <a:r>
                         <a:rPr lang="en-GB" dirty="0"/>
                         <a:t>Azure Databricks</a:t>
@@ -22519,9 +23073,14 @@
                     <a:bodyPr/>
                     <a:lstStyle/>
                     <a:p>
+                      <a:pPr>
+                        <a:lnSpc>
+                          <a:spcPct val="150000"/>
+                        </a:lnSpc>
+                      </a:pPr>
                       <a:r>
                         <a:rPr lang="en-GB" dirty="0"/>
-                        <a:t>Apache Spark</a:t>
+                        <a:t>Apache Spark &amp; Delta Lake</a:t>
                       </a:r>
                       <a:endParaRPr lang="en-IN" dirty="0"/>
                     </a:p>
@@ -22533,6 +23092,11 @@
                     <a:bodyPr/>
                     <a:lstStyle/>
                     <a:p>
+                      <a:pPr>
+                        <a:lnSpc>
+                          <a:spcPct val="150000"/>
+                        </a:lnSpc>
+                      </a:pPr>
                       <a:r>
                         <a:rPr lang="en-GB" dirty="0"/>
                         <a:t>Open-source. </a:t>
@@ -22547,6 +23111,11 @@
                     <a:bodyPr/>
                     <a:lstStyle/>
                     <a:p>
+                      <a:pPr>
+                        <a:lnSpc>
+                          <a:spcPct val="150000"/>
+                        </a:lnSpc>
+                      </a:pPr>
                       <a:r>
                         <a:rPr lang="en-GB" dirty="0"/>
                         <a:t>Latest from Databricks.</a:t>
@@ -22568,6 +23137,11 @@
                     <a:bodyPr/>
                     <a:lstStyle/>
                     <a:p>
+                      <a:pPr>
+                        <a:lnSpc>
+                          <a:spcPct val="150000"/>
+                        </a:lnSpc>
+                      </a:pPr>
                       <a:r>
                         <a:rPr lang="en-GB" dirty="0" err="1"/>
                         <a:t>Jupyter</a:t>
@@ -22586,6 +23160,11 @@
                     <a:bodyPr/>
                     <a:lstStyle/>
                     <a:p>
+                      <a:pPr>
+                        <a:lnSpc>
+                          <a:spcPct val="150000"/>
+                        </a:lnSpc>
+                      </a:pPr>
                       <a:r>
                         <a:rPr lang="en-GB" dirty="0" err="1"/>
                         <a:t>Nteract</a:t>
@@ -22603,17 +23182,14 @@
                     <a:bodyPr/>
                     <a:lstStyle/>
                     <a:p>
+                      <a:pPr>
+                        <a:lnSpc>
+                          <a:spcPct val="150000"/>
+                        </a:lnSpc>
+                      </a:pPr>
                       <a:r>
                         <a:rPr lang="en-GB" dirty="0"/>
-                        <a:t>Databricks notebooks with </a:t>
-                      </a:r>
-                      <a:r>
-                        <a:rPr lang="en-GB" dirty="0" err="1"/>
-                        <a:t>realtime</a:t>
-                      </a:r>
-                      <a:r>
-                        <a:rPr lang="en-GB" dirty="0"/>
-                        <a:t> co-authoring and automated versioning.</a:t>
+                        <a:t>Databricks notebooks with real time co-authoring and automated versioning.</a:t>
                       </a:r>
                       <a:endParaRPr lang="en-IN" dirty="0"/>
                     </a:p>
@@ -22632,6 +23208,11 @@
                     <a:bodyPr/>
                     <a:lstStyle/>
                     <a:p>
+                      <a:pPr>
+                        <a:lnSpc>
+                          <a:spcPct val="150000"/>
+                        </a:lnSpc>
+                      </a:pPr>
                       <a:r>
                         <a:rPr lang="en-GB" dirty="0"/>
                         <a:t>Access data from a Data Lake</a:t>
@@ -22646,6 +23227,11 @@
                     <a:bodyPr/>
                     <a:lstStyle/>
                     <a:p>
+                      <a:pPr>
+                        <a:lnSpc>
+                          <a:spcPct val="150000"/>
+                        </a:lnSpc>
+                      </a:pPr>
                       <a:r>
                         <a:rPr lang="en-GB" dirty="0"/>
                         <a:t>Easier to query from sql scripts and notebooks.</a:t>
@@ -22660,6 +23246,11 @@
                     <a:bodyPr/>
                     <a:lstStyle/>
                     <a:p>
+                      <a:pPr>
+                        <a:lnSpc>
+                          <a:spcPct val="150000"/>
+                        </a:lnSpc>
+                      </a:pPr>
                       <a:r>
                         <a:rPr lang="en-GB" dirty="0"/>
                         <a:t>Need to mount and then query.</a:t>
@@ -22681,75 +23272,11 @@
                     <a:bodyPr/>
                     <a:lstStyle/>
                     <a:p>
-                      <a:r>
-                        <a:rPr lang="en-GB" dirty="0"/>
-                        <a:t>Delta Lake</a:t>
-                      </a:r>
-                      <a:endParaRPr lang="en-IN" dirty="0"/>
-                    </a:p>
-                  </a:txBody>
-                  <a:tcPr/>
-                </a:tc>
-                <a:tc>
-                  <a:txBody>
-                    <a:bodyPr/>
-                    <a:lstStyle/>
-                    <a:p>
-                      <a:r>
-                        <a:rPr lang="en-GB" dirty="0"/>
-                        <a:t>Open-source.</a:t>
-                      </a:r>
-                      <a:endParaRPr lang="en-IN" dirty="0"/>
-                    </a:p>
-                  </a:txBody>
-                  <a:tcPr/>
-                </a:tc>
-                <a:tc>
-                  <a:txBody>
-                    <a:bodyPr/>
-                    <a:lstStyle/>
-                    <a:p>
-                      <a:pPr marL="0" marR="0" lvl="0" indent="0" algn="l" defTabSz="914400" rtl="0" eaLnBrk="1" fontAlgn="auto" latinLnBrk="0" hangingPunct="1">
+                      <a:pPr>
                         <a:lnSpc>
-                          <a:spcPct val="100000"/>
+                          <a:spcPct val="150000"/>
                         </a:lnSpc>
-                        <a:spcBef>
-                          <a:spcPts val="0"/>
-                        </a:spcBef>
-                        <a:spcAft>
-                          <a:spcPts val="0"/>
-                        </a:spcAft>
-                        <a:buClrTx/>
-                        <a:buSzTx/>
-                        <a:buFontTx/>
-                        <a:buNone/>
-                        <a:tabLst/>
-                        <a:defRPr/>
                       </a:pPr>
-                      <a:r>
-                        <a:rPr lang="en-GB" dirty="0"/>
-                        <a:t>Latest from Databricks</a:t>
-                      </a:r>
-                      <a:r>
-                        <a:rPr lang="en-IN" dirty="0"/>
-                        <a:t>.</a:t>
-                      </a:r>
-                    </a:p>
-                  </a:txBody>
-                  <a:tcPr/>
-                </a:tc>
-                <a:extLst>
-                  <a:ext uri="{0D108BD9-81ED-4DB2-BD59-A6C34878D82A}">
-                    <a16:rowId xmlns:a16="http://schemas.microsoft.com/office/drawing/2014/main" val="1194164097"/>
-                  </a:ext>
-                </a:extLst>
-              </a:tr>
-              <a:tr h="370840">
-                <a:tc>
-                  <a:txBody>
-                    <a:bodyPr/>
-                    <a:lstStyle/>
-                    <a:p>
                       <a:r>
                         <a:rPr lang="en-GB" dirty="0"/>
                         <a:t>Storage and Compute separated</a:t>
@@ -22763,6 +23290,11 @@
                     <a:bodyPr/>
                     <a:lstStyle/>
                     <a:p>
+                      <a:pPr>
+                        <a:lnSpc>
+                          <a:spcPct val="150000"/>
+                        </a:lnSpc>
+                      </a:pPr>
                       <a:r>
                         <a:rPr lang="en-GB" dirty="0"/>
                         <a:t>SQL </a:t>
@@ -22787,6 +23319,11 @@
                     <a:bodyPr/>
                     <a:lstStyle/>
                     <a:p>
+                      <a:pPr>
+                        <a:lnSpc>
+                          <a:spcPct val="150000"/>
+                        </a:lnSpc>
+                      </a:pPr>
                       <a:r>
                         <a:rPr lang="en-GB" dirty="0">
                           <a:hlinkClick r:id="rId3"/>
@@ -22825,7 +23362,7 @@
 </p:sld>
 </file>
 
-<file path=ppt/slides/slide17.xml><?xml version="1.0" encoding="utf-8"?>
+<file path=ppt/slides/slide16.xml><?xml version="1.0" encoding="utf-8"?>
 <p:sld xmlns:a="http://schemas.openxmlformats.org/drawingml/2006/main" xmlns:r="http://schemas.openxmlformats.org/officeDocument/2006/relationships" xmlns:p="http://schemas.openxmlformats.org/presentationml/2006/main">
   <p:cSld>
     <p:spTree>
@@ -22891,14 +23428,14 @@
             <p:ph idx="1"/>
             <p:extLst>
               <p:ext uri="{D42A27DB-BD31-4B8C-83A1-F6EECF244321}">
-                <p14:modId xmlns:p14="http://schemas.microsoft.com/office/powerpoint/2010/main" val="2377500316"/>
+                <p14:modId xmlns:p14="http://schemas.microsoft.com/office/powerpoint/2010/main" val="2731231280"/>
               </p:ext>
             </p:extLst>
           </p:nvPr>
         </p:nvGraphicFramePr>
         <p:xfrm>
-          <a:off x="1023938" y="2084832"/>
-          <a:ext cx="9720262" cy="1854200"/>
+          <a:off x="1023939" y="2079607"/>
+          <a:ext cx="9720261" cy="4122103"/>
         </p:xfrm>
         <a:graphic>
           <a:graphicData uri="http://schemas.openxmlformats.org/drawingml/2006/table">
@@ -22907,14 +23444,21 @@
                 <a:tableStyleId>{5C22544A-7EE6-4342-B048-85BDC9FD1C3A}</a:tableStyleId>
               </a:tblPr>
               <a:tblGrid>
-                <a:gridCol w="4860131">
+                <a:gridCol w="556668">
+                  <a:extLst>
+                    <a:ext uri="{9D8B030D-6E8A-4147-A177-3AD203B41FA5}">
+                      <a16:colId xmlns:a16="http://schemas.microsoft.com/office/drawing/2014/main" val="4260837503"/>
+                    </a:ext>
+                  </a:extLst>
+                </a:gridCol>
+                <a:gridCol w="5923506">
                   <a:extLst>
                     <a:ext uri="{9D8B030D-6E8A-4147-A177-3AD203B41FA5}">
                       <a16:colId xmlns:a16="http://schemas.microsoft.com/office/drawing/2014/main" val="1046733063"/>
                     </a:ext>
                   </a:extLst>
                 </a:gridCol>
-                <a:gridCol w="4860131">
+                <a:gridCol w="3240087">
                   <a:extLst>
                     <a:ext uri="{9D8B030D-6E8A-4147-A177-3AD203B41FA5}">
                       <a16:colId xmlns:a16="http://schemas.microsoft.com/office/drawing/2014/main" val="914390271"/>
@@ -22928,10 +23472,11 @@
                     <a:bodyPr/>
                     <a:lstStyle/>
                     <a:p>
-                      <a:r>
-                        <a:rPr lang="en-GB" dirty="0"/>
-                        <a:t>Use cases</a:t>
-                      </a:r>
+                      <a:pPr algn="ctr">
+                        <a:lnSpc>
+                          <a:spcPct val="150000"/>
+                        </a:lnSpc>
+                      </a:pPr>
                       <a:endParaRPr lang="en-IN" dirty="0"/>
                     </a:p>
                   </a:txBody>
@@ -22942,11 +23487,35 @@
                     <a:bodyPr/>
                     <a:lstStyle/>
                     <a:p>
+                      <a:pPr algn="ctr">
+                        <a:lnSpc>
+                          <a:spcPct val="150000"/>
+                        </a:lnSpc>
+                      </a:pPr>
                       <a:r>
-                        <a:rPr lang="en-GB" dirty="0"/>
+                        <a:rPr lang="en-GB" sz="2000" dirty="0"/>
+                        <a:t>Scenario</a:t>
+                      </a:r>
+                      <a:endParaRPr lang="en-IN" sz="2000" dirty="0"/>
+                    </a:p>
+                  </a:txBody>
+                  <a:tcPr/>
+                </a:tc>
+                <a:tc>
+                  <a:txBody>
+                    <a:bodyPr/>
+                    <a:lstStyle/>
+                    <a:p>
+                      <a:pPr algn="ctr">
+                        <a:lnSpc>
+                          <a:spcPct val="150000"/>
+                        </a:lnSpc>
+                      </a:pPr>
+                      <a:r>
+                        <a:rPr lang="en-GB" sz="2000" dirty="0"/>
                         <a:t>Preferred</a:t>
                       </a:r>
-                      <a:endParaRPr lang="en-IN" dirty="0"/>
+                      <a:endParaRPr lang="en-IN" sz="2000" dirty="0"/>
                     </a:p>
                   </a:txBody>
                   <a:tcPr/>
@@ -22963,9 +23532,14 @@
                     <a:bodyPr/>
                     <a:lstStyle/>
                     <a:p>
+                      <a:pPr algn="l">
+                        <a:lnSpc>
+                          <a:spcPct val="150000"/>
+                        </a:lnSpc>
+                      </a:pPr>
                       <a:r>
                         <a:rPr lang="en-GB" dirty="0"/>
-                        <a:t>ML/AI development – GPU oriented</a:t>
+                        <a:t>1</a:t>
                       </a:r>
                       <a:endParaRPr lang="en-IN" dirty="0"/>
                     </a:p>
@@ -22977,30 +23551,14 @@
                     <a:bodyPr/>
                     <a:lstStyle/>
                     <a:p>
+                      <a:pPr algn="l">
+                        <a:lnSpc>
+                          <a:spcPct val="150000"/>
+                        </a:lnSpc>
+                      </a:pPr>
                       <a:r>
                         <a:rPr lang="en-GB" dirty="0"/>
-                        <a:t>Databricks</a:t>
-                      </a:r>
-                      <a:endParaRPr lang="en-IN" dirty="0"/>
-                    </a:p>
-                  </a:txBody>
-                  <a:tcPr/>
-                </a:tc>
-                <a:extLst>
-                  <a:ext uri="{0D108BD9-81ED-4DB2-BD59-A6C34878D82A}">
-                    <a16:rowId xmlns:a16="http://schemas.microsoft.com/office/drawing/2014/main" val="822814391"/>
-                  </a:ext>
-                </a:extLst>
-              </a:tr>
-              <a:tr h="370840">
-                <a:tc>
-                  <a:txBody>
-                    <a:bodyPr/>
-                    <a:lstStyle/>
-                    <a:p>
-                      <a:r>
-                        <a:rPr lang="en-GB" dirty="0"/>
-                        <a:t>Ad-hoc data lake discovery</a:t>
+                        <a:t>Ad-hoc data lake discovery by code</a:t>
                       </a:r>
                       <a:endParaRPr lang="en-IN" dirty="0"/>
                     </a:p>
@@ -23012,9 +23570,14 @@
                     <a:bodyPr/>
                     <a:lstStyle/>
                     <a:p>
+                      <a:pPr algn="ctr">
+                        <a:lnSpc>
+                          <a:spcPct val="150000"/>
+                        </a:lnSpc>
+                      </a:pPr>
                       <a:r>
                         <a:rPr lang="en-GB" dirty="0"/>
-                        <a:t>Both Synapse and Databricks</a:t>
+                        <a:t>Synapse and Databricks</a:t>
                       </a:r>
                       <a:endParaRPr lang="en-IN" dirty="0"/>
                     </a:p>
@@ -23033,6 +23596,30 @@
                     <a:bodyPr/>
                     <a:lstStyle/>
                     <a:p>
+                      <a:pPr algn="l">
+                        <a:lnSpc>
+                          <a:spcPct val="150000"/>
+                        </a:lnSpc>
+                      </a:pPr>
+                      <a:r>
+                        <a:rPr lang="en-GB" dirty="0"/>
+                        <a:t>2</a:t>
+                      </a:r>
+                      <a:endParaRPr lang="en-IN" dirty="0"/>
+                    </a:p>
+                  </a:txBody>
+                  <a:tcPr/>
+                </a:tc>
+                <a:tc>
+                  <a:txBody>
+                    <a:bodyPr/>
+                    <a:lstStyle/>
+                    <a:p>
+                      <a:pPr algn="l">
+                        <a:lnSpc>
+                          <a:spcPct val="150000"/>
+                        </a:lnSpc>
+                      </a:pPr>
                       <a:r>
                         <a:rPr lang="en-GB" dirty="0"/>
                         <a:t>SQL analyses &amp; Data warehousing</a:t>
@@ -23047,6 +23634,11 @@
                     <a:bodyPr/>
                     <a:lstStyle/>
                     <a:p>
+                      <a:pPr algn="ctr">
+                        <a:lnSpc>
+                          <a:spcPct val="150000"/>
+                        </a:lnSpc>
+                      </a:pPr>
                       <a:r>
                         <a:rPr lang="en-GB" dirty="0"/>
                         <a:t>Synapse</a:t>
@@ -23068,6 +23660,30 @@
                     <a:bodyPr/>
                     <a:lstStyle/>
                     <a:p>
+                      <a:pPr algn="l">
+                        <a:lnSpc>
+                          <a:spcPct val="150000"/>
+                        </a:lnSpc>
+                      </a:pPr>
+                      <a:r>
+                        <a:rPr lang="en-GB" dirty="0"/>
+                        <a:t>3</a:t>
+                      </a:r>
+                      <a:endParaRPr lang="en-IN" dirty="0"/>
+                    </a:p>
+                  </a:txBody>
+                  <a:tcPr/>
+                </a:tc>
+                <a:tc>
+                  <a:txBody>
+                    <a:bodyPr/>
+                    <a:lstStyle/>
+                    <a:p>
+                      <a:pPr algn="l">
+                        <a:lnSpc>
+                          <a:spcPct val="150000"/>
+                        </a:lnSpc>
+                      </a:pPr>
                       <a:r>
                         <a:rPr lang="en-GB" dirty="0"/>
                         <a:t>Self-service BI / Reporting</a:t>
@@ -23082,6 +23698,11 @@
                     <a:bodyPr/>
                     <a:lstStyle/>
                     <a:p>
+                      <a:pPr algn="ctr">
+                        <a:lnSpc>
+                          <a:spcPct val="150000"/>
+                        </a:lnSpc>
+                      </a:pPr>
                       <a:r>
                         <a:rPr lang="en-GB" dirty="0"/>
                         <a:t>Synapse</a:t>
@@ -23097,65 +23718,20 @@
                   </a:ext>
                 </a:extLst>
               </a:tr>
-            </a:tbl>
-          </a:graphicData>
-        </a:graphic>
-      </p:graphicFrame>
-      <p:graphicFrame>
-        <p:nvGraphicFramePr>
-          <p:cNvPr id="5" name="Table 4">
-            <a:extLst>
-              <a:ext uri="{FF2B5EF4-FFF2-40B4-BE49-F238E27FC236}">
-                <a16:creationId xmlns:a16="http://schemas.microsoft.com/office/drawing/2014/main" id="{D77562CB-54D6-45C0-9042-5784F7CD4612}"/>
-              </a:ext>
-            </a:extLst>
-          </p:cNvPr>
-          <p:cNvGraphicFramePr>
-            <a:graphicFrameLocks/>
-          </p:cNvGraphicFramePr>
-          <p:nvPr>
-            <p:extLst>
-              <p:ext uri="{D42A27DB-BD31-4B8C-83A1-F6EECF244321}">
-                <p14:modId xmlns:p14="http://schemas.microsoft.com/office/powerpoint/2010/main" val="3578470682"/>
-              </p:ext>
-            </p:extLst>
-          </p:nvPr>
-        </p:nvGraphicFramePr>
-        <p:xfrm>
-          <a:off x="1023938" y="4425188"/>
-          <a:ext cx="9720262" cy="1752600"/>
-        </p:xfrm>
-        <a:graphic>
-          <a:graphicData uri="http://schemas.openxmlformats.org/drawingml/2006/table">
-            <a:tbl>
-              <a:tblPr firstRow="1" bandRow="1">
-                <a:tableStyleId>{7DF18680-E054-41AD-8BC1-D1AEF772440D}</a:tableStyleId>
-              </a:tblPr>
-              <a:tblGrid>
-                <a:gridCol w="4860131">
-                  <a:extLst>
-                    <a:ext uri="{9D8B030D-6E8A-4147-A177-3AD203B41FA5}">
-                      <a16:colId xmlns:a16="http://schemas.microsoft.com/office/drawing/2014/main" val="1046733063"/>
-                    </a:ext>
-                  </a:extLst>
-                </a:gridCol>
-                <a:gridCol w="4860131">
-                  <a:extLst>
-                    <a:ext uri="{9D8B030D-6E8A-4147-A177-3AD203B41FA5}">
-                      <a16:colId xmlns:a16="http://schemas.microsoft.com/office/drawing/2014/main" val="914390271"/>
-                    </a:ext>
-                  </a:extLst>
-                </a:gridCol>
-              </a:tblGrid>
               <a:tr h="370840">
                 <a:tc>
                   <a:txBody>
                     <a:bodyPr/>
                     <a:lstStyle/>
                     <a:p>
+                      <a:pPr algn="l">
+                        <a:lnSpc>
+                          <a:spcPct val="150000"/>
+                        </a:lnSpc>
+                      </a:pPr>
                       <a:r>
                         <a:rPr lang="en-GB" dirty="0"/>
-                        <a:t>Scenario</a:t>
+                        <a:t>4</a:t>
                       </a:r>
                       <a:endParaRPr lang="en-IN" dirty="0"/>
                     </a:p>
@@ -23167,30 +23743,25 @@
                     <a:bodyPr/>
                     <a:lstStyle/>
                     <a:p>
+                      <a:pPr algn="l">
+                        <a:lnSpc>
+                          <a:spcPct val="150000"/>
+                        </a:lnSpc>
+                      </a:pPr>
                       <a:r>
                         <a:rPr lang="en-GB" dirty="0"/>
-                        <a:t>Preferred</a:t>
+                        <a:t> Same data, data scientists play via Spark &amp; </a:t>
                       </a:r>
-                      <a:endParaRPr lang="en-IN" dirty="0"/>
                     </a:p>
-                  </a:txBody>
-                  <a:tcPr/>
-                </a:tc>
-                <a:extLst>
-                  <a:ext uri="{0D108BD9-81ED-4DB2-BD59-A6C34878D82A}">
-                    <a16:rowId xmlns:a16="http://schemas.microsoft.com/office/drawing/2014/main" val="1225106550"/>
-                  </a:ext>
-                </a:extLst>
-              </a:tr>
-              <a:tr h="370840">
-                <a:tc>
-                  <a:txBody>
-                    <a:bodyPr/>
-                    <a:lstStyle/>
                     <a:p>
+                      <a:pPr algn="l">
+                        <a:lnSpc>
+                          <a:spcPct val="150000"/>
+                        </a:lnSpc>
+                      </a:pPr>
                       <a:r>
                         <a:rPr lang="en-GB" dirty="0"/>
-                        <a:t>Spark engine by data scientists &amp; traditional SQL engine by data analyst on same data.</a:t>
+                        <a:t>data analyst play via SQL.</a:t>
                       </a:r>
                       <a:endParaRPr lang="en-IN" dirty="0"/>
                     </a:p>
@@ -23202,6 +23773,11 @@
                     <a:bodyPr/>
                     <a:lstStyle/>
                     <a:p>
+                      <a:pPr algn="ctr">
+                        <a:lnSpc>
+                          <a:spcPct val="150000"/>
+                        </a:lnSpc>
+                      </a:pPr>
                       <a:r>
                         <a:rPr lang="en-GB" dirty="0"/>
                         <a:t>Synapse</a:t>
@@ -23213,7 +23789,7 @@
                 </a:tc>
                 <a:extLst>
                   <a:ext uri="{0D108BD9-81ED-4DB2-BD59-A6C34878D82A}">
-                    <a16:rowId xmlns:a16="http://schemas.microsoft.com/office/drawing/2014/main" val="822814391"/>
+                    <a16:rowId xmlns:a16="http://schemas.microsoft.com/office/drawing/2014/main" val="1801836759"/>
                   </a:ext>
                 </a:extLst>
               </a:tr>
@@ -23223,9 +23799,14 @@
                     <a:bodyPr/>
                     <a:lstStyle/>
                     <a:p>
+                      <a:pPr algn="l">
+                        <a:lnSpc>
+                          <a:spcPct val="150000"/>
+                        </a:lnSpc>
+                      </a:pPr>
                       <a:r>
                         <a:rPr lang="en-GB" dirty="0"/>
-                        <a:t>Dependent tech stack E.g. Delta Lake / Spark</a:t>
+                        <a:t>5</a:t>
                       </a:r>
                       <a:endParaRPr lang="en-IN" dirty="0"/>
                     </a:p>
@@ -23237,6 +23818,30 @@
                     <a:bodyPr/>
                     <a:lstStyle/>
                     <a:p>
+                      <a:pPr algn="l">
+                        <a:lnSpc>
+                          <a:spcPct val="150000"/>
+                        </a:lnSpc>
+                      </a:pPr>
+                      <a:r>
+                        <a:rPr lang="en-GB" dirty="0"/>
+                        <a:t>ML/AI development,  GPU intensive tasks</a:t>
+                      </a:r>
+                      <a:endParaRPr lang="en-IN" dirty="0"/>
+                    </a:p>
+                  </a:txBody>
+                  <a:tcPr/>
+                </a:tc>
+                <a:tc>
+                  <a:txBody>
+                    <a:bodyPr/>
+                    <a:lstStyle/>
+                    <a:p>
+                      <a:pPr algn="ctr">
+                        <a:lnSpc>
+                          <a:spcPct val="150000"/>
+                        </a:lnSpc>
+                      </a:pPr>
                       <a:r>
                         <a:rPr lang="en-GB" dirty="0"/>
                         <a:t>Databricks</a:t>
@@ -23248,7 +23853,7 @@
                 </a:tc>
                 <a:extLst>
                   <a:ext uri="{0D108BD9-81ED-4DB2-BD59-A6C34878D82A}">
-                    <a16:rowId xmlns:a16="http://schemas.microsoft.com/office/drawing/2014/main" val="3805328443"/>
+                    <a16:rowId xmlns:a16="http://schemas.microsoft.com/office/drawing/2014/main" val="1376610689"/>
                   </a:ext>
                 </a:extLst>
               </a:tr>
@@ -23258,6 +23863,94 @@
                     <a:bodyPr/>
                     <a:lstStyle/>
                     <a:p>
+                      <a:pPr algn="l">
+                        <a:lnSpc>
+                          <a:spcPct val="150000"/>
+                        </a:lnSpc>
+                      </a:pPr>
+                      <a:r>
+                        <a:rPr lang="en-GB" dirty="0"/>
+                        <a:t>6</a:t>
+                      </a:r>
+                      <a:endParaRPr lang="en-IN" dirty="0"/>
+                    </a:p>
+                  </a:txBody>
+                  <a:tcPr/>
+                </a:tc>
+                <a:tc>
+                  <a:txBody>
+                    <a:bodyPr/>
+                    <a:lstStyle/>
+                    <a:p>
+                      <a:pPr algn="l">
+                        <a:lnSpc>
+                          <a:spcPct val="150000"/>
+                        </a:lnSpc>
+                      </a:pPr>
+                      <a:r>
+                        <a:rPr lang="en-GB" dirty="0"/>
+                        <a:t>Dependent tech is much dependent on Delta lake / Spark</a:t>
+                      </a:r>
+                      <a:endParaRPr lang="en-IN" dirty="0"/>
+                    </a:p>
+                  </a:txBody>
+                  <a:tcPr/>
+                </a:tc>
+                <a:tc>
+                  <a:txBody>
+                    <a:bodyPr/>
+                    <a:lstStyle/>
+                    <a:p>
+                      <a:pPr algn="ctr">
+                        <a:lnSpc>
+                          <a:spcPct val="150000"/>
+                        </a:lnSpc>
+                      </a:pPr>
+                      <a:r>
+                        <a:rPr lang="en-GB" dirty="0"/>
+                        <a:t>Databricks</a:t>
+                      </a:r>
+                      <a:endParaRPr lang="en-IN" dirty="0"/>
+                    </a:p>
+                  </a:txBody>
+                  <a:tcPr/>
+                </a:tc>
+                <a:extLst>
+                  <a:ext uri="{0D108BD9-81ED-4DB2-BD59-A6C34878D82A}">
+                    <a16:rowId xmlns:a16="http://schemas.microsoft.com/office/drawing/2014/main" val="3726008867"/>
+                  </a:ext>
+                </a:extLst>
+              </a:tr>
+              <a:tr h="370840">
+                <a:tc>
+                  <a:txBody>
+                    <a:bodyPr/>
+                    <a:lstStyle/>
+                    <a:p>
+                      <a:pPr algn="l">
+                        <a:lnSpc>
+                          <a:spcPct val="150000"/>
+                        </a:lnSpc>
+                      </a:pPr>
+                      <a:r>
+                        <a:rPr lang="en-GB" dirty="0"/>
+                        <a:t>7</a:t>
+                      </a:r>
+                      <a:endParaRPr lang="en-IN" dirty="0"/>
+                    </a:p>
+                  </a:txBody>
+                  <a:tcPr/>
+                </a:tc>
+                <a:tc>
+                  <a:txBody>
+                    <a:bodyPr/>
+                    <a:lstStyle/>
+                    <a:p>
+                      <a:pPr algn="l">
+                        <a:lnSpc>
+                          <a:spcPct val="150000"/>
+                        </a:lnSpc>
+                      </a:pPr>
                       <a:r>
                         <a:rPr lang="en-GB" dirty="0"/>
                         <a:t>Local IDEs with GIT kind of developer experience</a:t>
@@ -23272,6 +23965,11 @@
                     <a:bodyPr/>
                     <a:lstStyle/>
                     <a:p>
+                      <a:pPr algn="ctr">
+                        <a:lnSpc>
+                          <a:spcPct val="150000"/>
+                        </a:lnSpc>
+                      </a:pPr>
                       <a:r>
                         <a:rPr lang="en-GB" dirty="0"/>
                         <a:t>Databricks</a:t>
@@ -23283,7 +23981,7 @@
                 </a:tc>
                 <a:extLst>
                   <a:ext uri="{0D108BD9-81ED-4DB2-BD59-A6C34878D82A}">
-                    <a16:rowId xmlns:a16="http://schemas.microsoft.com/office/drawing/2014/main" val="1016579437"/>
+                    <a16:rowId xmlns:a16="http://schemas.microsoft.com/office/drawing/2014/main" val="2653904989"/>
                   </a:ext>
                 </a:extLst>
               </a:tr>
@@ -23295,6 +23993,94 @@
     <p:extLst>
       <p:ext uri="{BB962C8B-B14F-4D97-AF65-F5344CB8AC3E}">
         <p14:creationId xmlns:p14="http://schemas.microsoft.com/office/powerpoint/2010/main" val="3244568580"/>
+      </p:ext>
+    </p:extLst>
+  </p:cSld>
+  <p:clrMapOvr>
+    <a:masterClrMapping/>
+  </p:clrMapOvr>
+</p:sld>
+</file>
+
+<file path=ppt/slides/slide17.xml><?xml version="1.0" encoding="utf-8"?>
+<p:sld xmlns:a="http://schemas.openxmlformats.org/drawingml/2006/main" xmlns:r="http://schemas.openxmlformats.org/officeDocument/2006/relationships" xmlns:p="http://schemas.openxmlformats.org/presentationml/2006/main">
+  <p:cSld>
+    <p:spTree>
+      <p:nvGrpSpPr>
+        <p:cNvPr id="1" name=""/>
+        <p:cNvGrpSpPr/>
+        <p:nvPr/>
+      </p:nvGrpSpPr>
+      <p:grpSpPr>
+        <a:xfrm>
+          <a:off x="0" y="0"/>
+          <a:ext cx="0" cy="0"/>
+          <a:chOff x="0" y="0"/>
+          <a:chExt cx="0" cy="0"/>
+        </a:xfrm>
+      </p:grpSpPr>
+      <p:sp>
+        <p:nvSpPr>
+          <p:cNvPr id="2" name="Title 1">
+            <a:extLst>
+              <a:ext uri="{FF2B5EF4-FFF2-40B4-BE49-F238E27FC236}">
+                <a16:creationId xmlns:a16="http://schemas.microsoft.com/office/drawing/2014/main" id="{2510794E-F440-4051-B057-32A961845F79}"/>
+              </a:ext>
+            </a:extLst>
+          </p:cNvPr>
+          <p:cNvSpPr>
+            <a:spLocks noGrp="1"/>
+          </p:cNvSpPr>
+          <p:nvPr>
+            <p:ph type="title"/>
+          </p:nvPr>
+        </p:nvSpPr>
+        <p:spPr/>
+        <p:txBody>
+          <a:bodyPr/>
+          <a:lstStyle/>
+          <a:p>
+            <a:r>
+              <a:rPr lang="en-GB" dirty="0"/>
+              <a:t>USE CASE of KISSFLOW</a:t>
+            </a:r>
+            <a:endParaRPr lang="en-IN" dirty="0"/>
+          </a:p>
+        </p:txBody>
+      </p:sp>
+      <p:sp>
+        <p:nvSpPr>
+          <p:cNvPr id="3" name="Text Placeholder 2">
+            <a:extLst>
+              <a:ext uri="{FF2B5EF4-FFF2-40B4-BE49-F238E27FC236}">
+                <a16:creationId xmlns:a16="http://schemas.microsoft.com/office/drawing/2014/main" id="{73C3434D-8ACA-40E8-AE36-CF924DCF9473}"/>
+              </a:ext>
+            </a:extLst>
+          </p:cNvPr>
+          <p:cNvSpPr>
+            <a:spLocks noGrp="1"/>
+          </p:cNvSpPr>
+          <p:nvPr>
+            <p:ph type="body" idx="1"/>
+          </p:nvPr>
+        </p:nvSpPr>
+        <p:spPr/>
+        <p:txBody>
+          <a:bodyPr/>
+          <a:lstStyle/>
+          <a:p>
+            <a:r>
+              <a:rPr lang="en-GB" dirty="0"/>
+              <a:t>- How we address advanced analytics need apart from general reporting.</a:t>
+            </a:r>
+            <a:endParaRPr lang="en-IN" dirty="0"/>
+          </a:p>
+        </p:txBody>
+      </p:sp>
+    </p:spTree>
+    <p:extLst>
+      <p:ext uri="{BB962C8B-B14F-4D97-AF65-F5344CB8AC3E}">
+        <p14:creationId xmlns:p14="http://schemas.microsoft.com/office/powerpoint/2010/main" val="3958231758"/>
       </p:ext>
     </p:extLst>
   </p:cSld>
@@ -23343,12 +24129,8 @@
           <a:lstStyle/>
           <a:p>
             <a:r>
-              <a:rPr lang="en-GB" dirty="0" err="1"/>
-              <a:t>Kissflow’s</a:t>
-            </a:r>
-            <a:r>
               <a:rPr lang="en-GB" dirty="0"/>
-              <a:t> use case</a:t>
+              <a:t> use case of </a:t>
             </a:r>
             <a:endParaRPr lang="en-IN" dirty="0"/>
           </a:p>
@@ -23377,7 +24159,7 @@
           <a:p>
             <a:r>
               <a:rPr lang="en-GB" dirty="0"/>
-              <a:t>* Kissflow is a pure SaaS product hosted on GCP.</a:t>
+              <a:t>* Kissflow is a pure SaaS product completely cloud managed.</a:t>
             </a:r>
           </a:p>
           <a:p>
@@ -23389,7 +24171,7 @@
           <a:p>
             <a:r>
               <a:rPr lang="en-GB" dirty="0"/>
-              <a:t>* Transaction database of app - MongoDB Atlas. 1 DB per customer.</a:t>
+              <a:t>* For OLTP - MongoDB Atlas is hosted with 1 DB per customer. Earlier it was MySQL.</a:t>
             </a:r>
           </a:p>
           <a:p>
@@ -23413,7 +24195,7 @@
           <a:p>
             <a:r>
               <a:rPr lang="en-GB" dirty="0"/>
-              <a:t>* Analysed Data Lake, Database and chosen to go with Data warehouse for which the final investigation is going on.</a:t>
+              <a:t>* Analysed Data Lake, Database and chosen to go with Data warehouse. About choosing vendor the final investigation is going on.</a:t>
             </a:r>
           </a:p>
           <a:p>
@@ -23421,6 +24203,42 @@
           </a:p>
         </p:txBody>
       </p:sp>
+      <p:pic>
+        <p:nvPicPr>
+          <p:cNvPr id="4" name="Picture 3">
+            <a:extLst>
+              <a:ext uri="{FF2B5EF4-FFF2-40B4-BE49-F238E27FC236}">
+                <a16:creationId xmlns:a16="http://schemas.microsoft.com/office/drawing/2014/main" id="{9FC91D37-97D8-4A68-8AA0-E3CAB4517762}"/>
+              </a:ext>
+            </a:extLst>
+          </p:cNvPr>
+          <p:cNvPicPr>
+            <a:picLocks noChangeAspect="1"/>
+          </p:cNvPicPr>
+          <p:nvPr/>
+        </p:nvPicPr>
+        <p:blipFill>
+          <a:blip r:embed="rId3" cstate="print">
+            <a:extLst>
+              <a:ext uri="{28A0092B-C50C-407E-A947-70E740481C1C}">
+                <a14:useLocalDpi xmlns:a14="http://schemas.microsoft.com/office/drawing/2010/main" val="0"/>
+              </a:ext>
+            </a:extLst>
+          </a:blip>
+          <a:stretch>
+            <a:fillRect/>
+          </a:stretch>
+        </p:blipFill>
+        <p:spPr>
+          <a:xfrm>
+            <a:off x="3778442" y="970960"/>
+            <a:ext cx="2591878" cy="531268"/>
+          </a:xfrm>
+          <a:prstGeom prst="rect">
+            <a:avLst/>
+          </a:prstGeom>
+        </p:spPr>
+      </p:pic>
     </p:spTree>
     <p:extLst>
       <p:ext uri="{BB962C8B-B14F-4D97-AF65-F5344CB8AC3E}">
@@ -23474,7 +24292,7 @@
           <a:p>
             <a:r>
               <a:rPr lang="en-GB" dirty="0"/>
-              <a:t>Next few years – how the choice would be</a:t>
+              <a:t>What’s next?</a:t>
             </a:r>
             <a:endParaRPr lang="en-IN" dirty="0"/>
           </a:p>
@@ -23501,57 +24319,26 @@
           <a:bodyPr/>
           <a:lstStyle/>
           <a:p>
-            <a:endParaRPr lang="en-IN"/>
+            <a:r>
+              <a:rPr lang="en-GB" dirty="0"/>
+              <a:t>Its DATA LAKEHOUSE</a:t>
+            </a:r>
+          </a:p>
+          <a:p>
+            <a:endParaRPr lang="en-GB" dirty="0"/>
+          </a:p>
+          <a:p>
+            <a:r>
+              <a:rPr lang="en-GB" dirty="0"/>
+              <a:t>* Sting together the best of both worlds – Data warehouse and Data lake.</a:t>
+            </a:r>
+            <a:endParaRPr lang="en-IN" dirty="0"/>
+          </a:p>
+          <a:p>
+            <a:endParaRPr lang="en-IN" dirty="0"/>
           </a:p>
         </p:txBody>
       </p:sp>
-      <p:pic>
-        <p:nvPicPr>
-          <p:cNvPr id="1026" name="Picture 2" descr="Chart">
-            <a:extLst>
-              <a:ext uri="{FF2B5EF4-FFF2-40B4-BE49-F238E27FC236}">
-                <a16:creationId xmlns:a16="http://schemas.microsoft.com/office/drawing/2014/main" id="{494425F2-B538-4F66-A7FE-AB611B8E2817}"/>
-              </a:ext>
-            </a:extLst>
-          </p:cNvPr>
-          <p:cNvPicPr>
-            <a:picLocks noChangeAspect="1" noChangeArrowheads="1"/>
-          </p:cNvPicPr>
-          <p:nvPr/>
-        </p:nvPicPr>
-        <p:blipFill>
-          <a:blip r:embed="rId2">
-            <a:extLst>
-              <a:ext uri="{28A0092B-C50C-407E-A947-70E740481C1C}">
-                <a14:useLocalDpi xmlns:a14="http://schemas.microsoft.com/office/drawing/2010/main" val="0"/>
-              </a:ext>
-            </a:extLst>
-          </a:blip>
-          <a:srcRect/>
-          <a:stretch>
-            <a:fillRect/>
-          </a:stretch>
-        </p:blipFill>
-        <p:spPr bwMode="auto">
-          <a:xfrm>
-            <a:off x="1912239" y="2084832"/>
-            <a:ext cx="7943850" cy="4467225"/>
-          </a:xfrm>
-          <a:prstGeom prst="rect">
-            <a:avLst/>
-          </a:prstGeom>
-          <a:noFill/>
-          <a:extLst>
-            <a:ext uri="{909E8E84-426E-40DD-AFC4-6F175D3DCCD1}">
-              <a14:hiddenFill xmlns:a14="http://schemas.microsoft.com/office/drawing/2010/main">
-                <a:solidFill>
-                  <a:srgbClr val="FFFFFF"/>
-                </a:solidFill>
-              </a14:hiddenFill>
-            </a:ext>
-          </a:extLst>
-        </p:spPr>
-      </p:pic>
     </p:spTree>
     <p:extLst>
       <p:ext uri="{BB962C8B-B14F-4D97-AF65-F5344CB8AC3E}">
@@ -24098,6 +24885,83 @@
           <a:chExt cx="0" cy="0"/>
         </a:xfrm>
       </p:grpSpPr>
+      <p:pic>
+        <p:nvPicPr>
+          <p:cNvPr id="3074" name="Picture 2">
+            <a:extLst>
+              <a:ext uri="{FF2B5EF4-FFF2-40B4-BE49-F238E27FC236}">
+                <a16:creationId xmlns:a16="http://schemas.microsoft.com/office/drawing/2014/main" id="{55530FED-4EFE-41A4-AE39-512AE0D0F96A}"/>
+              </a:ext>
+            </a:extLst>
+          </p:cNvPr>
+          <p:cNvPicPr>
+            <a:picLocks noChangeAspect="1" noChangeArrowheads="1"/>
+          </p:cNvPicPr>
+          <p:nvPr/>
+        </p:nvPicPr>
+        <p:blipFill>
+          <a:blip r:embed="rId2">
+            <a:extLst>
+              <a:ext uri="{28A0092B-C50C-407E-A947-70E740481C1C}">
+                <a14:useLocalDpi xmlns:a14="http://schemas.microsoft.com/office/drawing/2010/main" val="0"/>
+              </a:ext>
+            </a:extLst>
+          </a:blip>
+          <a:srcRect/>
+          <a:stretch>
+            <a:fillRect/>
+          </a:stretch>
+        </p:blipFill>
+        <p:spPr bwMode="auto">
+          <a:xfrm>
+            <a:off x="381000" y="428625"/>
+            <a:ext cx="11430000" cy="6000750"/>
+          </a:xfrm>
+          <a:prstGeom prst="rect">
+            <a:avLst/>
+          </a:prstGeom>
+          <a:noFill/>
+          <a:extLst>
+            <a:ext uri="{909E8E84-426E-40DD-AFC4-6F175D3DCCD1}">
+              <a14:hiddenFill xmlns:a14="http://schemas.microsoft.com/office/drawing/2010/main">
+                <a:solidFill>
+                  <a:srgbClr val="FFFFFF"/>
+                </a:solidFill>
+              </a14:hiddenFill>
+            </a:ext>
+          </a:extLst>
+        </p:spPr>
+      </p:pic>
+    </p:spTree>
+    <p:extLst>
+      <p:ext uri="{BB962C8B-B14F-4D97-AF65-F5344CB8AC3E}">
+        <p14:creationId xmlns:p14="http://schemas.microsoft.com/office/powerpoint/2010/main" val="1528854340"/>
+      </p:ext>
+    </p:extLst>
+  </p:cSld>
+  <p:clrMapOvr>
+    <a:masterClrMapping/>
+  </p:clrMapOvr>
+</p:sld>
+</file>
+
+<file path=ppt/slides/slide21.xml><?xml version="1.0" encoding="utf-8"?>
+<p:sld xmlns:a="http://schemas.openxmlformats.org/drawingml/2006/main" xmlns:r="http://schemas.openxmlformats.org/officeDocument/2006/relationships" xmlns:p="http://schemas.openxmlformats.org/presentationml/2006/main">
+  <p:cSld>
+    <p:spTree>
+      <p:nvGrpSpPr>
+        <p:cNvPr id="1" name=""/>
+        <p:cNvGrpSpPr/>
+        <p:nvPr/>
+      </p:nvGrpSpPr>
+      <p:grpSpPr>
+        <a:xfrm>
+          <a:off x="0" y="0"/>
+          <a:ext cx="0" cy="0"/>
+          <a:chOff x="0" y="0"/>
+          <a:chExt cx="0" cy="0"/>
+        </a:xfrm>
+      </p:grpSpPr>
       <p:sp>
         <p:nvSpPr>
           <p:cNvPr id="2" name="Title 1">
@@ -24121,7 +24985,7 @@
           <a:p>
             <a:r>
               <a:rPr lang="en-GB" dirty="0"/>
-              <a:t>Resources</a:t>
+              <a:t>Useful LINKS to dive deep</a:t>
             </a:r>
             <a:endParaRPr lang="en-IN" dirty="0"/>
           </a:p>
@@ -24150,7 +25014,17 @@
           <a:p>
             <a:r>
               <a:rPr lang="en-GB" dirty="0"/>
-              <a:t>* Blog post by Ivana </a:t>
+              <a:t>* </a:t>
+            </a:r>
+            <a:r>
+              <a:rPr lang="en-GB" dirty="0">
+                <a:hlinkClick r:id="rId2"/>
+              </a:rPr>
+              <a:t>Blog post</a:t>
+            </a:r>
+            <a:r>
+              <a:rPr lang="en-GB" dirty="0"/>
+              <a:t> by Ivana </a:t>
             </a:r>
             <a:r>
               <a:rPr lang="en-GB" dirty="0" err="1"/>
@@ -24158,29 +25032,19 @@
             </a:r>
             <a:r>
               <a:rPr lang="en-GB" dirty="0"/>
-              <a:t> - </a:t>
-            </a:r>
-            <a:r>
-              <a:rPr lang="en-GB" dirty="0">
-                <a:hlinkClick r:id="rId2"/>
-              </a:rPr>
-              <a:t>https://www.element61.be/en/resource/when-use-azure-synapse-analytics-andor-azure-databricks</a:t>
-            </a:r>
-            <a:r>
-              <a:rPr lang="en-GB" dirty="0"/>
-              <a:t> </a:t>
+              <a:t>.</a:t>
             </a:r>
           </a:p>
           <a:p>
             <a:r>
               <a:rPr lang="en-GB" dirty="0"/>
-              <a:t>* Checkout </a:t>
+              <a:t>* </a:t>
             </a:r>
             <a:r>
               <a:rPr lang="en-GB" dirty="0">
                 <a:hlinkClick r:id="rId3"/>
               </a:rPr>
-              <a:t>debate</a:t>
+              <a:t>Debate</a:t>
             </a:r>
             <a:r>
               <a:rPr lang="en-GB" dirty="0"/>
@@ -24200,18 +25064,19 @@
                   <a:srgbClr val="00A7B5"/>
                 </a:solidFill>
                 <a:effectLst/>
-                <a:latin typeface="Montserrat"/>
                 <a:hlinkClick r:id="rId4"/>
               </a:rPr>
               <a:t>Cindi Howson</a:t>
             </a:r>
-            <a:endParaRPr lang="en-IN" b="1" i="0" u="none" strike="noStrike" dirty="0">
-              <a:solidFill>
-                <a:srgbClr val="00A7B5"/>
-              </a:solidFill>
-              <a:effectLst/>
-              <a:latin typeface="Montserrat"/>
-            </a:endParaRPr>
+            <a:r>
+              <a:rPr lang="en-IN" b="1" i="0" u="none" strike="noStrike" dirty="0">
+                <a:solidFill>
+                  <a:srgbClr val="00A7B5"/>
+                </a:solidFill>
+                <a:effectLst/>
+              </a:rPr>
+              <a:t>.</a:t>
+            </a:r>
           </a:p>
           <a:p>
             <a:endParaRPr lang="en-IN" b="1" i="0" u="none" strike="noStrike" dirty="0">
@@ -24219,7 +25084,6 @@
                 <a:srgbClr val="00A7B5"/>
               </a:solidFill>
               <a:effectLst/>
-              <a:latin typeface="Montserrat"/>
             </a:endParaRPr>
           </a:p>
           <a:p>
@@ -24323,7 +25187,7 @@
           <a:p>
             <a:r>
               <a:rPr lang="en-GB" dirty="0"/>
-              <a:t>* Azure Synapse Analytics, Azure Databricks.</a:t>
+              <a:t>*       Azure Synapse Analytics,       Azure Databricks.</a:t>
             </a:r>
           </a:p>
           <a:p>
@@ -24349,6 +25213,100 @@
           </a:p>
         </p:txBody>
       </p:sp>
+      <p:pic>
+        <p:nvPicPr>
+          <p:cNvPr id="3074" name="Picture 2" descr="Pricing - Azure Synapse Analytics | Microsoft Azure">
+            <a:extLst>
+              <a:ext uri="{FF2B5EF4-FFF2-40B4-BE49-F238E27FC236}">
+                <a16:creationId xmlns:a16="http://schemas.microsoft.com/office/drawing/2014/main" id="{C4286BAE-273A-4984-A1BC-706833E35942}"/>
+              </a:ext>
+            </a:extLst>
+          </p:cNvPr>
+          <p:cNvPicPr>
+            <a:picLocks noChangeAspect="1" noChangeArrowheads="1"/>
+          </p:cNvPicPr>
+          <p:nvPr/>
+        </p:nvPicPr>
+        <p:blipFill>
+          <a:blip r:embed="rId2">
+            <a:extLst>
+              <a:ext uri="{28A0092B-C50C-407E-A947-70E740481C1C}">
+                <a14:useLocalDpi xmlns:a14="http://schemas.microsoft.com/office/drawing/2010/main" val="0"/>
+              </a:ext>
+            </a:extLst>
+          </a:blip>
+          <a:srcRect/>
+          <a:stretch>
+            <a:fillRect/>
+          </a:stretch>
+        </p:blipFill>
+        <p:spPr bwMode="auto">
+          <a:xfrm>
+            <a:off x="1175658" y="3214973"/>
+            <a:ext cx="815339" cy="428053"/>
+          </a:xfrm>
+          <a:prstGeom prst="rect">
+            <a:avLst/>
+          </a:prstGeom>
+          <a:noFill/>
+          <a:extLst>
+            <a:ext uri="{909E8E84-426E-40DD-AFC4-6F175D3DCCD1}">
+              <a14:hiddenFill xmlns:a14="http://schemas.microsoft.com/office/drawing/2010/main">
+                <a:solidFill>
+                  <a:srgbClr val="FFFFFF"/>
+                </a:solidFill>
+              </a14:hiddenFill>
+            </a:ext>
+          </a:extLst>
+        </p:spPr>
+      </p:pic>
+      <p:pic>
+        <p:nvPicPr>
+          <p:cNvPr id="3076" name="Picture 4" descr="Databricks | LinkedIn">
+            <a:extLst>
+              <a:ext uri="{FF2B5EF4-FFF2-40B4-BE49-F238E27FC236}">
+                <a16:creationId xmlns:a16="http://schemas.microsoft.com/office/drawing/2014/main" id="{EC22D713-D96E-4851-A4F9-F596A839BE39}"/>
+              </a:ext>
+            </a:extLst>
+          </p:cNvPr>
+          <p:cNvPicPr>
+            <a:picLocks noChangeAspect="1" noChangeArrowheads="1"/>
+          </p:cNvPicPr>
+          <p:nvPr/>
+        </p:nvPicPr>
+        <p:blipFill>
+          <a:blip r:embed="rId3">
+            <a:extLst>
+              <a:ext uri="{28A0092B-C50C-407E-A947-70E740481C1C}">
+                <a14:useLocalDpi xmlns:a14="http://schemas.microsoft.com/office/drawing/2010/main" val="0"/>
+              </a:ext>
+            </a:extLst>
+          </a:blip>
+          <a:srcRect/>
+          <a:stretch>
+            <a:fillRect/>
+          </a:stretch>
+        </p:blipFill>
+        <p:spPr bwMode="auto">
+          <a:xfrm>
+            <a:off x="4676503" y="3263114"/>
+            <a:ext cx="386442" cy="386442"/>
+          </a:xfrm>
+          <a:prstGeom prst="rect">
+            <a:avLst/>
+          </a:prstGeom>
+          <a:noFill/>
+          <a:extLst>
+            <a:ext uri="{909E8E84-426E-40DD-AFC4-6F175D3DCCD1}">
+              <a14:hiddenFill xmlns:a14="http://schemas.microsoft.com/office/drawing/2010/main">
+                <a:solidFill>
+                  <a:srgbClr val="FFFFFF"/>
+                </a:solidFill>
+              </a14:hiddenFill>
+            </a:ext>
+          </a:extLst>
+        </p:spPr>
+      </p:pic>
     </p:spTree>
     <p:extLst>
       <p:ext uri="{BB962C8B-B14F-4D97-AF65-F5344CB8AC3E}">
@@ -24433,27 +25391,56 @@
             <p:ph idx="1"/>
           </p:nvPr>
         </p:nvSpPr>
-        <p:spPr/>
+        <p:spPr>
+          <a:xfrm>
+            <a:off x="1024129" y="2286000"/>
+            <a:ext cx="4109574" cy="4023360"/>
+          </a:xfrm>
+        </p:spPr>
         <p:txBody>
           <a:bodyPr/>
           <a:lstStyle/>
           <a:p>
             <a:r>
               <a:rPr lang="en-GB" dirty="0"/>
-              <a:t>* Define your goal well.</a:t>
+              <a:t>* Don’t choose a data tech, just because you / your team knew it.</a:t>
             </a:r>
+          </a:p>
+          <a:p>
+            <a:endParaRPr lang="en-GB" dirty="0"/>
           </a:p>
           <a:p>
             <a:r>
               <a:rPr lang="en-GB" dirty="0"/>
-              <a:t>* Don’t choose a data tech stack, just because you / your team knew it well.</a:t>
+              <a:t>* Architect such that </a:t>
             </a:r>
+            <a:r>
+              <a:rPr lang="en-GB" dirty="0">
+                <a:solidFill>
+                  <a:srgbClr val="0070C0"/>
+                </a:solidFill>
+              </a:rPr>
+              <a:t>copying data</a:t>
+            </a:r>
+            <a:r>
+              <a:rPr lang="en-GB" dirty="0"/>
+              <a:t> is lesser across teams. It is an obstacle for data democratization.</a:t>
+            </a:r>
+          </a:p>
+          <a:p>
+            <a:endParaRPr lang="en-GB" dirty="0"/>
           </a:p>
           <a:p>
             <a:r>
               <a:rPr lang="en-GB" dirty="0"/>
-              <a:t>* Try reduce copies. It is a key obstacle to data democratization &amp; fast time to value.</a:t>
+              <a:t>* Define goal based on customers need. (Its not always ML or AI.)</a:t>
             </a:r>
+          </a:p>
+          <a:p>
+            <a:endParaRPr lang="en-GB" dirty="0"/>
+          </a:p>
+          <a:p>
+            <a:endParaRPr lang="en-GB" dirty="0"/>
           </a:p>
           <a:p>
             <a:endParaRPr lang="en-GB" dirty="0"/>
@@ -24482,15 +25469,17 @@
         </p:blipFill>
         <p:spPr>
           <a:xfrm>
-            <a:off x="2586201" y="3809129"/>
-            <a:ext cx="7019597" cy="2800677"/>
+            <a:off x="5290457" y="2704011"/>
+            <a:ext cx="6601341" cy="3187337"/>
           </a:xfrm>
           <a:prstGeom prst="rect">
             <a:avLst/>
           </a:prstGeom>
-          <a:ln>
+          <a:ln w="19050">
             <a:solidFill>
-              <a:schemeClr val="accent1"/>
+              <a:schemeClr val="accent2">
+                <a:lumMod val="50000"/>
+              </a:schemeClr>
             </a:solidFill>
           </a:ln>
         </p:spPr>
@@ -24530,108 +25519,6 @@
           <p:cNvPr id="2" name="Title 1">
             <a:extLst>
               <a:ext uri="{FF2B5EF4-FFF2-40B4-BE49-F238E27FC236}">
-                <a16:creationId xmlns:a16="http://schemas.microsoft.com/office/drawing/2014/main" id="{DE1B8586-A777-41E7-BD55-E05278892E6B}"/>
-              </a:ext>
-            </a:extLst>
-          </p:cNvPr>
-          <p:cNvSpPr>
-            <a:spLocks noGrp="1"/>
-          </p:cNvSpPr>
-          <p:nvPr>
-            <p:ph type="title"/>
-          </p:nvPr>
-        </p:nvSpPr>
-        <p:spPr/>
-        <p:txBody>
-          <a:bodyPr/>
-          <a:lstStyle/>
-          <a:p>
-            <a:r>
-              <a:rPr lang="en-GB" dirty="0"/>
-              <a:t>Data persistence</a:t>
-            </a:r>
-            <a:endParaRPr lang="en-IN" dirty="0"/>
-          </a:p>
-        </p:txBody>
-      </p:sp>
-      <p:pic>
-        <p:nvPicPr>
-          <p:cNvPr id="4" name="Content Placeholder 3">
-            <a:extLst>
-              <a:ext uri="{FF2B5EF4-FFF2-40B4-BE49-F238E27FC236}">
-                <a16:creationId xmlns:a16="http://schemas.microsoft.com/office/drawing/2014/main" id="{993F6781-5232-44C1-B288-841A64EF385C}"/>
-              </a:ext>
-            </a:extLst>
-          </p:cNvPr>
-          <p:cNvPicPr>
-            <a:picLocks noGrp="1"/>
-          </p:cNvPicPr>
-          <p:nvPr>
-            <p:ph idx="1"/>
-          </p:nvPr>
-        </p:nvPicPr>
-        <p:blipFill>
-          <a:blip r:link="rId2">
-            <a:extLst>
-              <a:ext uri="{28A0092B-C50C-407E-A947-70E740481C1C}">
-                <a14:useLocalDpi xmlns:a14="http://schemas.microsoft.com/office/drawing/2010/main" val="0"/>
-              </a:ext>
-            </a:extLst>
-          </a:blip>
-          <a:srcRect/>
-          <a:stretch>
-            <a:fillRect/>
-          </a:stretch>
-        </p:blipFill>
-        <p:spPr bwMode="auto">
-          <a:xfrm>
-            <a:off x="1932215" y="1985555"/>
-            <a:ext cx="8327570" cy="4153988"/>
-          </a:xfrm>
-          <a:prstGeom prst="rect">
-            <a:avLst/>
-          </a:prstGeom>
-          <a:noFill/>
-          <a:ln>
-            <a:noFill/>
-          </a:ln>
-        </p:spPr>
-      </p:pic>
-    </p:spTree>
-    <p:extLst>
-      <p:ext uri="{BB962C8B-B14F-4D97-AF65-F5344CB8AC3E}">
-        <p14:creationId xmlns:p14="http://schemas.microsoft.com/office/powerpoint/2010/main" val="100059540"/>
-      </p:ext>
-    </p:extLst>
-  </p:cSld>
-  <p:clrMapOvr>
-    <a:masterClrMapping/>
-  </p:clrMapOvr>
-</p:sld>
-</file>
-
-<file path=ppt/slides/slide6.xml><?xml version="1.0" encoding="utf-8"?>
-<p:sld xmlns:a="http://schemas.openxmlformats.org/drawingml/2006/main" xmlns:r="http://schemas.openxmlformats.org/officeDocument/2006/relationships" xmlns:p="http://schemas.openxmlformats.org/presentationml/2006/main">
-  <p:cSld>
-    <p:spTree>
-      <p:nvGrpSpPr>
-        <p:cNvPr id="1" name=""/>
-        <p:cNvGrpSpPr/>
-        <p:nvPr/>
-      </p:nvGrpSpPr>
-      <p:grpSpPr>
-        <a:xfrm>
-          <a:off x="0" y="0"/>
-          <a:ext cx="0" cy="0"/>
-          <a:chOff x="0" y="0"/>
-          <a:chExt cx="0" cy="0"/>
-        </a:xfrm>
-      </p:grpSpPr>
-      <p:sp>
-        <p:nvSpPr>
-          <p:cNvPr id="2" name="Title 1">
-            <a:extLst>
-              <a:ext uri="{FF2B5EF4-FFF2-40B4-BE49-F238E27FC236}">
                 <a16:creationId xmlns:a16="http://schemas.microsoft.com/office/drawing/2014/main" id="{FE9B6402-BEBE-42C7-8AB9-98D0C01FE32F}"/>
               </a:ext>
             </a:extLst>
@@ -24646,20 +25533,27 @@
         <p:spPr/>
         <p:txBody>
           <a:bodyPr>
-            <a:normAutofit/>
+            <a:normAutofit fontScale="90000"/>
           </a:bodyPr>
           <a:lstStyle/>
           <a:p>
             <a:r>
               <a:rPr lang="en-GB" dirty="0"/>
-              <a:t>Database, Data warehouse, </a:t>
+              <a:t>Database</a:t>
             </a:r>
             <a:br>
               <a:rPr lang="en-GB" dirty="0"/>
             </a:br>
             <a:r>
               <a:rPr lang="en-GB" dirty="0"/>
-              <a:t>Data Lake, Data Lakehouse.</a:t>
+              <a:t>Data warehouse </a:t>
+            </a:r>
+            <a:br>
+              <a:rPr lang="en-GB" dirty="0"/>
+            </a:br>
+            <a:r>
+              <a:rPr lang="en-GB" dirty="0"/>
+              <a:t>Data Lake</a:t>
             </a:r>
             <a:endParaRPr lang="en-IN" dirty="0"/>
           </a:p>
@@ -24713,7 +25607,7 @@
 </p:sld>
 </file>
 
-<file path=ppt/slides/slide7.xml><?xml version="1.0" encoding="utf-8"?>
+<file path=ppt/slides/slide6.xml><?xml version="1.0" encoding="utf-8"?>
 <p:sld xmlns:a="http://schemas.openxmlformats.org/drawingml/2006/main" xmlns:r="http://schemas.openxmlformats.org/officeDocument/2006/relationships" xmlns:p="http://schemas.openxmlformats.org/presentationml/2006/main">
   <p:cSld>
     <p:spTree>
@@ -24775,6 +25669,151 @@
             <p:ph idx="1"/>
           </p:nvPr>
         </p:nvSpPr>
+        <p:spPr>
+          <a:xfrm>
+            <a:off x="1024129" y="2286000"/>
+            <a:ext cx="4645152" cy="4023360"/>
+          </a:xfrm>
+        </p:spPr>
+        <p:txBody>
+          <a:bodyPr>
+            <a:normAutofit/>
+          </a:bodyPr>
+          <a:lstStyle/>
+          <a:p>
+            <a:r>
+              <a:rPr lang="en-GB" dirty="0"/>
+              <a:t>* Co-location of Compute &amp; Storage.</a:t>
+            </a:r>
+          </a:p>
+          <a:p>
+            <a:endParaRPr lang="en-GB" dirty="0"/>
+          </a:p>
+          <a:p>
+            <a:r>
+              <a:rPr lang="en-GB" dirty="0"/>
+              <a:t>* Recommended for structured data of less than a TB, and the purpose is for OLTP.</a:t>
+            </a:r>
+          </a:p>
+          <a:p>
+            <a:endParaRPr lang="en-GB" dirty="0"/>
+          </a:p>
+          <a:p>
+            <a:r>
+              <a:rPr lang="en-GB" dirty="0"/>
+              <a:t>* Not recommended for ad-hoc analytics and if there’s more dependency in </a:t>
+            </a:r>
+            <a:r>
+              <a:rPr lang="en-GB" dirty="0" err="1"/>
+              <a:t>sharding</a:t>
+            </a:r>
+            <a:r>
+              <a:rPr lang="en-GB" dirty="0"/>
+              <a:t>.</a:t>
+            </a:r>
+          </a:p>
+        </p:txBody>
+      </p:sp>
+      <p:pic>
+        <p:nvPicPr>
+          <p:cNvPr id="2050" name="Picture 2" descr="shared-disk-architecture">
+            <a:extLst>
+              <a:ext uri="{FF2B5EF4-FFF2-40B4-BE49-F238E27FC236}">
+                <a16:creationId xmlns:a16="http://schemas.microsoft.com/office/drawing/2014/main" id="{FD35294B-7B9D-4B54-B80D-88A923A01390}"/>
+              </a:ext>
+            </a:extLst>
+          </p:cNvPr>
+          <p:cNvPicPr>
+            <a:picLocks noChangeAspect="1" noChangeArrowheads="1"/>
+          </p:cNvPicPr>
+          <p:nvPr/>
+        </p:nvPicPr>
+        <p:blipFill>
+          <a:blip r:embed="rId3">
+            <a:extLst>
+              <a:ext uri="{28A0092B-C50C-407E-A947-70E740481C1C}">
+                <a14:useLocalDpi xmlns:a14="http://schemas.microsoft.com/office/drawing/2010/main" val="0"/>
+              </a:ext>
+            </a:extLst>
+          </a:blip>
+          <a:srcRect/>
+          <a:stretch>
+            <a:fillRect/>
+          </a:stretch>
+        </p:blipFill>
+        <p:spPr bwMode="auto">
+          <a:xfrm>
+            <a:off x="6417329" y="2286000"/>
+            <a:ext cx="5140262" cy="3017520"/>
+          </a:xfrm>
+          <a:prstGeom prst="rect">
+            <a:avLst/>
+          </a:prstGeom>
+          <a:noFill/>
+          <a:ln w="19050">
+            <a:solidFill>
+              <a:schemeClr val="accent2">
+                <a:lumMod val="50000"/>
+              </a:schemeClr>
+            </a:solidFill>
+          </a:ln>
+          <a:extLst>
+            <a:ext uri="{909E8E84-426E-40DD-AFC4-6F175D3DCCD1}">
+              <a14:hiddenFill xmlns:a14="http://schemas.microsoft.com/office/drawing/2010/main">
+                <a:solidFill>
+                  <a:srgbClr val="FFFFFF"/>
+                </a:solidFill>
+              </a14:hiddenFill>
+            </a:ext>
+          </a:extLst>
+        </p:spPr>
+      </p:pic>
+    </p:spTree>
+    <p:extLst>
+      <p:ext uri="{BB962C8B-B14F-4D97-AF65-F5344CB8AC3E}">
+        <p14:creationId xmlns:p14="http://schemas.microsoft.com/office/powerpoint/2010/main" val="1944598716"/>
+      </p:ext>
+    </p:extLst>
+  </p:cSld>
+  <p:clrMapOvr>
+    <a:masterClrMapping/>
+  </p:clrMapOvr>
+</p:sld>
+</file>
+
+<file path=ppt/slides/slide7.xml><?xml version="1.0" encoding="utf-8"?>
+<p:sld xmlns:a="http://schemas.openxmlformats.org/drawingml/2006/main" xmlns:r="http://schemas.openxmlformats.org/officeDocument/2006/relationships" xmlns:p="http://schemas.openxmlformats.org/presentationml/2006/main">
+  <p:cSld>
+    <p:spTree>
+      <p:nvGrpSpPr>
+        <p:cNvPr id="1" name=""/>
+        <p:cNvGrpSpPr/>
+        <p:nvPr/>
+      </p:nvGrpSpPr>
+      <p:grpSpPr>
+        <a:xfrm>
+          <a:off x="0" y="0"/>
+          <a:ext cx="0" cy="0"/>
+          <a:chOff x="0" y="0"/>
+          <a:chExt cx="0" cy="0"/>
+        </a:xfrm>
+      </p:grpSpPr>
+      <p:sp>
+        <p:nvSpPr>
+          <p:cNvPr id="2" name="Title 1">
+            <a:extLst>
+              <a:ext uri="{FF2B5EF4-FFF2-40B4-BE49-F238E27FC236}">
+                <a16:creationId xmlns:a16="http://schemas.microsoft.com/office/drawing/2014/main" id="{DE1B8586-A777-41E7-BD55-E05278892E6B}"/>
+              </a:ext>
+            </a:extLst>
+          </p:cNvPr>
+          <p:cNvSpPr>
+            <a:spLocks noGrp="1"/>
+          </p:cNvSpPr>
+          <p:nvPr>
+            <p:ph type="title"/>
+          </p:nvPr>
+        </p:nvSpPr>
         <p:spPr/>
         <p:txBody>
           <a:bodyPr/>
@@ -24782,8 +25821,344 @@
           <a:p>
             <a:r>
               <a:rPr lang="en-GB" dirty="0"/>
-              <a:t>* Co-location of Compute &amp; Storage.</a:t>
+              <a:t>DBMS storage models</a:t>
             </a:r>
+            <a:endParaRPr lang="en-IN" dirty="0"/>
+          </a:p>
+        </p:txBody>
+      </p:sp>
+      <p:pic>
+        <p:nvPicPr>
+          <p:cNvPr id="4" name="Content Placeholder 3">
+            <a:extLst>
+              <a:ext uri="{FF2B5EF4-FFF2-40B4-BE49-F238E27FC236}">
+                <a16:creationId xmlns:a16="http://schemas.microsoft.com/office/drawing/2014/main" id="{993F6781-5232-44C1-B288-841A64EF385C}"/>
+              </a:ext>
+            </a:extLst>
+          </p:cNvPr>
+          <p:cNvPicPr>
+            <a:picLocks noGrp="1"/>
+          </p:cNvPicPr>
+          <p:nvPr>
+            <p:ph idx="1"/>
+          </p:nvPr>
+        </p:nvPicPr>
+        <p:blipFill>
+          <a:blip r:link="rId2">
+            <a:extLst>
+              <a:ext uri="{28A0092B-C50C-407E-A947-70E740481C1C}">
+                <a14:useLocalDpi xmlns:a14="http://schemas.microsoft.com/office/drawing/2010/main" val="0"/>
+              </a:ext>
+            </a:extLst>
+          </a:blip>
+          <a:srcRect/>
+          <a:stretch>
+            <a:fillRect/>
+          </a:stretch>
+        </p:blipFill>
+        <p:spPr bwMode="auto">
+          <a:xfrm>
+            <a:off x="6522721" y="2707930"/>
+            <a:ext cx="5151554" cy="3179499"/>
+          </a:xfrm>
+          <a:prstGeom prst="rect">
+            <a:avLst/>
+          </a:prstGeom>
+          <a:noFill/>
+          <a:ln w="19050">
+            <a:solidFill>
+              <a:schemeClr val="accent2">
+                <a:lumMod val="50000"/>
+              </a:schemeClr>
+            </a:solidFill>
+          </a:ln>
+        </p:spPr>
+      </p:pic>
+      <p:sp>
+        <p:nvSpPr>
+          <p:cNvPr id="5" name="Content Placeholder 2">
+            <a:extLst>
+              <a:ext uri="{FF2B5EF4-FFF2-40B4-BE49-F238E27FC236}">
+                <a16:creationId xmlns:a16="http://schemas.microsoft.com/office/drawing/2014/main" id="{E33CF88D-7ECA-486B-966C-45AAE3FB8C5E}"/>
+              </a:ext>
+            </a:extLst>
+          </p:cNvPr>
+          <p:cNvSpPr txBox="1">
+            <a:spLocks/>
+          </p:cNvSpPr>
+          <p:nvPr/>
+        </p:nvSpPr>
+        <p:spPr>
+          <a:xfrm>
+            <a:off x="1024129" y="2286000"/>
+            <a:ext cx="4645152" cy="4023360"/>
+          </a:xfrm>
+          <a:prstGeom prst="rect">
+            <a:avLst/>
+          </a:prstGeom>
+        </p:spPr>
+        <p:txBody>
+          <a:bodyPr vert="horz" lIns="45720" tIns="45720" rIns="45720" bIns="45720" rtlCol="0">
+            <a:normAutofit/>
+          </a:bodyPr>
+          <a:lstStyle>
+            <a:lvl1pPr marL="91440" indent="-91440" algn="l" defTabSz="914400" rtl="0" eaLnBrk="1" latinLnBrk="0" hangingPunct="1">
+              <a:lnSpc>
+                <a:spcPct val="90000"/>
+              </a:lnSpc>
+              <a:spcBef>
+                <a:spcPts val="1200"/>
+              </a:spcBef>
+              <a:spcAft>
+                <a:spcPts val="200"/>
+              </a:spcAft>
+              <a:buClr>
+                <a:schemeClr val="accent1"/>
+              </a:buClr>
+              <a:buSzPct val="100000"/>
+              <a:buFont typeface="Tw Cen MT" panose="020B0602020104020603" pitchFamily="34" charset="0"/>
+              <a:buChar char=" "/>
+              <a:defRPr sz="2200" kern="1200">
+                <a:solidFill>
+                  <a:schemeClr val="tx1"/>
+                </a:solidFill>
+                <a:latin typeface="+mn-lt"/>
+                <a:ea typeface="+mn-ea"/>
+                <a:cs typeface="+mn-cs"/>
+              </a:defRPr>
+            </a:lvl1pPr>
+            <a:lvl2pPr marL="265176" indent="-137160" algn="l" defTabSz="914400" rtl="0" eaLnBrk="1" latinLnBrk="0" hangingPunct="1">
+              <a:lnSpc>
+                <a:spcPct val="90000"/>
+              </a:lnSpc>
+              <a:spcBef>
+                <a:spcPts val="200"/>
+              </a:spcBef>
+              <a:spcAft>
+                <a:spcPts val="400"/>
+              </a:spcAft>
+              <a:buClr>
+                <a:schemeClr val="accent1"/>
+              </a:buClr>
+              <a:buFont typeface="Wingdings 3" pitchFamily="18" charset="2"/>
+              <a:buChar char=""/>
+              <a:defRPr sz="1800" kern="1200">
+                <a:solidFill>
+                  <a:schemeClr val="tx1"/>
+                </a:solidFill>
+                <a:latin typeface="+mn-lt"/>
+                <a:ea typeface="+mn-ea"/>
+                <a:cs typeface="+mn-cs"/>
+              </a:defRPr>
+            </a:lvl2pPr>
+            <a:lvl3pPr marL="448056" indent="-137160" algn="l" defTabSz="914400" rtl="0" eaLnBrk="1" latinLnBrk="0" hangingPunct="1">
+              <a:lnSpc>
+                <a:spcPct val="90000"/>
+              </a:lnSpc>
+              <a:spcBef>
+                <a:spcPts val="200"/>
+              </a:spcBef>
+              <a:spcAft>
+                <a:spcPts val="400"/>
+              </a:spcAft>
+              <a:buClr>
+                <a:schemeClr val="accent1"/>
+              </a:buClr>
+              <a:buFont typeface="Wingdings 3" pitchFamily="18" charset="2"/>
+              <a:buChar char=""/>
+              <a:defRPr sz="1400" kern="1200">
+                <a:solidFill>
+                  <a:schemeClr val="tx1"/>
+                </a:solidFill>
+                <a:latin typeface="+mn-lt"/>
+                <a:ea typeface="+mn-ea"/>
+                <a:cs typeface="+mn-cs"/>
+              </a:defRPr>
+            </a:lvl3pPr>
+            <a:lvl4pPr marL="594360" indent="-137160" algn="l" defTabSz="914400" rtl="0" eaLnBrk="1" latinLnBrk="0" hangingPunct="1">
+              <a:lnSpc>
+                <a:spcPct val="90000"/>
+              </a:lnSpc>
+              <a:spcBef>
+                <a:spcPts val="200"/>
+              </a:spcBef>
+              <a:spcAft>
+                <a:spcPts val="400"/>
+              </a:spcAft>
+              <a:buClr>
+                <a:schemeClr val="accent1"/>
+              </a:buClr>
+              <a:buFont typeface="Wingdings 3" pitchFamily="18" charset="2"/>
+              <a:buChar char=""/>
+              <a:defRPr sz="1400" kern="1200">
+                <a:solidFill>
+                  <a:schemeClr val="tx1"/>
+                </a:solidFill>
+                <a:latin typeface="+mn-lt"/>
+                <a:ea typeface="+mn-ea"/>
+                <a:cs typeface="+mn-cs"/>
+              </a:defRPr>
+            </a:lvl4pPr>
+            <a:lvl5pPr marL="777240" indent="-137160" algn="l" defTabSz="914400" rtl="0" eaLnBrk="1" latinLnBrk="0" hangingPunct="1">
+              <a:lnSpc>
+                <a:spcPct val="90000"/>
+              </a:lnSpc>
+              <a:spcBef>
+                <a:spcPts val="200"/>
+              </a:spcBef>
+              <a:spcAft>
+                <a:spcPts val="400"/>
+              </a:spcAft>
+              <a:buClr>
+                <a:schemeClr val="accent1"/>
+              </a:buClr>
+              <a:buFont typeface="Wingdings 3" pitchFamily="18" charset="2"/>
+              <a:buChar char=""/>
+              <a:defRPr sz="1400" kern="1200">
+                <a:solidFill>
+                  <a:schemeClr val="tx1"/>
+                </a:solidFill>
+                <a:latin typeface="+mn-lt"/>
+                <a:ea typeface="+mn-ea"/>
+                <a:cs typeface="+mn-cs"/>
+              </a:defRPr>
+            </a:lvl5pPr>
+            <a:lvl6pPr marL="914400" indent="-137160" algn="l" defTabSz="914400" rtl="0" eaLnBrk="1" latinLnBrk="0" hangingPunct="1">
+              <a:lnSpc>
+                <a:spcPct val="90000"/>
+              </a:lnSpc>
+              <a:spcBef>
+                <a:spcPts val="200"/>
+              </a:spcBef>
+              <a:spcAft>
+                <a:spcPts val="400"/>
+              </a:spcAft>
+              <a:buClr>
+                <a:schemeClr val="accent1"/>
+              </a:buClr>
+              <a:buFont typeface="Wingdings 3" pitchFamily="18" charset="2"/>
+              <a:buChar char=""/>
+              <a:defRPr sz="1400" kern="1200">
+                <a:solidFill>
+                  <a:schemeClr val="tx1"/>
+                </a:solidFill>
+                <a:latin typeface="+mn-lt"/>
+                <a:ea typeface="+mn-ea"/>
+                <a:cs typeface="+mn-cs"/>
+              </a:defRPr>
+            </a:lvl6pPr>
+            <a:lvl7pPr marL="1060704" indent="-137160" algn="l" defTabSz="914400" rtl="0" eaLnBrk="1" latinLnBrk="0" hangingPunct="1">
+              <a:lnSpc>
+                <a:spcPct val="90000"/>
+              </a:lnSpc>
+              <a:spcBef>
+                <a:spcPts val="200"/>
+              </a:spcBef>
+              <a:spcAft>
+                <a:spcPts val="400"/>
+              </a:spcAft>
+              <a:buClr>
+                <a:schemeClr val="accent1"/>
+              </a:buClr>
+              <a:buFont typeface="Wingdings 3" pitchFamily="18" charset="2"/>
+              <a:buChar char=""/>
+              <a:defRPr sz="1400" kern="1200">
+                <a:solidFill>
+                  <a:schemeClr val="tx1"/>
+                </a:solidFill>
+                <a:latin typeface="+mn-lt"/>
+                <a:ea typeface="+mn-ea"/>
+                <a:cs typeface="+mn-cs"/>
+              </a:defRPr>
+            </a:lvl7pPr>
+            <a:lvl8pPr marL="1216152" indent="-137160" algn="l" defTabSz="914400" rtl="0" eaLnBrk="1" latinLnBrk="0" hangingPunct="1">
+              <a:lnSpc>
+                <a:spcPct val="90000"/>
+              </a:lnSpc>
+              <a:spcBef>
+                <a:spcPts val="200"/>
+              </a:spcBef>
+              <a:spcAft>
+                <a:spcPts val="400"/>
+              </a:spcAft>
+              <a:buClr>
+                <a:schemeClr val="accent1"/>
+              </a:buClr>
+              <a:buFont typeface="Wingdings 3" pitchFamily="18" charset="2"/>
+              <a:buChar char=""/>
+              <a:defRPr sz="1400" kern="1200">
+                <a:solidFill>
+                  <a:schemeClr val="tx1"/>
+                </a:solidFill>
+                <a:latin typeface="+mn-lt"/>
+                <a:ea typeface="+mn-ea"/>
+                <a:cs typeface="+mn-cs"/>
+              </a:defRPr>
+            </a:lvl8pPr>
+            <a:lvl9pPr marL="1362456" indent="-137160" algn="l" defTabSz="914400" rtl="0" eaLnBrk="1" latinLnBrk="0" hangingPunct="1">
+              <a:lnSpc>
+                <a:spcPct val="90000"/>
+              </a:lnSpc>
+              <a:spcBef>
+                <a:spcPts val="200"/>
+              </a:spcBef>
+              <a:spcAft>
+                <a:spcPts val="400"/>
+              </a:spcAft>
+              <a:buClr>
+                <a:schemeClr val="accent1"/>
+              </a:buClr>
+              <a:buFont typeface="Wingdings 3" pitchFamily="18" charset="2"/>
+              <a:buChar char=""/>
+              <a:defRPr sz="1400" kern="1200">
+                <a:solidFill>
+                  <a:schemeClr val="tx1"/>
+                </a:solidFill>
+                <a:latin typeface="+mn-lt"/>
+                <a:ea typeface="+mn-ea"/>
+                <a:cs typeface="+mn-cs"/>
+              </a:defRPr>
+            </a:lvl9pPr>
+          </a:lstStyle>
+          <a:p>
+            <a:r>
+              <a:rPr lang="en-GB" dirty="0"/>
+              <a:t>NoSQL </a:t>
+            </a:r>
+            <a:r>
+              <a:rPr lang="en-GB" dirty="0" err="1"/>
+              <a:t>db</a:t>
+            </a:r>
+            <a:r>
+              <a:rPr lang="en-GB" dirty="0"/>
+              <a:t>:</a:t>
+            </a:r>
+          </a:p>
+          <a:p>
+            <a:r>
+              <a:rPr lang="en-IN" dirty="0"/>
+              <a:t>* Graph - .</a:t>
+            </a:r>
+          </a:p>
+          <a:p>
+            <a:r>
+              <a:rPr lang="en-GB" dirty="0"/>
+              <a:t>* Key-value - .</a:t>
+            </a:r>
+          </a:p>
+          <a:p>
+            <a:r>
+              <a:rPr lang="en-GB" dirty="0"/>
+              <a:t>* Document - Frequent schema changes with sub-tables need. (Mongo DB)</a:t>
+            </a:r>
+          </a:p>
+          <a:p>
+            <a:r>
+              <a:rPr lang="en-GB" dirty="0"/>
+              <a:t>* Column-oriented - .</a:t>
+            </a:r>
+          </a:p>
+          <a:p>
             <a:endParaRPr lang="en-IN" dirty="0"/>
           </a:p>
         </p:txBody>
@@ -24791,7 +26166,7 @@
     </p:spTree>
     <p:extLst>
       <p:ext uri="{BB962C8B-B14F-4D97-AF65-F5344CB8AC3E}">
-        <p14:creationId xmlns:p14="http://schemas.microsoft.com/office/powerpoint/2010/main" val="1944598716"/>
+        <p14:creationId xmlns:p14="http://schemas.microsoft.com/office/powerpoint/2010/main" val="100059540"/>
       </p:ext>
     </p:extLst>
   </p:cSld>
@@ -24863,19 +26238,90 @@
             <p:ph idx="1"/>
           </p:nvPr>
         </p:nvSpPr>
-        <p:spPr/>
+        <p:spPr>
+          <a:xfrm>
+            <a:off x="1024128" y="2286000"/>
+            <a:ext cx="3809129" cy="4023360"/>
+          </a:xfrm>
+        </p:spPr>
         <p:txBody>
           <a:bodyPr/>
           <a:lstStyle/>
           <a:p>
             <a:r>
               <a:rPr lang="en-GB" dirty="0"/>
-              <a:t>* Separation of Compute &amp; Storage</a:t>
+              <a:t>* Separation of </a:t>
             </a:r>
-            <a:endParaRPr lang="en-IN" dirty="0"/>
+            <a:r>
+              <a:rPr lang="en-GB" dirty="0">
+                <a:solidFill>
+                  <a:srgbClr val="0070C0"/>
+                </a:solidFill>
+              </a:rPr>
+              <a:t>Compute &amp; Storage.</a:t>
+            </a:r>
+          </a:p>
+          <a:p>
+            <a:endParaRPr lang="en-GB" dirty="0">
+              <a:solidFill>
+                <a:srgbClr val="0070C0"/>
+              </a:solidFill>
+            </a:endParaRPr>
+          </a:p>
+          <a:p>
+            <a:r>
+              <a:rPr lang="en-GB" dirty="0"/>
+              <a:t>* Recommended to store structured/processed data.</a:t>
+            </a:r>
+          </a:p>
+          <a:p>
+            <a:endParaRPr lang="en-GB" dirty="0"/>
+          </a:p>
+          <a:p>
+            <a:r>
+              <a:rPr lang="en-GB" dirty="0"/>
+              <a:t>* Not recommended for unstructured data like image and video into a DW.</a:t>
+            </a:r>
           </a:p>
         </p:txBody>
       </p:sp>
+      <p:pic>
+        <p:nvPicPr>
+          <p:cNvPr id="5" name="Picture 4">
+            <a:extLst>
+              <a:ext uri="{FF2B5EF4-FFF2-40B4-BE49-F238E27FC236}">
+                <a16:creationId xmlns:a16="http://schemas.microsoft.com/office/drawing/2014/main" id="{30CCA892-55F8-44F1-9663-F94598196AC0}"/>
+              </a:ext>
+            </a:extLst>
+          </p:cNvPr>
+          <p:cNvPicPr>
+            <a:picLocks noChangeAspect="1"/>
+          </p:cNvPicPr>
+          <p:nvPr/>
+        </p:nvPicPr>
+        <p:blipFill>
+          <a:blip r:embed="rId3"/>
+          <a:stretch>
+            <a:fillRect/>
+          </a:stretch>
+        </p:blipFill>
+        <p:spPr>
+          <a:xfrm>
+            <a:off x="4833257" y="1530967"/>
+            <a:ext cx="7037933" cy="4741817"/>
+          </a:xfrm>
+          <a:prstGeom prst="rect">
+            <a:avLst/>
+          </a:prstGeom>
+          <a:ln w="19050">
+            <a:solidFill>
+              <a:schemeClr val="accent2">
+                <a:lumMod val="50000"/>
+              </a:schemeClr>
+            </a:solidFill>
+          </a:ln>
+        </p:spPr>
+      </p:pic>
     </p:spTree>
     <p:extLst>
       <p:ext uri="{BB962C8B-B14F-4D97-AF65-F5344CB8AC3E}">
@@ -24951,19 +26397,109 @@
             <p:ph idx="1"/>
           </p:nvPr>
         </p:nvSpPr>
-        <p:spPr/>
+        <p:spPr>
+          <a:xfrm>
+            <a:off x="1024128" y="2286000"/>
+            <a:ext cx="4266329" cy="4023360"/>
+          </a:xfrm>
+        </p:spPr>
         <p:txBody>
           <a:bodyPr/>
           <a:lstStyle/>
           <a:p>
             <a:r>
               <a:rPr lang="en-GB" dirty="0"/>
-              <a:t>* Separation of Compute &amp; Data</a:t>
+              <a:t>* Separation of </a:t>
             </a:r>
-            <a:endParaRPr lang="en-IN" dirty="0"/>
+            <a:r>
+              <a:rPr lang="en-GB" dirty="0">
+                <a:solidFill>
+                  <a:srgbClr val="0070C0"/>
+                </a:solidFill>
+              </a:rPr>
+              <a:t>Compute &amp; Data.</a:t>
+            </a:r>
+          </a:p>
+          <a:p>
+            <a:endParaRPr lang="en-GB" dirty="0">
+              <a:solidFill>
+                <a:srgbClr val="0070C0"/>
+              </a:solidFill>
+            </a:endParaRPr>
+          </a:p>
+          <a:p>
+            <a:pPr marL="0" indent="0">
+              <a:buNone/>
+            </a:pPr>
+            <a:r>
+              <a:rPr lang="en-GB" dirty="0"/>
+              <a:t>* Recommended for .</a:t>
+            </a:r>
+          </a:p>
+          <a:p>
+            <a:pPr>
+              <a:buFont typeface="Arial" panose="020B0604020202020204" pitchFamily="34" charset="0"/>
+              <a:buChar char="•"/>
+            </a:pPr>
+            <a:endParaRPr lang="en-GB" dirty="0">
+              <a:solidFill>
+                <a:srgbClr val="0070C0"/>
+              </a:solidFill>
+            </a:endParaRPr>
+          </a:p>
+          <a:p>
+            <a:pPr marL="0" indent="0">
+              <a:buNone/>
+            </a:pPr>
+            <a:r>
+              <a:rPr lang="en-GB" dirty="0"/>
+              <a:t>* Not recommended for .</a:t>
+            </a:r>
+            <a:endParaRPr lang="en-IN" dirty="0">
+              <a:solidFill>
+                <a:srgbClr val="0070C0"/>
+              </a:solidFill>
+            </a:endParaRPr>
           </a:p>
         </p:txBody>
       </p:sp>
+      <p:pic>
+        <p:nvPicPr>
+          <p:cNvPr id="5" name="Picture 4">
+            <a:extLst>
+              <a:ext uri="{FF2B5EF4-FFF2-40B4-BE49-F238E27FC236}">
+                <a16:creationId xmlns:a16="http://schemas.microsoft.com/office/drawing/2014/main" id="{EDFC0EC8-4EC0-438D-BAF1-34BE7FEE111B}"/>
+              </a:ext>
+            </a:extLst>
+          </p:cNvPr>
+          <p:cNvPicPr>
+            <a:picLocks noChangeAspect="1"/>
+          </p:cNvPicPr>
+          <p:nvPr/>
+        </p:nvPicPr>
+        <p:blipFill>
+          <a:blip r:embed="rId3"/>
+          <a:stretch>
+            <a:fillRect/>
+          </a:stretch>
+        </p:blipFill>
+        <p:spPr>
+          <a:xfrm>
+            <a:off x="5884164" y="585216"/>
+            <a:ext cx="6144482" cy="6030167"/>
+          </a:xfrm>
+          <a:prstGeom prst="rect">
+            <a:avLst/>
+          </a:prstGeom>
+          <a:ln w="19050">
+            <a:solidFill>
+              <a:schemeClr val="accent2">
+                <a:lumMod val="50000"/>
+              </a:schemeClr>
+            </a:solidFill>
+          </a:ln>
+        </p:spPr>
+      </p:pic>
     </p:spTree>
     <p:extLst>
       <p:ext uri="{BB962C8B-B14F-4D97-AF65-F5344CB8AC3E}">

--- a/sessions/GAB 2021/Choosing right Data Service.pptx
+++ b/sessions/GAB 2021/Choosing right Data Service.pptx
@@ -5,30 +5,32 @@
     <p:sldMasterId id="2147483660" r:id="rId1"/>
   </p:sldMasterIdLst>
   <p:notesMasterIdLst>
-    <p:notesMasterId r:id="rId23"/>
+    <p:notesMasterId r:id="rId25"/>
   </p:notesMasterIdLst>
   <p:sldIdLst>
     <p:sldId id="256" r:id="rId2"/>
     <p:sldId id="257" r:id="rId3"/>
     <p:sldId id="260" r:id="rId4"/>
-    <p:sldId id="266" r:id="rId5"/>
-    <p:sldId id="267" r:id="rId6"/>
-    <p:sldId id="258" r:id="rId7"/>
-    <p:sldId id="276" r:id="rId8"/>
-    <p:sldId id="263" r:id="rId9"/>
-    <p:sldId id="264" r:id="rId10"/>
-    <p:sldId id="278" r:id="rId11"/>
-    <p:sldId id="271" r:id="rId12"/>
-    <p:sldId id="274" r:id="rId13"/>
-    <p:sldId id="275" r:id="rId14"/>
-    <p:sldId id="262" r:id="rId15"/>
-    <p:sldId id="272" r:id="rId16"/>
-    <p:sldId id="273" r:id="rId17"/>
-    <p:sldId id="279" r:id="rId18"/>
-    <p:sldId id="270" r:id="rId19"/>
-    <p:sldId id="269" r:id="rId20"/>
-    <p:sldId id="277" r:id="rId21"/>
-    <p:sldId id="268" r:id="rId22"/>
+    <p:sldId id="2076136265" r:id="rId5"/>
+    <p:sldId id="292" r:id="rId6"/>
+    <p:sldId id="266" r:id="rId7"/>
+    <p:sldId id="267" r:id="rId8"/>
+    <p:sldId id="258" r:id="rId9"/>
+    <p:sldId id="276" r:id="rId10"/>
+    <p:sldId id="263" r:id="rId11"/>
+    <p:sldId id="264" r:id="rId12"/>
+    <p:sldId id="278" r:id="rId13"/>
+    <p:sldId id="271" r:id="rId14"/>
+    <p:sldId id="274" r:id="rId15"/>
+    <p:sldId id="275" r:id="rId16"/>
+    <p:sldId id="262" r:id="rId17"/>
+    <p:sldId id="272" r:id="rId18"/>
+    <p:sldId id="273" r:id="rId19"/>
+    <p:sldId id="279" r:id="rId20"/>
+    <p:sldId id="270" r:id="rId21"/>
+    <p:sldId id="269" r:id="rId22"/>
+    <p:sldId id="277" r:id="rId23"/>
+    <p:sldId id="268" r:id="rId24"/>
   </p:sldIdLst>
   <p:sldSz cx="12192000" cy="6858000"/>
   <p:notesSz cx="6858000" cy="9144000"/>
@@ -229,7 +231,7 @@
           <a:p>
             <a:fld id="{C3E45019-3D22-4B0F-9E51-C5C311B494D9}" type="datetimeFigureOut">
               <a:rPr lang="en-IN" smtClean="0"/>
-              <a:t>14-04-2021</a:t>
+              <a:t>15-04-2021</a:t>
             </a:fld>
             <a:endParaRPr lang="en-IN"/>
           </a:p>
@@ -629,6 +631,447 @@
           <a:bodyPr/>
           <a:lstStyle/>
           <a:p>
+            <a:r>
+              <a:rPr lang="en-GB" dirty="0"/>
+              <a:t>* There wont be any conversion or copying to another system. Data relies in 1 single place and all external systems access over same data. So data democratization is good while using data lake.</a:t>
+            </a:r>
+            <a:endParaRPr lang="en-IN" dirty="0"/>
+          </a:p>
+        </p:txBody>
+      </p:sp>
+      <p:sp>
+        <p:nvSpPr>
+          <p:cNvPr id="4" name="Slide Number Placeholder 3"/>
+          <p:cNvSpPr>
+            <a:spLocks noGrp="1"/>
+          </p:cNvSpPr>
+          <p:nvPr>
+            <p:ph type="sldNum" sz="quarter" idx="5"/>
+          </p:nvPr>
+        </p:nvSpPr>
+        <p:spPr/>
+        <p:txBody>
+          <a:bodyPr/>
+          <a:lstStyle/>
+          <a:p>
+            <a:fld id="{61D11EEE-6408-426C-86EC-A45CD40E17C7}" type="slidenum">
+              <a:rPr lang="en-IN" smtClean="0"/>
+              <a:t>11</a:t>
+            </a:fld>
+            <a:endParaRPr lang="en-IN"/>
+          </a:p>
+        </p:txBody>
+      </p:sp>
+    </p:spTree>
+    <p:extLst>
+      <p:ext uri="{BB962C8B-B14F-4D97-AF65-F5344CB8AC3E}">
+        <p14:creationId xmlns:p14="http://schemas.microsoft.com/office/powerpoint/2010/main" val="1155419419"/>
+      </p:ext>
+    </p:extLst>
+  </p:cSld>
+  <p:clrMapOvr>
+    <a:masterClrMapping/>
+  </p:clrMapOvr>
+</p:notes>
+</file>
+
+<file path=ppt/notesSlides/notesSlide11.xml><?xml version="1.0" encoding="utf-8"?>
+<p:notes xmlns:a="http://schemas.openxmlformats.org/drawingml/2006/main" xmlns:r="http://schemas.openxmlformats.org/officeDocument/2006/relationships" xmlns:p="http://schemas.openxmlformats.org/presentationml/2006/main">
+  <p:cSld>
+    <p:spTree>
+      <p:nvGrpSpPr>
+        <p:cNvPr id="1" name=""/>
+        <p:cNvGrpSpPr/>
+        <p:nvPr/>
+      </p:nvGrpSpPr>
+      <p:grpSpPr>
+        <a:xfrm>
+          <a:off x="0" y="0"/>
+          <a:ext cx="0" cy="0"/>
+          <a:chOff x="0" y="0"/>
+          <a:chExt cx="0" cy="0"/>
+        </a:xfrm>
+      </p:grpSpPr>
+      <p:sp>
+        <p:nvSpPr>
+          <p:cNvPr id="2" name="Slide Image Placeholder 1"/>
+          <p:cNvSpPr>
+            <a:spLocks noGrp="1" noRot="1" noChangeAspect="1"/>
+          </p:cNvSpPr>
+          <p:nvPr>
+            <p:ph type="sldImg"/>
+          </p:nvPr>
+        </p:nvSpPr>
+        <p:spPr/>
+      </p:sp>
+      <p:sp>
+        <p:nvSpPr>
+          <p:cNvPr id="3" name="Notes Placeholder 2"/>
+          <p:cNvSpPr>
+            <a:spLocks noGrp="1"/>
+          </p:cNvSpPr>
+          <p:nvPr>
+            <p:ph type="body" idx="1"/>
+          </p:nvPr>
+        </p:nvSpPr>
+        <p:spPr/>
+        <p:txBody>
+          <a:bodyPr/>
+          <a:lstStyle/>
+          <a:p>
+            <a:endParaRPr lang="en-IN" dirty="0"/>
+          </a:p>
+        </p:txBody>
+      </p:sp>
+      <p:sp>
+        <p:nvSpPr>
+          <p:cNvPr id="4" name="Slide Number Placeholder 3"/>
+          <p:cNvSpPr>
+            <a:spLocks noGrp="1"/>
+          </p:cNvSpPr>
+          <p:nvPr>
+            <p:ph type="sldNum" sz="quarter" idx="5"/>
+          </p:nvPr>
+        </p:nvSpPr>
+        <p:spPr/>
+        <p:txBody>
+          <a:bodyPr/>
+          <a:lstStyle/>
+          <a:p>
+            <a:fld id="{61D11EEE-6408-426C-86EC-A45CD40E17C7}" type="slidenum">
+              <a:rPr lang="en-IN" smtClean="0"/>
+              <a:t>14</a:t>
+            </a:fld>
+            <a:endParaRPr lang="en-IN"/>
+          </a:p>
+        </p:txBody>
+      </p:sp>
+    </p:spTree>
+    <p:extLst>
+      <p:ext uri="{BB962C8B-B14F-4D97-AF65-F5344CB8AC3E}">
+        <p14:creationId xmlns:p14="http://schemas.microsoft.com/office/powerpoint/2010/main" val="4024428374"/>
+      </p:ext>
+    </p:extLst>
+  </p:cSld>
+  <p:clrMapOvr>
+    <a:masterClrMapping/>
+  </p:clrMapOvr>
+</p:notes>
+</file>
+
+<file path=ppt/notesSlides/notesSlide12.xml><?xml version="1.0" encoding="utf-8"?>
+<p:notes xmlns:a="http://schemas.openxmlformats.org/drawingml/2006/main" xmlns:r="http://schemas.openxmlformats.org/officeDocument/2006/relationships" xmlns:p="http://schemas.openxmlformats.org/presentationml/2006/main">
+  <p:cSld>
+    <p:spTree>
+      <p:nvGrpSpPr>
+        <p:cNvPr id="1" name=""/>
+        <p:cNvGrpSpPr/>
+        <p:nvPr/>
+      </p:nvGrpSpPr>
+      <p:grpSpPr>
+        <a:xfrm>
+          <a:off x="0" y="0"/>
+          <a:ext cx="0" cy="0"/>
+          <a:chOff x="0" y="0"/>
+          <a:chExt cx="0" cy="0"/>
+        </a:xfrm>
+      </p:grpSpPr>
+      <p:sp>
+        <p:nvSpPr>
+          <p:cNvPr id="2" name="Slide Image Placeholder 1"/>
+          <p:cNvSpPr>
+            <a:spLocks noGrp="1" noRot="1" noChangeAspect="1"/>
+          </p:cNvSpPr>
+          <p:nvPr>
+            <p:ph type="sldImg"/>
+          </p:nvPr>
+        </p:nvSpPr>
+        <p:spPr/>
+      </p:sp>
+      <p:sp>
+        <p:nvSpPr>
+          <p:cNvPr id="3" name="Notes Placeholder 2"/>
+          <p:cNvSpPr>
+            <a:spLocks noGrp="1"/>
+          </p:cNvSpPr>
+          <p:nvPr>
+            <p:ph type="body" idx="1"/>
+          </p:nvPr>
+        </p:nvSpPr>
+        <p:spPr/>
+        <p:txBody>
+          <a:bodyPr/>
+          <a:lstStyle/>
+          <a:p>
+            <a:endParaRPr lang="en-IN" dirty="0"/>
+          </a:p>
+        </p:txBody>
+      </p:sp>
+      <p:sp>
+        <p:nvSpPr>
+          <p:cNvPr id="4" name="Slide Number Placeholder 3"/>
+          <p:cNvSpPr>
+            <a:spLocks noGrp="1"/>
+          </p:cNvSpPr>
+          <p:nvPr>
+            <p:ph type="sldNum" sz="quarter" idx="5"/>
+          </p:nvPr>
+        </p:nvSpPr>
+        <p:spPr/>
+        <p:txBody>
+          <a:bodyPr/>
+          <a:lstStyle/>
+          <a:p>
+            <a:fld id="{61D11EEE-6408-426C-86EC-A45CD40E17C7}" type="slidenum">
+              <a:rPr lang="en-IN" smtClean="0"/>
+              <a:t>15</a:t>
+            </a:fld>
+            <a:endParaRPr lang="en-IN"/>
+          </a:p>
+        </p:txBody>
+      </p:sp>
+    </p:spTree>
+    <p:extLst>
+      <p:ext uri="{BB962C8B-B14F-4D97-AF65-F5344CB8AC3E}">
+        <p14:creationId xmlns:p14="http://schemas.microsoft.com/office/powerpoint/2010/main" val="1416948479"/>
+      </p:ext>
+    </p:extLst>
+  </p:cSld>
+  <p:clrMapOvr>
+    <a:masterClrMapping/>
+  </p:clrMapOvr>
+</p:notes>
+</file>
+
+<file path=ppt/notesSlides/notesSlide13.xml><?xml version="1.0" encoding="utf-8"?>
+<p:notes xmlns:a="http://schemas.openxmlformats.org/drawingml/2006/main" xmlns:r="http://schemas.openxmlformats.org/officeDocument/2006/relationships" xmlns:p="http://schemas.openxmlformats.org/presentationml/2006/main">
+  <p:cSld>
+    <p:spTree>
+      <p:nvGrpSpPr>
+        <p:cNvPr id="1" name=""/>
+        <p:cNvGrpSpPr/>
+        <p:nvPr/>
+      </p:nvGrpSpPr>
+      <p:grpSpPr>
+        <a:xfrm>
+          <a:off x="0" y="0"/>
+          <a:ext cx="0" cy="0"/>
+          <a:chOff x="0" y="0"/>
+          <a:chExt cx="0" cy="0"/>
+        </a:xfrm>
+      </p:grpSpPr>
+      <p:sp>
+        <p:nvSpPr>
+          <p:cNvPr id="2" name="Slide Image Placeholder 1"/>
+          <p:cNvSpPr>
+            <a:spLocks noGrp="1" noRot="1" noChangeAspect="1"/>
+          </p:cNvSpPr>
+          <p:nvPr>
+            <p:ph type="sldImg"/>
+          </p:nvPr>
+        </p:nvSpPr>
+        <p:spPr/>
+      </p:sp>
+      <p:sp>
+        <p:nvSpPr>
+          <p:cNvPr id="3" name="Notes Placeholder 2"/>
+          <p:cNvSpPr>
+            <a:spLocks noGrp="1"/>
+          </p:cNvSpPr>
+          <p:nvPr>
+            <p:ph type="body" idx="1"/>
+          </p:nvPr>
+        </p:nvSpPr>
+        <p:spPr/>
+        <p:txBody>
+          <a:bodyPr/>
+          <a:lstStyle/>
+          <a:p>
+            <a:r>
+              <a:rPr lang="en-GB" dirty="0"/>
+              <a:t>* Delta Lake that sits on top of data lake provides ACID transactions and unifies streaming and batch processing. It is also fully compatible with Spark APIs.</a:t>
+            </a:r>
+          </a:p>
+          <a:p>
+            <a:r>
+              <a:rPr lang="en-GB" dirty="0"/>
+              <a:t>* In simple words, its about saving data as ‘Delta’ format and play with it.</a:t>
+            </a:r>
+            <a:endParaRPr lang="en-IN" dirty="0"/>
+          </a:p>
+          <a:p>
+            <a:endParaRPr lang="en-IN" dirty="0"/>
+          </a:p>
+        </p:txBody>
+      </p:sp>
+      <p:sp>
+        <p:nvSpPr>
+          <p:cNvPr id="4" name="Slide Number Placeholder 3"/>
+          <p:cNvSpPr>
+            <a:spLocks noGrp="1"/>
+          </p:cNvSpPr>
+          <p:nvPr>
+            <p:ph type="sldNum" sz="quarter" idx="5"/>
+          </p:nvPr>
+        </p:nvSpPr>
+        <p:spPr/>
+        <p:txBody>
+          <a:bodyPr/>
+          <a:lstStyle/>
+          <a:p>
+            <a:fld id="{61D11EEE-6408-426C-86EC-A45CD40E17C7}" type="slidenum">
+              <a:rPr lang="en-IN" smtClean="0"/>
+              <a:t>16</a:t>
+            </a:fld>
+            <a:endParaRPr lang="en-IN"/>
+          </a:p>
+        </p:txBody>
+      </p:sp>
+    </p:spTree>
+    <p:extLst>
+      <p:ext uri="{BB962C8B-B14F-4D97-AF65-F5344CB8AC3E}">
+        <p14:creationId xmlns:p14="http://schemas.microsoft.com/office/powerpoint/2010/main" val="1083962095"/>
+      </p:ext>
+    </p:extLst>
+  </p:cSld>
+  <p:clrMapOvr>
+    <a:masterClrMapping/>
+  </p:clrMapOvr>
+</p:notes>
+</file>
+
+<file path=ppt/notesSlides/notesSlide14.xml><?xml version="1.0" encoding="utf-8"?>
+<p:notes xmlns:a="http://schemas.openxmlformats.org/drawingml/2006/main" xmlns:r="http://schemas.openxmlformats.org/officeDocument/2006/relationships" xmlns:p="http://schemas.openxmlformats.org/presentationml/2006/main">
+  <p:cSld>
+    <p:spTree>
+      <p:nvGrpSpPr>
+        <p:cNvPr id="1" name=""/>
+        <p:cNvGrpSpPr/>
+        <p:nvPr/>
+      </p:nvGrpSpPr>
+      <p:grpSpPr>
+        <a:xfrm>
+          <a:off x="0" y="0"/>
+          <a:ext cx="0" cy="0"/>
+          <a:chOff x="0" y="0"/>
+          <a:chExt cx="0" cy="0"/>
+        </a:xfrm>
+      </p:grpSpPr>
+      <p:sp>
+        <p:nvSpPr>
+          <p:cNvPr id="2" name="Slide Image Placeholder 1"/>
+          <p:cNvSpPr>
+            <a:spLocks noGrp="1" noRot="1" noChangeAspect="1"/>
+          </p:cNvSpPr>
+          <p:nvPr>
+            <p:ph type="sldImg"/>
+          </p:nvPr>
+        </p:nvSpPr>
+        <p:spPr/>
+      </p:sp>
+      <p:sp>
+        <p:nvSpPr>
+          <p:cNvPr id="3" name="Notes Placeholder 2"/>
+          <p:cNvSpPr>
+            <a:spLocks noGrp="1"/>
+          </p:cNvSpPr>
+          <p:nvPr>
+            <p:ph type="body" idx="1"/>
+          </p:nvPr>
+        </p:nvSpPr>
+        <p:spPr/>
+        <p:txBody>
+          <a:bodyPr/>
+          <a:lstStyle/>
+          <a:p>
+            <a:r>
+              <a:rPr lang="en-GB" dirty="0"/>
+              <a:t>Not going to repeat the points which I spoke earlier. I mean core features of Data warehouse / Data Lake / Data Lakehouse.</a:t>
+            </a:r>
+            <a:endParaRPr lang="en-IN" dirty="0"/>
+          </a:p>
+        </p:txBody>
+      </p:sp>
+      <p:sp>
+        <p:nvSpPr>
+          <p:cNvPr id="4" name="Slide Number Placeholder 3"/>
+          <p:cNvSpPr>
+            <a:spLocks noGrp="1"/>
+          </p:cNvSpPr>
+          <p:nvPr>
+            <p:ph type="sldNum" sz="quarter" idx="5"/>
+          </p:nvPr>
+        </p:nvSpPr>
+        <p:spPr/>
+        <p:txBody>
+          <a:bodyPr/>
+          <a:lstStyle/>
+          <a:p>
+            <a:fld id="{61D11EEE-6408-426C-86EC-A45CD40E17C7}" type="slidenum">
+              <a:rPr lang="en-IN" smtClean="0"/>
+              <a:t>18</a:t>
+            </a:fld>
+            <a:endParaRPr lang="en-IN"/>
+          </a:p>
+        </p:txBody>
+      </p:sp>
+    </p:spTree>
+    <p:extLst>
+      <p:ext uri="{BB962C8B-B14F-4D97-AF65-F5344CB8AC3E}">
+        <p14:creationId xmlns:p14="http://schemas.microsoft.com/office/powerpoint/2010/main" val="744853297"/>
+      </p:ext>
+    </p:extLst>
+  </p:cSld>
+  <p:clrMapOvr>
+    <a:masterClrMapping/>
+  </p:clrMapOvr>
+</p:notes>
+</file>
+
+<file path=ppt/notesSlides/notesSlide15.xml><?xml version="1.0" encoding="utf-8"?>
+<p:notes xmlns:a="http://schemas.openxmlformats.org/drawingml/2006/main" xmlns:r="http://schemas.openxmlformats.org/officeDocument/2006/relationships" xmlns:p="http://schemas.openxmlformats.org/presentationml/2006/main">
+  <p:cSld>
+    <p:spTree>
+      <p:nvGrpSpPr>
+        <p:cNvPr id="1" name=""/>
+        <p:cNvGrpSpPr/>
+        <p:nvPr/>
+      </p:nvGrpSpPr>
+      <p:grpSpPr>
+        <a:xfrm>
+          <a:off x="0" y="0"/>
+          <a:ext cx="0" cy="0"/>
+          <a:chOff x="0" y="0"/>
+          <a:chExt cx="0" cy="0"/>
+        </a:xfrm>
+      </p:grpSpPr>
+      <p:sp>
+        <p:nvSpPr>
+          <p:cNvPr id="2" name="Slide Image Placeholder 1"/>
+          <p:cNvSpPr>
+            <a:spLocks noGrp="1" noRot="1" noChangeAspect="1"/>
+          </p:cNvSpPr>
+          <p:nvPr>
+            <p:ph type="sldImg"/>
+          </p:nvPr>
+        </p:nvSpPr>
+        <p:spPr/>
+      </p:sp>
+      <p:sp>
+        <p:nvSpPr>
+          <p:cNvPr id="3" name="Notes Placeholder 2"/>
+          <p:cNvSpPr>
+            <a:spLocks noGrp="1"/>
+          </p:cNvSpPr>
+          <p:nvPr>
+            <p:ph type="body" idx="1"/>
+          </p:nvPr>
+        </p:nvSpPr>
+        <p:spPr/>
+        <p:txBody>
+          <a:bodyPr/>
+          <a:lstStyle/>
+          <a:p>
             <a:pPr marL="171450" indent="-171450">
               <a:buFont typeface="Arial" panose="020B0604020202020204" pitchFamily="34" charset="0"/>
               <a:buChar char="•"/>
@@ -682,7 +1125,7 @@
           <a:p>
             <a:fld id="{61D11EEE-6408-426C-86EC-A45CD40E17C7}" type="slidenum">
               <a:rPr lang="en-IN" smtClean="0"/>
-              <a:t>18</a:t>
+              <a:t>20</a:t>
             </a:fld>
             <a:endParaRPr lang="en-IN"/>
           </a:p>
@@ -853,6 +1296,107 @@
           <a:bodyPr/>
           <a:lstStyle/>
           <a:p>
+            <a:r>
+              <a:rPr lang="en-IN" dirty="0"/>
+              <a:t>And these are the tech stack that - giants like Microsoft, Amazon are trying to address with their services. Each of them are good at each problem statement.</a:t>
+            </a:r>
+          </a:p>
+          <a:p>
+            <a:endParaRPr lang="en-IN" dirty="0"/>
+          </a:p>
+          <a:p>
+            <a:r>
+              <a:rPr lang="en-IN" dirty="0"/>
+              <a:t>Apart from algorithm it is also important to pick the right database option for the right </a:t>
+            </a:r>
+            <a:r>
+              <a:rPr lang="en-IN"/>
+              <a:t>use case.</a:t>
+            </a:r>
+            <a:endParaRPr lang="en-IN" dirty="0"/>
+          </a:p>
+        </p:txBody>
+      </p:sp>
+      <p:sp>
+        <p:nvSpPr>
+          <p:cNvPr id="4" name="Slide Number Placeholder 3"/>
+          <p:cNvSpPr>
+            <a:spLocks noGrp="1"/>
+          </p:cNvSpPr>
+          <p:nvPr>
+            <p:ph type="sldNum" sz="quarter" idx="5"/>
+          </p:nvPr>
+        </p:nvSpPr>
+        <p:spPr/>
+        <p:txBody>
+          <a:bodyPr/>
+          <a:lstStyle/>
+          <a:p>
+            <a:fld id="{6CA4753F-1BC7-44B1-AE2C-11D8B03F4906}" type="slidenum">
+              <a:rPr lang="en-IN" smtClean="0"/>
+              <a:t>4</a:t>
+            </a:fld>
+            <a:endParaRPr lang="en-IN"/>
+          </a:p>
+        </p:txBody>
+      </p:sp>
+    </p:spTree>
+    <p:extLst>
+      <p:ext uri="{BB962C8B-B14F-4D97-AF65-F5344CB8AC3E}">
+        <p14:creationId xmlns:p14="http://schemas.microsoft.com/office/powerpoint/2010/main" val="1750151328"/>
+      </p:ext>
+    </p:extLst>
+  </p:cSld>
+  <p:clrMapOvr>
+    <a:masterClrMapping/>
+  </p:clrMapOvr>
+</p:notes>
+</file>
+
+<file path=ppt/notesSlides/notesSlide4.xml><?xml version="1.0" encoding="utf-8"?>
+<p:notes xmlns:a="http://schemas.openxmlformats.org/drawingml/2006/main" xmlns:r="http://schemas.openxmlformats.org/officeDocument/2006/relationships" xmlns:p="http://schemas.openxmlformats.org/presentationml/2006/main">
+  <p:cSld>
+    <p:spTree>
+      <p:nvGrpSpPr>
+        <p:cNvPr id="1" name=""/>
+        <p:cNvGrpSpPr/>
+        <p:nvPr/>
+      </p:nvGrpSpPr>
+      <p:grpSpPr>
+        <a:xfrm>
+          <a:off x="0" y="0"/>
+          <a:ext cx="0" cy="0"/>
+          <a:chOff x="0" y="0"/>
+          <a:chExt cx="0" cy="0"/>
+        </a:xfrm>
+      </p:grpSpPr>
+      <p:sp>
+        <p:nvSpPr>
+          <p:cNvPr id="2" name="Slide Image Placeholder 1"/>
+          <p:cNvSpPr>
+            <a:spLocks noGrp="1" noRot="1" noChangeAspect="1"/>
+          </p:cNvSpPr>
+          <p:nvPr>
+            <p:ph type="sldImg"/>
+          </p:nvPr>
+        </p:nvSpPr>
+        <p:spPr/>
+      </p:sp>
+      <p:sp>
+        <p:nvSpPr>
+          <p:cNvPr id="3" name="Notes Placeholder 2"/>
+          <p:cNvSpPr>
+            <a:spLocks noGrp="1"/>
+          </p:cNvSpPr>
+          <p:nvPr>
+            <p:ph type="body" idx="1"/>
+          </p:nvPr>
+        </p:nvSpPr>
+        <p:spPr/>
+        <p:txBody>
+          <a:bodyPr/>
+          <a:lstStyle/>
+          <a:p>
             <a:pPr marL="0" marR="0" lvl="0" indent="0" algn="l" defTabSz="914400" rtl="0" eaLnBrk="1" fontAlgn="auto" latinLnBrk="0" hangingPunct="1">
               <a:lnSpc>
                 <a:spcPct val="100000"/>
@@ -871,13 +1415,131 @@
               <a:defRPr/>
             </a:pPr>
             <a:r>
-              <a:rPr lang="en-GB" dirty="0"/>
-              <a:t>Cloud provider that </a:t>
+              <a:rPr lang="en-IN" dirty="0"/>
+              <a:t>And looking at </a:t>
+            </a:r>
+            <a:r>
+              <a:rPr lang="en-IN" dirty="0" err="1"/>
+              <a:t>thie</a:t>
+            </a:r>
+            <a:r>
+              <a:rPr lang="en-IN"/>
+              <a:t>, oes both give </a:t>
             </a:r>
             <a:r>
               <a:rPr lang="en-IN" dirty="0"/>
-              <a:t>uses sometimes play a vital role in filtering out options. But a general advice is be careful in that. If a service in other cloud provider you feel really useful, take it to the discussion what really different + useful than own provider’s product.</a:t>
+              <a:t>same feeling? </a:t>
             </a:r>
+            <a:r>
+              <a:rPr lang="en-IN" dirty="0">
+                <a:sym typeface="Wingdings" panose="05000000000000000000" pitchFamily="2" charset="2"/>
+              </a:rPr>
+              <a:t></a:t>
+            </a:r>
+            <a:endParaRPr lang="en-IN" dirty="0"/>
+          </a:p>
+          <a:p>
+            <a:endParaRPr lang="en-IN" dirty="0"/>
+          </a:p>
+        </p:txBody>
+      </p:sp>
+      <p:sp>
+        <p:nvSpPr>
+          <p:cNvPr id="4" name="Slide Number Placeholder 3"/>
+          <p:cNvSpPr>
+            <a:spLocks noGrp="1"/>
+          </p:cNvSpPr>
+          <p:nvPr>
+            <p:ph type="sldNum" sz="quarter" idx="5"/>
+          </p:nvPr>
+        </p:nvSpPr>
+        <p:spPr/>
+        <p:txBody>
+          <a:bodyPr/>
+          <a:lstStyle/>
+          <a:p>
+            <a:fld id="{5E50757B-0709-4736-92FA-0BEB494FC234}" type="slidenum">
+              <a:rPr lang="en-US" smtClean="0"/>
+              <a:t>5</a:t>
+            </a:fld>
+            <a:endParaRPr lang="en-US" dirty="0"/>
+          </a:p>
+        </p:txBody>
+      </p:sp>
+    </p:spTree>
+    <p:extLst>
+      <p:ext uri="{BB962C8B-B14F-4D97-AF65-F5344CB8AC3E}">
+        <p14:creationId xmlns:p14="http://schemas.microsoft.com/office/powerpoint/2010/main" val="3059887649"/>
+      </p:ext>
+    </p:extLst>
+  </p:cSld>
+  <p:clrMapOvr>
+    <a:masterClrMapping/>
+  </p:clrMapOvr>
+</p:notes>
+</file>
+
+<file path=ppt/notesSlides/notesSlide5.xml><?xml version="1.0" encoding="utf-8"?>
+<p:notes xmlns:a="http://schemas.openxmlformats.org/drawingml/2006/main" xmlns:r="http://schemas.openxmlformats.org/officeDocument/2006/relationships" xmlns:p="http://schemas.openxmlformats.org/presentationml/2006/main">
+  <p:cSld>
+    <p:spTree>
+      <p:nvGrpSpPr>
+        <p:cNvPr id="1" name=""/>
+        <p:cNvGrpSpPr/>
+        <p:nvPr/>
+      </p:nvGrpSpPr>
+      <p:grpSpPr>
+        <a:xfrm>
+          <a:off x="0" y="0"/>
+          <a:ext cx="0" cy="0"/>
+          <a:chOff x="0" y="0"/>
+          <a:chExt cx="0" cy="0"/>
+        </a:xfrm>
+      </p:grpSpPr>
+      <p:sp>
+        <p:nvSpPr>
+          <p:cNvPr id="2" name="Slide Image Placeholder 1"/>
+          <p:cNvSpPr>
+            <a:spLocks noGrp="1" noRot="1" noChangeAspect="1"/>
+          </p:cNvSpPr>
+          <p:nvPr>
+            <p:ph type="sldImg"/>
+          </p:nvPr>
+        </p:nvSpPr>
+        <p:spPr/>
+      </p:sp>
+      <p:sp>
+        <p:nvSpPr>
+          <p:cNvPr id="3" name="Notes Placeholder 2"/>
+          <p:cNvSpPr>
+            <a:spLocks noGrp="1"/>
+          </p:cNvSpPr>
+          <p:nvPr>
+            <p:ph type="body" idx="1"/>
+          </p:nvPr>
+        </p:nvSpPr>
+        <p:spPr/>
+        <p:txBody>
+          <a:bodyPr/>
+          <a:lstStyle/>
+          <a:p>
+            <a:pPr marL="0" marR="0" lvl="0" indent="0" algn="l" defTabSz="914400" rtl="0" eaLnBrk="1" fontAlgn="auto" latinLnBrk="0" hangingPunct="1">
+              <a:lnSpc>
+                <a:spcPct val="100000"/>
+              </a:lnSpc>
+              <a:spcBef>
+                <a:spcPts val="0"/>
+              </a:spcBef>
+              <a:spcAft>
+                <a:spcPts val="0"/>
+              </a:spcAft>
+              <a:buClrTx/>
+              <a:buSzTx/>
+              <a:buFontTx/>
+              <a:buNone/>
+              <a:tabLst/>
+              <a:defRPr/>
+            </a:pPr>
             <a:endParaRPr lang="en-GB" dirty="0"/>
           </a:p>
         </p:txBody>
@@ -899,7 +1561,7 @@
           <a:p>
             <a:fld id="{61D11EEE-6408-426C-86EC-A45CD40E17C7}" type="slidenum">
               <a:rPr lang="en-IN" smtClean="0"/>
-              <a:t>4</a:t>
+              <a:t>6</a:t>
             </a:fld>
             <a:endParaRPr lang="en-IN"/>
           </a:p>
@@ -918,7 +1580,7 @@
 </p:notes>
 </file>
 
-<file path=ppt/notesSlides/notesSlide4.xml><?xml version="1.0" encoding="utf-8"?>
+<file path=ppt/notesSlides/notesSlide6.xml><?xml version="1.0" encoding="utf-8"?>
 <p:notes xmlns:a="http://schemas.openxmlformats.org/drawingml/2006/main" xmlns:r="http://schemas.openxmlformats.org/officeDocument/2006/relationships" xmlns:p="http://schemas.openxmlformats.org/presentationml/2006/main">
   <p:cSld>
     <p:spTree>
@@ -995,7 +1657,7 @@
           <a:p>
             <a:fld id="{61D11EEE-6408-426C-86EC-A45CD40E17C7}" type="slidenum">
               <a:rPr lang="en-IN" smtClean="0"/>
-              <a:t>5</a:t>
+              <a:t>7</a:t>
             </a:fld>
             <a:endParaRPr lang="en-IN"/>
           </a:p>
@@ -1014,7 +1676,7 @@
 </p:notes>
 </file>
 
-<file path=ppt/notesSlides/notesSlide5.xml><?xml version="1.0" encoding="utf-8"?>
+<file path=ppt/notesSlides/notesSlide7.xml><?xml version="1.0" encoding="utf-8"?>
 <p:notes xmlns:a="http://schemas.openxmlformats.org/drawingml/2006/main" xmlns:r="http://schemas.openxmlformats.org/officeDocument/2006/relationships" xmlns:p="http://schemas.openxmlformats.org/presentationml/2006/main">
   <p:cSld>
     <p:spTree>
@@ -1097,7 +1759,7 @@
           <a:p>
             <a:fld id="{61D11EEE-6408-426C-86EC-A45CD40E17C7}" type="slidenum">
               <a:rPr lang="en-IN" smtClean="0"/>
-              <a:t>6</a:t>
+              <a:t>8</a:t>
             </a:fld>
             <a:endParaRPr lang="en-IN"/>
           </a:p>
@@ -1116,7 +1778,150 @@
 </p:notes>
 </file>
 
-<file path=ppt/notesSlides/notesSlide6.xml><?xml version="1.0" encoding="utf-8"?>
+<file path=ppt/notesSlides/notesSlide8.xml><?xml version="1.0" encoding="utf-8"?>
+<p:notes xmlns:a="http://schemas.openxmlformats.org/drawingml/2006/main" xmlns:r="http://schemas.openxmlformats.org/officeDocument/2006/relationships" xmlns:p="http://schemas.openxmlformats.org/presentationml/2006/main">
+  <p:cSld>
+    <p:spTree>
+      <p:nvGrpSpPr>
+        <p:cNvPr id="1" name=""/>
+        <p:cNvGrpSpPr/>
+        <p:nvPr/>
+      </p:nvGrpSpPr>
+      <p:grpSpPr>
+        <a:xfrm>
+          <a:off x="0" y="0"/>
+          <a:ext cx="0" cy="0"/>
+          <a:chOff x="0" y="0"/>
+          <a:chExt cx="0" cy="0"/>
+        </a:xfrm>
+      </p:grpSpPr>
+      <p:sp>
+        <p:nvSpPr>
+          <p:cNvPr id="2" name="Slide Image Placeholder 1"/>
+          <p:cNvSpPr>
+            <a:spLocks noGrp="1" noRot="1" noChangeAspect="1"/>
+          </p:cNvSpPr>
+          <p:nvPr>
+            <p:ph type="sldImg"/>
+          </p:nvPr>
+        </p:nvSpPr>
+        <p:spPr/>
+      </p:sp>
+      <p:sp>
+        <p:nvSpPr>
+          <p:cNvPr id="3" name="Notes Placeholder 2"/>
+          <p:cNvSpPr>
+            <a:spLocks noGrp="1"/>
+          </p:cNvSpPr>
+          <p:nvPr>
+            <p:ph type="body" idx="1"/>
+          </p:nvPr>
+        </p:nvSpPr>
+        <p:spPr/>
+        <p:txBody>
+          <a:bodyPr/>
+          <a:lstStyle/>
+          <a:p>
+            <a:r>
+              <a:rPr lang="en-GB" dirty="0"/>
+              <a:t>NoSQL </a:t>
+            </a:r>
+            <a:r>
+              <a:rPr lang="en-GB" dirty="0" err="1"/>
+              <a:t>db</a:t>
+            </a:r>
+            <a:r>
+              <a:rPr lang="en-GB" dirty="0"/>
+              <a:t> – data storage model types – </a:t>
+            </a:r>
+          </a:p>
+          <a:p>
+            <a:pPr marL="0" marR="0" lvl="0" indent="0" algn="l" defTabSz="914400" rtl="0" eaLnBrk="1" fontAlgn="auto" latinLnBrk="0" hangingPunct="1">
+              <a:lnSpc>
+                <a:spcPct val="100000"/>
+              </a:lnSpc>
+              <a:spcBef>
+                <a:spcPts val="0"/>
+              </a:spcBef>
+              <a:spcAft>
+                <a:spcPts val="0"/>
+              </a:spcAft>
+              <a:buClrTx/>
+              <a:buSzTx/>
+              <a:buFontTx/>
+              <a:buNone/>
+              <a:tabLst/>
+              <a:defRPr/>
+            </a:pPr>
+            <a:r>
+              <a:rPr lang="en-GB" dirty="0"/>
+              <a:t>* Document - Frequent schema changes with sub-tables need. (Mongo DB)</a:t>
+            </a:r>
+          </a:p>
+          <a:p>
+            <a:r>
+              <a:rPr lang="en-GB" dirty="0"/>
+              <a:t>*</a:t>
+            </a:r>
+            <a:r>
+              <a:rPr lang="en-IN" dirty="0"/>
+              <a:t> Graph – Neo4j.</a:t>
+            </a:r>
+          </a:p>
+          <a:p>
+            <a:r>
+              <a:rPr lang="en-GB" dirty="0"/>
+              <a:t>* Key-value - Redis.</a:t>
+            </a:r>
+          </a:p>
+          <a:p>
+            <a:r>
+              <a:rPr lang="en-GB" dirty="0"/>
+              <a:t>* Column-oriented – Hbase, Cassandra.</a:t>
+            </a:r>
+          </a:p>
+          <a:p>
+            <a:endParaRPr lang="en-IN" dirty="0"/>
+          </a:p>
+        </p:txBody>
+      </p:sp>
+      <p:sp>
+        <p:nvSpPr>
+          <p:cNvPr id="4" name="Slide Number Placeholder 3"/>
+          <p:cNvSpPr>
+            <a:spLocks noGrp="1"/>
+          </p:cNvSpPr>
+          <p:nvPr>
+            <p:ph type="sldNum" sz="quarter" idx="5"/>
+          </p:nvPr>
+        </p:nvSpPr>
+        <p:spPr/>
+        <p:txBody>
+          <a:bodyPr/>
+          <a:lstStyle/>
+          <a:p>
+            <a:fld id="{61D11EEE-6408-426C-86EC-A45CD40E17C7}" type="slidenum">
+              <a:rPr lang="en-IN" smtClean="0"/>
+              <a:t>9</a:t>
+            </a:fld>
+            <a:endParaRPr lang="en-IN"/>
+          </a:p>
+        </p:txBody>
+      </p:sp>
+    </p:spTree>
+    <p:extLst>
+      <p:ext uri="{BB962C8B-B14F-4D97-AF65-F5344CB8AC3E}">
+        <p14:creationId xmlns:p14="http://schemas.microsoft.com/office/powerpoint/2010/main" val="2468938375"/>
+      </p:ext>
+    </p:extLst>
+  </p:cSld>
+  <p:clrMapOvr>
+    <a:masterClrMapping/>
+  </p:clrMapOvr>
+</p:notes>
+</file>
+
+<file path=ppt/notesSlides/notesSlide9.xml><?xml version="1.0" encoding="utf-8"?>
 <p:notes xmlns:a="http://schemas.openxmlformats.org/drawingml/2006/main" xmlns:r="http://schemas.openxmlformats.org/officeDocument/2006/relationships" xmlns:p="http://schemas.openxmlformats.org/presentationml/2006/main">
   <p:cSld>
     <p:spTree>
@@ -1191,7 +1996,7 @@
           <a:p>
             <a:fld id="{61D11EEE-6408-426C-86EC-A45CD40E17C7}" type="slidenum">
               <a:rPr lang="en-IN" smtClean="0"/>
-              <a:t>8</a:t>
+              <a:t>10</a:t>
             </a:fld>
             <a:endParaRPr lang="en-IN"/>
           </a:p>
@@ -1201,266 +2006,6 @@
     <p:extLst>
       <p:ext uri="{BB962C8B-B14F-4D97-AF65-F5344CB8AC3E}">
         <p14:creationId xmlns:p14="http://schemas.microsoft.com/office/powerpoint/2010/main" val="2093567089"/>
-      </p:ext>
-    </p:extLst>
-  </p:cSld>
-  <p:clrMapOvr>
-    <a:masterClrMapping/>
-  </p:clrMapOvr>
-</p:notes>
-</file>
-
-<file path=ppt/notesSlides/notesSlide7.xml><?xml version="1.0" encoding="utf-8"?>
-<p:notes xmlns:a="http://schemas.openxmlformats.org/drawingml/2006/main" xmlns:r="http://schemas.openxmlformats.org/officeDocument/2006/relationships" xmlns:p="http://schemas.openxmlformats.org/presentationml/2006/main">
-  <p:cSld>
-    <p:spTree>
-      <p:nvGrpSpPr>
-        <p:cNvPr id="1" name=""/>
-        <p:cNvGrpSpPr/>
-        <p:nvPr/>
-      </p:nvGrpSpPr>
-      <p:grpSpPr>
-        <a:xfrm>
-          <a:off x="0" y="0"/>
-          <a:ext cx="0" cy="0"/>
-          <a:chOff x="0" y="0"/>
-          <a:chExt cx="0" cy="0"/>
-        </a:xfrm>
-      </p:grpSpPr>
-      <p:sp>
-        <p:nvSpPr>
-          <p:cNvPr id="2" name="Slide Image Placeholder 1"/>
-          <p:cNvSpPr>
-            <a:spLocks noGrp="1" noRot="1" noChangeAspect="1"/>
-          </p:cNvSpPr>
-          <p:nvPr>
-            <p:ph type="sldImg"/>
-          </p:nvPr>
-        </p:nvSpPr>
-        <p:spPr/>
-      </p:sp>
-      <p:sp>
-        <p:nvSpPr>
-          <p:cNvPr id="3" name="Notes Placeholder 2"/>
-          <p:cNvSpPr>
-            <a:spLocks noGrp="1"/>
-          </p:cNvSpPr>
-          <p:nvPr>
-            <p:ph type="body" idx="1"/>
-          </p:nvPr>
-        </p:nvSpPr>
-        <p:spPr/>
-        <p:txBody>
-          <a:bodyPr/>
-          <a:lstStyle/>
-          <a:p>
-            <a:r>
-              <a:rPr lang="en-GB" dirty="0"/>
-              <a:t>* There wont be any conversion or copying to another system. Data relies in 1 single place and all external systems access over same data. So data democratization is good while using data lake.</a:t>
-            </a:r>
-            <a:endParaRPr lang="en-IN" dirty="0"/>
-          </a:p>
-        </p:txBody>
-      </p:sp>
-      <p:sp>
-        <p:nvSpPr>
-          <p:cNvPr id="4" name="Slide Number Placeholder 3"/>
-          <p:cNvSpPr>
-            <a:spLocks noGrp="1"/>
-          </p:cNvSpPr>
-          <p:nvPr>
-            <p:ph type="sldNum" sz="quarter" idx="5"/>
-          </p:nvPr>
-        </p:nvSpPr>
-        <p:spPr/>
-        <p:txBody>
-          <a:bodyPr/>
-          <a:lstStyle/>
-          <a:p>
-            <a:fld id="{61D11EEE-6408-426C-86EC-A45CD40E17C7}" type="slidenum">
-              <a:rPr lang="en-IN" smtClean="0"/>
-              <a:t>9</a:t>
-            </a:fld>
-            <a:endParaRPr lang="en-IN"/>
-          </a:p>
-        </p:txBody>
-      </p:sp>
-    </p:spTree>
-    <p:extLst>
-      <p:ext uri="{BB962C8B-B14F-4D97-AF65-F5344CB8AC3E}">
-        <p14:creationId xmlns:p14="http://schemas.microsoft.com/office/powerpoint/2010/main" val="1155419419"/>
-      </p:ext>
-    </p:extLst>
-  </p:cSld>
-  <p:clrMapOvr>
-    <a:masterClrMapping/>
-  </p:clrMapOvr>
-</p:notes>
-</file>
-
-<file path=ppt/notesSlides/notesSlide8.xml><?xml version="1.0" encoding="utf-8"?>
-<p:notes xmlns:a="http://schemas.openxmlformats.org/drawingml/2006/main" xmlns:r="http://schemas.openxmlformats.org/officeDocument/2006/relationships" xmlns:p="http://schemas.openxmlformats.org/presentationml/2006/main">
-  <p:cSld>
-    <p:spTree>
-      <p:nvGrpSpPr>
-        <p:cNvPr id="1" name=""/>
-        <p:cNvGrpSpPr/>
-        <p:nvPr/>
-      </p:nvGrpSpPr>
-      <p:grpSpPr>
-        <a:xfrm>
-          <a:off x="0" y="0"/>
-          <a:ext cx="0" cy="0"/>
-          <a:chOff x="0" y="0"/>
-          <a:chExt cx="0" cy="0"/>
-        </a:xfrm>
-      </p:grpSpPr>
-      <p:sp>
-        <p:nvSpPr>
-          <p:cNvPr id="2" name="Slide Image Placeholder 1"/>
-          <p:cNvSpPr>
-            <a:spLocks noGrp="1" noRot="1" noChangeAspect="1"/>
-          </p:cNvSpPr>
-          <p:nvPr>
-            <p:ph type="sldImg"/>
-          </p:nvPr>
-        </p:nvSpPr>
-        <p:spPr/>
-      </p:sp>
-      <p:sp>
-        <p:nvSpPr>
-          <p:cNvPr id="3" name="Notes Placeholder 2"/>
-          <p:cNvSpPr>
-            <a:spLocks noGrp="1"/>
-          </p:cNvSpPr>
-          <p:nvPr>
-            <p:ph type="body" idx="1"/>
-          </p:nvPr>
-        </p:nvSpPr>
-        <p:spPr/>
-        <p:txBody>
-          <a:bodyPr/>
-          <a:lstStyle/>
-          <a:p>
-            <a:endParaRPr lang="en-IN" dirty="0"/>
-          </a:p>
-        </p:txBody>
-      </p:sp>
-      <p:sp>
-        <p:nvSpPr>
-          <p:cNvPr id="4" name="Slide Number Placeholder 3"/>
-          <p:cNvSpPr>
-            <a:spLocks noGrp="1"/>
-          </p:cNvSpPr>
-          <p:nvPr>
-            <p:ph type="sldNum" sz="quarter" idx="5"/>
-          </p:nvPr>
-        </p:nvSpPr>
-        <p:spPr/>
-        <p:txBody>
-          <a:bodyPr/>
-          <a:lstStyle/>
-          <a:p>
-            <a:fld id="{61D11EEE-6408-426C-86EC-A45CD40E17C7}" type="slidenum">
-              <a:rPr lang="en-IN" smtClean="0"/>
-              <a:t>12</a:t>
-            </a:fld>
-            <a:endParaRPr lang="en-IN"/>
-          </a:p>
-        </p:txBody>
-      </p:sp>
-    </p:spTree>
-    <p:extLst>
-      <p:ext uri="{BB962C8B-B14F-4D97-AF65-F5344CB8AC3E}">
-        <p14:creationId xmlns:p14="http://schemas.microsoft.com/office/powerpoint/2010/main" val="4024428374"/>
-      </p:ext>
-    </p:extLst>
-  </p:cSld>
-  <p:clrMapOvr>
-    <a:masterClrMapping/>
-  </p:clrMapOvr>
-</p:notes>
-</file>
-
-<file path=ppt/notesSlides/notesSlide9.xml><?xml version="1.0" encoding="utf-8"?>
-<p:notes xmlns:a="http://schemas.openxmlformats.org/drawingml/2006/main" xmlns:r="http://schemas.openxmlformats.org/officeDocument/2006/relationships" xmlns:p="http://schemas.openxmlformats.org/presentationml/2006/main">
-  <p:cSld>
-    <p:spTree>
-      <p:nvGrpSpPr>
-        <p:cNvPr id="1" name=""/>
-        <p:cNvGrpSpPr/>
-        <p:nvPr/>
-      </p:nvGrpSpPr>
-      <p:grpSpPr>
-        <a:xfrm>
-          <a:off x="0" y="0"/>
-          <a:ext cx="0" cy="0"/>
-          <a:chOff x="0" y="0"/>
-          <a:chExt cx="0" cy="0"/>
-        </a:xfrm>
-      </p:grpSpPr>
-      <p:sp>
-        <p:nvSpPr>
-          <p:cNvPr id="2" name="Slide Image Placeholder 1"/>
-          <p:cNvSpPr>
-            <a:spLocks noGrp="1" noRot="1" noChangeAspect="1"/>
-          </p:cNvSpPr>
-          <p:nvPr>
-            <p:ph type="sldImg"/>
-          </p:nvPr>
-        </p:nvSpPr>
-        <p:spPr/>
-      </p:sp>
-      <p:sp>
-        <p:nvSpPr>
-          <p:cNvPr id="3" name="Notes Placeholder 2"/>
-          <p:cNvSpPr>
-            <a:spLocks noGrp="1"/>
-          </p:cNvSpPr>
-          <p:nvPr>
-            <p:ph type="body" idx="1"/>
-          </p:nvPr>
-        </p:nvSpPr>
-        <p:spPr/>
-        <p:txBody>
-          <a:bodyPr/>
-          <a:lstStyle/>
-          <a:p>
-            <a:r>
-              <a:rPr lang="en-GB" dirty="0"/>
-              <a:t>Not going to repeat the points which I spoke earlier. I mean core features of Data warehouse / Data Lake / Data Lakehouse.</a:t>
-            </a:r>
-            <a:endParaRPr lang="en-IN" dirty="0"/>
-          </a:p>
-        </p:txBody>
-      </p:sp>
-      <p:sp>
-        <p:nvSpPr>
-          <p:cNvPr id="4" name="Slide Number Placeholder 3"/>
-          <p:cNvSpPr>
-            <a:spLocks noGrp="1"/>
-          </p:cNvSpPr>
-          <p:nvPr>
-            <p:ph type="sldNum" sz="quarter" idx="5"/>
-          </p:nvPr>
-        </p:nvSpPr>
-        <p:spPr/>
-        <p:txBody>
-          <a:bodyPr/>
-          <a:lstStyle/>
-          <a:p>
-            <a:fld id="{61D11EEE-6408-426C-86EC-A45CD40E17C7}" type="slidenum">
-              <a:rPr lang="en-IN" smtClean="0"/>
-              <a:t>16</a:t>
-            </a:fld>
-            <a:endParaRPr lang="en-IN"/>
-          </a:p>
-        </p:txBody>
-      </p:sp>
-    </p:spTree>
-    <p:extLst>
-      <p:ext uri="{BB962C8B-B14F-4D97-AF65-F5344CB8AC3E}">
-        <p14:creationId xmlns:p14="http://schemas.microsoft.com/office/powerpoint/2010/main" val="744853297"/>
       </p:ext>
     </p:extLst>
   </p:cSld>
@@ -10263,7 +10808,7 @@
           <a:p>
             <a:fld id="{9DEB34CA-C89E-4814-A418-5B035F87DCE9}" type="datetimeFigureOut">
               <a:rPr lang="en-IN" smtClean="0"/>
-              <a:t>14-04-2021</a:t>
+              <a:t>15-04-2021</a:t>
             </a:fld>
             <a:endParaRPr lang="en-IN"/>
           </a:p>
@@ -10470,7 +11015,7 @@
           <a:p>
             <a:fld id="{9DEB34CA-C89E-4814-A418-5B035F87DCE9}" type="datetimeFigureOut">
               <a:rPr lang="en-IN" smtClean="0"/>
-              <a:t>14-04-2021</a:t>
+              <a:t>15-04-2021</a:t>
             </a:fld>
             <a:endParaRPr lang="en-IN"/>
           </a:p>
@@ -10650,7 +11195,7 @@
           <a:p>
             <a:fld id="{9DEB34CA-C89E-4814-A418-5B035F87DCE9}" type="datetimeFigureOut">
               <a:rPr lang="en-IN" smtClean="0"/>
-              <a:t>14-04-2021</a:t>
+              <a:t>15-04-2021</a:t>
             </a:fld>
             <a:endParaRPr lang="en-IN"/>
           </a:p>
@@ -10855,7 +11400,7 @@
           <a:p>
             <a:fld id="{9DEB34CA-C89E-4814-A418-5B035F87DCE9}" type="datetimeFigureOut">
               <a:rPr lang="en-IN" smtClean="0"/>
-              <a:t>14-04-2021</a:t>
+              <a:t>15-04-2021</a:t>
             </a:fld>
             <a:endParaRPr lang="en-IN"/>
           </a:p>
@@ -19753,7 +20298,7 @@
           <a:p>
             <a:fld id="{9DEB34CA-C89E-4814-A418-5B035F87DCE9}" type="datetimeFigureOut">
               <a:rPr lang="en-IN" smtClean="0"/>
-              <a:t>14-04-2021</a:t>
+              <a:t>15-04-2021</a:t>
             </a:fld>
             <a:endParaRPr lang="en-IN"/>
           </a:p>
@@ -20027,7 +20572,7 @@
           <a:p>
             <a:fld id="{9DEB34CA-C89E-4814-A418-5B035F87DCE9}" type="datetimeFigureOut">
               <a:rPr lang="en-IN" smtClean="0"/>
-              <a:t>14-04-2021</a:t>
+              <a:t>15-04-2021</a:t>
             </a:fld>
             <a:endParaRPr lang="en-IN"/>
           </a:p>
@@ -20425,7 +20970,7 @@
           <a:p>
             <a:fld id="{9DEB34CA-C89E-4814-A418-5B035F87DCE9}" type="datetimeFigureOut">
               <a:rPr lang="en-IN" smtClean="0"/>
-              <a:t>14-04-2021</a:t>
+              <a:t>15-04-2021</a:t>
             </a:fld>
             <a:endParaRPr lang="en-IN"/>
           </a:p>
@@ -20543,7 +21088,7 @@
           <a:p>
             <a:fld id="{9DEB34CA-C89E-4814-A418-5B035F87DCE9}" type="datetimeFigureOut">
               <a:rPr lang="en-IN" smtClean="0"/>
-              <a:t>14-04-2021</a:t>
+              <a:t>15-04-2021</a:t>
             </a:fld>
             <a:endParaRPr lang="en-IN"/>
           </a:p>
@@ -20638,7 +21183,7 @@
           <a:p>
             <a:fld id="{9DEB34CA-C89E-4814-A418-5B035F87DCE9}" type="datetimeFigureOut">
               <a:rPr lang="en-IN" smtClean="0"/>
-              <a:t>14-04-2021</a:t>
+              <a:t>15-04-2021</a:t>
             </a:fld>
             <a:endParaRPr lang="en-IN"/>
           </a:p>
@@ -20928,7 +21473,7 @@
           <a:p>
             <a:fld id="{9DEB34CA-C89E-4814-A418-5B035F87DCE9}" type="datetimeFigureOut">
               <a:rPr lang="en-IN" smtClean="0"/>
-              <a:t>14-04-2021</a:t>
+              <a:t>15-04-2021</a:t>
             </a:fld>
             <a:endParaRPr lang="en-IN"/>
           </a:p>
@@ -21208,7 +21753,7 @@
           <a:p>
             <a:fld id="{9DEB34CA-C89E-4814-A418-5B035F87DCE9}" type="datetimeFigureOut">
               <a:rPr lang="en-IN" smtClean="0"/>
-              <a:t>14-04-2021</a:t>
+              <a:t>15-04-2021</a:t>
             </a:fld>
             <a:endParaRPr lang="en-IN"/>
           </a:p>
@@ -21458,7 +22003,7 @@
           <a:p>
             <a:fld id="{9DEB34CA-C89E-4814-A418-5B035F87DCE9}" type="datetimeFigureOut">
               <a:rPr lang="en-IN" smtClean="0"/>
-              <a:t>14-04-2021</a:t>
+              <a:t>15-04-2021</a:t>
             </a:fld>
             <a:endParaRPr lang="en-IN"/>
           </a:p>
@@ -22224,6 +22769,347 @@
           <p:cNvPr id="2" name="Title 1">
             <a:extLst>
               <a:ext uri="{FF2B5EF4-FFF2-40B4-BE49-F238E27FC236}">
+                <a16:creationId xmlns:a16="http://schemas.microsoft.com/office/drawing/2014/main" id="{5B87CF65-8203-45A0-8A1D-449B3DDD5664}"/>
+              </a:ext>
+            </a:extLst>
+          </p:cNvPr>
+          <p:cNvSpPr>
+            <a:spLocks noGrp="1"/>
+          </p:cNvSpPr>
+          <p:nvPr>
+            <p:ph type="title"/>
+          </p:nvPr>
+        </p:nvSpPr>
+        <p:spPr/>
+        <p:txBody>
+          <a:bodyPr/>
+          <a:lstStyle/>
+          <a:p>
+            <a:r>
+              <a:rPr lang="en-GB" dirty="0"/>
+              <a:t>Data Warehouse</a:t>
+            </a:r>
+            <a:endParaRPr lang="en-IN" dirty="0"/>
+          </a:p>
+        </p:txBody>
+      </p:sp>
+      <p:sp>
+        <p:nvSpPr>
+          <p:cNvPr id="3" name="Content Placeholder 2">
+            <a:extLst>
+              <a:ext uri="{FF2B5EF4-FFF2-40B4-BE49-F238E27FC236}">
+                <a16:creationId xmlns:a16="http://schemas.microsoft.com/office/drawing/2014/main" id="{86CBC334-2225-4ED6-8E26-6DDD7BD9E2FA}"/>
+              </a:ext>
+            </a:extLst>
+          </p:cNvPr>
+          <p:cNvSpPr>
+            <a:spLocks noGrp="1"/>
+          </p:cNvSpPr>
+          <p:nvPr>
+            <p:ph idx="1"/>
+          </p:nvPr>
+        </p:nvSpPr>
+        <p:spPr>
+          <a:xfrm>
+            <a:off x="1024128" y="2286000"/>
+            <a:ext cx="3809129" cy="4023360"/>
+          </a:xfrm>
+        </p:spPr>
+        <p:txBody>
+          <a:bodyPr>
+            <a:normAutofit lnSpcReduction="10000"/>
+          </a:bodyPr>
+          <a:lstStyle/>
+          <a:p>
+            <a:r>
+              <a:rPr lang="en-GB" dirty="0"/>
+              <a:t>* </a:t>
+            </a:r>
+            <a:r>
+              <a:rPr lang="en-GB" dirty="0">
+                <a:solidFill>
+                  <a:srgbClr val="0070C0"/>
+                </a:solidFill>
+              </a:rPr>
+              <a:t>Separation of Compute &amp; Storage.</a:t>
+            </a:r>
+          </a:p>
+          <a:p>
+            <a:endParaRPr lang="en-GB" dirty="0">
+              <a:solidFill>
+                <a:srgbClr val="0070C0"/>
+              </a:solidFill>
+            </a:endParaRPr>
+          </a:p>
+          <a:p>
+            <a:r>
+              <a:rPr lang="en-GB" dirty="0"/>
+              <a:t>* Recommended if you know metadata, no ML/AI need; Exposing out allowing customers to analyse.</a:t>
+            </a:r>
+          </a:p>
+          <a:p>
+            <a:endParaRPr lang="en-GB" dirty="0"/>
+          </a:p>
+          <a:p>
+            <a:r>
+              <a:rPr lang="en-GB" dirty="0"/>
+              <a:t>* Not recommended for unstructured data like image and video into a DW.</a:t>
+            </a:r>
+          </a:p>
+        </p:txBody>
+      </p:sp>
+      <p:pic>
+        <p:nvPicPr>
+          <p:cNvPr id="5" name="Picture 4">
+            <a:extLst>
+              <a:ext uri="{FF2B5EF4-FFF2-40B4-BE49-F238E27FC236}">
+                <a16:creationId xmlns:a16="http://schemas.microsoft.com/office/drawing/2014/main" id="{30CCA892-55F8-44F1-9663-F94598196AC0}"/>
+              </a:ext>
+            </a:extLst>
+          </p:cNvPr>
+          <p:cNvPicPr>
+            <a:picLocks noChangeAspect="1"/>
+          </p:cNvPicPr>
+          <p:nvPr/>
+        </p:nvPicPr>
+        <p:blipFill>
+          <a:blip r:embed="rId3"/>
+          <a:stretch>
+            <a:fillRect/>
+          </a:stretch>
+        </p:blipFill>
+        <p:spPr>
+          <a:xfrm>
+            <a:off x="4833257" y="1530967"/>
+            <a:ext cx="7037933" cy="4741817"/>
+          </a:xfrm>
+          <a:prstGeom prst="rect">
+            <a:avLst/>
+          </a:prstGeom>
+          <a:ln w="19050">
+            <a:solidFill>
+              <a:schemeClr val="accent2">
+                <a:lumMod val="50000"/>
+              </a:schemeClr>
+            </a:solidFill>
+          </a:ln>
+        </p:spPr>
+      </p:pic>
+    </p:spTree>
+    <p:extLst>
+      <p:ext uri="{BB962C8B-B14F-4D97-AF65-F5344CB8AC3E}">
+        <p14:creationId xmlns:p14="http://schemas.microsoft.com/office/powerpoint/2010/main" val="229161001"/>
+      </p:ext>
+    </p:extLst>
+  </p:cSld>
+  <p:clrMapOvr>
+    <a:masterClrMapping/>
+  </p:clrMapOvr>
+</p:sld>
+</file>
+
+<file path=ppt/slides/slide11.xml><?xml version="1.0" encoding="utf-8"?>
+<p:sld xmlns:a="http://schemas.openxmlformats.org/drawingml/2006/main" xmlns:r="http://schemas.openxmlformats.org/officeDocument/2006/relationships" xmlns:p="http://schemas.openxmlformats.org/presentationml/2006/main">
+  <p:cSld>
+    <p:spTree>
+      <p:nvGrpSpPr>
+        <p:cNvPr id="1" name=""/>
+        <p:cNvGrpSpPr/>
+        <p:nvPr/>
+      </p:nvGrpSpPr>
+      <p:grpSpPr>
+        <a:xfrm>
+          <a:off x="0" y="0"/>
+          <a:ext cx="0" cy="0"/>
+          <a:chOff x="0" y="0"/>
+          <a:chExt cx="0" cy="0"/>
+        </a:xfrm>
+      </p:grpSpPr>
+      <p:sp>
+        <p:nvSpPr>
+          <p:cNvPr id="2" name="Title 1">
+            <a:extLst>
+              <a:ext uri="{FF2B5EF4-FFF2-40B4-BE49-F238E27FC236}">
+                <a16:creationId xmlns:a16="http://schemas.microsoft.com/office/drawing/2014/main" id="{5B87CF65-8203-45A0-8A1D-449B3DDD5664}"/>
+              </a:ext>
+            </a:extLst>
+          </p:cNvPr>
+          <p:cNvSpPr>
+            <a:spLocks noGrp="1"/>
+          </p:cNvSpPr>
+          <p:nvPr>
+            <p:ph type="title"/>
+          </p:nvPr>
+        </p:nvSpPr>
+        <p:spPr/>
+        <p:txBody>
+          <a:bodyPr/>
+          <a:lstStyle/>
+          <a:p>
+            <a:r>
+              <a:rPr lang="en-GB" dirty="0"/>
+              <a:t>Data Lake</a:t>
+            </a:r>
+            <a:endParaRPr lang="en-IN" dirty="0"/>
+          </a:p>
+        </p:txBody>
+      </p:sp>
+      <p:sp>
+        <p:nvSpPr>
+          <p:cNvPr id="3" name="Content Placeholder 2">
+            <a:extLst>
+              <a:ext uri="{FF2B5EF4-FFF2-40B4-BE49-F238E27FC236}">
+                <a16:creationId xmlns:a16="http://schemas.microsoft.com/office/drawing/2014/main" id="{86CBC334-2225-4ED6-8E26-6DDD7BD9E2FA}"/>
+              </a:ext>
+            </a:extLst>
+          </p:cNvPr>
+          <p:cNvSpPr>
+            <a:spLocks noGrp="1"/>
+          </p:cNvSpPr>
+          <p:nvPr>
+            <p:ph idx="1"/>
+          </p:nvPr>
+        </p:nvSpPr>
+        <p:spPr>
+          <a:xfrm>
+            <a:off x="1024128" y="2299063"/>
+            <a:ext cx="4266329" cy="4023360"/>
+          </a:xfrm>
+        </p:spPr>
+        <p:txBody>
+          <a:bodyPr>
+            <a:normAutofit fontScale="92500"/>
+          </a:bodyPr>
+          <a:lstStyle/>
+          <a:p>
+            <a:r>
+              <a:rPr lang="en-GB" dirty="0"/>
+              <a:t>* Separation of </a:t>
+            </a:r>
+            <a:r>
+              <a:rPr lang="en-GB" dirty="0">
+                <a:solidFill>
+                  <a:srgbClr val="0070C0"/>
+                </a:solidFill>
+              </a:rPr>
+              <a:t>Compute &amp; Data.</a:t>
+            </a:r>
+          </a:p>
+          <a:p>
+            <a:endParaRPr lang="en-GB" dirty="0">
+              <a:solidFill>
+                <a:srgbClr val="0070C0"/>
+              </a:solidFill>
+            </a:endParaRPr>
+          </a:p>
+          <a:p>
+            <a:pPr marL="0" indent="0">
+              <a:buNone/>
+            </a:pPr>
+            <a:r>
+              <a:rPr lang="en-GB" dirty="0"/>
+              <a:t>* Recommended when you have all types of data of any size to be stored with no plan about type of analysis on it. Internal analytics – dump all, play as and when you need.</a:t>
+            </a:r>
+          </a:p>
+          <a:p>
+            <a:pPr>
+              <a:buFont typeface="Arial" panose="020B0604020202020204" pitchFamily="34" charset="0"/>
+              <a:buChar char="•"/>
+            </a:pPr>
+            <a:endParaRPr lang="en-GB" dirty="0">
+              <a:solidFill>
+                <a:srgbClr val="0070C0"/>
+              </a:solidFill>
+            </a:endParaRPr>
+          </a:p>
+          <a:p>
+            <a:pPr marL="0" indent="0">
+              <a:buNone/>
+            </a:pPr>
+            <a:r>
+              <a:rPr lang="en-GB" dirty="0"/>
+              <a:t>* Not recommended when you want your data should be easy to decipher or its need is just to create a report on it.</a:t>
+            </a:r>
+            <a:endParaRPr lang="en-IN" dirty="0">
+              <a:solidFill>
+                <a:srgbClr val="0070C0"/>
+              </a:solidFill>
+            </a:endParaRPr>
+          </a:p>
+        </p:txBody>
+      </p:sp>
+      <p:pic>
+        <p:nvPicPr>
+          <p:cNvPr id="5" name="Picture 4">
+            <a:extLst>
+              <a:ext uri="{FF2B5EF4-FFF2-40B4-BE49-F238E27FC236}">
+                <a16:creationId xmlns:a16="http://schemas.microsoft.com/office/drawing/2014/main" id="{EDFC0EC8-4EC0-438D-BAF1-34BE7FEE111B}"/>
+              </a:ext>
+            </a:extLst>
+          </p:cNvPr>
+          <p:cNvPicPr>
+            <a:picLocks noChangeAspect="1"/>
+          </p:cNvPicPr>
+          <p:nvPr/>
+        </p:nvPicPr>
+        <p:blipFill>
+          <a:blip r:embed="rId3"/>
+          <a:stretch>
+            <a:fillRect/>
+          </a:stretch>
+        </p:blipFill>
+        <p:spPr>
+          <a:xfrm>
+            <a:off x="5884164" y="585216"/>
+            <a:ext cx="6144482" cy="6030167"/>
+          </a:xfrm>
+          <a:prstGeom prst="rect">
+            <a:avLst/>
+          </a:prstGeom>
+          <a:ln w="19050">
+            <a:solidFill>
+              <a:schemeClr val="accent2">
+                <a:lumMod val="50000"/>
+              </a:schemeClr>
+            </a:solidFill>
+          </a:ln>
+        </p:spPr>
+      </p:pic>
+    </p:spTree>
+    <p:extLst>
+      <p:ext uri="{BB962C8B-B14F-4D97-AF65-F5344CB8AC3E}">
+        <p14:creationId xmlns:p14="http://schemas.microsoft.com/office/powerpoint/2010/main" val="3586273789"/>
+      </p:ext>
+    </p:extLst>
+  </p:cSld>
+  <p:clrMapOvr>
+    <a:masterClrMapping/>
+  </p:clrMapOvr>
+</p:sld>
+</file>
+
+<file path=ppt/slides/slide12.xml><?xml version="1.0" encoding="utf-8"?>
+<p:sld xmlns:a="http://schemas.openxmlformats.org/drawingml/2006/main" xmlns:r="http://schemas.openxmlformats.org/officeDocument/2006/relationships" xmlns:p="http://schemas.openxmlformats.org/presentationml/2006/main">
+  <p:cSld>
+    <p:spTree>
+      <p:nvGrpSpPr>
+        <p:cNvPr id="1" name=""/>
+        <p:cNvGrpSpPr/>
+        <p:nvPr/>
+      </p:nvGrpSpPr>
+      <p:grpSpPr>
+        <a:xfrm>
+          <a:off x="0" y="0"/>
+          <a:ext cx="0" cy="0"/>
+          <a:chOff x="0" y="0"/>
+          <a:chExt cx="0" cy="0"/>
+        </a:xfrm>
+      </p:grpSpPr>
+      <p:sp>
+        <p:nvSpPr>
+          <p:cNvPr id="2" name="Title 1">
+            <a:extLst>
+              <a:ext uri="{FF2B5EF4-FFF2-40B4-BE49-F238E27FC236}">
                 <a16:creationId xmlns:a16="http://schemas.microsoft.com/office/drawing/2014/main" id="{3099CA52-52D9-4A34-AB54-256CF268FA03}"/>
               </a:ext>
             </a:extLst>
@@ -22312,7 +23198,7 @@
 </p:sld>
 </file>
 
-<file path=ppt/slides/slide11.xml><?xml version="1.0" encoding="utf-8"?>
+<file path=ppt/slides/slide13.xml><?xml version="1.0" encoding="utf-8"?>
 <p:sld xmlns:a="http://schemas.openxmlformats.org/drawingml/2006/main" xmlns:r="http://schemas.openxmlformats.org/officeDocument/2006/relationships" xmlns:p="http://schemas.openxmlformats.org/presentationml/2006/main">
   <p:cSld>
     <p:spTree>
@@ -22392,7 +23278,7 @@
             </a:pPr>
             <a:r>
               <a:rPr lang="en-GB" dirty="0"/>
-              <a:t>ISP of product.</a:t>
+              <a:t>What is does?</a:t>
             </a:r>
           </a:p>
           <a:p>
@@ -22515,7 +23401,7 @@
 </p:sld>
 </file>
 
-<file path=ppt/slides/slide12.xml><?xml version="1.0" encoding="utf-8"?>
+<file path=ppt/slides/slide14.xml><?xml version="1.0" encoding="utf-8"?>
 <p:sld xmlns:a="http://schemas.openxmlformats.org/drawingml/2006/main" xmlns:r="http://schemas.openxmlformats.org/officeDocument/2006/relationships" xmlns:p="http://schemas.openxmlformats.org/presentationml/2006/main">
   <p:cSld>
     <p:spTree>
@@ -22577,7 +23463,12 @@
             <p:ph idx="1"/>
           </p:nvPr>
         </p:nvSpPr>
-        <p:spPr/>
+        <p:spPr>
+          <a:xfrm>
+            <a:off x="1024129" y="2286000"/>
+            <a:ext cx="2999232" cy="4023360"/>
+          </a:xfrm>
+        </p:spPr>
         <p:txBody>
           <a:bodyPr/>
           <a:lstStyle/>
@@ -22588,9 +23479,21 @@
             </a:r>
           </a:p>
           <a:p>
+            <a:endParaRPr lang="en-GB" dirty="0"/>
+          </a:p>
+          <a:p>
             <a:r>
               <a:rPr lang="en-GB" dirty="0"/>
-              <a:t>* ISP - </a:t>
+              <a:t>* Azure SQL Warehouse rebranded. </a:t>
+            </a:r>
+          </a:p>
+          <a:p>
+            <a:endParaRPr lang="en-GB" dirty="0"/>
+          </a:p>
+          <a:p>
+            <a:r>
+              <a:rPr lang="en-GB" dirty="0"/>
+              <a:t>* Background engineering improvised for better performance. Front end features are in beta as of now.</a:t>
             </a:r>
             <a:endParaRPr lang="en-IN" dirty="0"/>
           </a:p>
@@ -22643,6 +23546,36 @@
           </a:extLst>
         </p:spPr>
       </p:pic>
+      <p:pic>
+        <p:nvPicPr>
+          <p:cNvPr id="5" name="Picture 4">
+            <a:extLst>
+              <a:ext uri="{FF2B5EF4-FFF2-40B4-BE49-F238E27FC236}">
+                <a16:creationId xmlns:a16="http://schemas.microsoft.com/office/drawing/2014/main" id="{7132E00D-0166-41FE-BDF2-2E2E5A550999}"/>
+              </a:ext>
+            </a:extLst>
+          </p:cNvPr>
+          <p:cNvPicPr>
+            <a:picLocks noChangeAspect="1"/>
+          </p:cNvPicPr>
+          <p:nvPr/>
+        </p:nvPicPr>
+        <p:blipFill>
+          <a:blip r:embed="rId4"/>
+          <a:stretch>
+            <a:fillRect/>
+          </a:stretch>
+        </p:blipFill>
+        <p:spPr>
+          <a:xfrm>
+            <a:off x="4285349" y="2632197"/>
+            <a:ext cx="6458851" cy="3677163"/>
+          </a:xfrm>
+          <a:prstGeom prst="rect">
+            <a:avLst/>
+          </a:prstGeom>
+        </p:spPr>
+      </p:pic>
     </p:spTree>
     <p:extLst>
       <p:ext uri="{BB962C8B-B14F-4D97-AF65-F5344CB8AC3E}">
@@ -22656,7 +23589,7 @@
 </p:sld>
 </file>
 
-<file path=ppt/slides/slide13.xml><?xml version="1.0" encoding="utf-8"?>
+<file path=ppt/slides/slide15.xml><?xml version="1.0" encoding="utf-8"?>
 <p:sld xmlns:a="http://schemas.openxmlformats.org/drawingml/2006/main" xmlns:r="http://schemas.openxmlformats.org/officeDocument/2006/relationships" xmlns:p="http://schemas.openxmlformats.org/presentationml/2006/main">
   <p:cSld>
     <p:spTree>
@@ -22735,7 +23668,21 @@
           <a:p>
             <a:r>
               <a:rPr lang="en-GB" dirty="0"/>
-              <a:t>* ISP - </a:t>
+              <a:t>* Hosted Spark environment - expanded with Delta Lake, </a:t>
+            </a:r>
+            <a:r>
+              <a:rPr lang="en-GB" dirty="0" err="1"/>
+              <a:t>MlFlow</a:t>
+            </a:r>
+            <a:r>
+              <a:rPr lang="en-GB" dirty="0"/>
+              <a:t> and SQL analytics.</a:t>
+            </a:r>
+          </a:p>
+          <a:p>
+            <a:r>
+              <a:rPr lang="en-GB" dirty="0"/>
+              <a:t>* Best option for Big Data workloads with Microsoft tech stack using C#.</a:t>
             </a:r>
             <a:endParaRPr lang="en-IN" dirty="0"/>
           </a:p>
@@ -22756,7 +23703,7 @@
           <p:nvPr/>
         </p:nvPicPr>
         <p:blipFill>
-          <a:blip r:embed="rId2">
+          <a:blip r:embed="rId3">
             <a:extLst>
               <a:ext uri="{28A0092B-C50C-407E-A947-70E740481C1C}">
                 <a14:useLocalDpi xmlns:a14="http://schemas.microsoft.com/office/drawing/2010/main" val="0"/>
@@ -22788,6 +23735,36 @@
           </a:extLst>
         </p:spPr>
       </p:pic>
+      <p:pic>
+        <p:nvPicPr>
+          <p:cNvPr id="5" name="Picture 4">
+            <a:extLst>
+              <a:ext uri="{FF2B5EF4-FFF2-40B4-BE49-F238E27FC236}">
+                <a16:creationId xmlns:a16="http://schemas.microsoft.com/office/drawing/2014/main" id="{97DB7EA7-ADB3-4B6C-AACC-51A07C4084F3}"/>
+              </a:ext>
+            </a:extLst>
+          </p:cNvPr>
+          <p:cNvPicPr>
+            <a:picLocks noChangeAspect="1"/>
+          </p:cNvPicPr>
+          <p:nvPr/>
+        </p:nvPicPr>
+        <p:blipFill>
+          <a:blip r:embed="rId4"/>
+          <a:stretch>
+            <a:fillRect/>
+          </a:stretch>
+        </p:blipFill>
+        <p:spPr>
+          <a:xfrm>
+            <a:off x="3016739" y="3662155"/>
+            <a:ext cx="5734850" cy="2848373"/>
+          </a:xfrm>
+          <a:prstGeom prst="rect">
+            <a:avLst/>
+          </a:prstGeom>
+        </p:spPr>
+      </p:pic>
     </p:spTree>
     <p:extLst>
       <p:ext uri="{BB962C8B-B14F-4D97-AF65-F5344CB8AC3E}">
@@ -22801,7 +23778,7 @@
 </p:sld>
 </file>
 
-<file path=ppt/slides/slide14.xml><?xml version="1.0" encoding="utf-8"?>
+<file path=ppt/slides/slide16.xml><?xml version="1.0" encoding="utf-8"?>
 <p:sld xmlns:a="http://schemas.openxmlformats.org/drawingml/2006/main" xmlns:r="http://schemas.openxmlformats.org/officeDocument/2006/relationships" xmlns:p="http://schemas.openxmlformats.org/presentationml/2006/main">
   <p:cSld>
     <p:spTree>
@@ -22872,7 +23849,7 @@
           </p:nvPr>
         </p:nvPicPr>
         <p:blipFill>
-          <a:blip r:embed="rId2">
+          <a:blip r:embed="rId3">
             <a:extLst>
               <a:ext uri="{28A0092B-C50C-407E-A947-70E740481C1C}">
                 <a14:useLocalDpi xmlns:a14="http://schemas.microsoft.com/office/drawing/2010/main" val="0"/>
@@ -22885,9 +23862,39 @@
         </p:blipFill>
         <p:spPr>
           <a:xfrm>
-            <a:off x="3201729" y="2286000"/>
+            <a:off x="1024128" y="2084832"/>
             <a:ext cx="5364680" cy="4022725"/>
           </a:xfrm>
+        </p:spPr>
+      </p:pic>
+      <p:pic>
+        <p:nvPicPr>
+          <p:cNvPr id="4" name="Picture 3">
+            <a:extLst>
+              <a:ext uri="{FF2B5EF4-FFF2-40B4-BE49-F238E27FC236}">
+                <a16:creationId xmlns:a16="http://schemas.microsoft.com/office/drawing/2014/main" id="{259B47CB-BE58-4801-A244-B8DBE41855C7}"/>
+              </a:ext>
+            </a:extLst>
+          </p:cNvPr>
+          <p:cNvPicPr>
+            <a:picLocks noChangeAspect="1"/>
+          </p:cNvPicPr>
+          <p:nvPr/>
+        </p:nvPicPr>
+        <p:blipFill>
+          <a:blip r:embed="rId4"/>
+          <a:stretch>
+            <a:fillRect/>
+          </a:stretch>
+        </p:blipFill>
+        <p:spPr>
+          <a:xfrm>
+            <a:off x="6388808" y="3796115"/>
+            <a:ext cx="5658640" cy="600159"/>
+          </a:xfrm>
+          <a:prstGeom prst="rect">
+            <a:avLst/>
+          </a:prstGeom>
         </p:spPr>
       </p:pic>
     </p:spTree>
@@ -22903,7 +23910,7 @@
 </p:sld>
 </file>
 
-<file path=ppt/slides/slide15.xml><?xml version="1.0" encoding="utf-8"?>
+<file path=ppt/slides/slide17.xml><?xml version="1.0" encoding="utf-8"?>
 <p:sld xmlns:a="http://schemas.openxmlformats.org/drawingml/2006/main" xmlns:r="http://schemas.openxmlformats.org/officeDocument/2006/relationships" xmlns:p="http://schemas.openxmlformats.org/presentationml/2006/main">
   <p:cSld>
     <p:spTree>
@@ -22965,14 +23972,14 @@
             <p:ph idx="1"/>
             <p:extLst>
               <p:ext uri="{D42A27DB-BD31-4B8C-83A1-F6EECF244321}">
-                <p14:modId xmlns:p14="http://schemas.microsoft.com/office/powerpoint/2010/main" val="3885059347"/>
+                <p14:modId xmlns:p14="http://schemas.microsoft.com/office/powerpoint/2010/main" val="174915980"/>
               </p:ext>
             </p:extLst>
           </p:nvPr>
         </p:nvGraphicFramePr>
         <p:xfrm>
           <a:off x="1023938" y="2286000"/>
-          <a:ext cx="9720261" cy="3528060"/>
+          <a:ext cx="9720261" cy="3575304"/>
         </p:xfrm>
         <a:graphic>
           <a:graphicData uri="http://schemas.openxmlformats.org/drawingml/2006/table">
@@ -22988,14 +23995,14 @@
                     </a:ext>
                   </a:extLst>
                 </a:gridCol>
-                <a:gridCol w="3240087">
+                <a:gridCol w="3077301">
                   <a:extLst>
                     <a:ext uri="{9D8B030D-6E8A-4147-A177-3AD203B41FA5}">
                       <a16:colId xmlns:a16="http://schemas.microsoft.com/office/drawing/2014/main" val="3455847958"/>
                     </a:ext>
                   </a:extLst>
                 </a:gridCol>
-                <a:gridCol w="3240087">
+                <a:gridCol w="3402873">
                   <a:extLst>
                     <a:ext uri="{9D8B030D-6E8A-4147-A177-3AD203B41FA5}">
                       <a16:colId xmlns:a16="http://schemas.microsoft.com/office/drawing/2014/main" val="17585227"/>
@@ -23189,7 +24196,7 @@
                       </a:pPr>
                       <a:r>
                         <a:rPr lang="en-GB" dirty="0"/>
-                        <a:t>Databricks notebooks with real time co-authoring and automated versioning.</a:t>
+                        <a:t>Databricks notebooks, real time co-authoring &amp; automated versioning.</a:t>
                       </a:r>
                       <a:endParaRPr lang="en-IN" dirty="0"/>
                     </a:p>
@@ -23263,6 +24270,77 @@
                 <a:extLst>
                   <a:ext uri="{0D108BD9-81ED-4DB2-BD59-A6C34878D82A}">
                     <a16:rowId xmlns:a16="http://schemas.microsoft.com/office/drawing/2014/main" val="1203338326"/>
+                  </a:ext>
+                </a:extLst>
+              </a:tr>
+              <a:tr h="370840">
+                <a:tc>
+                  <a:txBody>
+                    <a:bodyPr/>
+                    <a:lstStyle/>
+                    <a:p>
+                      <a:pPr>
+                        <a:lnSpc>
+                          <a:spcPct val="150000"/>
+                        </a:lnSpc>
+                      </a:pPr>
+                      <a:r>
+                        <a:rPr lang="en-GB" dirty="0"/>
+                        <a:t>Cloud hosted Python &amp; SQL env</a:t>
+                      </a:r>
+                    </a:p>
+                  </a:txBody>
+                  <a:tcPr/>
+                </a:tc>
+                <a:tc>
+                  <a:txBody>
+                    <a:bodyPr/>
+                    <a:lstStyle/>
+                    <a:p>
+                      <a:pPr>
+                        <a:lnSpc>
+                          <a:spcPct val="150000"/>
+                        </a:lnSpc>
+                      </a:pPr>
+                      <a:r>
+                        <a:rPr lang="en-GB" dirty="0"/>
+                        <a:t>Good at Ad-hoc analysis.</a:t>
+                      </a:r>
+                      <a:endParaRPr lang="en-IN" dirty="0"/>
+                    </a:p>
+                  </a:txBody>
+                  <a:tcPr/>
+                </a:tc>
+                <a:tc>
+                  <a:txBody>
+                    <a:bodyPr/>
+                    <a:lstStyle/>
+                    <a:p>
+                      <a:pPr>
+                        <a:lnSpc>
+                          <a:spcPct val="150000"/>
+                        </a:lnSpc>
+                      </a:pPr>
+                      <a:r>
+                        <a:rPr lang="en-GB" dirty="0"/>
+                        <a:t>Good at </a:t>
+                      </a:r>
+                      <a:r>
+                        <a:rPr lang="en-GB" dirty="0" err="1"/>
+                        <a:t>Mlflow</a:t>
+                      </a:r>
+                      <a:r>
+                        <a:rPr lang="en-GB" dirty="0"/>
+                        <a:t>.</a:t>
+                      </a:r>
+                      <a:endParaRPr lang="en-IN" dirty="0"/>
+                    </a:p>
+                  </a:txBody>
+                  <a:tcPr/>
+                </a:tc>
+                <a:extLst>
+                  <a:ext uri="{0D108BD9-81ED-4DB2-BD59-A6C34878D82A}">
+                    <a16:rowId xmlns:a16="http://schemas.microsoft.com/office/drawing/2014/main" val="2334822262"/>
                   </a:ext>
                 </a:extLst>
               </a:tr>
@@ -23362,7 +24440,7 @@
 </p:sld>
 </file>
 
-<file path=ppt/slides/slide16.xml><?xml version="1.0" encoding="utf-8"?>
+<file path=ppt/slides/slide18.xml><?xml version="1.0" encoding="utf-8"?>
 <p:sld xmlns:a="http://schemas.openxmlformats.org/drawingml/2006/main" xmlns:r="http://schemas.openxmlformats.org/officeDocument/2006/relationships" xmlns:p="http://schemas.openxmlformats.org/presentationml/2006/main">
   <p:cSld>
     <p:spTree>
@@ -23428,7 +24506,7 @@
             <p:ph idx="1"/>
             <p:extLst>
               <p:ext uri="{D42A27DB-BD31-4B8C-83A1-F6EECF244321}">
-                <p14:modId xmlns:p14="http://schemas.microsoft.com/office/powerpoint/2010/main" val="2731231280"/>
+                <p14:modId xmlns:p14="http://schemas.microsoft.com/office/powerpoint/2010/main" val="712714739"/>
               </p:ext>
             </p:extLst>
           </p:nvPr>
@@ -23750,7 +24828,7 @@
                       </a:pPr>
                       <a:r>
                         <a:rPr lang="en-GB" dirty="0"/>
-                        <a:t> Same data, data scientists play via Spark &amp; </a:t>
+                        <a:t>Same data, data scientists play via Spark &amp; </a:t>
                       </a:r>
                     </a:p>
                     <a:p>
@@ -23761,7 +24839,7 @@
                       </a:pPr>
                       <a:r>
                         <a:rPr lang="en-GB" dirty="0"/>
-                        <a:t>data analyst play via SQL.</a:t>
+                        <a:t>data analyst play via SQL. &amp; BI use Power BI</a:t>
                       </a:r>
                       <a:endParaRPr lang="en-IN" dirty="0"/>
                     </a:p>
@@ -23825,7 +24903,7 @@
                       </a:pPr>
                       <a:r>
                         <a:rPr lang="en-GB" dirty="0"/>
-                        <a:t>ML/AI development,  GPU intensive tasks</a:t>
+                        <a:t>More ML/AI development,  GPU intensive tasks</a:t>
                       </a:r>
                       <a:endParaRPr lang="en-IN" dirty="0"/>
                     </a:p>
@@ -23889,7 +24967,7 @@
                       </a:pPr>
                       <a:r>
                         <a:rPr lang="en-GB" dirty="0"/>
-                        <a:t>Dependent tech is much dependent on Delta lake / Spark</a:t>
+                        <a:t>Dependent tech is much on Delta lake format / Spark</a:t>
                       </a:r>
                       <a:endParaRPr lang="en-IN" dirty="0"/>
                     </a:p>
@@ -24002,7 +25080,7 @@
 </p:sld>
 </file>
 
-<file path=ppt/slides/slide17.xml><?xml version="1.0" encoding="utf-8"?>
+<file path=ppt/slides/slide19.xml><?xml version="1.0" encoding="utf-8"?>
 <p:sld xmlns:a="http://schemas.openxmlformats.org/drawingml/2006/main" xmlns:r="http://schemas.openxmlformats.org/officeDocument/2006/relationships" xmlns:p="http://schemas.openxmlformats.org/presentationml/2006/main">
   <p:cSld>
     <p:spTree>
@@ -24081,268 +25159,6 @@
     <p:extLst>
       <p:ext uri="{BB962C8B-B14F-4D97-AF65-F5344CB8AC3E}">
         <p14:creationId xmlns:p14="http://schemas.microsoft.com/office/powerpoint/2010/main" val="3958231758"/>
-      </p:ext>
-    </p:extLst>
-  </p:cSld>
-  <p:clrMapOvr>
-    <a:masterClrMapping/>
-  </p:clrMapOvr>
-</p:sld>
-</file>
-
-<file path=ppt/slides/slide18.xml><?xml version="1.0" encoding="utf-8"?>
-<p:sld xmlns:a="http://schemas.openxmlformats.org/drawingml/2006/main" xmlns:r="http://schemas.openxmlformats.org/officeDocument/2006/relationships" xmlns:p="http://schemas.openxmlformats.org/presentationml/2006/main">
-  <p:cSld>
-    <p:spTree>
-      <p:nvGrpSpPr>
-        <p:cNvPr id="1" name=""/>
-        <p:cNvGrpSpPr/>
-        <p:nvPr/>
-      </p:nvGrpSpPr>
-      <p:grpSpPr>
-        <a:xfrm>
-          <a:off x="0" y="0"/>
-          <a:ext cx="0" cy="0"/>
-          <a:chOff x="0" y="0"/>
-          <a:chExt cx="0" cy="0"/>
-        </a:xfrm>
-      </p:grpSpPr>
-      <p:sp>
-        <p:nvSpPr>
-          <p:cNvPr id="2" name="Title 1">
-            <a:extLst>
-              <a:ext uri="{FF2B5EF4-FFF2-40B4-BE49-F238E27FC236}">
-                <a16:creationId xmlns:a16="http://schemas.microsoft.com/office/drawing/2014/main" id="{D5BF61F1-79D3-4E38-A95B-E919512AC9A4}"/>
-              </a:ext>
-            </a:extLst>
-          </p:cNvPr>
-          <p:cNvSpPr>
-            <a:spLocks noGrp="1"/>
-          </p:cNvSpPr>
-          <p:nvPr>
-            <p:ph type="title"/>
-          </p:nvPr>
-        </p:nvSpPr>
-        <p:spPr/>
-        <p:txBody>
-          <a:bodyPr/>
-          <a:lstStyle/>
-          <a:p>
-            <a:r>
-              <a:rPr lang="en-GB" dirty="0"/>
-              <a:t> use case of </a:t>
-            </a:r>
-            <a:endParaRPr lang="en-IN" dirty="0"/>
-          </a:p>
-        </p:txBody>
-      </p:sp>
-      <p:sp>
-        <p:nvSpPr>
-          <p:cNvPr id="3" name="Content Placeholder 2">
-            <a:extLst>
-              <a:ext uri="{FF2B5EF4-FFF2-40B4-BE49-F238E27FC236}">
-                <a16:creationId xmlns:a16="http://schemas.microsoft.com/office/drawing/2014/main" id="{7692695F-939F-4945-8F1A-44F4B4456AE6}"/>
-              </a:ext>
-            </a:extLst>
-          </p:cNvPr>
-          <p:cNvSpPr>
-            <a:spLocks noGrp="1"/>
-          </p:cNvSpPr>
-          <p:nvPr>
-            <p:ph idx="1"/>
-          </p:nvPr>
-        </p:nvSpPr>
-        <p:spPr/>
-        <p:txBody>
-          <a:bodyPr/>
-          <a:lstStyle/>
-          <a:p>
-            <a:r>
-              <a:rPr lang="en-GB" dirty="0"/>
-              <a:t>* Kissflow is a pure SaaS product completely cloud managed.</a:t>
-            </a:r>
-          </a:p>
-          <a:p>
-            <a:r>
-              <a:rPr lang="en-GB" dirty="0"/>
-              <a:t>* Nature of product - Customers (business users) develop workflow apps by themself.</a:t>
-            </a:r>
-          </a:p>
-          <a:p>
-            <a:r>
-              <a:rPr lang="en-GB" dirty="0"/>
-              <a:t>* For OLTP - MongoDB Atlas is hosted with 1 DB per customer. Earlier it was MySQL.</a:t>
-            </a:r>
-          </a:p>
-          <a:p>
-            <a:r>
-              <a:rPr lang="en-GB" dirty="0"/>
-              <a:t>* Each customer will have their own schema (data model).</a:t>
-            </a:r>
-          </a:p>
-          <a:p>
-            <a:r>
-              <a:rPr lang="en-GB" dirty="0"/>
-              <a:t>* No separate analytics database as of now.</a:t>
-            </a:r>
-          </a:p>
-          <a:p>
-            <a:r>
-              <a:rPr lang="en-GB" dirty="0"/>
-              <a:t>* Based on our product nature, per customer data won’t be huge.</a:t>
-            </a:r>
-          </a:p>
-          <a:p>
-            <a:r>
-              <a:rPr lang="en-GB" dirty="0"/>
-              <a:t>* Analysed Data Lake, Database and chosen to go with Data warehouse. About choosing vendor the final investigation is going on.</a:t>
-            </a:r>
-          </a:p>
-          <a:p>
-            <a:endParaRPr lang="en-IN" dirty="0"/>
-          </a:p>
-        </p:txBody>
-      </p:sp>
-      <p:pic>
-        <p:nvPicPr>
-          <p:cNvPr id="4" name="Picture 3">
-            <a:extLst>
-              <a:ext uri="{FF2B5EF4-FFF2-40B4-BE49-F238E27FC236}">
-                <a16:creationId xmlns:a16="http://schemas.microsoft.com/office/drawing/2014/main" id="{9FC91D37-97D8-4A68-8AA0-E3CAB4517762}"/>
-              </a:ext>
-            </a:extLst>
-          </p:cNvPr>
-          <p:cNvPicPr>
-            <a:picLocks noChangeAspect="1"/>
-          </p:cNvPicPr>
-          <p:nvPr/>
-        </p:nvPicPr>
-        <p:blipFill>
-          <a:blip r:embed="rId3" cstate="print">
-            <a:extLst>
-              <a:ext uri="{28A0092B-C50C-407E-A947-70E740481C1C}">
-                <a14:useLocalDpi xmlns:a14="http://schemas.microsoft.com/office/drawing/2010/main" val="0"/>
-              </a:ext>
-            </a:extLst>
-          </a:blip>
-          <a:stretch>
-            <a:fillRect/>
-          </a:stretch>
-        </p:blipFill>
-        <p:spPr>
-          <a:xfrm>
-            <a:off x="3778442" y="970960"/>
-            <a:ext cx="2591878" cy="531268"/>
-          </a:xfrm>
-          <a:prstGeom prst="rect">
-            <a:avLst/>
-          </a:prstGeom>
-        </p:spPr>
-      </p:pic>
-    </p:spTree>
-    <p:extLst>
-      <p:ext uri="{BB962C8B-B14F-4D97-AF65-F5344CB8AC3E}">
-        <p14:creationId xmlns:p14="http://schemas.microsoft.com/office/powerpoint/2010/main" val="1740665861"/>
-      </p:ext>
-    </p:extLst>
-  </p:cSld>
-  <p:clrMapOvr>
-    <a:masterClrMapping/>
-  </p:clrMapOvr>
-</p:sld>
-</file>
-
-<file path=ppt/slides/slide19.xml><?xml version="1.0" encoding="utf-8"?>
-<p:sld xmlns:a="http://schemas.openxmlformats.org/drawingml/2006/main" xmlns:r="http://schemas.openxmlformats.org/officeDocument/2006/relationships" xmlns:p="http://schemas.openxmlformats.org/presentationml/2006/main">
-  <p:cSld>
-    <p:spTree>
-      <p:nvGrpSpPr>
-        <p:cNvPr id="1" name=""/>
-        <p:cNvGrpSpPr/>
-        <p:nvPr/>
-      </p:nvGrpSpPr>
-      <p:grpSpPr>
-        <a:xfrm>
-          <a:off x="0" y="0"/>
-          <a:ext cx="0" cy="0"/>
-          <a:chOff x="0" y="0"/>
-          <a:chExt cx="0" cy="0"/>
-        </a:xfrm>
-      </p:grpSpPr>
-      <p:sp>
-        <p:nvSpPr>
-          <p:cNvPr id="2" name="Title 1">
-            <a:extLst>
-              <a:ext uri="{FF2B5EF4-FFF2-40B4-BE49-F238E27FC236}">
-                <a16:creationId xmlns:a16="http://schemas.microsoft.com/office/drawing/2014/main" id="{550658A6-BABC-40B1-8EC6-823D6A10361D}"/>
-              </a:ext>
-            </a:extLst>
-          </p:cNvPr>
-          <p:cNvSpPr>
-            <a:spLocks noGrp="1"/>
-          </p:cNvSpPr>
-          <p:nvPr>
-            <p:ph type="title"/>
-          </p:nvPr>
-        </p:nvSpPr>
-        <p:spPr/>
-        <p:txBody>
-          <a:bodyPr/>
-          <a:lstStyle/>
-          <a:p>
-            <a:r>
-              <a:rPr lang="en-GB" dirty="0"/>
-              <a:t>What’s next?</a:t>
-            </a:r>
-            <a:endParaRPr lang="en-IN" dirty="0"/>
-          </a:p>
-        </p:txBody>
-      </p:sp>
-      <p:sp>
-        <p:nvSpPr>
-          <p:cNvPr id="3" name="Content Placeholder 2">
-            <a:extLst>
-              <a:ext uri="{FF2B5EF4-FFF2-40B4-BE49-F238E27FC236}">
-                <a16:creationId xmlns:a16="http://schemas.microsoft.com/office/drawing/2014/main" id="{F2E27520-806E-4A30-AF8D-F669B8C75AA4}"/>
-              </a:ext>
-            </a:extLst>
-          </p:cNvPr>
-          <p:cNvSpPr>
-            <a:spLocks noGrp="1"/>
-          </p:cNvSpPr>
-          <p:nvPr>
-            <p:ph idx="1"/>
-          </p:nvPr>
-        </p:nvSpPr>
-        <p:spPr/>
-        <p:txBody>
-          <a:bodyPr/>
-          <a:lstStyle/>
-          <a:p>
-            <a:r>
-              <a:rPr lang="en-GB" dirty="0"/>
-              <a:t>Its DATA LAKEHOUSE</a:t>
-            </a:r>
-          </a:p>
-          <a:p>
-            <a:endParaRPr lang="en-GB" dirty="0"/>
-          </a:p>
-          <a:p>
-            <a:r>
-              <a:rPr lang="en-GB" dirty="0"/>
-              <a:t>* Sting together the best of both worlds – Data warehouse and Data lake.</a:t>
-            </a:r>
-            <a:endParaRPr lang="en-IN" dirty="0"/>
-          </a:p>
-          <a:p>
-            <a:endParaRPr lang="en-IN" dirty="0"/>
-          </a:p>
-        </p:txBody>
-      </p:sp>
-    </p:spTree>
-    <p:extLst>
-      <p:ext uri="{BB962C8B-B14F-4D97-AF65-F5344CB8AC3E}">
-        <p14:creationId xmlns:p14="http://schemas.microsoft.com/office/powerpoint/2010/main" val="2629790823"/>
       </p:ext>
     </p:extLst>
   </p:cSld>
@@ -24694,7 +25510,7 @@
             </a:pPr>
             <a:r>
               <a:rPr lang="en-IN" sz="1800" dirty="0"/>
-              <a:t>Reports &amp; Analytics Squad.</a:t>
+              <a:t>Analytics Squad.</a:t>
             </a:r>
           </a:p>
           <a:p>
@@ -24885,6 +25701,287 @@
           <a:chExt cx="0" cy="0"/>
         </a:xfrm>
       </p:grpSpPr>
+      <p:sp>
+        <p:nvSpPr>
+          <p:cNvPr id="2" name="Title 1">
+            <a:extLst>
+              <a:ext uri="{FF2B5EF4-FFF2-40B4-BE49-F238E27FC236}">
+                <a16:creationId xmlns:a16="http://schemas.microsoft.com/office/drawing/2014/main" id="{D5BF61F1-79D3-4E38-A95B-E919512AC9A4}"/>
+              </a:ext>
+            </a:extLst>
+          </p:cNvPr>
+          <p:cNvSpPr>
+            <a:spLocks noGrp="1"/>
+          </p:cNvSpPr>
+          <p:nvPr>
+            <p:ph type="title"/>
+          </p:nvPr>
+        </p:nvSpPr>
+        <p:spPr/>
+        <p:txBody>
+          <a:bodyPr/>
+          <a:lstStyle/>
+          <a:p>
+            <a:r>
+              <a:rPr lang="en-GB" dirty="0"/>
+              <a:t> use case of </a:t>
+            </a:r>
+            <a:endParaRPr lang="en-IN" dirty="0"/>
+          </a:p>
+        </p:txBody>
+      </p:sp>
+      <p:sp>
+        <p:nvSpPr>
+          <p:cNvPr id="3" name="Content Placeholder 2">
+            <a:extLst>
+              <a:ext uri="{FF2B5EF4-FFF2-40B4-BE49-F238E27FC236}">
+                <a16:creationId xmlns:a16="http://schemas.microsoft.com/office/drawing/2014/main" id="{7692695F-939F-4945-8F1A-44F4B4456AE6}"/>
+              </a:ext>
+            </a:extLst>
+          </p:cNvPr>
+          <p:cNvSpPr>
+            <a:spLocks noGrp="1"/>
+          </p:cNvSpPr>
+          <p:nvPr>
+            <p:ph idx="1"/>
+          </p:nvPr>
+        </p:nvSpPr>
+        <p:spPr/>
+        <p:txBody>
+          <a:bodyPr/>
+          <a:lstStyle/>
+          <a:p>
+            <a:r>
+              <a:rPr lang="en-GB" dirty="0"/>
+              <a:t>* Kissflow is a pure SaaS product completely cloud managed.</a:t>
+            </a:r>
+          </a:p>
+          <a:p>
+            <a:r>
+              <a:rPr lang="en-GB" dirty="0"/>
+              <a:t>* No Code product - Customers (business users) develop workflow apps by themself.</a:t>
+            </a:r>
+          </a:p>
+          <a:p>
+            <a:r>
+              <a:rPr lang="en-GB" dirty="0"/>
+              <a:t>* For OLTP - MongoDB Atlas is hosted with 1 DB per customer. Earlier it was MySQL.</a:t>
+            </a:r>
+          </a:p>
+          <a:p>
+            <a:r>
+              <a:rPr lang="en-GB" dirty="0"/>
+              <a:t>* Each customer will have their own schema (data model).</a:t>
+            </a:r>
+          </a:p>
+          <a:p>
+            <a:r>
+              <a:rPr lang="en-GB" dirty="0"/>
+              <a:t>* No separate analytics database as of now.</a:t>
+            </a:r>
+          </a:p>
+          <a:p>
+            <a:r>
+              <a:rPr lang="en-GB" dirty="0"/>
+              <a:t>* Based on our product nature, per customer data won’t be huge.</a:t>
+            </a:r>
+          </a:p>
+          <a:p>
+            <a:r>
+              <a:rPr lang="en-GB" dirty="0"/>
+              <a:t>* Analysed Data Lake, Database and chosen to go with Data warehouse. </a:t>
+            </a:r>
+          </a:p>
+          <a:p>
+            <a:endParaRPr lang="en-IN" dirty="0"/>
+          </a:p>
+        </p:txBody>
+      </p:sp>
+      <p:pic>
+        <p:nvPicPr>
+          <p:cNvPr id="4" name="Picture 3">
+            <a:extLst>
+              <a:ext uri="{FF2B5EF4-FFF2-40B4-BE49-F238E27FC236}">
+                <a16:creationId xmlns:a16="http://schemas.microsoft.com/office/drawing/2014/main" id="{9FC91D37-97D8-4A68-8AA0-E3CAB4517762}"/>
+              </a:ext>
+            </a:extLst>
+          </p:cNvPr>
+          <p:cNvPicPr>
+            <a:picLocks noChangeAspect="1"/>
+          </p:cNvPicPr>
+          <p:nvPr/>
+        </p:nvPicPr>
+        <p:blipFill>
+          <a:blip r:embed="rId3" cstate="print">
+            <a:extLst>
+              <a:ext uri="{28A0092B-C50C-407E-A947-70E740481C1C}">
+                <a14:useLocalDpi xmlns:a14="http://schemas.microsoft.com/office/drawing/2010/main" val="0"/>
+              </a:ext>
+            </a:extLst>
+          </a:blip>
+          <a:stretch>
+            <a:fillRect/>
+          </a:stretch>
+        </p:blipFill>
+        <p:spPr>
+          <a:xfrm>
+            <a:off x="3778442" y="970960"/>
+            <a:ext cx="2591878" cy="531268"/>
+          </a:xfrm>
+          <a:prstGeom prst="rect">
+            <a:avLst/>
+          </a:prstGeom>
+        </p:spPr>
+      </p:pic>
+    </p:spTree>
+    <p:extLst>
+      <p:ext uri="{BB962C8B-B14F-4D97-AF65-F5344CB8AC3E}">
+        <p14:creationId xmlns:p14="http://schemas.microsoft.com/office/powerpoint/2010/main" val="1740665861"/>
+      </p:ext>
+    </p:extLst>
+  </p:cSld>
+  <p:clrMapOvr>
+    <a:masterClrMapping/>
+  </p:clrMapOvr>
+</p:sld>
+</file>
+
+<file path=ppt/slides/slide21.xml><?xml version="1.0" encoding="utf-8"?>
+<p:sld xmlns:a="http://schemas.openxmlformats.org/drawingml/2006/main" xmlns:r="http://schemas.openxmlformats.org/officeDocument/2006/relationships" xmlns:p="http://schemas.openxmlformats.org/presentationml/2006/main">
+  <p:cSld>
+    <p:spTree>
+      <p:nvGrpSpPr>
+        <p:cNvPr id="1" name=""/>
+        <p:cNvGrpSpPr/>
+        <p:nvPr/>
+      </p:nvGrpSpPr>
+      <p:grpSpPr>
+        <a:xfrm>
+          <a:off x="0" y="0"/>
+          <a:ext cx="0" cy="0"/>
+          <a:chOff x="0" y="0"/>
+          <a:chExt cx="0" cy="0"/>
+        </a:xfrm>
+      </p:grpSpPr>
+      <p:sp>
+        <p:nvSpPr>
+          <p:cNvPr id="2" name="Title 1">
+            <a:extLst>
+              <a:ext uri="{FF2B5EF4-FFF2-40B4-BE49-F238E27FC236}">
+                <a16:creationId xmlns:a16="http://schemas.microsoft.com/office/drawing/2014/main" id="{550658A6-BABC-40B1-8EC6-823D6A10361D}"/>
+              </a:ext>
+            </a:extLst>
+          </p:cNvPr>
+          <p:cNvSpPr>
+            <a:spLocks noGrp="1"/>
+          </p:cNvSpPr>
+          <p:nvPr>
+            <p:ph type="title"/>
+          </p:nvPr>
+        </p:nvSpPr>
+        <p:spPr/>
+        <p:txBody>
+          <a:bodyPr/>
+          <a:lstStyle/>
+          <a:p>
+            <a:r>
+              <a:rPr lang="en-GB" dirty="0"/>
+              <a:t>What’s next?</a:t>
+            </a:r>
+            <a:endParaRPr lang="en-IN" dirty="0"/>
+          </a:p>
+        </p:txBody>
+      </p:sp>
+      <p:sp>
+        <p:nvSpPr>
+          <p:cNvPr id="3" name="Content Placeholder 2">
+            <a:extLst>
+              <a:ext uri="{FF2B5EF4-FFF2-40B4-BE49-F238E27FC236}">
+                <a16:creationId xmlns:a16="http://schemas.microsoft.com/office/drawing/2014/main" id="{F2E27520-806E-4A30-AF8D-F669B8C75AA4}"/>
+              </a:ext>
+            </a:extLst>
+          </p:cNvPr>
+          <p:cNvSpPr>
+            <a:spLocks noGrp="1"/>
+          </p:cNvSpPr>
+          <p:nvPr>
+            <p:ph idx="1"/>
+          </p:nvPr>
+        </p:nvSpPr>
+        <p:spPr/>
+        <p:txBody>
+          <a:bodyPr/>
+          <a:lstStyle/>
+          <a:p>
+            <a:r>
+              <a:rPr lang="en-GB" dirty="0"/>
+              <a:t>DATA LAKEHOUSE</a:t>
+            </a:r>
+          </a:p>
+          <a:p>
+            <a:endParaRPr lang="en-GB" dirty="0"/>
+          </a:p>
+          <a:p>
+            <a:r>
+              <a:rPr lang="en-GB" dirty="0"/>
+              <a:t>* Sting together the best of both worlds – Data warehouse and Data lake.</a:t>
+            </a:r>
+          </a:p>
+          <a:p>
+            <a:r>
+              <a:rPr lang="en-GB" dirty="0"/>
+              <a:t>* Implement data warehouse’ data structures &amp; management features for data lakes.</a:t>
+            </a:r>
+          </a:p>
+          <a:p>
+            <a:r>
+              <a:rPr lang="en-GB" dirty="0"/>
+              <a:t>* Single data </a:t>
+            </a:r>
+            <a:r>
+              <a:rPr lang="en-GB" dirty="0" err="1"/>
+              <a:t>lakehouse</a:t>
+            </a:r>
+            <a:r>
+              <a:rPr lang="en-GB" dirty="0"/>
+              <a:t> for structured, semi-structured and unstructured acts as a multi-solution system, simplified data governance and cost-effective too. </a:t>
+            </a:r>
+          </a:p>
+          <a:p>
+            <a:endParaRPr lang="en-IN" dirty="0"/>
+          </a:p>
+        </p:txBody>
+      </p:sp>
+    </p:spTree>
+    <p:extLst>
+      <p:ext uri="{BB962C8B-B14F-4D97-AF65-F5344CB8AC3E}">
+        <p14:creationId xmlns:p14="http://schemas.microsoft.com/office/powerpoint/2010/main" val="2629790823"/>
+      </p:ext>
+    </p:extLst>
+  </p:cSld>
+  <p:clrMapOvr>
+    <a:masterClrMapping/>
+  </p:clrMapOvr>
+</p:sld>
+</file>
+
+<file path=ppt/slides/slide22.xml><?xml version="1.0" encoding="utf-8"?>
+<p:sld xmlns:a="http://schemas.openxmlformats.org/drawingml/2006/main" xmlns:r="http://schemas.openxmlformats.org/officeDocument/2006/relationships" xmlns:p="http://schemas.openxmlformats.org/presentationml/2006/main">
+  <p:cSld>
+    <p:spTree>
+      <p:nvGrpSpPr>
+        <p:cNvPr id="1" name=""/>
+        <p:cNvGrpSpPr/>
+        <p:nvPr/>
+      </p:nvGrpSpPr>
+      <p:grpSpPr>
+        <a:xfrm>
+          <a:off x="0" y="0"/>
+          <a:ext cx="0" cy="0"/>
+          <a:chOff x="0" y="0"/>
+          <a:chExt cx="0" cy="0"/>
+        </a:xfrm>
+      </p:grpSpPr>
       <p:pic>
         <p:nvPicPr>
           <p:cNvPr id="3074" name="Picture 2">
@@ -24945,7 +26042,7 @@
 </p:sld>
 </file>
 
-<file path=ppt/slides/slide21.xml><?xml version="1.0" encoding="utf-8"?>
+<file path=ppt/slides/slide23.xml><?xml version="1.0" encoding="utf-8"?>
 <p:sld xmlns:a="http://schemas.openxmlformats.org/drawingml/2006/main" xmlns:r="http://schemas.openxmlformats.org/officeDocument/2006/relationships" xmlns:p="http://schemas.openxmlformats.org/presentationml/2006/main">
   <p:cSld>
     <p:spTree>
@@ -25007,7 +26104,12 @@
             <p:ph idx="1"/>
           </p:nvPr>
         </p:nvSpPr>
-        <p:spPr/>
+        <p:spPr>
+          <a:xfrm>
+            <a:off x="1024128" y="2338250"/>
+            <a:ext cx="9720073" cy="3971109"/>
+          </a:xfrm>
+        </p:spPr>
         <p:txBody>
           <a:bodyPr/>
           <a:lstStyle/>
@@ -25019,6 +26121,22 @@
             <a:r>
               <a:rPr lang="en-GB" dirty="0">
                 <a:hlinkClick r:id="rId2"/>
+              </a:rPr>
+              <a:t>Post</a:t>
+            </a:r>
+            <a:r>
+              <a:rPr lang="en-GB" dirty="0"/>
+              <a:t> about “What is Data Lakehouse?”</a:t>
+            </a:r>
+          </a:p>
+          <a:p>
+            <a:r>
+              <a:rPr lang="en-GB" dirty="0"/>
+              <a:t>* </a:t>
+            </a:r>
+            <a:r>
+              <a:rPr lang="en-GB" dirty="0">
+                <a:hlinkClick r:id="rId3"/>
               </a:rPr>
               <a:t>Blog post</a:t>
             </a:r>
@@ -25042,7 +26160,7 @@
             </a:r>
             <a:r>
               <a:rPr lang="en-GB" dirty="0">
-                <a:hlinkClick r:id="rId3"/>
+                <a:hlinkClick r:id="rId4"/>
               </a:rPr>
               <a:t>Debate</a:t>
             </a:r>
@@ -25064,7 +26182,7 @@
                   <a:srgbClr val="00A7B5"/>
                 </a:solidFill>
                 <a:effectLst/>
-                <a:hlinkClick r:id="rId4"/>
+                <a:hlinkClick r:id="rId5"/>
               </a:rPr>
               <a:t>Cindi Howson</a:t>
             </a:r>
@@ -25077,6 +26195,50 @@
               </a:rPr>
               <a:t>.</a:t>
             </a:r>
+          </a:p>
+          <a:p>
+            <a:r>
+              <a:rPr lang="en-GB" dirty="0"/>
+              <a:t>* </a:t>
+            </a:r>
+            <a:r>
+              <a:rPr lang="en-IN" b="1" dirty="0">
+                <a:solidFill>
+                  <a:srgbClr val="00A7B5"/>
+                </a:solidFill>
+                <a:hlinkClick r:id="rId6"/>
+              </a:rPr>
+              <a:t>Blog</a:t>
+            </a:r>
+            <a:r>
+              <a:rPr lang="en-IN" dirty="0"/>
+              <a:t> - Launching Databricks at If by </a:t>
+            </a:r>
+            <a:r>
+              <a:rPr lang="en-IN" dirty="0" err="1">
+                <a:hlinkClick r:id="rId7"/>
+              </a:rPr>
+              <a:t>Valdas</a:t>
+            </a:r>
+            <a:r>
+              <a:rPr lang="en-IN" dirty="0">
+                <a:hlinkClick r:id="rId7"/>
+              </a:rPr>
+              <a:t> </a:t>
+            </a:r>
+            <a:r>
+              <a:rPr lang="en-IN" dirty="0" err="1">
+                <a:hlinkClick r:id="rId7"/>
+              </a:rPr>
+              <a:t>Maksimavicius</a:t>
+            </a:r>
+            <a:r>
+              <a:rPr lang="en-IN" dirty="0"/>
+              <a:t>.</a:t>
+            </a:r>
+            <a:endParaRPr lang="en-IN" i="0" u="none" strike="noStrike" dirty="0">
+              <a:effectLst/>
+            </a:endParaRPr>
           </a:p>
           <a:p>
             <a:endParaRPr lang="en-IN" b="1" i="0" u="none" strike="noStrike" dirty="0">
@@ -25175,37 +26337,37 @@
           <a:p>
             <a:r>
               <a:rPr lang="en-GB" dirty="0"/>
-              <a:t>* Demystify – Database, Data warehouse, Data Lake, Data Lakehouse.</a:t>
+              <a:t>1 Demystify &amp; Best fit scenarios for Database, Data warehouse, Data Lake.</a:t>
             </a:r>
           </a:p>
           <a:p>
             <a:r>
               <a:rPr lang="en-GB" dirty="0"/>
-              <a:t>* Best fit scenarios for choosing DB, DW, DL and DLH. </a:t>
+              <a:t>2       Azure Synapse Analytics,       Azure Databricks.</a:t>
             </a:r>
           </a:p>
           <a:p>
             <a:r>
               <a:rPr lang="en-GB" dirty="0"/>
-              <a:t>*       Azure Synapse Analytics,       Azure Databricks.</a:t>
+              <a:t>3 Common features but different in Synapse and Databricks of Azure.</a:t>
             </a:r>
           </a:p>
           <a:p>
             <a:r>
               <a:rPr lang="en-GB" dirty="0"/>
-              <a:t>* Common features but different in Synapse and Databricks of Azure.</a:t>
+              <a:t>4 When to use Azure Synapse, Azure Databricks?</a:t>
             </a:r>
           </a:p>
           <a:p>
             <a:r>
               <a:rPr lang="en-GB" dirty="0"/>
-              <a:t>* When to use SQL DB, Synapse, Databricks?</a:t>
+              <a:t>5 My use case scenario at Kissflow.</a:t>
             </a:r>
           </a:p>
           <a:p>
             <a:r>
               <a:rPr lang="en-GB" dirty="0"/>
-              <a:t>* My use case and what we choose?</a:t>
+              <a:t>6 What’s next?</a:t>
             </a:r>
           </a:p>
           <a:p>
@@ -25242,7 +26404,7 @@
         </p:blipFill>
         <p:spPr bwMode="auto">
           <a:xfrm>
-            <a:off x="1175658" y="3214973"/>
+            <a:off x="1175658" y="2718585"/>
             <a:ext cx="815339" cy="428053"/>
           </a:xfrm>
           <a:prstGeom prst="rect">
@@ -25289,7 +26451,7 @@
         </p:blipFill>
         <p:spPr bwMode="auto">
           <a:xfrm>
-            <a:off x="4676503" y="3263114"/>
+            <a:off x="4715692" y="2767937"/>
             <a:ext cx="386442" cy="386442"/>
           </a:xfrm>
           <a:prstGeom prst="rect">
@@ -25321,6 +26483,294 @@
 </file>
 
 <file path=ppt/slides/slide4.xml><?xml version="1.0" encoding="utf-8"?>
+<p:sld xmlns:a="http://schemas.openxmlformats.org/drawingml/2006/main" xmlns:r="http://schemas.openxmlformats.org/officeDocument/2006/relationships" xmlns:p="http://schemas.openxmlformats.org/presentationml/2006/main">
+  <p:cSld>
+    <p:spTree>
+      <p:nvGrpSpPr>
+        <p:cNvPr id="1" name=""/>
+        <p:cNvGrpSpPr/>
+        <p:nvPr/>
+      </p:nvGrpSpPr>
+      <p:grpSpPr>
+        <a:xfrm>
+          <a:off x="0" y="0"/>
+          <a:ext cx="0" cy="0"/>
+          <a:chOff x="0" y="0"/>
+          <a:chExt cx="0" cy="0"/>
+        </a:xfrm>
+      </p:grpSpPr>
+      <p:sp>
+        <p:nvSpPr>
+          <p:cNvPr id="2" name="Title 1">
+            <a:extLst>
+              <a:ext uri="{FF2B5EF4-FFF2-40B4-BE49-F238E27FC236}">
+                <a16:creationId xmlns:a16="http://schemas.microsoft.com/office/drawing/2014/main" id="{A958C098-10EC-476B-9979-1E5A4A9D0EE4}"/>
+              </a:ext>
+            </a:extLst>
+          </p:cNvPr>
+          <p:cNvSpPr>
+            <a:spLocks noGrp="1"/>
+          </p:cNvSpPr>
+          <p:nvPr>
+            <p:ph type="title"/>
+          </p:nvPr>
+        </p:nvSpPr>
+        <p:spPr>
+          <a:xfrm>
+            <a:off x="838199" y="291090"/>
+            <a:ext cx="10515599" cy="932688"/>
+          </a:xfrm>
+        </p:spPr>
+        <p:txBody>
+          <a:bodyPr vert="horz" lIns="91440" tIns="45720" rIns="91440" bIns="45720" rtlCol="0" anchor="b">
+            <a:normAutofit/>
+          </a:bodyPr>
+          <a:lstStyle/>
+          <a:p>
+            <a:pPr algn="ctr"/>
+            <a:r>
+              <a:rPr lang="en-US" sz="5400" kern="1200" dirty="0">
+                <a:solidFill>
+                  <a:schemeClr val="tx1"/>
+                </a:solidFill>
+                <a:latin typeface="+mj-lt"/>
+                <a:ea typeface="+mj-ea"/>
+                <a:cs typeface="+mj-cs"/>
+              </a:rPr>
+              <a:t>Database options</a:t>
+            </a:r>
+          </a:p>
+        </p:txBody>
+      </p:sp>
+      <p:pic>
+        <p:nvPicPr>
+          <p:cNvPr id="3" name="Picture 2" descr="A screenshot of a cell phone&#10;&#10;Description automatically generated">
+            <a:extLst>
+              <a:ext uri="{FF2B5EF4-FFF2-40B4-BE49-F238E27FC236}">
+                <a16:creationId xmlns:a16="http://schemas.microsoft.com/office/drawing/2014/main" id="{195EAD6F-A24B-42B2-B3D0-7780C8180E88}"/>
+              </a:ext>
+            </a:extLst>
+          </p:cNvPr>
+          <p:cNvPicPr>
+            <a:picLocks noChangeAspect="1"/>
+          </p:cNvPicPr>
+          <p:nvPr/>
+        </p:nvPicPr>
+        <p:blipFill>
+          <a:blip r:embed="rId3"/>
+          <a:stretch>
+            <a:fillRect/>
+          </a:stretch>
+        </p:blipFill>
+        <p:spPr>
+          <a:xfrm>
+            <a:off x="902145" y="1863801"/>
+            <a:ext cx="10387708" cy="4440746"/>
+          </a:xfrm>
+          <a:prstGeom prst="rect">
+            <a:avLst/>
+          </a:prstGeom>
+        </p:spPr>
+      </p:pic>
+    </p:spTree>
+    <p:extLst>
+      <p:ext uri="{BB962C8B-B14F-4D97-AF65-F5344CB8AC3E}">
+        <p14:creationId xmlns:p14="http://schemas.microsoft.com/office/powerpoint/2010/main" val="2660816210"/>
+      </p:ext>
+    </p:extLst>
+  </p:cSld>
+  <p:clrMapOvr>
+    <a:masterClrMapping/>
+  </p:clrMapOvr>
+</p:sld>
+</file>
+
+<file path=ppt/slides/slide5.xml><?xml version="1.0" encoding="utf-8"?>
+<p:sld xmlns:a="http://schemas.openxmlformats.org/drawingml/2006/main" xmlns:r="http://schemas.openxmlformats.org/officeDocument/2006/relationships" xmlns:p="http://schemas.openxmlformats.org/presentationml/2006/main">
+  <p:cSld>
+    <p:spTree>
+      <p:nvGrpSpPr>
+        <p:cNvPr id="1" name=""/>
+        <p:cNvGrpSpPr/>
+        <p:nvPr/>
+      </p:nvGrpSpPr>
+      <p:grpSpPr>
+        <a:xfrm>
+          <a:off x="0" y="0"/>
+          <a:ext cx="0" cy="0"/>
+          <a:chOff x="0" y="0"/>
+          <a:chExt cx="0" cy="0"/>
+        </a:xfrm>
+      </p:grpSpPr>
+      <p:sp>
+        <p:nvSpPr>
+          <p:cNvPr id="2" name="Title 1">
+            <a:extLst>
+              <a:ext uri="{FF2B5EF4-FFF2-40B4-BE49-F238E27FC236}">
+                <a16:creationId xmlns:a16="http://schemas.microsoft.com/office/drawing/2014/main" id="{F19B852D-86F5-4DD9-A04D-4D534AFC7C4E}"/>
+              </a:ext>
+            </a:extLst>
+          </p:cNvPr>
+          <p:cNvSpPr>
+            <a:spLocks noGrp="1"/>
+          </p:cNvSpPr>
+          <p:nvPr>
+            <p:ph type="title"/>
+          </p:nvPr>
+        </p:nvSpPr>
+        <p:spPr>
+          <a:xfrm>
+            <a:off x="6746628" y="1783959"/>
+            <a:ext cx="4645250" cy="2889114"/>
+          </a:xfrm>
+        </p:spPr>
+        <p:txBody>
+          <a:bodyPr vert="horz" lIns="91440" tIns="45720" rIns="91440" bIns="45720" rtlCol="0" anchor="b">
+            <a:normAutofit/>
+          </a:bodyPr>
+          <a:lstStyle/>
+          <a:p>
+            <a:r>
+              <a:rPr lang="en-US" sz="6000" dirty="0" err="1"/>
+              <a:t>Dosa</a:t>
+            </a:r>
+            <a:r>
+              <a:rPr lang="en-US" sz="6000" dirty="0"/>
+              <a:t> options !!</a:t>
+            </a:r>
+          </a:p>
+        </p:txBody>
+      </p:sp>
+      <p:pic>
+        <p:nvPicPr>
+          <p:cNvPr id="5122" name="Picture 2" descr="https://im1.dineout.co.in/images/uploads/restaurant/sharpen/1/x/v/m1274-15276794335b0e89c91cc61.jpg?tr=tr:n-xlarge">
+            <a:extLst>
+              <a:ext uri="{FF2B5EF4-FFF2-40B4-BE49-F238E27FC236}">
+                <a16:creationId xmlns:a16="http://schemas.microsoft.com/office/drawing/2014/main" id="{6B6EE36B-648E-482E-B70D-AE919E794868}"/>
+              </a:ext>
+            </a:extLst>
+          </p:cNvPr>
+          <p:cNvPicPr>
+            <a:picLocks noChangeAspect="1" noChangeArrowheads="1"/>
+          </p:cNvPicPr>
+          <p:nvPr/>
+        </p:nvPicPr>
+        <p:blipFill rotWithShape="1">
+          <a:blip r:embed="rId3">
+            <a:extLst>
+              <a:ext uri="{28A0092B-C50C-407E-A947-70E740481C1C}">
+                <a14:useLocalDpi xmlns:a14="http://schemas.microsoft.com/office/drawing/2010/main" val="0"/>
+              </a:ext>
+            </a:extLst>
+          </a:blip>
+          <a:srcRect t="23569" r="-1" b="15525"/>
+          <a:stretch/>
+        </p:blipFill>
+        <p:spPr bwMode="auto">
+          <a:xfrm>
+            <a:off x="20" y="10"/>
+            <a:ext cx="6024134" cy="6857990"/>
+          </a:xfrm>
+          <a:custGeom>
+            <a:avLst/>
+            <a:gdLst>
+              <a:gd name="connsiteX0" fmla="*/ 0 w 6024154"/>
+              <a:gd name="connsiteY0" fmla="*/ 0 h 6858000"/>
+              <a:gd name="connsiteX1" fmla="*/ 5953780 w 6024154"/>
+              <a:gd name="connsiteY1" fmla="*/ 0 h 6858000"/>
+              <a:gd name="connsiteX2" fmla="*/ 5989880 w 6024154"/>
+              <a:gd name="connsiteY2" fmla="*/ 284091 h 6858000"/>
+              <a:gd name="connsiteX3" fmla="*/ 6024154 w 6024154"/>
+              <a:gd name="connsiteY3" fmla="*/ 962844 h 6858000"/>
+              <a:gd name="connsiteX4" fmla="*/ 2549934 w 6024154"/>
+              <a:gd name="connsiteY4" fmla="*/ 6800152 h 6858000"/>
+              <a:gd name="connsiteX5" fmla="*/ 2436987 w 6024154"/>
+              <a:gd name="connsiteY5" fmla="*/ 6858000 h 6858000"/>
+              <a:gd name="connsiteX6" fmla="*/ 0 w 6024154"/>
+              <a:gd name="connsiteY6" fmla="*/ 6858000 h 6858000"/>
+            </a:gdLst>
+            <a:ahLst/>
+            <a:cxnLst>
+              <a:cxn ang="0">
+                <a:pos x="connsiteX0" y="connsiteY0"/>
+              </a:cxn>
+              <a:cxn ang="0">
+                <a:pos x="connsiteX1" y="connsiteY1"/>
+              </a:cxn>
+              <a:cxn ang="0">
+                <a:pos x="connsiteX2" y="connsiteY2"/>
+              </a:cxn>
+              <a:cxn ang="0">
+                <a:pos x="connsiteX3" y="connsiteY3"/>
+              </a:cxn>
+              <a:cxn ang="0">
+                <a:pos x="connsiteX4" y="connsiteY4"/>
+              </a:cxn>
+              <a:cxn ang="0">
+                <a:pos x="connsiteX5" y="connsiteY5"/>
+              </a:cxn>
+              <a:cxn ang="0">
+                <a:pos x="connsiteX6" y="connsiteY6"/>
+              </a:cxn>
+            </a:cxnLst>
+            <a:rect l="l" t="t" r="r" b="b"/>
+            <a:pathLst>
+              <a:path w="6024154" h="6858000">
+                <a:moveTo>
+                  <a:pt x="0" y="0"/>
+                </a:moveTo>
+                <a:lnTo>
+                  <a:pt x="5953780" y="0"/>
+                </a:lnTo>
+                <a:lnTo>
+                  <a:pt x="5989880" y="284091"/>
+                </a:lnTo>
+                <a:cubicBezTo>
+                  <a:pt x="6012544" y="507260"/>
+                  <a:pt x="6024154" y="733696"/>
+                  <a:pt x="6024154" y="962844"/>
+                </a:cubicBezTo>
+                <a:cubicBezTo>
+                  <a:pt x="6024154" y="3483472"/>
+                  <a:pt x="4619336" y="5675986"/>
+                  <a:pt x="2549934" y="6800152"/>
+                </a:cubicBezTo>
+                <a:lnTo>
+                  <a:pt x="2436987" y="6858000"/>
+                </a:lnTo>
+                <a:lnTo>
+                  <a:pt x="0" y="6858000"/>
+                </a:lnTo>
+                <a:close/>
+              </a:path>
+            </a:pathLst>
+          </a:custGeom>
+          <a:noFill/>
+          <a:extLst>
+            <a:ext uri="{909E8E84-426E-40DD-AFC4-6F175D3DCCD1}">
+              <a14:hiddenFill xmlns:a14="http://schemas.microsoft.com/office/drawing/2010/main">
+                <a:solidFill>
+                  <a:srgbClr val="FFFFFF"/>
+                </a:solidFill>
+              </a14:hiddenFill>
+            </a:ext>
+          </a:extLst>
+        </p:spPr>
+      </p:pic>
+    </p:spTree>
+    <p:extLst>
+      <p:ext uri="{BB962C8B-B14F-4D97-AF65-F5344CB8AC3E}">
+        <p14:creationId xmlns:p14="http://schemas.microsoft.com/office/powerpoint/2010/main" val="1490247743"/>
+      </p:ext>
+    </p:extLst>
+  </p:cSld>
+  <p:clrMapOvr>
+    <a:masterClrMapping/>
+  </p:clrMapOvr>
+</p:sld>
+</file>
+
+<file path=ppt/slides/slide6.xml><?xml version="1.0" encoding="utf-8"?>
 <p:sld xmlns:a="http://schemas.openxmlformats.org/drawingml/2006/main" xmlns:r="http://schemas.openxmlformats.org/officeDocument/2006/relationships" xmlns:p="http://schemas.openxmlformats.org/presentationml/2006/main">
   <p:cSld>
     <p:spTree>
@@ -25497,7 +26947,7 @@
 </p:sld>
 </file>
 
-<file path=ppt/slides/slide5.xml><?xml version="1.0" encoding="utf-8"?>
+<file path=ppt/slides/slide7.xml><?xml version="1.0" encoding="utf-8"?>
 <p:sld xmlns:a="http://schemas.openxmlformats.org/drawingml/2006/main" xmlns:r="http://schemas.openxmlformats.org/officeDocument/2006/relationships" xmlns:p="http://schemas.openxmlformats.org/presentationml/2006/main">
   <p:cSld>
     <p:spTree>
@@ -25607,7 +27057,7 @@
 </p:sld>
 </file>
 
-<file path=ppt/slides/slide6.xml><?xml version="1.0" encoding="utf-8"?>
+<file path=ppt/slides/slide8.xml><?xml version="1.0" encoding="utf-8"?>
 <p:sld xmlns:a="http://schemas.openxmlformats.org/drawingml/2006/main" xmlns:r="http://schemas.openxmlformats.org/officeDocument/2006/relationships" xmlns:p="http://schemas.openxmlformats.org/presentationml/2006/main">
   <p:cSld>
     <p:spTree>
@@ -25683,7 +27133,19 @@
           <a:p>
             <a:r>
               <a:rPr lang="en-GB" dirty="0"/>
-              <a:t>* Co-location of Compute &amp; Storage.</a:t>
+              <a:t>* </a:t>
+            </a:r>
+            <a:r>
+              <a:rPr lang="en-GB" dirty="0">
+                <a:solidFill>
+                  <a:srgbClr val="0070C0"/>
+                </a:solidFill>
+              </a:rPr>
+              <a:t>Co-location of Compute &amp; Storage</a:t>
+            </a:r>
+            <a:r>
+              <a:rPr lang="en-GB" dirty="0"/>
+              <a:t>.</a:t>
             </a:r>
           </a:p>
           <a:p>
@@ -25781,7 +27243,7 @@
 </p:sld>
 </file>
 
-<file path=ppt/slides/slide7.xml><?xml version="1.0" encoding="utf-8"?>
+<file path=ppt/slides/slide9.xml><?xml version="1.0" encoding="utf-8"?>
 <p:sld xmlns:a="http://schemas.openxmlformats.org/drawingml/2006/main" xmlns:r="http://schemas.openxmlformats.org/officeDocument/2006/relationships" xmlns:p="http://schemas.openxmlformats.org/presentationml/2006/main">
   <p:cSld>
     <p:spTree>
@@ -25844,7 +27306,7 @@
           </p:nvPr>
         </p:nvPicPr>
         <p:blipFill>
-          <a:blip r:link="rId2">
+          <a:blip r:link="rId3">
             <a:extLst>
               <a:ext uri="{28A0092B-C50C-407E-A947-70E740481C1C}">
                 <a14:useLocalDpi xmlns:a14="http://schemas.microsoft.com/office/drawing/2010/main" val="0"/>
@@ -25858,8 +27320,8 @@
         </p:blipFill>
         <p:spPr bwMode="auto">
           <a:xfrm>
-            <a:off x="6522721" y="2707930"/>
-            <a:ext cx="5151554" cy="3179499"/>
+            <a:off x="1553827" y="2286000"/>
+            <a:ext cx="8660674" cy="3858768"/>
           </a:xfrm>
           <a:prstGeom prst="rect">
             <a:avLst/>
@@ -26121,44 +27583,6 @@
             </a:lvl9pPr>
           </a:lstStyle>
           <a:p>
-            <a:r>
-              <a:rPr lang="en-GB" dirty="0"/>
-              <a:t>NoSQL </a:t>
-            </a:r>
-            <a:r>
-              <a:rPr lang="en-GB" dirty="0" err="1"/>
-              <a:t>db</a:t>
-            </a:r>
-            <a:r>
-              <a:rPr lang="en-GB" dirty="0"/>
-              <a:t>:</a:t>
-            </a:r>
-          </a:p>
-          <a:p>
-            <a:r>
-              <a:rPr lang="en-IN" dirty="0"/>
-              <a:t>* Graph - .</a:t>
-            </a:r>
-          </a:p>
-          <a:p>
-            <a:r>
-              <a:rPr lang="en-GB" dirty="0"/>
-              <a:t>* Key-value - .</a:t>
-            </a:r>
-          </a:p>
-          <a:p>
-            <a:r>
-              <a:rPr lang="en-GB" dirty="0"/>
-              <a:t>* Document - Frequent schema changes with sub-tables need. (Mongo DB)</a:t>
-            </a:r>
-          </a:p>
-          <a:p>
-            <a:r>
-              <a:rPr lang="en-GB" dirty="0"/>
-              <a:t>* Column-oriented - .</a:t>
-            </a:r>
-          </a:p>
-          <a:p>
             <a:endParaRPr lang="en-IN" dirty="0"/>
           </a:p>
         </p:txBody>
@@ -26167,343 +27591,6 @@
     <p:extLst>
       <p:ext uri="{BB962C8B-B14F-4D97-AF65-F5344CB8AC3E}">
         <p14:creationId xmlns:p14="http://schemas.microsoft.com/office/powerpoint/2010/main" val="100059540"/>
-      </p:ext>
-    </p:extLst>
-  </p:cSld>
-  <p:clrMapOvr>
-    <a:masterClrMapping/>
-  </p:clrMapOvr>
-</p:sld>
-</file>
-
-<file path=ppt/slides/slide8.xml><?xml version="1.0" encoding="utf-8"?>
-<p:sld xmlns:a="http://schemas.openxmlformats.org/drawingml/2006/main" xmlns:r="http://schemas.openxmlformats.org/officeDocument/2006/relationships" xmlns:p="http://schemas.openxmlformats.org/presentationml/2006/main">
-  <p:cSld>
-    <p:spTree>
-      <p:nvGrpSpPr>
-        <p:cNvPr id="1" name=""/>
-        <p:cNvGrpSpPr/>
-        <p:nvPr/>
-      </p:nvGrpSpPr>
-      <p:grpSpPr>
-        <a:xfrm>
-          <a:off x="0" y="0"/>
-          <a:ext cx="0" cy="0"/>
-          <a:chOff x="0" y="0"/>
-          <a:chExt cx="0" cy="0"/>
-        </a:xfrm>
-      </p:grpSpPr>
-      <p:sp>
-        <p:nvSpPr>
-          <p:cNvPr id="2" name="Title 1">
-            <a:extLst>
-              <a:ext uri="{FF2B5EF4-FFF2-40B4-BE49-F238E27FC236}">
-                <a16:creationId xmlns:a16="http://schemas.microsoft.com/office/drawing/2014/main" id="{5B87CF65-8203-45A0-8A1D-449B3DDD5664}"/>
-              </a:ext>
-            </a:extLst>
-          </p:cNvPr>
-          <p:cNvSpPr>
-            <a:spLocks noGrp="1"/>
-          </p:cNvSpPr>
-          <p:nvPr>
-            <p:ph type="title"/>
-          </p:nvPr>
-        </p:nvSpPr>
-        <p:spPr/>
-        <p:txBody>
-          <a:bodyPr/>
-          <a:lstStyle/>
-          <a:p>
-            <a:r>
-              <a:rPr lang="en-GB" dirty="0"/>
-              <a:t>Data Warehouse</a:t>
-            </a:r>
-            <a:endParaRPr lang="en-IN" dirty="0"/>
-          </a:p>
-        </p:txBody>
-      </p:sp>
-      <p:sp>
-        <p:nvSpPr>
-          <p:cNvPr id="3" name="Content Placeholder 2">
-            <a:extLst>
-              <a:ext uri="{FF2B5EF4-FFF2-40B4-BE49-F238E27FC236}">
-                <a16:creationId xmlns:a16="http://schemas.microsoft.com/office/drawing/2014/main" id="{86CBC334-2225-4ED6-8E26-6DDD7BD9E2FA}"/>
-              </a:ext>
-            </a:extLst>
-          </p:cNvPr>
-          <p:cNvSpPr>
-            <a:spLocks noGrp="1"/>
-          </p:cNvSpPr>
-          <p:nvPr>
-            <p:ph idx="1"/>
-          </p:nvPr>
-        </p:nvSpPr>
-        <p:spPr>
-          <a:xfrm>
-            <a:off x="1024128" y="2286000"/>
-            <a:ext cx="3809129" cy="4023360"/>
-          </a:xfrm>
-        </p:spPr>
-        <p:txBody>
-          <a:bodyPr/>
-          <a:lstStyle/>
-          <a:p>
-            <a:r>
-              <a:rPr lang="en-GB" dirty="0"/>
-              <a:t>* Separation of </a:t>
-            </a:r>
-            <a:r>
-              <a:rPr lang="en-GB" dirty="0">
-                <a:solidFill>
-                  <a:srgbClr val="0070C0"/>
-                </a:solidFill>
-              </a:rPr>
-              <a:t>Compute &amp; Storage.</a:t>
-            </a:r>
-          </a:p>
-          <a:p>
-            <a:endParaRPr lang="en-GB" dirty="0">
-              <a:solidFill>
-                <a:srgbClr val="0070C0"/>
-              </a:solidFill>
-            </a:endParaRPr>
-          </a:p>
-          <a:p>
-            <a:r>
-              <a:rPr lang="en-GB" dirty="0"/>
-              <a:t>* Recommended to store structured/processed data.</a:t>
-            </a:r>
-          </a:p>
-          <a:p>
-            <a:endParaRPr lang="en-GB" dirty="0"/>
-          </a:p>
-          <a:p>
-            <a:r>
-              <a:rPr lang="en-GB" dirty="0"/>
-              <a:t>* Not recommended for unstructured data like image and video into a DW.</a:t>
-            </a:r>
-          </a:p>
-        </p:txBody>
-      </p:sp>
-      <p:pic>
-        <p:nvPicPr>
-          <p:cNvPr id="5" name="Picture 4">
-            <a:extLst>
-              <a:ext uri="{FF2B5EF4-FFF2-40B4-BE49-F238E27FC236}">
-                <a16:creationId xmlns:a16="http://schemas.microsoft.com/office/drawing/2014/main" id="{30CCA892-55F8-44F1-9663-F94598196AC0}"/>
-              </a:ext>
-            </a:extLst>
-          </p:cNvPr>
-          <p:cNvPicPr>
-            <a:picLocks noChangeAspect="1"/>
-          </p:cNvPicPr>
-          <p:nvPr/>
-        </p:nvPicPr>
-        <p:blipFill>
-          <a:blip r:embed="rId3"/>
-          <a:stretch>
-            <a:fillRect/>
-          </a:stretch>
-        </p:blipFill>
-        <p:spPr>
-          <a:xfrm>
-            <a:off x="4833257" y="1530967"/>
-            <a:ext cx="7037933" cy="4741817"/>
-          </a:xfrm>
-          <a:prstGeom prst="rect">
-            <a:avLst/>
-          </a:prstGeom>
-          <a:ln w="19050">
-            <a:solidFill>
-              <a:schemeClr val="accent2">
-                <a:lumMod val="50000"/>
-              </a:schemeClr>
-            </a:solidFill>
-          </a:ln>
-        </p:spPr>
-      </p:pic>
-    </p:spTree>
-    <p:extLst>
-      <p:ext uri="{BB962C8B-B14F-4D97-AF65-F5344CB8AC3E}">
-        <p14:creationId xmlns:p14="http://schemas.microsoft.com/office/powerpoint/2010/main" val="229161001"/>
-      </p:ext>
-    </p:extLst>
-  </p:cSld>
-  <p:clrMapOvr>
-    <a:masterClrMapping/>
-  </p:clrMapOvr>
-</p:sld>
-</file>
-
-<file path=ppt/slides/slide9.xml><?xml version="1.0" encoding="utf-8"?>
-<p:sld xmlns:a="http://schemas.openxmlformats.org/drawingml/2006/main" xmlns:r="http://schemas.openxmlformats.org/officeDocument/2006/relationships" xmlns:p="http://schemas.openxmlformats.org/presentationml/2006/main">
-  <p:cSld>
-    <p:spTree>
-      <p:nvGrpSpPr>
-        <p:cNvPr id="1" name=""/>
-        <p:cNvGrpSpPr/>
-        <p:nvPr/>
-      </p:nvGrpSpPr>
-      <p:grpSpPr>
-        <a:xfrm>
-          <a:off x="0" y="0"/>
-          <a:ext cx="0" cy="0"/>
-          <a:chOff x="0" y="0"/>
-          <a:chExt cx="0" cy="0"/>
-        </a:xfrm>
-      </p:grpSpPr>
-      <p:sp>
-        <p:nvSpPr>
-          <p:cNvPr id="2" name="Title 1">
-            <a:extLst>
-              <a:ext uri="{FF2B5EF4-FFF2-40B4-BE49-F238E27FC236}">
-                <a16:creationId xmlns:a16="http://schemas.microsoft.com/office/drawing/2014/main" id="{5B87CF65-8203-45A0-8A1D-449B3DDD5664}"/>
-              </a:ext>
-            </a:extLst>
-          </p:cNvPr>
-          <p:cNvSpPr>
-            <a:spLocks noGrp="1"/>
-          </p:cNvSpPr>
-          <p:nvPr>
-            <p:ph type="title"/>
-          </p:nvPr>
-        </p:nvSpPr>
-        <p:spPr/>
-        <p:txBody>
-          <a:bodyPr/>
-          <a:lstStyle/>
-          <a:p>
-            <a:r>
-              <a:rPr lang="en-GB" dirty="0"/>
-              <a:t>Data Lake</a:t>
-            </a:r>
-            <a:endParaRPr lang="en-IN" dirty="0"/>
-          </a:p>
-        </p:txBody>
-      </p:sp>
-      <p:sp>
-        <p:nvSpPr>
-          <p:cNvPr id="3" name="Content Placeholder 2">
-            <a:extLst>
-              <a:ext uri="{FF2B5EF4-FFF2-40B4-BE49-F238E27FC236}">
-                <a16:creationId xmlns:a16="http://schemas.microsoft.com/office/drawing/2014/main" id="{86CBC334-2225-4ED6-8E26-6DDD7BD9E2FA}"/>
-              </a:ext>
-            </a:extLst>
-          </p:cNvPr>
-          <p:cNvSpPr>
-            <a:spLocks noGrp="1"/>
-          </p:cNvSpPr>
-          <p:nvPr>
-            <p:ph idx="1"/>
-          </p:nvPr>
-        </p:nvSpPr>
-        <p:spPr>
-          <a:xfrm>
-            <a:off x="1024128" y="2286000"/>
-            <a:ext cx="4266329" cy="4023360"/>
-          </a:xfrm>
-        </p:spPr>
-        <p:txBody>
-          <a:bodyPr/>
-          <a:lstStyle/>
-          <a:p>
-            <a:r>
-              <a:rPr lang="en-GB" dirty="0"/>
-              <a:t>* Separation of </a:t>
-            </a:r>
-            <a:r>
-              <a:rPr lang="en-GB" dirty="0">
-                <a:solidFill>
-                  <a:srgbClr val="0070C0"/>
-                </a:solidFill>
-              </a:rPr>
-              <a:t>Compute &amp; Data.</a:t>
-            </a:r>
-          </a:p>
-          <a:p>
-            <a:endParaRPr lang="en-GB" dirty="0">
-              <a:solidFill>
-                <a:srgbClr val="0070C0"/>
-              </a:solidFill>
-            </a:endParaRPr>
-          </a:p>
-          <a:p>
-            <a:pPr marL="0" indent="0">
-              <a:buNone/>
-            </a:pPr>
-            <a:r>
-              <a:rPr lang="en-GB" dirty="0"/>
-              <a:t>* Recommended for .</a:t>
-            </a:r>
-          </a:p>
-          <a:p>
-            <a:pPr>
-              <a:buFont typeface="Arial" panose="020B0604020202020204" pitchFamily="34" charset="0"/>
-              <a:buChar char="•"/>
-            </a:pPr>
-            <a:endParaRPr lang="en-GB" dirty="0">
-              <a:solidFill>
-                <a:srgbClr val="0070C0"/>
-              </a:solidFill>
-            </a:endParaRPr>
-          </a:p>
-          <a:p>
-            <a:pPr marL="0" indent="0">
-              <a:buNone/>
-            </a:pPr>
-            <a:r>
-              <a:rPr lang="en-GB" dirty="0"/>
-              <a:t>* Not recommended for .</a:t>
-            </a:r>
-            <a:endParaRPr lang="en-IN" dirty="0">
-              <a:solidFill>
-                <a:srgbClr val="0070C0"/>
-              </a:solidFill>
-            </a:endParaRPr>
-          </a:p>
-        </p:txBody>
-      </p:sp>
-      <p:pic>
-        <p:nvPicPr>
-          <p:cNvPr id="5" name="Picture 4">
-            <a:extLst>
-              <a:ext uri="{FF2B5EF4-FFF2-40B4-BE49-F238E27FC236}">
-                <a16:creationId xmlns:a16="http://schemas.microsoft.com/office/drawing/2014/main" id="{EDFC0EC8-4EC0-438D-BAF1-34BE7FEE111B}"/>
-              </a:ext>
-            </a:extLst>
-          </p:cNvPr>
-          <p:cNvPicPr>
-            <a:picLocks noChangeAspect="1"/>
-          </p:cNvPicPr>
-          <p:nvPr/>
-        </p:nvPicPr>
-        <p:blipFill>
-          <a:blip r:embed="rId3"/>
-          <a:stretch>
-            <a:fillRect/>
-          </a:stretch>
-        </p:blipFill>
-        <p:spPr>
-          <a:xfrm>
-            <a:off x="5884164" y="585216"/>
-            <a:ext cx="6144482" cy="6030167"/>
-          </a:xfrm>
-          <a:prstGeom prst="rect">
-            <a:avLst/>
-          </a:prstGeom>
-          <a:ln w="19050">
-            <a:solidFill>
-              <a:schemeClr val="accent2">
-                <a:lumMod val="50000"/>
-              </a:schemeClr>
-            </a:solidFill>
-          </a:ln>
-        </p:spPr>
-      </p:pic>
-    </p:spTree>
-    <p:extLst>
-      <p:ext uri="{BB962C8B-B14F-4D97-AF65-F5344CB8AC3E}">
-        <p14:creationId xmlns:p14="http://schemas.microsoft.com/office/powerpoint/2010/main" val="3586273789"/>
       </p:ext>
     </p:extLst>
   </p:cSld>

--- a/sessions/GAB 2021/Choosing right Data Service.pptx
+++ b/sessions/GAB 2021/Choosing right Data Service.pptx
@@ -5,32 +5,35 @@
     <p:sldMasterId id="2147483660" r:id="rId1"/>
   </p:sldMasterIdLst>
   <p:notesMasterIdLst>
-    <p:notesMasterId r:id="rId25"/>
+    <p:notesMasterId r:id="rId28"/>
   </p:notesMasterIdLst>
   <p:sldIdLst>
     <p:sldId id="256" r:id="rId2"/>
     <p:sldId id="257" r:id="rId3"/>
     <p:sldId id="260" r:id="rId4"/>
-    <p:sldId id="2076136265" r:id="rId5"/>
+    <p:sldId id="267" r:id="rId5"/>
     <p:sldId id="292" r:id="rId6"/>
-    <p:sldId id="266" r:id="rId7"/>
-    <p:sldId id="267" r:id="rId8"/>
-    <p:sldId id="258" r:id="rId9"/>
-    <p:sldId id="276" r:id="rId10"/>
-    <p:sldId id="263" r:id="rId11"/>
-    <p:sldId id="264" r:id="rId12"/>
-    <p:sldId id="278" r:id="rId13"/>
-    <p:sldId id="271" r:id="rId14"/>
-    <p:sldId id="274" r:id="rId15"/>
-    <p:sldId id="275" r:id="rId16"/>
-    <p:sldId id="262" r:id="rId17"/>
-    <p:sldId id="272" r:id="rId18"/>
-    <p:sldId id="273" r:id="rId19"/>
-    <p:sldId id="279" r:id="rId20"/>
-    <p:sldId id="270" r:id="rId21"/>
+    <p:sldId id="258" r:id="rId7"/>
+    <p:sldId id="276" r:id="rId8"/>
+    <p:sldId id="263" r:id="rId9"/>
+    <p:sldId id="264" r:id="rId10"/>
+    <p:sldId id="278" r:id="rId11"/>
+    <p:sldId id="271" r:id="rId12"/>
+    <p:sldId id="274" r:id="rId13"/>
+    <p:sldId id="275" r:id="rId14"/>
+    <p:sldId id="262" r:id="rId15"/>
+    <p:sldId id="272" r:id="rId16"/>
+    <p:sldId id="273" r:id="rId17"/>
+    <p:sldId id="2076136270" r:id="rId18"/>
+    <p:sldId id="279" r:id="rId19"/>
+    <p:sldId id="270" r:id="rId20"/>
+    <p:sldId id="2076136266" r:id="rId21"/>
     <p:sldId id="269" r:id="rId22"/>
     <p:sldId id="277" r:id="rId23"/>
     <p:sldId id="268" r:id="rId24"/>
+    <p:sldId id="266" r:id="rId25"/>
+    <p:sldId id="2076136269" r:id="rId26"/>
+    <p:sldId id="2076136268" r:id="rId27"/>
   </p:sldIdLst>
   <p:sldSz cx="12192000" cy="6858000"/>
   <p:notesSz cx="6858000" cy="9144000"/>
@@ -231,7 +234,7 @@
           <a:p>
             <a:fld id="{C3E45019-3D22-4B0F-9E51-C5C311B494D9}" type="datetimeFigureOut">
               <a:rPr lang="en-IN" smtClean="0"/>
-              <a:t>15-04-2021</a:t>
+              <a:t>16-04-2021</a:t>
             </a:fld>
             <a:endParaRPr lang="en-IN"/>
           </a:p>
@@ -631,10 +634,30 @@
           <a:bodyPr/>
           <a:lstStyle/>
           <a:p>
+            <a:pPr marL="0" marR="0" lvl="0" indent="0" algn="l" defTabSz="914400" rtl="0" eaLnBrk="1" fontAlgn="auto" latinLnBrk="0" hangingPunct="1">
+              <a:lnSpc>
+                <a:spcPct val="100000"/>
+              </a:lnSpc>
+              <a:spcBef>
+                <a:spcPts val="0"/>
+              </a:spcBef>
+              <a:spcAft>
+                <a:spcPts val="0"/>
+              </a:spcAft>
+              <a:buClrTx/>
+              <a:buSzTx/>
+              <a:buFontTx/>
+              <a:buNone/>
+              <a:tabLst/>
+              <a:defRPr/>
+            </a:pPr>
             <a:r>
               <a:rPr lang="en-GB" dirty="0"/>
-              <a:t>* There wont be any conversion or copying to another system. Data relies in 1 single place and all external systems access over same data. So data democratization is good while using data lake.</a:t>
+              <a:t>* Background engineering improvised for better performance. Front end features are in beta as of now.</a:t>
             </a:r>
+            <a:endParaRPr lang="en-IN" dirty="0"/>
+          </a:p>
+          <a:p>
             <a:endParaRPr lang="en-IN" dirty="0"/>
           </a:p>
         </p:txBody>
@@ -656,7 +679,7 @@
           <a:p>
             <a:fld id="{61D11EEE-6408-426C-86EC-A45CD40E17C7}" type="slidenum">
               <a:rPr lang="en-IN" smtClean="0"/>
-              <a:t>11</a:t>
+              <a:t>12</a:t>
             </a:fld>
             <a:endParaRPr lang="en-IN"/>
           </a:p>
@@ -665,7 +688,7 @@
     </p:spTree>
     <p:extLst>
       <p:ext uri="{BB962C8B-B14F-4D97-AF65-F5344CB8AC3E}">
-        <p14:creationId xmlns:p14="http://schemas.microsoft.com/office/powerpoint/2010/main" val="1155419419"/>
+        <p14:creationId xmlns:p14="http://schemas.microsoft.com/office/powerpoint/2010/main" val="4024428374"/>
       </p:ext>
     </p:extLst>
   </p:cSld>
@@ -740,91 +763,7 @@
           <a:p>
             <a:fld id="{61D11EEE-6408-426C-86EC-A45CD40E17C7}" type="slidenum">
               <a:rPr lang="en-IN" smtClean="0"/>
-              <a:t>14</a:t>
-            </a:fld>
-            <a:endParaRPr lang="en-IN"/>
-          </a:p>
-        </p:txBody>
-      </p:sp>
-    </p:spTree>
-    <p:extLst>
-      <p:ext uri="{BB962C8B-B14F-4D97-AF65-F5344CB8AC3E}">
-        <p14:creationId xmlns:p14="http://schemas.microsoft.com/office/powerpoint/2010/main" val="4024428374"/>
-      </p:ext>
-    </p:extLst>
-  </p:cSld>
-  <p:clrMapOvr>
-    <a:masterClrMapping/>
-  </p:clrMapOvr>
-</p:notes>
-</file>
-
-<file path=ppt/notesSlides/notesSlide12.xml><?xml version="1.0" encoding="utf-8"?>
-<p:notes xmlns:a="http://schemas.openxmlformats.org/drawingml/2006/main" xmlns:r="http://schemas.openxmlformats.org/officeDocument/2006/relationships" xmlns:p="http://schemas.openxmlformats.org/presentationml/2006/main">
-  <p:cSld>
-    <p:spTree>
-      <p:nvGrpSpPr>
-        <p:cNvPr id="1" name=""/>
-        <p:cNvGrpSpPr/>
-        <p:nvPr/>
-      </p:nvGrpSpPr>
-      <p:grpSpPr>
-        <a:xfrm>
-          <a:off x="0" y="0"/>
-          <a:ext cx="0" cy="0"/>
-          <a:chOff x="0" y="0"/>
-          <a:chExt cx="0" cy="0"/>
-        </a:xfrm>
-      </p:grpSpPr>
-      <p:sp>
-        <p:nvSpPr>
-          <p:cNvPr id="2" name="Slide Image Placeholder 1"/>
-          <p:cNvSpPr>
-            <a:spLocks noGrp="1" noRot="1" noChangeAspect="1"/>
-          </p:cNvSpPr>
-          <p:nvPr>
-            <p:ph type="sldImg"/>
-          </p:nvPr>
-        </p:nvSpPr>
-        <p:spPr/>
-      </p:sp>
-      <p:sp>
-        <p:nvSpPr>
-          <p:cNvPr id="3" name="Notes Placeholder 2"/>
-          <p:cNvSpPr>
-            <a:spLocks noGrp="1"/>
-          </p:cNvSpPr>
-          <p:nvPr>
-            <p:ph type="body" idx="1"/>
-          </p:nvPr>
-        </p:nvSpPr>
-        <p:spPr/>
-        <p:txBody>
-          <a:bodyPr/>
-          <a:lstStyle/>
-          <a:p>
-            <a:endParaRPr lang="en-IN" dirty="0"/>
-          </a:p>
-        </p:txBody>
-      </p:sp>
-      <p:sp>
-        <p:nvSpPr>
-          <p:cNvPr id="4" name="Slide Number Placeholder 3"/>
-          <p:cNvSpPr>
-            <a:spLocks noGrp="1"/>
-          </p:cNvSpPr>
-          <p:nvPr>
-            <p:ph type="sldNum" sz="quarter" idx="5"/>
-          </p:nvPr>
-        </p:nvSpPr>
-        <p:spPr/>
-        <p:txBody>
-          <a:bodyPr/>
-          <a:lstStyle/>
-          <a:p>
-            <a:fld id="{61D11EEE-6408-426C-86EC-A45CD40E17C7}" type="slidenum">
-              <a:rPr lang="en-IN" smtClean="0"/>
-              <a:t>15</a:t>
+              <a:t>13</a:t>
             </a:fld>
             <a:endParaRPr lang="en-IN"/>
           </a:p>
@@ -843,7 +782,7 @@
 </p:notes>
 </file>
 
-<file path=ppt/notesSlides/notesSlide13.xml><?xml version="1.0" encoding="utf-8"?>
+<file path=ppt/notesSlides/notesSlide12.xml><?xml version="1.0" encoding="utf-8"?>
 <p:notes xmlns:a="http://schemas.openxmlformats.org/drawingml/2006/main" xmlns:r="http://schemas.openxmlformats.org/officeDocument/2006/relationships" xmlns:p="http://schemas.openxmlformats.org/presentationml/2006/main">
   <p:cSld>
     <p:spTree>
@@ -921,7 +860,7 @@
           <a:p>
             <a:fld id="{61D11EEE-6408-426C-86EC-A45CD40E17C7}" type="slidenum">
               <a:rPr lang="en-IN" smtClean="0"/>
-              <a:t>16</a:t>
+              <a:t>14</a:t>
             </a:fld>
             <a:endParaRPr lang="en-IN"/>
           </a:p>
@@ -940,7 +879,7 @@
 </p:notes>
 </file>
 
-<file path=ppt/notesSlides/notesSlide14.xml><?xml version="1.0" encoding="utf-8"?>
+<file path=ppt/notesSlides/notesSlide13.xml><?xml version="1.0" encoding="utf-8"?>
 <p:notes xmlns:a="http://schemas.openxmlformats.org/drawingml/2006/main" xmlns:r="http://schemas.openxmlformats.org/officeDocument/2006/relationships" xmlns:p="http://schemas.openxmlformats.org/presentationml/2006/main">
   <p:cSld>
     <p:spTree>
@@ -1009,7 +948,7 @@
           <a:p>
             <a:fld id="{61D11EEE-6408-426C-86EC-A45CD40E17C7}" type="slidenum">
               <a:rPr lang="en-IN" smtClean="0"/>
-              <a:t>18</a:t>
+              <a:t>16</a:t>
             </a:fld>
             <a:endParaRPr lang="en-IN"/>
           </a:p>
@@ -1028,7 +967,7 @@
 </p:notes>
 </file>
 
-<file path=ppt/notesSlides/notesSlide15.xml><?xml version="1.0" encoding="utf-8"?>
+<file path=ppt/notesSlides/notesSlide14.xml><?xml version="1.0" encoding="utf-8"?>
 <p:notes xmlns:a="http://schemas.openxmlformats.org/drawingml/2006/main" xmlns:r="http://schemas.openxmlformats.org/officeDocument/2006/relationships" xmlns:p="http://schemas.openxmlformats.org/presentationml/2006/main">
   <p:cSld>
     <p:spTree>
@@ -1125,7 +1064,7 @@
           <a:p>
             <a:fld id="{61D11EEE-6408-426C-86EC-A45CD40E17C7}" type="slidenum">
               <a:rPr lang="en-IN" smtClean="0"/>
-              <a:t>20</a:t>
+              <a:t>19</a:t>
             </a:fld>
             <a:endParaRPr lang="en-IN"/>
           </a:p>
@@ -1135,6 +1074,107 @@
     <p:extLst>
       <p:ext uri="{BB962C8B-B14F-4D97-AF65-F5344CB8AC3E}">
         <p14:creationId xmlns:p14="http://schemas.microsoft.com/office/powerpoint/2010/main" val="2244120138"/>
+      </p:ext>
+    </p:extLst>
+  </p:cSld>
+  <p:clrMapOvr>
+    <a:masterClrMapping/>
+  </p:clrMapOvr>
+</p:notes>
+</file>
+
+<file path=ppt/notesSlides/notesSlide15.xml><?xml version="1.0" encoding="utf-8"?>
+<p:notes xmlns:a="http://schemas.openxmlformats.org/drawingml/2006/main" xmlns:r="http://schemas.openxmlformats.org/officeDocument/2006/relationships" xmlns:p="http://schemas.openxmlformats.org/presentationml/2006/main">
+  <p:cSld>
+    <p:spTree>
+      <p:nvGrpSpPr>
+        <p:cNvPr id="1" name=""/>
+        <p:cNvGrpSpPr/>
+        <p:nvPr/>
+      </p:nvGrpSpPr>
+      <p:grpSpPr>
+        <a:xfrm>
+          <a:off x="0" y="0"/>
+          <a:ext cx="0" cy="0"/>
+          <a:chOff x="0" y="0"/>
+          <a:chExt cx="0" cy="0"/>
+        </a:xfrm>
+      </p:grpSpPr>
+      <p:sp>
+        <p:nvSpPr>
+          <p:cNvPr id="2" name="Slide Image Placeholder 1"/>
+          <p:cNvSpPr>
+            <a:spLocks noGrp="1" noRot="1" noChangeAspect="1"/>
+          </p:cNvSpPr>
+          <p:nvPr>
+            <p:ph type="sldImg"/>
+          </p:nvPr>
+        </p:nvSpPr>
+        <p:spPr/>
+      </p:sp>
+      <p:sp>
+        <p:nvSpPr>
+          <p:cNvPr id="3" name="Notes Placeholder 2"/>
+          <p:cNvSpPr>
+            <a:spLocks noGrp="1"/>
+          </p:cNvSpPr>
+          <p:nvPr>
+            <p:ph type="body" idx="1"/>
+          </p:nvPr>
+        </p:nvSpPr>
+        <p:spPr/>
+        <p:txBody>
+          <a:bodyPr/>
+          <a:lstStyle/>
+          <a:p>
+            <a:pPr marL="0" marR="0" lvl="0" indent="0" algn="l" defTabSz="914400" rtl="0" eaLnBrk="1" fontAlgn="auto" latinLnBrk="0" hangingPunct="1">
+              <a:lnSpc>
+                <a:spcPct val="100000"/>
+              </a:lnSpc>
+              <a:spcBef>
+                <a:spcPts val="0"/>
+              </a:spcBef>
+              <a:spcAft>
+                <a:spcPts val="0"/>
+              </a:spcAft>
+              <a:buClrTx/>
+              <a:buSzTx/>
+              <a:buFontTx/>
+              <a:buNone/>
+              <a:tabLst/>
+              <a:defRPr/>
+            </a:pPr>
+            <a:endParaRPr lang="en-GB" dirty="0"/>
+          </a:p>
+        </p:txBody>
+      </p:sp>
+      <p:sp>
+        <p:nvSpPr>
+          <p:cNvPr id="4" name="Slide Number Placeholder 3"/>
+          <p:cNvSpPr>
+            <a:spLocks noGrp="1"/>
+          </p:cNvSpPr>
+          <p:nvPr>
+            <p:ph type="sldNum" sz="quarter" idx="5"/>
+          </p:nvPr>
+        </p:nvSpPr>
+        <p:spPr/>
+        <p:txBody>
+          <a:bodyPr/>
+          <a:lstStyle/>
+          <a:p>
+            <a:fld id="{61D11EEE-6408-426C-86EC-A45CD40E17C7}" type="slidenum">
+              <a:rPr lang="en-IN" smtClean="0"/>
+              <a:t>24</a:t>
+            </a:fld>
+            <a:endParaRPr lang="en-IN"/>
+          </a:p>
+        </p:txBody>
+      </p:sp>
+    </p:spTree>
+    <p:extLst>
+      <p:ext uri="{BB962C8B-B14F-4D97-AF65-F5344CB8AC3E}">
+        <p14:creationId xmlns:p14="http://schemas.microsoft.com/office/powerpoint/2010/main" val="2019999900"/>
       </p:ext>
     </p:extLst>
   </p:cSld>
@@ -1297,21 +1337,8 @@
           <a:lstStyle/>
           <a:p>
             <a:r>
-              <a:rPr lang="en-IN" dirty="0"/>
-              <a:t>And these are the tech stack that - giants like Microsoft, Amazon are trying to address with their services. Each of them are good at each problem statement.</a:t>
-            </a:r>
-          </a:p>
-          <a:p>
-            <a:endParaRPr lang="en-IN" dirty="0"/>
-          </a:p>
-          <a:p>
-            <a:r>
-              <a:rPr lang="en-IN" dirty="0"/>
-              <a:t>Apart from algorithm it is also important to pick the right database option for the right </a:t>
-            </a:r>
-            <a:r>
-              <a:rPr lang="en-IN"/>
-              <a:t>use case.</a:t>
+              <a:rPr lang="en-GB" dirty="0"/>
+              <a:t>Wont be covering about each topic in detail. The aim of my talk is to share my knowledge about understanding the difference between tech stack, which look almost same in terms of features. And I expect that audience would know a little bit of basics like what is a Database, Data warehouse and so.</a:t>
             </a:r>
             <a:endParaRPr lang="en-IN" dirty="0"/>
           </a:p>
@@ -1332,9 +1359,9 @@
           <a:bodyPr/>
           <a:lstStyle/>
           <a:p>
-            <a:fld id="{6CA4753F-1BC7-44B1-AE2C-11D8B03F4906}" type="slidenum">
+            <a:fld id="{61D11EEE-6408-426C-86EC-A45CD40E17C7}" type="slidenum">
               <a:rPr lang="en-IN" smtClean="0"/>
-              <a:t>4</a:t>
+              <a:t>3</a:t>
             </a:fld>
             <a:endParaRPr lang="en-IN"/>
           </a:p>
@@ -1343,7 +1370,7 @@
     </p:spTree>
     <p:extLst>
       <p:ext uri="{BB962C8B-B14F-4D97-AF65-F5344CB8AC3E}">
-        <p14:creationId xmlns:p14="http://schemas.microsoft.com/office/powerpoint/2010/main" val="1750151328"/>
+        <p14:creationId xmlns:p14="http://schemas.microsoft.com/office/powerpoint/2010/main" val="2171400055"/>
       </p:ext>
     </p:extLst>
   </p:cSld>
@@ -1354,233 +1381,6 @@
 </file>
 
 <file path=ppt/notesSlides/notesSlide4.xml><?xml version="1.0" encoding="utf-8"?>
-<p:notes xmlns:a="http://schemas.openxmlformats.org/drawingml/2006/main" xmlns:r="http://schemas.openxmlformats.org/officeDocument/2006/relationships" xmlns:p="http://schemas.openxmlformats.org/presentationml/2006/main">
-  <p:cSld>
-    <p:spTree>
-      <p:nvGrpSpPr>
-        <p:cNvPr id="1" name=""/>
-        <p:cNvGrpSpPr/>
-        <p:nvPr/>
-      </p:nvGrpSpPr>
-      <p:grpSpPr>
-        <a:xfrm>
-          <a:off x="0" y="0"/>
-          <a:ext cx="0" cy="0"/>
-          <a:chOff x="0" y="0"/>
-          <a:chExt cx="0" cy="0"/>
-        </a:xfrm>
-      </p:grpSpPr>
-      <p:sp>
-        <p:nvSpPr>
-          <p:cNvPr id="2" name="Slide Image Placeholder 1"/>
-          <p:cNvSpPr>
-            <a:spLocks noGrp="1" noRot="1" noChangeAspect="1"/>
-          </p:cNvSpPr>
-          <p:nvPr>
-            <p:ph type="sldImg"/>
-          </p:nvPr>
-        </p:nvSpPr>
-        <p:spPr/>
-      </p:sp>
-      <p:sp>
-        <p:nvSpPr>
-          <p:cNvPr id="3" name="Notes Placeholder 2"/>
-          <p:cNvSpPr>
-            <a:spLocks noGrp="1"/>
-          </p:cNvSpPr>
-          <p:nvPr>
-            <p:ph type="body" idx="1"/>
-          </p:nvPr>
-        </p:nvSpPr>
-        <p:spPr/>
-        <p:txBody>
-          <a:bodyPr/>
-          <a:lstStyle/>
-          <a:p>
-            <a:pPr marL="0" marR="0" lvl="0" indent="0" algn="l" defTabSz="914400" rtl="0" eaLnBrk="1" fontAlgn="auto" latinLnBrk="0" hangingPunct="1">
-              <a:lnSpc>
-                <a:spcPct val="100000"/>
-              </a:lnSpc>
-              <a:spcBef>
-                <a:spcPts val="0"/>
-              </a:spcBef>
-              <a:spcAft>
-                <a:spcPts val="0"/>
-              </a:spcAft>
-              <a:buClrTx/>
-              <a:buSzTx/>
-              <a:buFontTx/>
-              <a:buNone/>
-              <a:tabLst/>
-              <a:defRPr/>
-            </a:pPr>
-            <a:r>
-              <a:rPr lang="en-IN" dirty="0"/>
-              <a:t>And looking at </a:t>
-            </a:r>
-            <a:r>
-              <a:rPr lang="en-IN" dirty="0" err="1"/>
-              <a:t>thie</a:t>
-            </a:r>
-            <a:r>
-              <a:rPr lang="en-IN"/>
-              <a:t>, oes both give </a:t>
-            </a:r>
-            <a:r>
-              <a:rPr lang="en-IN" dirty="0"/>
-              <a:t>same feeling? </a:t>
-            </a:r>
-            <a:r>
-              <a:rPr lang="en-IN" dirty="0">
-                <a:sym typeface="Wingdings" panose="05000000000000000000" pitchFamily="2" charset="2"/>
-              </a:rPr>
-              <a:t></a:t>
-            </a:r>
-            <a:endParaRPr lang="en-IN" dirty="0"/>
-          </a:p>
-          <a:p>
-            <a:endParaRPr lang="en-IN" dirty="0"/>
-          </a:p>
-        </p:txBody>
-      </p:sp>
-      <p:sp>
-        <p:nvSpPr>
-          <p:cNvPr id="4" name="Slide Number Placeholder 3"/>
-          <p:cNvSpPr>
-            <a:spLocks noGrp="1"/>
-          </p:cNvSpPr>
-          <p:nvPr>
-            <p:ph type="sldNum" sz="quarter" idx="5"/>
-          </p:nvPr>
-        </p:nvSpPr>
-        <p:spPr/>
-        <p:txBody>
-          <a:bodyPr/>
-          <a:lstStyle/>
-          <a:p>
-            <a:fld id="{5E50757B-0709-4736-92FA-0BEB494FC234}" type="slidenum">
-              <a:rPr lang="en-US" smtClean="0"/>
-              <a:t>5</a:t>
-            </a:fld>
-            <a:endParaRPr lang="en-US" dirty="0"/>
-          </a:p>
-        </p:txBody>
-      </p:sp>
-    </p:spTree>
-    <p:extLst>
-      <p:ext uri="{BB962C8B-B14F-4D97-AF65-F5344CB8AC3E}">
-        <p14:creationId xmlns:p14="http://schemas.microsoft.com/office/powerpoint/2010/main" val="3059887649"/>
-      </p:ext>
-    </p:extLst>
-  </p:cSld>
-  <p:clrMapOvr>
-    <a:masterClrMapping/>
-  </p:clrMapOvr>
-</p:notes>
-</file>
-
-<file path=ppt/notesSlides/notesSlide5.xml><?xml version="1.0" encoding="utf-8"?>
-<p:notes xmlns:a="http://schemas.openxmlformats.org/drawingml/2006/main" xmlns:r="http://schemas.openxmlformats.org/officeDocument/2006/relationships" xmlns:p="http://schemas.openxmlformats.org/presentationml/2006/main">
-  <p:cSld>
-    <p:spTree>
-      <p:nvGrpSpPr>
-        <p:cNvPr id="1" name=""/>
-        <p:cNvGrpSpPr/>
-        <p:nvPr/>
-      </p:nvGrpSpPr>
-      <p:grpSpPr>
-        <a:xfrm>
-          <a:off x="0" y="0"/>
-          <a:ext cx="0" cy="0"/>
-          <a:chOff x="0" y="0"/>
-          <a:chExt cx="0" cy="0"/>
-        </a:xfrm>
-      </p:grpSpPr>
-      <p:sp>
-        <p:nvSpPr>
-          <p:cNvPr id="2" name="Slide Image Placeholder 1"/>
-          <p:cNvSpPr>
-            <a:spLocks noGrp="1" noRot="1" noChangeAspect="1"/>
-          </p:cNvSpPr>
-          <p:nvPr>
-            <p:ph type="sldImg"/>
-          </p:nvPr>
-        </p:nvSpPr>
-        <p:spPr/>
-      </p:sp>
-      <p:sp>
-        <p:nvSpPr>
-          <p:cNvPr id="3" name="Notes Placeholder 2"/>
-          <p:cNvSpPr>
-            <a:spLocks noGrp="1"/>
-          </p:cNvSpPr>
-          <p:nvPr>
-            <p:ph type="body" idx="1"/>
-          </p:nvPr>
-        </p:nvSpPr>
-        <p:spPr/>
-        <p:txBody>
-          <a:bodyPr/>
-          <a:lstStyle/>
-          <a:p>
-            <a:pPr marL="0" marR="0" lvl="0" indent="0" algn="l" defTabSz="914400" rtl="0" eaLnBrk="1" fontAlgn="auto" latinLnBrk="0" hangingPunct="1">
-              <a:lnSpc>
-                <a:spcPct val="100000"/>
-              </a:lnSpc>
-              <a:spcBef>
-                <a:spcPts val="0"/>
-              </a:spcBef>
-              <a:spcAft>
-                <a:spcPts val="0"/>
-              </a:spcAft>
-              <a:buClrTx/>
-              <a:buSzTx/>
-              <a:buFontTx/>
-              <a:buNone/>
-              <a:tabLst/>
-              <a:defRPr/>
-            </a:pPr>
-            <a:endParaRPr lang="en-GB" dirty="0"/>
-          </a:p>
-        </p:txBody>
-      </p:sp>
-      <p:sp>
-        <p:nvSpPr>
-          <p:cNvPr id="4" name="Slide Number Placeholder 3"/>
-          <p:cNvSpPr>
-            <a:spLocks noGrp="1"/>
-          </p:cNvSpPr>
-          <p:nvPr>
-            <p:ph type="sldNum" sz="quarter" idx="5"/>
-          </p:nvPr>
-        </p:nvSpPr>
-        <p:spPr/>
-        <p:txBody>
-          <a:bodyPr/>
-          <a:lstStyle/>
-          <a:p>
-            <a:fld id="{61D11EEE-6408-426C-86EC-A45CD40E17C7}" type="slidenum">
-              <a:rPr lang="en-IN" smtClean="0"/>
-              <a:t>6</a:t>
-            </a:fld>
-            <a:endParaRPr lang="en-IN"/>
-          </a:p>
-        </p:txBody>
-      </p:sp>
-    </p:spTree>
-    <p:extLst>
-      <p:ext uri="{BB962C8B-B14F-4D97-AF65-F5344CB8AC3E}">
-        <p14:creationId xmlns:p14="http://schemas.microsoft.com/office/powerpoint/2010/main" val="2019999900"/>
-      </p:ext>
-    </p:extLst>
-  </p:cSld>
-  <p:clrMapOvr>
-    <a:masterClrMapping/>
-  </p:clrMapOvr>
-</p:notes>
-</file>
-
-<file path=ppt/notesSlides/notesSlide6.xml><?xml version="1.0" encoding="utf-8"?>
 <p:notes xmlns:a="http://schemas.openxmlformats.org/drawingml/2006/main" xmlns:r="http://schemas.openxmlformats.org/officeDocument/2006/relationships" xmlns:p="http://schemas.openxmlformats.org/presentationml/2006/main">
   <p:cSld>
     <p:spTree>
@@ -1657,7 +1457,7 @@
           <a:p>
             <a:fld id="{61D11EEE-6408-426C-86EC-A45CD40E17C7}" type="slidenum">
               <a:rPr lang="en-IN" smtClean="0"/>
-              <a:t>7</a:t>
+              <a:t>4</a:t>
             </a:fld>
             <a:endParaRPr lang="en-IN"/>
           </a:p>
@@ -1676,7 +1476,121 @@
 </p:notes>
 </file>
 
-<file path=ppt/notesSlides/notesSlide7.xml><?xml version="1.0" encoding="utf-8"?>
+<file path=ppt/notesSlides/notesSlide5.xml><?xml version="1.0" encoding="utf-8"?>
+<p:notes xmlns:a="http://schemas.openxmlformats.org/drawingml/2006/main" xmlns:r="http://schemas.openxmlformats.org/officeDocument/2006/relationships" xmlns:p="http://schemas.openxmlformats.org/presentationml/2006/main">
+  <p:cSld>
+    <p:spTree>
+      <p:nvGrpSpPr>
+        <p:cNvPr id="1" name=""/>
+        <p:cNvGrpSpPr/>
+        <p:nvPr/>
+      </p:nvGrpSpPr>
+      <p:grpSpPr>
+        <a:xfrm>
+          <a:off x="0" y="0"/>
+          <a:ext cx="0" cy="0"/>
+          <a:chOff x="0" y="0"/>
+          <a:chExt cx="0" cy="0"/>
+        </a:xfrm>
+      </p:grpSpPr>
+      <p:sp>
+        <p:nvSpPr>
+          <p:cNvPr id="2" name="Slide Image Placeholder 1"/>
+          <p:cNvSpPr>
+            <a:spLocks noGrp="1" noRot="1" noChangeAspect="1"/>
+          </p:cNvSpPr>
+          <p:nvPr>
+            <p:ph type="sldImg"/>
+          </p:nvPr>
+        </p:nvSpPr>
+        <p:spPr/>
+      </p:sp>
+      <p:sp>
+        <p:nvSpPr>
+          <p:cNvPr id="3" name="Notes Placeholder 2"/>
+          <p:cNvSpPr>
+            <a:spLocks noGrp="1"/>
+          </p:cNvSpPr>
+          <p:nvPr>
+            <p:ph type="body" idx="1"/>
+          </p:nvPr>
+        </p:nvSpPr>
+        <p:spPr/>
+        <p:txBody>
+          <a:bodyPr/>
+          <a:lstStyle/>
+          <a:p>
+            <a:pPr marL="0" marR="0" lvl="0" indent="0" algn="l" defTabSz="914400" rtl="0" eaLnBrk="1" fontAlgn="auto" latinLnBrk="0" hangingPunct="1">
+              <a:lnSpc>
+                <a:spcPct val="100000"/>
+              </a:lnSpc>
+              <a:spcBef>
+                <a:spcPts val="0"/>
+              </a:spcBef>
+              <a:spcAft>
+                <a:spcPts val="0"/>
+              </a:spcAft>
+              <a:buClrTx/>
+              <a:buSzTx/>
+              <a:buFontTx/>
+              <a:buNone/>
+              <a:tabLst/>
+              <a:defRPr/>
+            </a:pPr>
+            <a:r>
+              <a:rPr lang="en-IN" dirty="0"/>
+              <a:t>And looking at this, does both give same feeling? </a:t>
+            </a:r>
+            <a:r>
+              <a:rPr lang="en-IN" dirty="0">
+                <a:sym typeface="Wingdings" panose="05000000000000000000" pitchFamily="2" charset="2"/>
+              </a:rPr>
+              <a:t></a:t>
+            </a:r>
+            <a:endParaRPr lang="en-IN" dirty="0"/>
+          </a:p>
+          <a:p>
+            <a:endParaRPr lang="en-IN" dirty="0"/>
+          </a:p>
+        </p:txBody>
+      </p:sp>
+      <p:sp>
+        <p:nvSpPr>
+          <p:cNvPr id="4" name="Slide Number Placeholder 3"/>
+          <p:cNvSpPr>
+            <a:spLocks noGrp="1"/>
+          </p:cNvSpPr>
+          <p:nvPr>
+            <p:ph type="sldNum" sz="quarter" idx="5"/>
+          </p:nvPr>
+        </p:nvSpPr>
+        <p:spPr/>
+        <p:txBody>
+          <a:bodyPr/>
+          <a:lstStyle/>
+          <a:p>
+            <a:fld id="{5E50757B-0709-4736-92FA-0BEB494FC234}" type="slidenum">
+              <a:rPr lang="en-US" smtClean="0"/>
+              <a:t>5</a:t>
+            </a:fld>
+            <a:endParaRPr lang="en-US" dirty="0"/>
+          </a:p>
+        </p:txBody>
+      </p:sp>
+    </p:spTree>
+    <p:extLst>
+      <p:ext uri="{BB962C8B-B14F-4D97-AF65-F5344CB8AC3E}">
+        <p14:creationId xmlns:p14="http://schemas.microsoft.com/office/powerpoint/2010/main" val="3059887649"/>
+      </p:ext>
+    </p:extLst>
+  </p:cSld>
+  <p:clrMapOvr>
+    <a:masterClrMapping/>
+  </p:clrMapOvr>
+</p:notes>
+</file>
+
+<file path=ppt/notesSlides/notesSlide6.xml><?xml version="1.0" encoding="utf-8"?>
 <p:notes xmlns:a="http://schemas.openxmlformats.org/drawingml/2006/main" xmlns:r="http://schemas.openxmlformats.org/officeDocument/2006/relationships" xmlns:p="http://schemas.openxmlformats.org/presentationml/2006/main">
   <p:cSld>
     <p:spTree>
@@ -1759,7 +1673,7 @@
           <a:p>
             <a:fld id="{61D11EEE-6408-426C-86EC-A45CD40E17C7}" type="slidenum">
               <a:rPr lang="en-IN" smtClean="0"/>
-              <a:t>8</a:t>
+              <a:t>6</a:t>
             </a:fld>
             <a:endParaRPr lang="en-IN"/>
           </a:p>
@@ -1778,7 +1692,7 @@
 </p:notes>
 </file>
 
-<file path=ppt/notesSlides/notesSlide8.xml><?xml version="1.0" encoding="utf-8"?>
+<file path=ppt/notesSlides/notesSlide7.xml><?xml version="1.0" encoding="utf-8"?>
 <p:notes xmlns:a="http://schemas.openxmlformats.org/drawingml/2006/main" xmlns:r="http://schemas.openxmlformats.org/officeDocument/2006/relationships" xmlns:p="http://schemas.openxmlformats.org/presentationml/2006/main">
   <p:cSld>
     <p:spTree>
@@ -1902,7 +1816,7 @@
           <a:p>
             <a:fld id="{61D11EEE-6408-426C-86EC-A45CD40E17C7}" type="slidenum">
               <a:rPr lang="en-IN" smtClean="0"/>
-              <a:t>9</a:t>
+              <a:t>7</a:t>
             </a:fld>
             <a:endParaRPr lang="en-IN"/>
           </a:p>
@@ -1921,7 +1835,7 @@
 </p:notes>
 </file>
 
-<file path=ppt/notesSlides/notesSlide9.xml><?xml version="1.0" encoding="utf-8"?>
+<file path=ppt/notesSlides/notesSlide8.xml><?xml version="1.0" encoding="utf-8"?>
 <p:notes xmlns:a="http://schemas.openxmlformats.org/drawingml/2006/main" xmlns:r="http://schemas.openxmlformats.org/officeDocument/2006/relationships" xmlns:p="http://schemas.openxmlformats.org/presentationml/2006/main">
   <p:cSld>
     <p:spTree>
@@ -1996,7 +1910,7 @@
           <a:p>
             <a:fld id="{61D11EEE-6408-426C-86EC-A45CD40E17C7}" type="slidenum">
               <a:rPr lang="en-IN" smtClean="0"/>
-              <a:t>10</a:t>
+              <a:t>8</a:t>
             </a:fld>
             <a:endParaRPr lang="en-IN"/>
           </a:p>
@@ -2006,6 +1920,94 @@
     <p:extLst>
       <p:ext uri="{BB962C8B-B14F-4D97-AF65-F5344CB8AC3E}">
         <p14:creationId xmlns:p14="http://schemas.microsoft.com/office/powerpoint/2010/main" val="2093567089"/>
+      </p:ext>
+    </p:extLst>
+  </p:cSld>
+  <p:clrMapOvr>
+    <a:masterClrMapping/>
+  </p:clrMapOvr>
+</p:notes>
+</file>
+
+<file path=ppt/notesSlides/notesSlide9.xml><?xml version="1.0" encoding="utf-8"?>
+<p:notes xmlns:a="http://schemas.openxmlformats.org/drawingml/2006/main" xmlns:r="http://schemas.openxmlformats.org/officeDocument/2006/relationships" xmlns:p="http://schemas.openxmlformats.org/presentationml/2006/main">
+  <p:cSld>
+    <p:spTree>
+      <p:nvGrpSpPr>
+        <p:cNvPr id="1" name=""/>
+        <p:cNvGrpSpPr/>
+        <p:nvPr/>
+      </p:nvGrpSpPr>
+      <p:grpSpPr>
+        <a:xfrm>
+          <a:off x="0" y="0"/>
+          <a:ext cx="0" cy="0"/>
+          <a:chOff x="0" y="0"/>
+          <a:chExt cx="0" cy="0"/>
+        </a:xfrm>
+      </p:grpSpPr>
+      <p:sp>
+        <p:nvSpPr>
+          <p:cNvPr id="2" name="Slide Image Placeholder 1"/>
+          <p:cNvSpPr>
+            <a:spLocks noGrp="1" noRot="1" noChangeAspect="1"/>
+          </p:cNvSpPr>
+          <p:nvPr>
+            <p:ph type="sldImg"/>
+          </p:nvPr>
+        </p:nvSpPr>
+        <p:spPr/>
+      </p:sp>
+      <p:sp>
+        <p:nvSpPr>
+          <p:cNvPr id="3" name="Notes Placeholder 2"/>
+          <p:cNvSpPr>
+            <a:spLocks noGrp="1"/>
+          </p:cNvSpPr>
+          <p:nvPr>
+            <p:ph type="body" idx="1"/>
+          </p:nvPr>
+        </p:nvSpPr>
+        <p:spPr/>
+        <p:txBody>
+          <a:bodyPr/>
+          <a:lstStyle/>
+          <a:p>
+            <a:r>
+              <a:rPr lang="en-GB" dirty="0"/>
+              <a:t>* There wont be any conversion or copying to another system. Data relies in 1 single place and all external systems access over same data. So data democratization is good while using data lake.</a:t>
+            </a:r>
+            <a:endParaRPr lang="en-IN" dirty="0"/>
+          </a:p>
+        </p:txBody>
+      </p:sp>
+      <p:sp>
+        <p:nvSpPr>
+          <p:cNvPr id="4" name="Slide Number Placeholder 3"/>
+          <p:cNvSpPr>
+            <a:spLocks noGrp="1"/>
+          </p:cNvSpPr>
+          <p:nvPr>
+            <p:ph type="sldNum" sz="quarter" idx="5"/>
+          </p:nvPr>
+        </p:nvSpPr>
+        <p:spPr/>
+        <p:txBody>
+          <a:bodyPr/>
+          <a:lstStyle/>
+          <a:p>
+            <a:fld id="{61D11EEE-6408-426C-86EC-A45CD40E17C7}" type="slidenum">
+              <a:rPr lang="en-IN" smtClean="0"/>
+              <a:t>9</a:t>
+            </a:fld>
+            <a:endParaRPr lang="en-IN"/>
+          </a:p>
+        </p:txBody>
+      </p:sp>
+    </p:spTree>
+    <p:extLst>
+      <p:ext uri="{BB962C8B-B14F-4D97-AF65-F5344CB8AC3E}">
+        <p14:creationId xmlns:p14="http://schemas.microsoft.com/office/powerpoint/2010/main" val="1155419419"/>
       </p:ext>
     </p:extLst>
   </p:cSld>
@@ -10808,7 +10810,7 @@
           <a:p>
             <a:fld id="{9DEB34CA-C89E-4814-A418-5B035F87DCE9}" type="datetimeFigureOut">
               <a:rPr lang="en-IN" smtClean="0"/>
-              <a:t>15-04-2021</a:t>
+              <a:t>16-04-2021</a:t>
             </a:fld>
             <a:endParaRPr lang="en-IN"/>
           </a:p>
@@ -11015,7 +11017,7 @@
           <a:p>
             <a:fld id="{9DEB34CA-C89E-4814-A418-5B035F87DCE9}" type="datetimeFigureOut">
               <a:rPr lang="en-IN" smtClean="0"/>
-              <a:t>15-04-2021</a:t>
+              <a:t>16-04-2021</a:t>
             </a:fld>
             <a:endParaRPr lang="en-IN"/>
           </a:p>
@@ -11195,7 +11197,7 @@
           <a:p>
             <a:fld id="{9DEB34CA-C89E-4814-A418-5B035F87DCE9}" type="datetimeFigureOut">
               <a:rPr lang="en-IN" smtClean="0"/>
-              <a:t>15-04-2021</a:t>
+              <a:t>16-04-2021</a:t>
             </a:fld>
             <a:endParaRPr lang="en-IN"/>
           </a:p>
@@ -11400,7 +11402,7 @@
           <a:p>
             <a:fld id="{9DEB34CA-C89E-4814-A418-5B035F87DCE9}" type="datetimeFigureOut">
               <a:rPr lang="en-IN" smtClean="0"/>
-              <a:t>15-04-2021</a:t>
+              <a:t>16-04-2021</a:t>
             </a:fld>
             <a:endParaRPr lang="en-IN"/>
           </a:p>
@@ -20298,7 +20300,7 @@
           <a:p>
             <a:fld id="{9DEB34CA-C89E-4814-A418-5B035F87DCE9}" type="datetimeFigureOut">
               <a:rPr lang="en-IN" smtClean="0"/>
-              <a:t>15-04-2021</a:t>
+              <a:t>16-04-2021</a:t>
             </a:fld>
             <a:endParaRPr lang="en-IN"/>
           </a:p>
@@ -20572,7 +20574,7 @@
           <a:p>
             <a:fld id="{9DEB34CA-C89E-4814-A418-5B035F87DCE9}" type="datetimeFigureOut">
               <a:rPr lang="en-IN" smtClean="0"/>
-              <a:t>15-04-2021</a:t>
+              <a:t>16-04-2021</a:t>
             </a:fld>
             <a:endParaRPr lang="en-IN"/>
           </a:p>
@@ -20970,7 +20972,7 @@
           <a:p>
             <a:fld id="{9DEB34CA-C89E-4814-A418-5B035F87DCE9}" type="datetimeFigureOut">
               <a:rPr lang="en-IN" smtClean="0"/>
-              <a:t>15-04-2021</a:t>
+              <a:t>16-04-2021</a:t>
             </a:fld>
             <a:endParaRPr lang="en-IN"/>
           </a:p>
@@ -21088,7 +21090,7 @@
           <a:p>
             <a:fld id="{9DEB34CA-C89E-4814-A418-5B035F87DCE9}" type="datetimeFigureOut">
               <a:rPr lang="en-IN" smtClean="0"/>
-              <a:t>15-04-2021</a:t>
+              <a:t>16-04-2021</a:t>
             </a:fld>
             <a:endParaRPr lang="en-IN"/>
           </a:p>
@@ -21183,7 +21185,7 @@
           <a:p>
             <a:fld id="{9DEB34CA-C89E-4814-A418-5B035F87DCE9}" type="datetimeFigureOut">
               <a:rPr lang="en-IN" smtClean="0"/>
-              <a:t>15-04-2021</a:t>
+              <a:t>16-04-2021</a:t>
             </a:fld>
             <a:endParaRPr lang="en-IN"/>
           </a:p>
@@ -21473,7 +21475,7 @@
           <a:p>
             <a:fld id="{9DEB34CA-C89E-4814-A418-5B035F87DCE9}" type="datetimeFigureOut">
               <a:rPr lang="en-IN" smtClean="0"/>
-              <a:t>15-04-2021</a:t>
+              <a:t>16-04-2021</a:t>
             </a:fld>
             <a:endParaRPr lang="en-IN"/>
           </a:p>
@@ -21753,7 +21755,7 @@
           <a:p>
             <a:fld id="{9DEB34CA-C89E-4814-A418-5B035F87DCE9}" type="datetimeFigureOut">
               <a:rPr lang="en-IN" smtClean="0"/>
-              <a:t>15-04-2021</a:t>
+              <a:t>16-04-2021</a:t>
             </a:fld>
             <a:endParaRPr lang="en-IN"/>
           </a:p>
@@ -22003,7 +22005,7 @@
           <a:p>
             <a:fld id="{9DEB34CA-C89E-4814-A418-5B035F87DCE9}" type="datetimeFigureOut">
               <a:rPr lang="en-IN" smtClean="0"/>
-              <a:t>15-04-2021</a:t>
+              <a:t>16-04-2021</a:t>
             </a:fld>
             <a:endParaRPr lang="en-IN"/>
           </a:p>
@@ -22769,347 +22771,6 @@
           <p:cNvPr id="2" name="Title 1">
             <a:extLst>
               <a:ext uri="{FF2B5EF4-FFF2-40B4-BE49-F238E27FC236}">
-                <a16:creationId xmlns:a16="http://schemas.microsoft.com/office/drawing/2014/main" id="{5B87CF65-8203-45A0-8A1D-449B3DDD5664}"/>
-              </a:ext>
-            </a:extLst>
-          </p:cNvPr>
-          <p:cNvSpPr>
-            <a:spLocks noGrp="1"/>
-          </p:cNvSpPr>
-          <p:nvPr>
-            <p:ph type="title"/>
-          </p:nvPr>
-        </p:nvSpPr>
-        <p:spPr/>
-        <p:txBody>
-          <a:bodyPr/>
-          <a:lstStyle/>
-          <a:p>
-            <a:r>
-              <a:rPr lang="en-GB" dirty="0"/>
-              <a:t>Data Warehouse</a:t>
-            </a:r>
-            <a:endParaRPr lang="en-IN" dirty="0"/>
-          </a:p>
-        </p:txBody>
-      </p:sp>
-      <p:sp>
-        <p:nvSpPr>
-          <p:cNvPr id="3" name="Content Placeholder 2">
-            <a:extLst>
-              <a:ext uri="{FF2B5EF4-FFF2-40B4-BE49-F238E27FC236}">
-                <a16:creationId xmlns:a16="http://schemas.microsoft.com/office/drawing/2014/main" id="{86CBC334-2225-4ED6-8E26-6DDD7BD9E2FA}"/>
-              </a:ext>
-            </a:extLst>
-          </p:cNvPr>
-          <p:cNvSpPr>
-            <a:spLocks noGrp="1"/>
-          </p:cNvSpPr>
-          <p:nvPr>
-            <p:ph idx="1"/>
-          </p:nvPr>
-        </p:nvSpPr>
-        <p:spPr>
-          <a:xfrm>
-            <a:off x="1024128" y="2286000"/>
-            <a:ext cx="3809129" cy="4023360"/>
-          </a:xfrm>
-        </p:spPr>
-        <p:txBody>
-          <a:bodyPr>
-            <a:normAutofit lnSpcReduction="10000"/>
-          </a:bodyPr>
-          <a:lstStyle/>
-          <a:p>
-            <a:r>
-              <a:rPr lang="en-GB" dirty="0"/>
-              <a:t>* </a:t>
-            </a:r>
-            <a:r>
-              <a:rPr lang="en-GB" dirty="0">
-                <a:solidFill>
-                  <a:srgbClr val="0070C0"/>
-                </a:solidFill>
-              </a:rPr>
-              <a:t>Separation of Compute &amp; Storage.</a:t>
-            </a:r>
-          </a:p>
-          <a:p>
-            <a:endParaRPr lang="en-GB" dirty="0">
-              <a:solidFill>
-                <a:srgbClr val="0070C0"/>
-              </a:solidFill>
-            </a:endParaRPr>
-          </a:p>
-          <a:p>
-            <a:r>
-              <a:rPr lang="en-GB" dirty="0"/>
-              <a:t>* Recommended if you know metadata, no ML/AI need; Exposing out allowing customers to analyse.</a:t>
-            </a:r>
-          </a:p>
-          <a:p>
-            <a:endParaRPr lang="en-GB" dirty="0"/>
-          </a:p>
-          <a:p>
-            <a:r>
-              <a:rPr lang="en-GB" dirty="0"/>
-              <a:t>* Not recommended for unstructured data like image and video into a DW.</a:t>
-            </a:r>
-          </a:p>
-        </p:txBody>
-      </p:sp>
-      <p:pic>
-        <p:nvPicPr>
-          <p:cNvPr id="5" name="Picture 4">
-            <a:extLst>
-              <a:ext uri="{FF2B5EF4-FFF2-40B4-BE49-F238E27FC236}">
-                <a16:creationId xmlns:a16="http://schemas.microsoft.com/office/drawing/2014/main" id="{30CCA892-55F8-44F1-9663-F94598196AC0}"/>
-              </a:ext>
-            </a:extLst>
-          </p:cNvPr>
-          <p:cNvPicPr>
-            <a:picLocks noChangeAspect="1"/>
-          </p:cNvPicPr>
-          <p:nvPr/>
-        </p:nvPicPr>
-        <p:blipFill>
-          <a:blip r:embed="rId3"/>
-          <a:stretch>
-            <a:fillRect/>
-          </a:stretch>
-        </p:blipFill>
-        <p:spPr>
-          <a:xfrm>
-            <a:off x="4833257" y="1530967"/>
-            <a:ext cx="7037933" cy="4741817"/>
-          </a:xfrm>
-          <a:prstGeom prst="rect">
-            <a:avLst/>
-          </a:prstGeom>
-          <a:ln w="19050">
-            <a:solidFill>
-              <a:schemeClr val="accent2">
-                <a:lumMod val="50000"/>
-              </a:schemeClr>
-            </a:solidFill>
-          </a:ln>
-        </p:spPr>
-      </p:pic>
-    </p:spTree>
-    <p:extLst>
-      <p:ext uri="{BB962C8B-B14F-4D97-AF65-F5344CB8AC3E}">
-        <p14:creationId xmlns:p14="http://schemas.microsoft.com/office/powerpoint/2010/main" val="229161001"/>
-      </p:ext>
-    </p:extLst>
-  </p:cSld>
-  <p:clrMapOvr>
-    <a:masterClrMapping/>
-  </p:clrMapOvr>
-</p:sld>
-</file>
-
-<file path=ppt/slides/slide11.xml><?xml version="1.0" encoding="utf-8"?>
-<p:sld xmlns:a="http://schemas.openxmlformats.org/drawingml/2006/main" xmlns:r="http://schemas.openxmlformats.org/officeDocument/2006/relationships" xmlns:p="http://schemas.openxmlformats.org/presentationml/2006/main">
-  <p:cSld>
-    <p:spTree>
-      <p:nvGrpSpPr>
-        <p:cNvPr id="1" name=""/>
-        <p:cNvGrpSpPr/>
-        <p:nvPr/>
-      </p:nvGrpSpPr>
-      <p:grpSpPr>
-        <a:xfrm>
-          <a:off x="0" y="0"/>
-          <a:ext cx="0" cy="0"/>
-          <a:chOff x="0" y="0"/>
-          <a:chExt cx="0" cy="0"/>
-        </a:xfrm>
-      </p:grpSpPr>
-      <p:sp>
-        <p:nvSpPr>
-          <p:cNvPr id="2" name="Title 1">
-            <a:extLst>
-              <a:ext uri="{FF2B5EF4-FFF2-40B4-BE49-F238E27FC236}">
-                <a16:creationId xmlns:a16="http://schemas.microsoft.com/office/drawing/2014/main" id="{5B87CF65-8203-45A0-8A1D-449B3DDD5664}"/>
-              </a:ext>
-            </a:extLst>
-          </p:cNvPr>
-          <p:cNvSpPr>
-            <a:spLocks noGrp="1"/>
-          </p:cNvSpPr>
-          <p:nvPr>
-            <p:ph type="title"/>
-          </p:nvPr>
-        </p:nvSpPr>
-        <p:spPr/>
-        <p:txBody>
-          <a:bodyPr/>
-          <a:lstStyle/>
-          <a:p>
-            <a:r>
-              <a:rPr lang="en-GB" dirty="0"/>
-              <a:t>Data Lake</a:t>
-            </a:r>
-            <a:endParaRPr lang="en-IN" dirty="0"/>
-          </a:p>
-        </p:txBody>
-      </p:sp>
-      <p:sp>
-        <p:nvSpPr>
-          <p:cNvPr id="3" name="Content Placeholder 2">
-            <a:extLst>
-              <a:ext uri="{FF2B5EF4-FFF2-40B4-BE49-F238E27FC236}">
-                <a16:creationId xmlns:a16="http://schemas.microsoft.com/office/drawing/2014/main" id="{86CBC334-2225-4ED6-8E26-6DDD7BD9E2FA}"/>
-              </a:ext>
-            </a:extLst>
-          </p:cNvPr>
-          <p:cNvSpPr>
-            <a:spLocks noGrp="1"/>
-          </p:cNvSpPr>
-          <p:nvPr>
-            <p:ph idx="1"/>
-          </p:nvPr>
-        </p:nvSpPr>
-        <p:spPr>
-          <a:xfrm>
-            <a:off x="1024128" y="2299063"/>
-            <a:ext cx="4266329" cy="4023360"/>
-          </a:xfrm>
-        </p:spPr>
-        <p:txBody>
-          <a:bodyPr>
-            <a:normAutofit fontScale="92500"/>
-          </a:bodyPr>
-          <a:lstStyle/>
-          <a:p>
-            <a:r>
-              <a:rPr lang="en-GB" dirty="0"/>
-              <a:t>* Separation of </a:t>
-            </a:r>
-            <a:r>
-              <a:rPr lang="en-GB" dirty="0">
-                <a:solidFill>
-                  <a:srgbClr val="0070C0"/>
-                </a:solidFill>
-              </a:rPr>
-              <a:t>Compute &amp; Data.</a:t>
-            </a:r>
-          </a:p>
-          <a:p>
-            <a:endParaRPr lang="en-GB" dirty="0">
-              <a:solidFill>
-                <a:srgbClr val="0070C0"/>
-              </a:solidFill>
-            </a:endParaRPr>
-          </a:p>
-          <a:p>
-            <a:pPr marL="0" indent="0">
-              <a:buNone/>
-            </a:pPr>
-            <a:r>
-              <a:rPr lang="en-GB" dirty="0"/>
-              <a:t>* Recommended when you have all types of data of any size to be stored with no plan about type of analysis on it. Internal analytics – dump all, play as and when you need.</a:t>
-            </a:r>
-          </a:p>
-          <a:p>
-            <a:pPr>
-              <a:buFont typeface="Arial" panose="020B0604020202020204" pitchFamily="34" charset="0"/>
-              <a:buChar char="•"/>
-            </a:pPr>
-            <a:endParaRPr lang="en-GB" dirty="0">
-              <a:solidFill>
-                <a:srgbClr val="0070C0"/>
-              </a:solidFill>
-            </a:endParaRPr>
-          </a:p>
-          <a:p>
-            <a:pPr marL="0" indent="0">
-              <a:buNone/>
-            </a:pPr>
-            <a:r>
-              <a:rPr lang="en-GB" dirty="0"/>
-              <a:t>* Not recommended when you want your data should be easy to decipher or its need is just to create a report on it.</a:t>
-            </a:r>
-            <a:endParaRPr lang="en-IN" dirty="0">
-              <a:solidFill>
-                <a:srgbClr val="0070C0"/>
-              </a:solidFill>
-            </a:endParaRPr>
-          </a:p>
-        </p:txBody>
-      </p:sp>
-      <p:pic>
-        <p:nvPicPr>
-          <p:cNvPr id="5" name="Picture 4">
-            <a:extLst>
-              <a:ext uri="{FF2B5EF4-FFF2-40B4-BE49-F238E27FC236}">
-                <a16:creationId xmlns:a16="http://schemas.microsoft.com/office/drawing/2014/main" id="{EDFC0EC8-4EC0-438D-BAF1-34BE7FEE111B}"/>
-              </a:ext>
-            </a:extLst>
-          </p:cNvPr>
-          <p:cNvPicPr>
-            <a:picLocks noChangeAspect="1"/>
-          </p:cNvPicPr>
-          <p:nvPr/>
-        </p:nvPicPr>
-        <p:blipFill>
-          <a:blip r:embed="rId3"/>
-          <a:stretch>
-            <a:fillRect/>
-          </a:stretch>
-        </p:blipFill>
-        <p:spPr>
-          <a:xfrm>
-            <a:off x="5884164" y="585216"/>
-            <a:ext cx="6144482" cy="6030167"/>
-          </a:xfrm>
-          <a:prstGeom prst="rect">
-            <a:avLst/>
-          </a:prstGeom>
-          <a:ln w="19050">
-            <a:solidFill>
-              <a:schemeClr val="accent2">
-                <a:lumMod val="50000"/>
-              </a:schemeClr>
-            </a:solidFill>
-          </a:ln>
-        </p:spPr>
-      </p:pic>
-    </p:spTree>
-    <p:extLst>
-      <p:ext uri="{BB962C8B-B14F-4D97-AF65-F5344CB8AC3E}">
-        <p14:creationId xmlns:p14="http://schemas.microsoft.com/office/powerpoint/2010/main" val="3586273789"/>
-      </p:ext>
-    </p:extLst>
-  </p:cSld>
-  <p:clrMapOvr>
-    <a:masterClrMapping/>
-  </p:clrMapOvr>
-</p:sld>
-</file>
-
-<file path=ppt/slides/slide12.xml><?xml version="1.0" encoding="utf-8"?>
-<p:sld xmlns:a="http://schemas.openxmlformats.org/drawingml/2006/main" xmlns:r="http://schemas.openxmlformats.org/officeDocument/2006/relationships" xmlns:p="http://schemas.openxmlformats.org/presentationml/2006/main">
-  <p:cSld>
-    <p:spTree>
-      <p:nvGrpSpPr>
-        <p:cNvPr id="1" name=""/>
-        <p:cNvGrpSpPr/>
-        <p:nvPr/>
-      </p:nvGrpSpPr>
-      <p:grpSpPr>
-        <a:xfrm>
-          <a:off x="0" y="0"/>
-          <a:ext cx="0" cy="0"/>
-          <a:chOff x="0" y="0"/>
-          <a:chExt cx="0" cy="0"/>
-        </a:xfrm>
-      </p:grpSpPr>
-      <p:sp>
-        <p:nvSpPr>
-          <p:cNvPr id="2" name="Title 1">
-            <a:extLst>
-              <a:ext uri="{FF2B5EF4-FFF2-40B4-BE49-F238E27FC236}">
                 <a16:creationId xmlns:a16="http://schemas.microsoft.com/office/drawing/2014/main" id="{3099CA52-52D9-4A34-AB54-256CF268FA03}"/>
               </a:ext>
             </a:extLst>
@@ -23128,7 +22789,7 @@
           <a:p>
             <a:r>
               <a:rPr lang="en-GB" dirty="0"/>
-              <a:t>Why different types exist?</a:t>
+              <a:t>Why different types – DB, DW, DL exist?</a:t>
             </a:r>
             <a:endParaRPr lang="en-IN" dirty="0"/>
           </a:p>
@@ -23161,25 +22822,30 @@
             </a:r>
           </a:p>
           <a:p>
+            <a:endParaRPr lang="en-GB" dirty="0"/>
+          </a:p>
+          <a:p>
             <a:r>
               <a:rPr lang="en-GB" dirty="0"/>
-              <a:t>* When NoSQL came, people talked </a:t>
+              <a:t>* When NoSQL came, people talked that RDBMS will die soon. When Big Data talk was at its peak, it was spoken around that the whole DBMS will die. </a:t>
             </a:r>
-            <a:r>
-              <a:rPr lang="en-GB" dirty="0" err="1"/>
-              <a:t>htat</a:t>
-            </a:r>
+          </a:p>
+          <a:p>
+            <a:endParaRPr lang="en-GB" dirty="0"/>
+          </a:p>
+          <a:p>
             <a:r>
               <a:rPr lang="en-GB" dirty="0"/>
-              <a:t> RDBMS will die soon. When </a:t>
+              <a:t>* But still RDBMS was rocking, rocks now, and will rock in future too. </a:t>
             </a:r>
-            <a:r>
-              <a:rPr lang="en-GB" dirty="0" err="1"/>
-              <a:t>BigData</a:t>
-            </a:r>
+          </a:p>
+          <a:p>
+            <a:endParaRPr lang="en-GB" dirty="0"/>
+          </a:p>
+          <a:p>
             <a:r>
               <a:rPr lang="en-GB" dirty="0"/>
-              <a:t> hype  was at its peak, it was spoken around that the whole DBMS will die. But none happened. Still RDBMS rocks.</a:t>
+              <a:t>* Similar to Microservices vs Monolith based app development.</a:t>
             </a:r>
             <a:endParaRPr lang="en-IN" dirty="0"/>
           </a:p>
@@ -23198,7 +22864,7 @@
 </p:sld>
 </file>
 
-<file path=ppt/slides/slide13.xml><?xml version="1.0" encoding="utf-8"?>
+<file path=ppt/slides/slide11.xml><?xml version="1.0" encoding="utf-8"?>
 <p:sld xmlns:a="http://schemas.openxmlformats.org/drawingml/2006/main" xmlns:r="http://schemas.openxmlformats.org/officeDocument/2006/relationships" xmlns:p="http://schemas.openxmlformats.org/presentationml/2006/main">
   <p:cSld>
     <p:spTree>
@@ -23401,7 +23067,7 @@
 </p:sld>
 </file>
 
-<file path=ppt/slides/slide14.xml><?xml version="1.0" encoding="utf-8"?>
+<file path=ppt/slides/slide12.xml><?xml version="1.0" encoding="utf-8"?>
 <p:sld xmlns:a="http://schemas.openxmlformats.org/drawingml/2006/main" xmlns:r="http://schemas.openxmlformats.org/officeDocument/2006/relationships" xmlns:p="http://schemas.openxmlformats.org/presentationml/2006/main">
   <p:cSld>
     <p:spTree>
@@ -23466,7 +23132,7 @@
         <p:spPr>
           <a:xfrm>
             <a:off x="1024129" y="2286000"/>
-            <a:ext cx="2999232" cy="4023360"/>
+            <a:ext cx="4474196" cy="4023360"/>
           </a:xfrm>
         </p:spPr>
         <p:txBody>
@@ -23475,27 +23141,8 @@
           <a:p>
             <a:r>
               <a:rPr lang="en-GB" dirty="0"/>
-              <a:t>* Data warehouse.</a:t>
-            </a:r>
-          </a:p>
-          <a:p>
-            <a:endParaRPr lang="en-GB" dirty="0"/>
-          </a:p>
-          <a:p>
-            <a:r>
-              <a:rPr lang="en-GB" dirty="0"/>
               <a:t>* Azure SQL Warehouse rebranded. </a:t>
             </a:r>
-          </a:p>
-          <a:p>
-            <a:endParaRPr lang="en-GB" dirty="0"/>
-          </a:p>
-          <a:p>
-            <a:r>
-              <a:rPr lang="en-GB" dirty="0"/>
-              <a:t>* Background engineering improvised for better performance. Front end features are in beta as of now.</a:t>
-            </a:r>
-            <a:endParaRPr lang="en-IN" dirty="0"/>
           </a:p>
         </p:txBody>
       </p:sp>
@@ -23568,12 +23215,64 @@
         </p:blipFill>
         <p:spPr>
           <a:xfrm>
-            <a:off x="4285349" y="2632197"/>
-            <a:ext cx="6458851" cy="3677163"/>
+            <a:off x="1024128" y="3024051"/>
+            <a:ext cx="4474197" cy="2547257"/>
           </a:xfrm>
           <a:prstGeom prst="rect">
             <a:avLst/>
           </a:prstGeom>
+          <a:ln>
+            <a:solidFill>
+              <a:schemeClr val="accent1"/>
+            </a:solidFill>
+          </a:ln>
+        </p:spPr>
+      </p:pic>
+      <p:pic>
+        <p:nvPicPr>
+          <p:cNvPr id="2050" name="Picture 2" descr="When to use Azure Synapse Analytics and/or Azure Databricks?">
+            <a:extLst>
+              <a:ext uri="{FF2B5EF4-FFF2-40B4-BE49-F238E27FC236}">
+                <a16:creationId xmlns:a16="http://schemas.microsoft.com/office/drawing/2014/main" id="{0E30D95A-B12E-4124-A17F-E4D8C4795EEC}"/>
+              </a:ext>
+            </a:extLst>
+          </p:cNvPr>
+          <p:cNvPicPr>
+            <a:picLocks noChangeAspect="1" noChangeArrowheads="1"/>
+          </p:cNvPicPr>
+          <p:nvPr/>
+        </p:nvPicPr>
+        <p:blipFill>
+          <a:blip r:embed="rId5">
+            <a:extLst>
+              <a:ext uri="{28A0092B-C50C-407E-A947-70E740481C1C}">
+                <a14:useLocalDpi xmlns:a14="http://schemas.microsoft.com/office/drawing/2010/main" val="0"/>
+              </a:ext>
+            </a:extLst>
+          </a:blip>
+          <a:srcRect/>
+          <a:stretch>
+            <a:fillRect/>
+          </a:stretch>
+        </p:blipFill>
+        <p:spPr bwMode="auto">
+          <a:xfrm>
+            <a:off x="6096000" y="2286000"/>
+            <a:ext cx="4648200" cy="4438076"/>
+          </a:xfrm>
+          <a:prstGeom prst="rect">
+            <a:avLst/>
+          </a:prstGeom>
+          <a:noFill/>
+          <a:extLst>
+            <a:ext uri="{909E8E84-426E-40DD-AFC4-6F175D3DCCD1}">
+              <a14:hiddenFill xmlns:a14="http://schemas.microsoft.com/office/drawing/2010/main">
+                <a:solidFill>
+                  <a:srgbClr val="FFFFFF"/>
+                </a:solidFill>
+              </a14:hiddenFill>
+            </a:ext>
+          </a:extLst>
         </p:spPr>
       </p:pic>
     </p:spTree>
@@ -23589,7 +23288,7 @@
 </p:sld>
 </file>
 
-<file path=ppt/slides/slide15.xml><?xml version="1.0" encoding="utf-8"?>
+<file path=ppt/slides/slide13.xml><?xml version="1.0" encoding="utf-8"?>
 <p:sld xmlns:a="http://schemas.openxmlformats.org/drawingml/2006/main" xmlns:r="http://schemas.openxmlformats.org/officeDocument/2006/relationships" xmlns:p="http://schemas.openxmlformats.org/presentationml/2006/main">
   <p:cSld>
     <p:spTree>
@@ -23655,7 +23354,12 @@
             <p:ph idx="1"/>
           </p:nvPr>
         </p:nvSpPr>
-        <p:spPr/>
+        <p:spPr>
+          <a:xfrm>
+            <a:off x="1024128" y="2286000"/>
+            <a:ext cx="3417243" cy="4023360"/>
+          </a:xfrm>
+        </p:spPr>
         <p:txBody>
           <a:bodyPr/>
           <a:lstStyle/>
@@ -23666,9 +23370,12 @@
             </a:r>
           </a:p>
           <a:p>
+            <a:endParaRPr lang="en-GB" dirty="0"/>
+          </a:p>
+          <a:p>
             <a:r>
               <a:rPr lang="en-GB" dirty="0"/>
-              <a:t>* Hosted Spark environment - expanded with Delta Lake, </a:t>
+              <a:t>* Hosted Spark environment - expanding with Delta Lake, </a:t>
             </a:r>
             <a:r>
               <a:rPr lang="en-GB" dirty="0" err="1"/>
@@ -23680,9 +23387,12 @@
             </a:r>
           </a:p>
           <a:p>
+            <a:endParaRPr lang="en-GB" dirty="0"/>
+          </a:p>
+          <a:p>
             <a:r>
               <a:rPr lang="en-GB" dirty="0"/>
-              <a:t>* Best option for Big Data workloads with Microsoft tech stack using C#.</a:t>
+              <a:t>* Best option for Machine Learning workloads for those with Microsoft tech stack.</a:t>
             </a:r>
             <a:endParaRPr lang="en-IN" dirty="0"/>
           </a:p>
@@ -23737,6 +23447,53 @@
       </p:pic>
       <p:pic>
         <p:nvPicPr>
+          <p:cNvPr id="3074" name="Picture 2">
+            <a:extLst>
+              <a:ext uri="{FF2B5EF4-FFF2-40B4-BE49-F238E27FC236}">
+                <a16:creationId xmlns:a16="http://schemas.microsoft.com/office/drawing/2014/main" id="{99F9F29D-76A7-4DC9-B709-3B5F0B416225}"/>
+              </a:ext>
+            </a:extLst>
+          </p:cNvPr>
+          <p:cNvPicPr>
+            <a:picLocks noChangeAspect="1" noChangeArrowheads="1"/>
+          </p:cNvPicPr>
+          <p:nvPr/>
+        </p:nvPicPr>
+        <p:blipFill>
+          <a:blip r:embed="rId4">
+            <a:extLst>
+              <a:ext uri="{28A0092B-C50C-407E-A947-70E740481C1C}">
+                <a14:useLocalDpi xmlns:a14="http://schemas.microsoft.com/office/drawing/2010/main" val="0"/>
+              </a:ext>
+            </a:extLst>
+          </a:blip>
+          <a:srcRect/>
+          <a:stretch>
+            <a:fillRect/>
+          </a:stretch>
+        </p:blipFill>
+        <p:spPr bwMode="auto">
+          <a:xfrm>
+            <a:off x="4585061" y="2084831"/>
+            <a:ext cx="7388385" cy="4187953"/>
+          </a:xfrm>
+          <a:prstGeom prst="rect">
+            <a:avLst/>
+          </a:prstGeom>
+          <a:noFill/>
+          <a:extLst>
+            <a:ext uri="{909E8E84-426E-40DD-AFC4-6F175D3DCCD1}">
+              <a14:hiddenFill xmlns:a14="http://schemas.microsoft.com/office/drawing/2010/main">
+                <a:solidFill>
+                  <a:srgbClr val="FFFFFF"/>
+                </a:solidFill>
+              </a14:hiddenFill>
+            </a:ext>
+          </a:extLst>
+        </p:spPr>
+      </p:pic>
+      <p:pic>
+        <p:nvPicPr>
           <p:cNvPr id="5" name="Picture 4">
             <a:extLst>
               <a:ext uri="{FF2B5EF4-FFF2-40B4-BE49-F238E27FC236}">
@@ -23750,15 +23507,15 @@
           <p:nvPr/>
         </p:nvPicPr>
         <p:blipFill>
-          <a:blip r:embed="rId4"/>
+          <a:blip r:embed="rId5"/>
           <a:stretch>
             <a:fillRect/>
           </a:stretch>
         </p:blipFill>
         <p:spPr>
           <a:xfrm>
-            <a:off x="3016739" y="3662155"/>
-            <a:ext cx="5734850" cy="2848373"/>
+            <a:off x="7831723" y="4178807"/>
+            <a:ext cx="4061468" cy="2017241"/>
           </a:xfrm>
           <a:prstGeom prst="rect">
             <a:avLst/>
@@ -23778,7 +23535,7 @@
 </p:sld>
 </file>
 
-<file path=ppt/slides/slide16.xml><?xml version="1.0" encoding="utf-8"?>
+<file path=ppt/slides/slide14.xml><?xml version="1.0" encoding="utf-8"?>
 <p:sld xmlns:a="http://schemas.openxmlformats.org/drawingml/2006/main" xmlns:r="http://schemas.openxmlformats.org/officeDocument/2006/relationships" xmlns:p="http://schemas.openxmlformats.org/presentationml/2006/main">
   <p:cSld>
     <p:spTree>
@@ -23910,7 +23667,7 @@
 </p:sld>
 </file>
 
-<file path=ppt/slides/slide17.xml><?xml version="1.0" encoding="utf-8"?>
+<file path=ppt/slides/slide15.xml><?xml version="1.0" encoding="utf-8"?>
 <p:sld xmlns:a="http://schemas.openxmlformats.org/drawingml/2006/main" xmlns:r="http://schemas.openxmlformats.org/officeDocument/2006/relationships" xmlns:p="http://schemas.openxmlformats.org/presentationml/2006/main">
   <p:cSld>
     <p:spTree>
@@ -23972,7 +23729,7 @@
             <p:ph idx="1"/>
             <p:extLst>
               <p:ext uri="{D42A27DB-BD31-4B8C-83A1-F6EECF244321}">
-                <p14:modId xmlns:p14="http://schemas.microsoft.com/office/powerpoint/2010/main" val="174915980"/>
+                <p14:modId xmlns:p14="http://schemas.microsoft.com/office/powerpoint/2010/main" val="4256177701"/>
               </p:ext>
             </p:extLst>
           </p:nvPr>
@@ -24357,7 +24114,7 @@
                       </a:pPr>
                       <a:r>
                         <a:rPr lang="en-GB" dirty="0"/>
-                        <a:t>Storage and Compute separated</a:t>
+                        <a:t>Compute separate architecture</a:t>
                       </a:r>
                     </a:p>
                   </a:txBody>
@@ -24385,7 +24142,7 @@
                       </a:r>
                       <a:r>
                         <a:rPr lang="en-GB" dirty="0"/>
-                        <a:t> pool</a:t>
+                        <a:t> pool.</a:t>
                       </a:r>
                       <a:endParaRPr lang="en-IN" dirty="0"/>
                     </a:p>
@@ -24410,7 +24167,7 @@
                       </a:r>
                       <a:r>
                         <a:rPr lang="en-GB" dirty="0"/>
-                        <a:t> pool</a:t>
+                        <a:t> pool.</a:t>
                       </a:r>
                       <a:endParaRPr lang="en-IN" dirty="0"/>
                     </a:p>
@@ -24440,7 +24197,7 @@
 </p:sld>
 </file>
 
-<file path=ppt/slides/slide18.xml><?xml version="1.0" encoding="utf-8"?>
+<file path=ppt/slides/slide16.xml><?xml version="1.0" encoding="utf-8"?>
 <p:sld xmlns:a="http://schemas.openxmlformats.org/drawingml/2006/main" xmlns:r="http://schemas.openxmlformats.org/officeDocument/2006/relationships" xmlns:p="http://schemas.openxmlformats.org/presentationml/2006/main">
   <p:cSld>
     <p:spTree>
@@ -24506,7 +24263,7 @@
             <p:ph idx="1"/>
             <p:extLst>
               <p:ext uri="{D42A27DB-BD31-4B8C-83A1-F6EECF244321}">
-                <p14:modId xmlns:p14="http://schemas.microsoft.com/office/powerpoint/2010/main" val="712714739"/>
+                <p14:modId xmlns:p14="http://schemas.microsoft.com/office/powerpoint/2010/main" val="1478326922"/>
               </p:ext>
             </p:extLst>
           </p:nvPr>
@@ -25031,7 +24788,7 @@
                       </a:pPr>
                       <a:r>
                         <a:rPr lang="en-GB" dirty="0"/>
-                        <a:t>Local IDEs with GIT kind of developer experience</a:t>
+                        <a:t>In-built GIT based developer experience</a:t>
                       </a:r>
                       <a:endParaRPr lang="en-IN" dirty="0"/>
                     </a:p>
@@ -25080,7 +24837,100 @@
 </p:sld>
 </file>
 
-<file path=ppt/slides/slide19.xml><?xml version="1.0" encoding="utf-8"?>
+<file path=ppt/slides/slide17.xml><?xml version="1.0" encoding="utf-8"?>
+<p:sld xmlns:a="http://schemas.openxmlformats.org/drawingml/2006/main" xmlns:r="http://schemas.openxmlformats.org/officeDocument/2006/relationships" xmlns:p="http://schemas.openxmlformats.org/presentationml/2006/main">
+  <p:cSld>
+    <p:spTree>
+      <p:nvGrpSpPr>
+        <p:cNvPr id="1" name=""/>
+        <p:cNvGrpSpPr/>
+        <p:nvPr/>
+      </p:nvGrpSpPr>
+      <p:grpSpPr>
+        <a:xfrm>
+          <a:off x="0" y="0"/>
+          <a:ext cx="0" cy="0"/>
+          <a:chOff x="0" y="0"/>
+          <a:chExt cx="0" cy="0"/>
+        </a:xfrm>
+      </p:grpSpPr>
+      <p:sp>
+        <p:nvSpPr>
+          <p:cNvPr id="14" name="Title 1">
+            <a:extLst>
+              <a:ext uri="{FF2B5EF4-FFF2-40B4-BE49-F238E27FC236}">
+                <a16:creationId xmlns:a16="http://schemas.microsoft.com/office/drawing/2014/main" id="{E5EAE4DA-4C16-41B8-8339-A43677534317}"/>
+              </a:ext>
+            </a:extLst>
+          </p:cNvPr>
+          <p:cNvSpPr>
+            <a:spLocks noGrp="1"/>
+          </p:cNvSpPr>
+          <p:nvPr>
+            <p:ph type="title"/>
+          </p:nvPr>
+        </p:nvSpPr>
+        <p:spPr>
+          <a:xfrm>
+            <a:off x="1235964" y="167204"/>
+            <a:ext cx="9720072" cy="1499616"/>
+          </a:xfrm>
+        </p:spPr>
+        <p:txBody>
+          <a:bodyPr/>
+          <a:lstStyle/>
+          <a:p>
+            <a:r>
+              <a:rPr lang="en-GB" dirty="0"/>
+              <a:t>HYBRID Data architecture</a:t>
+            </a:r>
+            <a:endParaRPr lang="en-IN" dirty="0"/>
+          </a:p>
+        </p:txBody>
+      </p:sp>
+      <p:pic>
+        <p:nvPicPr>
+          <p:cNvPr id="15" name="Picture 14">
+            <a:extLst>
+              <a:ext uri="{FF2B5EF4-FFF2-40B4-BE49-F238E27FC236}">
+                <a16:creationId xmlns:a16="http://schemas.microsoft.com/office/drawing/2014/main" id="{E6F2DF4B-662D-415D-B700-6D4C643F4B8A}"/>
+              </a:ext>
+            </a:extLst>
+          </p:cNvPr>
+          <p:cNvPicPr>
+            <a:picLocks noChangeAspect="1"/>
+          </p:cNvPicPr>
+          <p:nvPr/>
+        </p:nvPicPr>
+        <p:blipFill rotWithShape="1">
+          <a:blip r:embed="rId2"/>
+          <a:srcRect t="24305"/>
+          <a:stretch/>
+        </p:blipFill>
+        <p:spPr>
+          <a:xfrm>
+            <a:off x="0" y="1666820"/>
+            <a:ext cx="12192000" cy="5191179"/>
+          </a:xfrm>
+          <a:prstGeom prst="rect">
+            <a:avLst/>
+          </a:prstGeom>
+        </p:spPr>
+      </p:pic>
+    </p:spTree>
+    <p:extLst>
+      <p:ext uri="{BB962C8B-B14F-4D97-AF65-F5344CB8AC3E}">
+        <p14:creationId xmlns:p14="http://schemas.microsoft.com/office/powerpoint/2010/main" val="3659286017"/>
+      </p:ext>
+    </p:extLst>
+  </p:cSld>
+  <p:clrMapOvr>
+    <a:masterClrMapping/>
+  </p:clrMapOvr>
+</p:sld>
+</file>
+
+<file path=ppt/slides/slide18.xml><?xml version="1.0" encoding="utf-8"?>
 <p:sld xmlns:a="http://schemas.openxmlformats.org/drawingml/2006/main" xmlns:r="http://schemas.openxmlformats.org/officeDocument/2006/relationships" xmlns:p="http://schemas.openxmlformats.org/presentationml/2006/main">
   <p:cSld>
     <p:spTree>
@@ -25159,6 +25009,168 @@
     <p:extLst>
       <p:ext uri="{BB962C8B-B14F-4D97-AF65-F5344CB8AC3E}">
         <p14:creationId xmlns:p14="http://schemas.microsoft.com/office/powerpoint/2010/main" val="3958231758"/>
+      </p:ext>
+    </p:extLst>
+  </p:cSld>
+  <p:clrMapOvr>
+    <a:masterClrMapping/>
+  </p:clrMapOvr>
+</p:sld>
+</file>
+
+<file path=ppt/slides/slide19.xml><?xml version="1.0" encoding="utf-8"?>
+<p:sld xmlns:a="http://schemas.openxmlformats.org/drawingml/2006/main" xmlns:r="http://schemas.openxmlformats.org/officeDocument/2006/relationships" xmlns:p="http://schemas.openxmlformats.org/presentationml/2006/main">
+  <p:cSld>
+    <p:spTree>
+      <p:nvGrpSpPr>
+        <p:cNvPr id="1" name=""/>
+        <p:cNvGrpSpPr/>
+        <p:nvPr/>
+      </p:nvGrpSpPr>
+      <p:grpSpPr>
+        <a:xfrm>
+          <a:off x="0" y="0"/>
+          <a:ext cx="0" cy="0"/>
+          <a:chOff x="0" y="0"/>
+          <a:chExt cx="0" cy="0"/>
+        </a:xfrm>
+      </p:grpSpPr>
+      <p:sp>
+        <p:nvSpPr>
+          <p:cNvPr id="2" name="Title 1">
+            <a:extLst>
+              <a:ext uri="{FF2B5EF4-FFF2-40B4-BE49-F238E27FC236}">
+                <a16:creationId xmlns:a16="http://schemas.microsoft.com/office/drawing/2014/main" id="{D5BF61F1-79D3-4E38-A95B-E919512AC9A4}"/>
+              </a:ext>
+            </a:extLst>
+          </p:cNvPr>
+          <p:cNvSpPr>
+            <a:spLocks noGrp="1"/>
+          </p:cNvSpPr>
+          <p:nvPr>
+            <p:ph type="title"/>
+          </p:nvPr>
+        </p:nvSpPr>
+        <p:spPr/>
+        <p:txBody>
+          <a:bodyPr/>
+          <a:lstStyle/>
+          <a:p>
+            <a:r>
+              <a:rPr lang="en-GB" dirty="0"/>
+              <a:t> use case of </a:t>
+            </a:r>
+            <a:endParaRPr lang="en-IN" dirty="0"/>
+          </a:p>
+        </p:txBody>
+      </p:sp>
+      <p:sp>
+        <p:nvSpPr>
+          <p:cNvPr id="3" name="Content Placeholder 2">
+            <a:extLst>
+              <a:ext uri="{FF2B5EF4-FFF2-40B4-BE49-F238E27FC236}">
+                <a16:creationId xmlns:a16="http://schemas.microsoft.com/office/drawing/2014/main" id="{7692695F-939F-4945-8F1A-44F4B4456AE6}"/>
+              </a:ext>
+            </a:extLst>
+          </p:cNvPr>
+          <p:cNvSpPr>
+            <a:spLocks noGrp="1"/>
+          </p:cNvSpPr>
+          <p:nvPr>
+            <p:ph idx="1"/>
+          </p:nvPr>
+        </p:nvSpPr>
+        <p:spPr/>
+        <p:txBody>
+          <a:bodyPr/>
+          <a:lstStyle/>
+          <a:p>
+            <a:r>
+              <a:rPr lang="en-GB" dirty="0"/>
+              <a:t>* Kissflow is a pure SaaS product completely cloud managed.</a:t>
+            </a:r>
+          </a:p>
+          <a:p>
+            <a:r>
+              <a:rPr lang="en-GB" dirty="0"/>
+              <a:t>* No Code product - Customers (business users) develop workflow apps by themself.</a:t>
+            </a:r>
+          </a:p>
+          <a:p>
+            <a:r>
+              <a:rPr lang="en-GB" dirty="0"/>
+              <a:t>* For OLTP - MongoDB hosted in Atlas - 1 DB per customer. Earlier it was MySQL.</a:t>
+            </a:r>
+          </a:p>
+          <a:p>
+            <a:r>
+              <a:rPr lang="en-GB" dirty="0"/>
+              <a:t>* Each customer will have their own schema (data model).</a:t>
+            </a:r>
+          </a:p>
+          <a:p>
+            <a:r>
+              <a:rPr lang="en-GB" dirty="0"/>
+              <a:t>* Based on our product nature, per customer data won’t be huge.</a:t>
+            </a:r>
+          </a:p>
+          <a:p>
+            <a:r>
+              <a:rPr lang="en-GB" dirty="0"/>
+              <a:t>* No separate analytics database as of now.</a:t>
+            </a:r>
+          </a:p>
+          <a:p>
+            <a:r>
+              <a:rPr lang="en-GB" dirty="0"/>
+              <a:t>* Analysed Data Lake, Database and chosen to go with Data warehouse. </a:t>
+            </a:r>
+          </a:p>
+          <a:p>
+            <a:endParaRPr lang="en-IN" dirty="0"/>
+          </a:p>
+        </p:txBody>
+      </p:sp>
+      <p:pic>
+        <p:nvPicPr>
+          <p:cNvPr id="4" name="Picture 3">
+            <a:extLst>
+              <a:ext uri="{FF2B5EF4-FFF2-40B4-BE49-F238E27FC236}">
+                <a16:creationId xmlns:a16="http://schemas.microsoft.com/office/drawing/2014/main" id="{9FC91D37-97D8-4A68-8AA0-E3CAB4517762}"/>
+              </a:ext>
+            </a:extLst>
+          </p:cNvPr>
+          <p:cNvPicPr>
+            <a:picLocks noChangeAspect="1"/>
+          </p:cNvPicPr>
+          <p:nvPr/>
+        </p:nvPicPr>
+        <p:blipFill>
+          <a:blip r:embed="rId3" cstate="print">
+            <a:extLst>
+              <a:ext uri="{28A0092B-C50C-407E-A947-70E740481C1C}">
+                <a14:useLocalDpi xmlns:a14="http://schemas.microsoft.com/office/drawing/2010/main" val="0"/>
+              </a:ext>
+            </a:extLst>
+          </a:blip>
+          <a:stretch>
+            <a:fillRect/>
+          </a:stretch>
+        </p:blipFill>
+        <p:spPr>
+          <a:xfrm>
+            <a:off x="3778442" y="970960"/>
+            <a:ext cx="2591878" cy="531268"/>
+          </a:xfrm>
+          <a:prstGeom prst="rect">
+            <a:avLst/>
+          </a:prstGeom>
+        </p:spPr>
+      </p:pic>
+    </p:spTree>
+    <p:extLst>
+      <p:ext uri="{BB962C8B-B14F-4D97-AF65-F5344CB8AC3E}">
+        <p14:creationId xmlns:p14="http://schemas.microsoft.com/office/powerpoint/2010/main" val="1740665861"/>
       </p:ext>
     </p:extLst>
   </p:cSld>
@@ -25706,7 +25718,7 @@
           <p:cNvPr id="2" name="Title 1">
             <a:extLst>
               <a:ext uri="{FF2B5EF4-FFF2-40B4-BE49-F238E27FC236}">
-                <a16:creationId xmlns:a16="http://schemas.microsoft.com/office/drawing/2014/main" id="{D5BF61F1-79D3-4E38-A95B-E919512AC9A4}"/>
+                <a16:creationId xmlns:a16="http://schemas.microsoft.com/office/drawing/2014/main" id="{2510794E-F440-4051-B057-32A961845F79}"/>
               </a:ext>
             </a:extLst>
           </p:cNvPr>
@@ -25724,7 +25736,7 @@
           <a:p>
             <a:r>
               <a:rPr lang="en-GB" dirty="0"/>
-              <a:t> use case of </a:t>
+              <a:t>What Next?</a:t>
             </a:r>
             <a:endParaRPr lang="en-IN" dirty="0"/>
           </a:p>
@@ -25732,10 +25744,10 @@
       </p:sp>
       <p:sp>
         <p:nvSpPr>
-          <p:cNvPr id="3" name="Content Placeholder 2">
+          <p:cNvPr id="3" name="Text Placeholder 2">
             <a:extLst>
               <a:ext uri="{FF2B5EF4-FFF2-40B4-BE49-F238E27FC236}">
-                <a16:creationId xmlns:a16="http://schemas.microsoft.com/office/drawing/2014/main" id="{7692695F-939F-4945-8F1A-44F4B4456AE6}"/>
+                <a16:creationId xmlns:a16="http://schemas.microsoft.com/office/drawing/2014/main" id="{73C3434D-8ACA-40E8-AE36-CF924DCF9473}"/>
               </a:ext>
             </a:extLst>
           </p:cNvPr>
@@ -25743,7 +25755,7 @@
             <a:spLocks noGrp="1"/>
           </p:cNvSpPr>
           <p:nvPr>
-            <p:ph idx="1"/>
+            <p:ph type="body" idx="1"/>
           </p:nvPr>
         </p:nvSpPr>
         <p:spPr/>
@@ -25752,91 +25764,21 @@
           <a:lstStyle/>
           <a:p>
             <a:r>
-              <a:rPr lang="en-GB" dirty="0"/>
-              <a:t>* Kissflow is a pure SaaS product completely cloud managed.</a:t>
+              <a:rPr lang="en-GB"/>
+              <a:t>After Database, Data </a:t>
             </a:r>
-          </a:p>
-          <a:p>
             <a:r>
               <a:rPr lang="en-GB" dirty="0"/>
-              <a:t>* No Code product - Customers (business users) develop workflow apps by themself.</a:t>
+              <a:t>warehouse &amp; Data lake?</a:t>
             </a:r>
-          </a:p>
-          <a:p>
-            <a:r>
-              <a:rPr lang="en-GB" dirty="0"/>
-              <a:t>* For OLTP - MongoDB Atlas is hosted with 1 DB per customer. Earlier it was MySQL.</a:t>
-            </a:r>
-          </a:p>
-          <a:p>
-            <a:r>
-              <a:rPr lang="en-GB" dirty="0"/>
-              <a:t>* Each customer will have their own schema (data model).</a:t>
-            </a:r>
-          </a:p>
-          <a:p>
-            <a:r>
-              <a:rPr lang="en-GB" dirty="0"/>
-              <a:t>* No separate analytics database as of now.</a:t>
-            </a:r>
-          </a:p>
-          <a:p>
-            <a:r>
-              <a:rPr lang="en-GB" dirty="0"/>
-              <a:t>* Based on our product nature, per customer data won’t be huge.</a:t>
-            </a:r>
-          </a:p>
-          <a:p>
-            <a:r>
-              <a:rPr lang="en-GB" dirty="0"/>
-              <a:t>* Analysed Data Lake, Database and chosen to go with Data warehouse. </a:t>
-            </a:r>
-          </a:p>
-          <a:p>
             <a:endParaRPr lang="en-IN" dirty="0"/>
           </a:p>
         </p:txBody>
       </p:sp>
-      <p:pic>
-        <p:nvPicPr>
-          <p:cNvPr id="4" name="Picture 3">
-            <a:extLst>
-              <a:ext uri="{FF2B5EF4-FFF2-40B4-BE49-F238E27FC236}">
-                <a16:creationId xmlns:a16="http://schemas.microsoft.com/office/drawing/2014/main" id="{9FC91D37-97D8-4A68-8AA0-E3CAB4517762}"/>
-              </a:ext>
-            </a:extLst>
-          </p:cNvPr>
-          <p:cNvPicPr>
-            <a:picLocks noChangeAspect="1"/>
-          </p:cNvPicPr>
-          <p:nvPr/>
-        </p:nvPicPr>
-        <p:blipFill>
-          <a:blip r:embed="rId3" cstate="print">
-            <a:extLst>
-              <a:ext uri="{28A0092B-C50C-407E-A947-70E740481C1C}">
-                <a14:useLocalDpi xmlns:a14="http://schemas.microsoft.com/office/drawing/2010/main" val="0"/>
-              </a:ext>
-            </a:extLst>
-          </a:blip>
-          <a:stretch>
-            <a:fillRect/>
-          </a:stretch>
-        </p:blipFill>
-        <p:spPr>
-          <a:xfrm>
-            <a:off x="3778442" y="970960"/>
-            <a:ext cx="2591878" cy="531268"/>
-          </a:xfrm>
-          <a:prstGeom prst="rect">
-            <a:avLst/>
-          </a:prstGeom>
-        </p:spPr>
-      </p:pic>
     </p:spTree>
     <p:extLst>
       <p:ext uri="{BB962C8B-B14F-4D97-AF65-F5344CB8AC3E}">
-        <p14:creationId xmlns:p14="http://schemas.microsoft.com/office/powerpoint/2010/main" val="1740665861"/>
+        <p14:creationId xmlns:p14="http://schemas.microsoft.com/office/powerpoint/2010/main" val="3926757546"/>
       </p:ext>
     </p:extLst>
   </p:cSld>
@@ -25879,14 +25821,19 @@
             <p:ph type="title"/>
           </p:nvPr>
         </p:nvSpPr>
-        <p:spPr/>
+        <p:spPr>
+          <a:xfrm>
+            <a:off x="1024128" y="532965"/>
+            <a:ext cx="9720072" cy="1499616"/>
+          </a:xfrm>
+        </p:spPr>
         <p:txBody>
           <a:bodyPr/>
           <a:lstStyle/>
           <a:p>
             <a:r>
               <a:rPr lang="en-GB" dirty="0"/>
-              <a:t>What’s next?</a:t>
+              <a:t>DATA LAKEHOUSE</a:t>
             </a:r>
             <a:endParaRPr lang="en-IN" dirty="0"/>
           </a:p>
@@ -25915,28 +25862,19 @@
           <a:p>
             <a:r>
               <a:rPr lang="en-GB" dirty="0"/>
-              <a:t>DATA LAKEHOUSE</a:t>
-            </a:r>
-          </a:p>
-          <a:p>
-            <a:endParaRPr lang="en-GB" dirty="0"/>
-          </a:p>
-          <a:p>
-            <a:r>
-              <a:rPr lang="en-GB" dirty="0"/>
               <a:t>* Sting together the best of both worlds – Data warehouse and Data lake.</a:t>
             </a:r>
           </a:p>
           <a:p>
             <a:r>
               <a:rPr lang="en-GB" dirty="0"/>
-              <a:t>* Implement data warehouse’ data structures &amp; management features for data lakes.</a:t>
+              <a:t>* Implement data warehouse’ data structures &amp; management features of data lakes.</a:t>
             </a:r>
           </a:p>
           <a:p>
             <a:r>
               <a:rPr lang="en-GB" dirty="0"/>
-              <a:t>* Single data </a:t>
+              <a:t>* Single Data </a:t>
             </a:r>
             <a:r>
               <a:rPr lang="en-GB" dirty="0" err="1"/>
@@ -25944,7 +25882,25 @@
             </a:r>
             <a:r>
               <a:rPr lang="en-GB" dirty="0"/>
-              <a:t> for structured, semi-structured and unstructured acts as a multi-solution system, simplified data governance and cost-effective too. </a:t>
+              <a:t> for structured, semi-structured and unstructured acts as a </a:t>
+            </a:r>
+          </a:p>
+          <a:p>
+            <a:r>
+              <a:rPr lang="en-GB" dirty="0"/>
+              <a:t>=&gt; Multi-solution system, </a:t>
+            </a:r>
+          </a:p>
+          <a:p>
+            <a:r>
+              <a:rPr lang="en-GB" dirty="0"/>
+              <a:t>=&gt; Simplified data governance,</a:t>
+            </a:r>
+          </a:p>
+          <a:p>
+            <a:r>
+              <a:rPr lang="en-GB" dirty="0"/>
+              <a:t>=&gt; Cost-effective too. </a:t>
             </a:r>
           </a:p>
           <a:p>
@@ -26177,7 +26133,7 @@
               <a:t> 2021 hosted by </a:t>
             </a:r>
             <a:r>
-              <a:rPr lang="en-IN" b="1" i="0" u="none" strike="noStrike" dirty="0">
+              <a:rPr lang="en-IN" i="0" u="none" strike="noStrike" dirty="0">
                 <a:solidFill>
                   <a:srgbClr val="00A7B5"/>
                 </a:solidFill>
@@ -26187,7 +26143,7 @@
               <a:t>Cindi Howson</a:t>
             </a:r>
             <a:r>
-              <a:rPr lang="en-IN" b="1" i="0" u="none" strike="noStrike" dirty="0">
+              <a:rPr lang="en-IN" i="0" u="none" strike="noStrike" dirty="0">
                 <a:solidFill>
                   <a:srgbClr val="00A7B5"/>
                 </a:solidFill>
@@ -26202,7 +26158,7 @@
               <a:t>* </a:t>
             </a:r>
             <a:r>
-              <a:rPr lang="en-IN" b="1" dirty="0">
+              <a:rPr lang="en-IN" dirty="0">
                 <a:solidFill>
                   <a:srgbClr val="00A7B5"/>
                 </a:solidFill>
@@ -26236,12 +26192,37 @@
               <a:rPr lang="en-IN" dirty="0"/>
               <a:t>.</a:t>
             </a:r>
+          </a:p>
+          <a:p>
+            <a:r>
+              <a:rPr lang="en-IN" i="0" u="none" strike="noStrike" dirty="0">
+                <a:effectLst/>
+              </a:rPr>
+              <a:t>* </a:t>
+            </a:r>
+            <a:r>
+              <a:rPr lang="en-IN" i="0" u="none" strike="noStrike" dirty="0">
+                <a:effectLst/>
+                <a:hlinkClick r:id="rId8"/>
+              </a:rPr>
+              <a:t>Video</a:t>
+            </a:r>
+            <a:r>
+              <a:rPr lang="en-IN" i="0" u="none" strike="noStrike" dirty="0">
+                <a:effectLst/>
+              </a:rPr>
+              <a:t> about choosing Data warehouse</a:t>
+            </a:r>
+            <a:r>
+              <a:rPr lang="en-IN" dirty="0"/>
+              <a:t> and/or Data lake.</a:t>
+            </a:r>
             <a:endParaRPr lang="en-IN" i="0" u="none" strike="noStrike" dirty="0">
               <a:effectLst/>
             </a:endParaRPr>
           </a:p>
           <a:p>
-            <a:endParaRPr lang="en-IN" b="1" i="0" u="none" strike="noStrike" dirty="0">
+            <a:endParaRPr lang="en-IN" i="0" u="none" strike="noStrike" dirty="0">
               <a:solidFill>
                 <a:srgbClr val="00A7B5"/>
               </a:solidFill>
@@ -26257,6 +26238,594 @@
     <p:extLst>
       <p:ext uri="{BB962C8B-B14F-4D97-AF65-F5344CB8AC3E}">
         <p14:creationId xmlns:p14="http://schemas.microsoft.com/office/powerpoint/2010/main" val="1854144517"/>
+      </p:ext>
+    </p:extLst>
+  </p:cSld>
+  <p:clrMapOvr>
+    <a:masterClrMapping/>
+  </p:clrMapOvr>
+</p:sld>
+</file>
+
+<file path=ppt/slides/slide24.xml><?xml version="1.0" encoding="utf-8"?>
+<p:sld xmlns:a="http://schemas.openxmlformats.org/drawingml/2006/main" xmlns:r="http://schemas.openxmlformats.org/officeDocument/2006/relationships" xmlns:p="http://schemas.openxmlformats.org/presentationml/2006/main">
+  <p:cSld>
+    <p:spTree>
+      <p:nvGrpSpPr>
+        <p:cNvPr id="1" name=""/>
+        <p:cNvGrpSpPr/>
+        <p:nvPr/>
+      </p:nvGrpSpPr>
+      <p:grpSpPr>
+        <a:xfrm>
+          <a:off x="0" y="0"/>
+          <a:ext cx="0" cy="0"/>
+          <a:chOff x="0" y="0"/>
+          <a:chExt cx="0" cy="0"/>
+        </a:xfrm>
+      </p:grpSpPr>
+      <p:sp>
+        <p:nvSpPr>
+          <p:cNvPr id="2" name="Title 1">
+            <a:extLst>
+              <a:ext uri="{FF2B5EF4-FFF2-40B4-BE49-F238E27FC236}">
+                <a16:creationId xmlns:a16="http://schemas.microsoft.com/office/drawing/2014/main" id="{6FF7059E-78AF-4A18-BCFD-0635E2B41135}"/>
+              </a:ext>
+            </a:extLst>
+          </p:cNvPr>
+          <p:cNvSpPr>
+            <a:spLocks noGrp="1"/>
+          </p:cNvSpPr>
+          <p:nvPr>
+            <p:ph type="title"/>
+          </p:nvPr>
+        </p:nvSpPr>
+        <p:spPr/>
+        <p:txBody>
+          <a:bodyPr>
+            <a:normAutofit/>
+          </a:bodyPr>
+          <a:lstStyle/>
+          <a:p>
+            <a:r>
+              <a:rPr lang="en-GB" dirty="0"/>
+              <a:t>End goal of a data architecture – </a:t>
+            </a:r>
+            <a:br>
+              <a:rPr lang="en-GB" dirty="0"/>
+            </a:br>
+            <a:r>
+              <a:rPr lang="en-GB" dirty="0"/>
+              <a:t>Allow USER to take SMART decisions </a:t>
+            </a:r>
+            <a:endParaRPr lang="en-IN" dirty="0"/>
+          </a:p>
+        </p:txBody>
+      </p:sp>
+      <p:sp>
+        <p:nvSpPr>
+          <p:cNvPr id="3" name="Content Placeholder 2">
+            <a:extLst>
+              <a:ext uri="{FF2B5EF4-FFF2-40B4-BE49-F238E27FC236}">
+                <a16:creationId xmlns:a16="http://schemas.microsoft.com/office/drawing/2014/main" id="{EB2639B3-9964-4D3C-8F7B-F105DF97B6CE}"/>
+              </a:ext>
+            </a:extLst>
+          </p:cNvPr>
+          <p:cNvSpPr>
+            <a:spLocks noGrp="1"/>
+          </p:cNvSpPr>
+          <p:nvPr>
+            <p:ph idx="1"/>
+          </p:nvPr>
+        </p:nvSpPr>
+        <p:spPr>
+          <a:xfrm>
+            <a:off x="1024128" y="2286000"/>
+            <a:ext cx="9720071" cy="4023360"/>
+          </a:xfrm>
+        </p:spPr>
+        <p:txBody>
+          <a:bodyPr/>
+          <a:lstStyle/>
+          <a:p>
+            <a:r>
+              <a:rPr lang="en-GB" dirty="0"/>
+              <a:t>* Architect so that </a:t>
+            </a:r>
+            <a:r>
+              <a:rPr lang="en-GB" dirty="0">
+                <a:solidFill>
+                  <a:srgbClr val="0070C0"/>
+                </a:solidFill>
+              </a:rPr>
+              <a:t>copying data</a:t>
+            </a:r>
+            <a:r>
+              <a:rPr lang="en-GB" dirty="0"/>
+              <a:t> gets lesser across teams. </a:t>
+            </a:r>
+          </a:p>
+          <a:p>
+            <a:r>
+              <a:rPr lang="en-GB" dirty="0"/>
+              <a:t>* Define goal based on customers need. (Its not always ML or AI.)</a:t>
+            </a:r>
+          </a:p>
+          <a:p>
+            <a:endParaRPr lang="en-GB" dirty="0"/>
+          </a:p>
+          <a:p>
+            <a:endParaRPr lang="en-GB" dirty="0"/>
+          </a:p>
+          <a:p>
+            <a:endParaRPr lang="en-GB" dirty="0"/>
+          </a:p>
+        </p:txBody>
+      </p:sp>
+      <p:pic>
+        <p:nvPicPr>
+          <p:cNvPr id="5" name="Picture 4">
+            <a:extLst>
+              <a:ext uri="{FF2B5EF4-FFF2-40B4-BE49-F238E27FC236}">
+                <a16:creationId xmlns:a16="http://schemas.microsoft.com/office/drawing/2014/main" id="{1236E338-05AE-4A9B-8542-634904EB740C}"/>
+              </a:ext>
+            </a:extLst>
+          </p:cNvPr>
+          <p:cNvPicPr>
+            <a:picLocks noChangeAspect="1"/>
+          </p:cNvPicPr>
+          <p:nvPr/>
+        </p:nvPicPr>
+        <p:blipFill>
+          <a:blip r:embed="rId3"/>
+          <a:stretch>
+            <a:fillRect/>
+          </a:stretch>
+        </p:blipFill>
+        <p:spPr>
+          <a:xfrm>
+            <a:off x="2583492" y="3323191"/>
+            <a:ext cx="6601341" cy="3187337"/>
+          </a:xfrm>
+          <a:prstGeom prst="rect">
+            <a:avLst/>
+          </a:prstGeom>
+          <a:ln w="19050">
+            <a:solidFill>
+              <a:schemeClr val="accent2">
+                <a:lumMod val="50000"/>
+              </a:schemeClr>
+            </a:solidFill>
+          </a:ln>
+        </p:spPr>
+      </p:pic>
+    </p:spTree>
+    <p:extLst>
+      <p:ext uri="{BB962C8B-B14F-4D97-AF65-F5344CB8AC3E}">
+        <p14:creationId xmlns:p14="http://schemas.microsoft.com/office/powerpoint/2010/main" val="3275927977"/>
+      </p:ext>
+    </p:extLst>
+  </p:cSld>
+  <p:clrMapOvr>
+    <a:masterClrMapping/>
+  </p:clrMapOvr>
+</p:sld>
+</file>
+
+<file path=ppt/slides/slide25.xml><?xml version="1.0" encoding="utf-8"?>
+<p:sld xmlns:a="http://schemas.openxmlformats.org/drawingml/2006/main" xmlns:r="http://schemas.openxmlformats.org/officeDocument/2006/relationships" xmlns:p="http://schemas.openxmlformats.org/presentationml/2006/main">
+  <p:cSld>
+    <p:spTree>
+      <p:nvGrpSpPr>
+        <p:cNvPr id="1" name=""/>
+        <p:cNvGrpSpPr/>
+        <p:nvPr/>
+      </p:nvGrpSpPr>
+      <p:grpSpPr>
+        <a:xfrm>
+          <a:off x="0" y="0"/>
+          <a:ext cx="0" cy="0"/>
+          <a:chOff x="0" y="0"/>
+          <a:chExt cx="0" cy="0"/>
+        </a:xfrm>
+      </p:grpSpPr>
+      <p:sp>
+        <p:nvSpPr>
+          <p:cNvPr id="2" name="Title 1">
+            <a:extLst>
+              <a:ext uri="{FF2B5EF4-FFF2-40B4-BE49-F238E27FC236}">
+                <a16:creationId xmlns:a16="http://schemas.microsoft.com/office/drawing/2014/main" id="{295794FB-F369-40CB-8849-F2D3B69222C7}"/>
+              </a:ext>
+            </a:extLst>
+          </p:cNvPr>
+          <p:cNvSpPr>
+            <a:spLocks noGrp="1"/>
+          </p:cNvSpPr>
+          <p:nvPr>
+            <p:ph type="title"/>
+          </p:nvPr>
+        </p:nvSpPr>
+        <p:spPr/>
+        <p:txBody>
+          <a:bodyPr/>
+          <a:lstStyle/>
+          <a:p>
+            <a:r>
+              <a:rPr lang="en-GB" dirty="0"/>
+              <a:t>Before ending…</a:t>
+            </a:r>
+            <a:endParaRPr lang="en-IN" dirty="0"/>
+          </a:p>
+        </p:txBody>
+      </p:sp>
+      <p:pic>
+        <p:nvPicPr>
+          <p:cNvPr id="6" name="Content Placeholder 5">
+            <a:extLst>
+              <a:ext uri="{FF2B5EF4-FFF2-40B4-BE49-F238E27FC236}">
+                <a16:creationId xmlns:a16="http://schemas.microsoft.com/office/drawing/2014/main" id="{CC333717-D276-4BE7-85F8-3EF790B7814B}"/>
+              </a:ext>
+            </a:extLst>
+          </p:cNvPr>
+          <p:cNvPicPr>
+            <a:picLocks noGrp="1" noChangeAspect="1"/>
+          </p:cNvPicPr>
+          <p:nvPr>
+            <p:ph sz="half" idx="1"/>
+          </p:nvPr>
+        </p:nvPicPr>
+        <p:blipFill>
+          <a:blip r:embed="rId2">
+            <a:extLst>
+              <a:ext uri="{28A0092B-C50C-407E-A947-70E740481C1C}">
+                <a14:useLocalDpi xmlns:a14="http://schemas.microsoft.com/office/drawing/2010/main" val="0"/>
+              </a:ext>
+            </a:extLst>
+          </a:blip>
+          <a:stretch>
+            <a:fillRect/>
+          </a:stretch>
+        </p:blipFill>
+        <p:spPr>
+          <a:xfrm>
+            <a:off x="1793918" y="2286000"/>
+            <a:ext cx="3214601" cy="4022725"/>
+          </a:xfrm>
+        </p:spPr>
+      </p:pic>
+      <p:sp>
+        <p:nvSpPr>
+          <p:cNvPr id="4" name="Content Placeholder 3">
+            <a:extLst>
+              <a:ext uri="{FF2B5EF4-FFF2-40B4-BE49-F238E27FC236}">
+                <a16:creationId xmlns:a16="http://schemas.microsoft.com/office/drawing/2014/main" id="{EAB69F50-3E93-4B51-94B6-1E40447FED0E}"/>
+              </a:ext>
+            </a:extLst>
+          </p:cNvPr>
+          <p:cNvSpPr>
+            <a:spLocks noGrp="1"/>
+          </p:cNvSpPr>
+          <p:nvPr>
+            <p:ph sz="half" idx="2"/>
+          </p:nvPr>
+        </p:nvSpPr>
+        <p:spPr/>
+        <p:txBody>
+          <a:bodyPr/>
+          <a:lstStyle/>
+          <a:p>
+            <a:r>
+              <a:rPr lang="en-GB" dirty="0"/>
+              <a:t>* Don’t choose a data tech, just because you / your team knew it.</a:t>
+            </a:r>
+          </a:p>
+          <a:p>
+            <a:endParaRPr lang="en-GB" dirty="0"/>
+          </a:p>
+          <a:p>
+            <a:r>
+              <a:rPr lang="en-GB" dirty="0"/>
+              <a:t>* All the best for choosing right database for your need.</a:t>
+            </a:r>
+          </a:p>
+          <a:p>
+            <a:endParaRPr lang="en-GB" dirty="0"/>
+          </a:p>
+          <a:p>
+            <a:endParaRPr lang="en-GB" dirty="0"/>
+          </a:p>
+          <a:p>
+            <a:endParaRPr lang="en-IN" dirty="0"/>
+          </a:p>
+        </p:txBody>
+      </p:sp>
+    </p:spTree>
+    <p:extLst>
+      <p:ext uri="{BB962C8B-B14F-4D97-AF65-F5344CB8AC3E}">
+        <p14:creationId xmlns:p14="http://schemas.microsoft.com/office/powerpoint/2010/main" val="3061929665"/>
+      </p:ext>
+    </p:extLst>
+  </p:cSld>
+  <p:clrMapOvr>
+    <a:masterClrMapping/>
+  </p:clrMapOvr>
+</p:sld>
+</file>
+
+<file path=ppt/slides/slide26.xml><?xml version="1.0" encoding="utf-8"?>
+<p:sld xmlns:a="http://schemas.openxmlformats.org/drawingml/2006/main" xmlns:r="http://schemas.openxmlformats.org/officeDocument/2006/relationships" xmlns:p="http://schemas.openxmlformats.org/presentationml/2006/main">
+  <p:cSld>
+    <p:spTree>
+      <p:nvGrpSpPr>
+        <p:cNvPr id="1" name=""/>
+        <p:cNvGrpSpPr/>
+        <p:nvPr/>
+      </p:nvGrpSpPr>
+      <p:grpSpPr>
+        <a:xfrm>
+          <a:off x="0" y="0"/>
+          <a:ext cx="0" cy="0"/>
+          <a:chOff x="0" y="0"/>
+          <a:chExt cx="0" cy="0"/>
+        </a:xfrm>
+      </p:grpSpPr>
+      <p:sp>
+        <p:nvSpPr>
+          <p:cNvPr id="3" name="Rectangle 2">
+            <a:extLst>
+              <a:ext uri="{FF2B5EF4-FFF2-40B4-BE49-F238E27FC236}">
+                <a16:creationId xmlns:a16="http://schemas.microsoft.com/office/drawing/2014/main" id="{A0565B4C-0698-4E89-8C2C-1B292F5BC0F4}"/>
+              </a:ext>
+            </a:extLst>
+          </p:cNvPr>
+          <p:cNvSpPr/>
+          <p:nvPr/>
+        </p:nvSpPr>
+        <p:spPr>
+          <a:xfrm>
+            <a:off x="1170193" y="515292"/>
+            <a:ext cx="3148149" cy="707886"/>
+          </a:xfrm>
+          <a:prstGeom prst="rect">
+            <a:avLst/>
+          </a:prstGeom>
+        </p:spPr>
+        <p:txBody>
+          <a:bodyPr wrap="square">
+            <a:spAutoFit/>
+          </a:bodyPr>
+          <a:lstStyle/>
+          <a:p>
+            <a:r>
+              <a:rPr lang="en-IN" sz="2000" dirty="0">
+                <a:solidFill>
+                  <a:srgbClr val="C00000"/>
+                </a:solidFill>
+              </a:rPr>
+              <a:t>https://www.linkedin.com/in/</a:t>
+            </a:r>
+            <a:r>
+              <a:rPr lang="en-IN" sz="2000" b="1" dirty="0">
+                <a:solidFill>
+                  <a:srgbClr val="C00000"/>
+                </a:solidFill>
+              </a:rPr>
+              <a:t>dinesh-kumar-prabakaran </a:t>
+            </a:r>
+            <a:endParaRPr lang="en-IN" sz="2000" dirty="0">
+              <a:solidFill>
+                <a:srgbClr val="C00000"/>
+              </a:solidFill>
+            </a:endParaRPr>
+          </a:p>
+        </p:txBody>
+      </p:sp>
+      <p:pic>
+        <p:nvPicPr>
+          <p:cNvPr id="4" name="Picture 3">
+            <a:extLst>
+              <a:ext uri="{FF2B5EF4-FFF2-40B4-BE49-F238E27FC236}">
+                <a16:creationId xmlns:a16="http://schemas.microsoft.com/office/drawing/2014/main" id="{AFE108C9-45B8-4ACD-B48D-53826E73B005}"/>
+              </a:ext>
+            </a:extLst>
+          </p:cNvPr>
+          <p:cNvPicPr>
+            <a:picLocks noChangeAspect="1"/>
+          </p:cNvPicPr>
+          <p:nvPr/>
+        </p:nvPicPr>
+        <p:blipFill>
+          <a:blip r:embed="rId2">
+            <a:extLst>
+              <a:ext uri="{28A0092B-C50C-407E-A947-70E740481C1C}">
+                <a14:useLocalDpi xmlns:a14="http://schemas.microsoft.com/office/drawing/2010/main" val="0"/>
+              </a:ext>
+            </a:extLst>
+          </a:blip>
+          <a:stretch>
+            <a:fillRect/>
+          </a:stretch>
+        </p:blipFill>
+        <p:spPr>
+          <a:xfrm>
+            <a:off x="1097280" y="1496515"/>
+            <a:ext cx="3365411" cy="4846193"/>
+          </a:xfrm>
+          <a:prstGeom prst="rect">
+            <a:avLst/>
+          </a:prstGeom>
+        </p:spPr>
+      </p:pic>
+      <p:pic>
+        <p:nvPicPr>
+          <p:cNvPr id="5" name="Picture 4">
+            <a:extLst>
+              <a:ext uri="{FF2B5EF4-FFF2-40B4-BE49-F238E27FC236}">
+                <a16:creationId xmlns:a16="http://schemas.microsoft.com/office/drawing/2014/main" id="{61376E4F-8E86-4ADF-8710-310054EE79B7}"/>
+              </a:ext>
+            </a:extLst>
+          </p:cNvPr>
+          <p:cNvPicPr>
+            <a:picLocks noChangeAspect="1"/>
+          </p:cNvPicPr>
+          <p:nvPr/>
+        </p:nvPicPr>
+        <p:blipFill>
+          <a:blip r:embed="rId3"/>
+          <a:stretch>
+            <a:fillRect/>
+          </a:stretch>
+        </p:blipFill>
+        <p:spPr>
+          <a:xfrm>
+            <a:off x="1241628" y="5490041"/>
+            <a:ext cx="3076714" cy="746218"/>
+          </a:xfrm>
+          <a:prstGeom prst="rect">
+            <a:avLst/>
+          </a:prstGeom>
+        </p:spPr>
+      </p:pic>
+      <p:sp>
+        <p:nvSpPr>
+          <p:cNvPr id="2" name="Rectangle 1">
+            <a:extLst>
+              <a:ext uri="{FF2B5EF4-FFF2-40B4-BE49-F238E27FC236}">
+                <a16:creationId xmlns:a16="http://schemas.microsoft.com/office/drawing/2014/main" id="{14EA8E2C-6A3B-464A-B046-52F1BE510043}"/>
+              </a:ext>
+            </a:extLst>
+          </p:cNvPr>
+          <p:cNvSpPr/>
+          <p:nvPr/>
+        </p:nvSpPr>
+        <p:spPr>
+          <a:xfrm>
+            <a:off x="5793173" y="2327254"/>
+            <a:ext cx="5091650" cy="1569660"/>
+          </a:xfrm>
+          <a:prstGeom prst="rect">
+            <a:avLst/>
+          </a:prstGeom>
+          <a:noFill/>
+        </p:spPr>
+        <p:txBody>
+          <a:bodyPr wrap="none" lIns="91440" tIns="45720" rIns="91440" bIns="45720">
+            <a:spAutoFit/>
+          </a:bodyPr>
+          <a:lstStyle/>
+          <a:p>
+            <a:pPr algn="ctr"/>
+            <a:r>
+              <a:rPr lang="en-US" sz="9600" dirty="0">
+                <a:ln w="0"/>
+                <a:solidFill>
+                  <a:schemeClr val="accent1"/>
+                </a:solidFill>
+                <a:effectLst>
+                  <a:outerShdw blurRad="38100" dist="25400" dir="5400000" algn="ctr" rotWithShape="0">
+                    <a:srgbClr val="6E747A">
+                      <a:alpha val="43000"/>
+                    </a:srgbClr>
+                  </a:outerShdw>
+                </a:effectLst>
+              </a:rPr>
+              <a:t>Thank you</a:t>
+            </a:r>
+            <a:endParaRPr lang="en-US" sz="9600" b="0" cap="none" spc="0" dirty="0">
+              <a:ln w="0"/>
+              <a:solidFill>
+                <a:schemeClr val="accent1"/>
+              </a:solidFill>
+              <a:effectLst>
+                <a:outerShdw blurRad="38100" dist="25400" dir="5400000" algn="ctr" rotWithShape="0">
+                  <a:srgbClr val="6E747A">
+                    <a:alpha val="43000"/>
+                  </a:srgbClr>
+                </a:outerShdw>
+              </a:effectLst>
+            </a:endParaRPr>
+          </a:p>
+        </p:txBody>
+      </p:sp>
+      <p:sp>
+        <p:nvSpPr>
+          <p:cNvPr id="6" name="Rectangle 5">
+            <a:extLst>
+              <a:ext uri="{FF2B5EF4-FFF2-40B4-BE49-F238E27FC236}">
+                <a16:creationId xmlns:a16="http://schemas.microsoft.com/office/drawing/2014/main" id="{1B351620-7136-4C75-8446-A9390BE83643}"/>
+              </a:ext>
+            </a:extLst>
+          </p:cNvPr>
+          <p:cNvSpPr/>
+          <p:nvPr/>
+        </p:nvSpPr>
+        <p:spPr>
+          <a:xfrm>
+            <a:off x="5341222" y="3677194"/>
+            <a:ext cx="5995552" cy="1569660"/>
+          </a:xfrm>
+          <a:prstGeom prst="rect">
+            <a:avLst/>
+          </a:prstGeom>
+          <a:noFill/>
+        </p:spPr>
+        <p:txBody>
+          <a:bodyPr wrap="none" lIns="91440" tIns="45720" rIns="91440" bIns="45720">
+            <a:spAutoFit/>
+          </a:bodyPr>
+          <a:lstStyle/>
+          <a:p>
+            <a:pPr algn="ctr"/>
+            <a:r>
+              <a:rPr lang="en-US" sz="9600" b="1" spc="50" dirty="0">
+                <a:ln w="9525" cmpd="sng">
+                  <a:solidFill>
+                    <a:schemeClr val="accent1"/>
+                  </a:solidFill>
+                  <a:prstDash val="solid"/>
+                </a:ln>
+                <a:solidFill>
+                  <a:srgbClr val="70AD47">
+                    <a:tint val="1000"/>
+                  </a:srgbClr>
+                </a:solidFill>
+                <a:effectLst>
+                  <a:glow rad="38100">
+                    <a:schemeClr val="accent1">
+                      <a:alpha val="40000"/>
+                    </a:schemeClr>
+                  </a:glow>
+                </a:effectLst>
+              </a:rPr>
+              <a:t>Questions?</a:t>
+            </a:r>
+            <a:endParaRPr lang="en-US" sz="9600" b="1" cap="none" spc="50" dirty="0">
+              <a:ln w="9525" cmpd="sng">
+                <a:solidFill>
+                  <a:schemeClr val="accent1"/>
+                </a:solidFill>
+                <a:prstDash val="solid"/>
+              </a:ln>
+              <a:solidFill>
+                <a:srgbClr val="70AD47">
+                  <a:tint val="1000"/>
+                </a:srgbClr>
+              </a:solidFill>
+              <a:effectLst>
+                <a:glow rad="38100">
+                  <a:schemeClr val="accent1">
+                    <a:alpha val="40000"/>
+                  </a:schemeClr>
+                </a:glow>
+              </a:effectLst>
+            </a:endParaRPr>
+          </a:p>
+        </p:txBody>
+      </p:sp>
+    </p:spTree>
+    <p:extLst>
+      <p:ext uri="{BB962C8B-B14F-4D97-AF65-F5344CB8AC3E}">
+        <p14:creationId xmlns:p14="http://schemas.microsoft.com/office/powerpoint/2010/main" val="375182562"/>
       </p:ext>
     </p:extLst>
   </p:cSld>
@@ -26337,7 +26906,7 @@
           <a:p>
             <a:r>
               <a:rPr lang="en-GB" dirty="0"/>
-              <a:t>1 Demystify &amp; Best fit scenarios for Database, Data warehouse, Data Lake.</a:t>
+              <a:t>1 Demystify, recommended scenarios for Database, Data warehouse, Data Lake.</a:t>
             </a:r>
           </a:p>
           <a:p>
@@ -26390,7 +26959,7 @@
           <p:nvPr/>
         </p:nvPicPr>
         <p:blipFill>
-          <a:blip r:embed="rId2">
+          <a:blip r:embed="rId3">
             <a:extLst>
               <a:ext uri="{28A0092B-C50C-407E-A947-70E740481C1C}">
                 <a14:useLocalDpi xmlns:a14="http://schemas.microsoft.com/office/drawing/2010/main" val="0"/>
@@ -26437,7 +27006,7 @@
           <p:nvPr/>
         </p:nvPicPr>
         <p:blipFill>
-          <a:blip r:embed="rId3">
+          <a:blip r:embed="rId4">
             <a:extLst>
               <a:ext uri="{28A0092B-C50C-407E-A947-70E740481C1C}">
                 <a14:useLocalDpi xmlns:a14="http://schemas.microsoft.com/office/drawing/2010/main" val="0"/>
@@ -26483,471 +27052,6 @@
 </file>
 
 <file path=ppt/slides/slide4.xml><?xml version="1.0" encoding="utf-8"?>
-<p:sld xmlns:a="http://schemas.openxmlformats.org/drawingml/2006/main" xmlns:r="http://schemas.openxmlformats.org/officeDocument/2006/relationships" xmlns:p="http://schemas.openxmlformats.org/presentationml/2006/main">
-  <p:cSld>
-    <p:spTree>
-      <p:nvGrpSpPr>
-        <p:cNvPr id="1" name=""/>
-        <p:cNvGrpSpPr/>
-        <p:nvPr/>
-      </p:nvGrpSpPr>
-      <p:grpSpPr>
-        <a:xfrm>
-          <a:off x="0" y="0"/>
-          <a:ext cx="0" cy="0"/>
-          <a:chOff x="0" y="0"/>
-          <a:chExt cx="0" cy="0"/>
-        </a:xfrm>
-      </p:grpSpPr>
-      <p:sp>
-        <p:nvSpPr>
-          <p:cNvPr id="2" name="Title 1">
-            <a:extLst>
-              <a:ext uri="{FF2B5EF4-FFF2-40B4-BE49-F238E27FC236}">
-                <a16:creationId xmlns:a16="http://schemas.microsoft.com/office/drawing/2014/main" id="{A958C098-10EC-476B-9979-1E5A4A9D0EE4}"/>
-              </a:ext>
-            </a:extLst>
-          </p:cNvPr>
-          <p:cNvSpPr>
-            <a:spLocks noGrp="1"/>
-          </p:cNvSpPr>
-          <p:nvPr>
-            <p:ph type="title"/>
-          </p:nvPr>
-        </p:nvSpPr>
-        <p:spPr>
-          <a:xfrm>
-            <a:off x="838199" y="291090"/>
-            <a:ext cx="10515599" cy="932688"/>
-          </a:xfrm>
-        </p:spPr>
-        <p:txBody>
-          <a:bodyPr vert="horz" lIns="91440" tIns="45720" rIns="91440" bIns="45720" rtlCol="0" anchor="b">
-            <a:normAutofit/>
-          </a:bodyPr>
-          <a:lstStyle/>
-          <a:p>
-            <a:pPr algn="ctr"/>
-            <a:r>
-              <a:rPr lang="en-US" sz="5400" kern="1200" dirty="0">
-                <a:solidFill>
-                  <a:schemeClr val="tx1"/>
-                </a:solidFill>
-                <a:latin typeface="+mj-lt"/>
-                <a:ea typeface="+mj-ea"/>
-                <a:cs typeface="+mj-cs"/>
-              </a:rPr>
-              <a:t>Database options</a:t>
-            </a:r>
-          </a:p>
-        </p:txBody>
-      </p:sp>
-      <p:pic>
-        <p:nvPicPr>
-          <p:cNvPr id="3" name="Picture 2" descr="A screenshot of a cell phone&#10;&#10;Description automatically generated">
-            <a:extLst>
-              <a:ext uri="{FF2B5EF4-FFF2-40B4-BE49-F238E27FC236}">
-                <a16:creationId xmlns:a16="http://schemas.microsoft.com/office/drawing/2014/main" id="{195EAD6F-A24B-42B2-B3D0-7780C8180E88}"/>
-              </a:ext>
-            </a:extLst>
-          </p:cNvPr>
-          <p:cNvPicPr>
-            <a:picLocks noChangeAspect="1"/>
-          </p:cNvPicPr>
-          <p:nvPr/>
-        </p:nvPicPr>
-        <p:blipFill>
-          <a:blip r:embed="rId3"/>
-          <a:stretch>
-            <a:fillRect/>
-          </a:stretch>
-        </p:blipFill>
-        <p:spPr>
-          <a:xfrm>
-            <a:off x="902145" y="1863801"/>
-            <a:ext cx="10387708" cy="4440746"/>
-          </a:xfrm>
-          <a:prstGeom prst="rect">
-            <a:avLst/>
-          </a:prstGeom>
-        </p:spPr>
-      </p:pic>
-    </p:spTree>
-    <p:extLst>
-      <p:ext uri="{BB962C8B-B14F-4D97-AF65-F5344CB8AC3E}">
-        <p14:creationId xmlns:p14="http://schemas.microsoft.com/office/powerpoint/2010/main" val="2660816210"/>
-      </p:ext>
-    </p:extLst>
-  </p:cSld>
-  <p:clrMapOvr>
-    <a:masterClrMapping/>
-  </p:clrMapOvr>
-</p:sld>
-</file>
-
-<file path=ppt/slides/slide5.xml><?xml version="1.0" encoding="utf-8"?>
-<p:sld xmlns:a="http://schemas.openxmlformats.org/drawingml/2006/main" xmlns:r="http://schemas.openxmlformats.org/officeDocument/2006/relationships" xmlns:p="http://schemas.openxmlformats.org/presentationml/2006/main">
-  <p:cSld>
-    <p:spTree>
-      <p:nvGrpSpPr>
-        <p:cNvPr id="1" name=""/>
-        <p:cNvGrpSpPr/>
-        <p:nvPr/>
-      </p:nvGrpSpPr>
-      <p:grpSpPr>
-        <a:xfrm>
-          <a:off x="0" y="0"/>
-          <a:ext cx="0" cy="0"/>
-          <a:chOff x="0" y="0"/>
-          <a:chExt cx="0" cy="0"/>
-        </a:xfrm>
-      </p:grpSpPr>
-      <p:sp>
-        <p:nvSpPr>
-          <p:cNvPr id="2" name="Title 1">
-            <a:extLst>
-              <a:ext uri="{FF2B5EF4-FFF2-40B4-BE49-F238E27FC236}">
-                <a16:creationId xmlns:a16="http://schemas.microsoft.com/office/drawing/2014/main" id="{F19B852D-86F5-4DD9-A04D-4D534AFC7C4E}"/>
-              </a:ext>
-            </a:extLst>
-          </p:cNvPr>
-          <p:cNvSpPr>
-            <a:spLocks noGrp="1"/>
-          </p:cNvSpPr>
-          <p:nvPr>
-            <p:ph type="title"/>
-          </p:nvPr>
-        </p:nvSpPr>
-        <p:spPr>
-          <a:xfrm>
-            <a:off x="6746628" y="1783959"/>
-            <a:ext cx="4645250" cy="2889114"/>
-          </a:xfrm>
-        </p:spPr>
-        <p:txBody>
-          <a:bodyPr vert="horz" lIns="91440" tIns="45720" rIns="91440" bIns="45720" rtlCol="0" anchor="b">
-            <a:normAutofit/>
-          </a:bodyPr>
-          <a:lstStyle/>
-          <a:p>
-            <a:r>
-              <a:rPr lang="en-US" sz="6000" dirty="0" err="1"/>
-              <a:t>Dosa</a:t>
-            </a:r>
-            <a:r>
-              <a:rPr lang="en-US" sz="6000" dirty="0"/>
-              <a:t> options !!</a:t>
-            </a:r>
-          </a:p>
-        </p:txBody>
-      </p:sp>
-      <p:pic>
-        <p:nvPicPr>
-          <p:cNvPr id="5122" name="Picture 2" descr="https://im1.dineout.co.in/images/uploads/restaurant/sharpen/1/x/v/m1274-15276794335b0e89c91cc61.jpg?tr=tr:n-xlarge">
-            <a:extLst>
-              <a:ext uri="{FF2B5EF4-FFF2-40B4-BE49-F238E27FC236}">
-                <a16:creationId xmlns:a16="http://schemas.microsoft.com/office/drawing/2014/main" id="{6B6EE36B-648E-482E-B70D-AE919E794868}"/>
-              </a:ext>
-            </a:extLst>
-          </p:cNvPr>
-          <p:cNvPicPr>
-            <a:picLocks noChangeAspect="1" noChangeArrowheads="1"/>
-          </p:cNvPicPr>
-          <p:nvPr/>
-        </p:nvPicPr>
-        <p:blipFill rotWithShape="1">
-          <a:blip r:embed="rId3">
-            <a:extLst>
-              <a:ext uri="{28A0092B-C50C-407E-A947-70E740481C1C}">
-                <a14:useLocalDpi xmlns:a14="http://schemas.microsoft.com/office/drawing/2010/main" val="0"/>
-              </a:ext>
-            </a:extLst>
-          </a:blip>
-          <a:srcRect t="23569" r="-1" b="15525"/>
-          <a:stretch/>
-        </p:blipFill>
-        <p:spPr bwMode="auto">
-          <a:xfrm>
-            <a:off x="20" y="10"/>
-            <a:ext cx="6024134" cy="6857990"/>
-          </a:xfrm>
-          <a:custGeom>
-            <a:avLst/>
-            <a:gdLst>
-              <a:gd name="connsiteX0" fmla="*/ 0 w 6024154"/>
-              <a:gd name="connsiteY0" fmla="*/ 0 h 6858000"/>
-              <a:gd name="connsiteX1" fmla="*/ 5953780 w 6024154"/>
-              <a:gd name="connsiteY1" fmla="*/ 0 h 6858000"/>
-              <a:gd name="connsiteX2" fmla="*/ 5989880 w 6024154"/>
-              <a:gd name="connsiteY2" fmla="*/ 284091 h 6858000"/>
-              <a:gd name="connsiteX3" fmla="*/ 6024154 w 6024154"/>
-              <a:gd name="connsiteY3" fmla="*/ 962844 h 6858000"/>
-              <a:gd name="connsiteX4" fmla="*/ 2549934 w 6024154"/>
-              <a:gd name="connsiteY4" fmla="*/ 6800152 h 6858000"/>
-              <a:gd name="connsiteX5" fmla="*/ 2436987 w 6024154"/>
-              <a:gd name="connsiteY5" fmla="*/ 6858000 h 6858000"/>
-              <a:gd name="connsiteX6" fmla="*/ 0 w 6024154"/>
-              <a:gd name="connsiteY6" fmla="*/ 6858000 h 6858000"/>
-            </a:gdLst>
-            <a:ahLst/>
-            <a:cxnLst>
-              <a:cxn ang="0">
-                <a:pos x="connsiteX0" y="connsiteY0"/>
-              </a:cxn>
-              <a:cxn ang="0">
-                <a:pos x="connsiteX1" y="connsiteY1"/>
-              </a:cxn>
-              <a:cxn ang="0">
-                <a:pos x="connsiteX2" y="connsiteY2"/>
-              </a:cxn>
-              <a:cxn ang="0">
-                <a:pos x="connsiteX3" y="connsiteY3"/>
-              </a:cxn>
-              <a:cxn ang="0">
-                <a:pos x="connsiteX4" y="connsiteY4"/>
-              </a:cxn>
-              <a:cxn ang="0">
-                <a:pos x="connsiteX5" y="connsiteY5"/>
-              </a:cxn>
-              <a:cxn ang="0">
-                <a:pos x="connsiteX6" y="connsiteY6"/>
-              </a:cxn>
-            </a:cxnLst>
-            <a:rect l="l" t="t" r="r" b="b"/>
-            <a:pathLst>
-              <a:path w="6024154" h="6858000">
-                <a:moveTo>
-                  <a:pt x="0" y="0"/>
-                </a:moveTo>
-                <a:lnTo>
-                  <a:pt x="5953780" y="0"/>
-                </a:lnTo>
-                <a:lnTo>
-                  <a:pt x="5989880" y="284091"/>
-                </a:lnTo>
-                <a:cubicBezTo>
-                  <a:pt x="6012544" y="507260"/>
-                  <a:pt x="6024154" y="733696"/>
-                  <a:pt x="6024154" y="962844"/>
-                </a:cubicBezTo>
-                <a:cubicBezTo>
-                  <a:pt x="6024154" y="3483472"/>
-                  <a:pt x="4619336" y="5675986"/>
-                  <a:pt x="2549934" y="6800152"/>
-                </a:cubicBezTo>
-                <a:lnTo>
-                  <a:pt x="2436987" y="6858000"/>
-                </a:lnTo>
-                <a:lnTo>
-                  <a:pt x="0" y="6858000"/>
-                </a:lnTo>
-                <a:close/>
-              </a:path>
-            </a:pathLst>
-          </a:custGeom>
-          <a:noFill/>
-          <a:extLst>
-            <a:ext uri="{909E8E84-426E-40DD-AFC4-6F175D3DCCD1}">
-              <a14:hiddenFill xmlns:a14="http://schemas.microsoft.com/office/drawing/2010/main">
-                <a:solidFill>
-                  <a:srgbClr val="FFFFFF"/>
-                </a:solidFill>
-              </a14:hiddenFill>
-            </a:ext>
-          </a:extLst>
-        </p:spPr>
-      </p:pic>
-    </p:spTree>
-    <p:extLst>
-      <p:ext uri="{BB962C8B-B14F-4D97-AF65-F5344CB8AC3E}">
-        <p14:creationId xmlns:p14="http://schemas.microsoft.com/office/powerpoint/2010/main" val="1490247743"/>
-      </p:ext>
-    </p:extLst>
-  </p:cSld>
-  <p:clrMapOvr>
-    <a:masterClrMapping/>
-  </p:clrMapOvr>
-</p:sld>
-</file>
-
-<file path=ppt/slides/slide6.xml><?xml version="1.0" encoding="utf-8"?>
-<p:sld xmlns:a="http://schemas.openxmlformats.org/drawingml/2006/main" xmlns:r="http://schemas.openxmlformats.org/officeDocument/2006/relationships" xmlns:p="http://schemas.openxmlformats.org/presentationml/2006/main">
-  <p:cSld>
-    <p:spTree>
-      <p:nvGrpSpPr>
-        <p:cNvPr id="1" name=""/>
-        <p:cNvGrpSpPr/>
-        <p:nvPr/>
-      </p:nvGrpSpPr>
-      <p:grpSpPr>
-        <a:xfrm>
-          <a:off x="0" y="0"/>
-          <a:ext cx="0" cy="0"/>
-          <a:chOff x="0" y="0"/>
-          <a:chExt cx="0" cy="0"/>
-        </a:xfrm>
-      </p:grpSpPr>
-      <p:sp>
-        <p:nvSpPr>
-          <p:cNvPr id="2" name="Title 1">
-            <a:extLst>
-              <a:ext uri="{FF2B5EF4-FFF2-40B4-BE49-F238E27FC236}">
-                <a16:creationId xmlns:a16="http://schemas.microsoft.com/office/drawing/2014/main" id="{6FF7059E-78AF-4A18-BCFD-0635E2B41135}"/>
-              </a:ext>
-            </a:extLst>
-          </p:cNvPr>
-          <p:cNvSpPr>
-            <a:spLocks noGrp="1"/>
-          </p:cNvSpPr>
-          <p:nvPr>
-            <p:ph type="title"/>
-          </p:nvPr>
-        </p:nvSpPr>
-        <p:spPr/>
-        <p:txBody>
-          <a:bodyPr>
-            <a:normAutofit/>
-          </a:bodyPr>
-          <a:lstStyle/>
-          <a:p>
-            <a:r>
-              <a:rPr lang="en-GB" dirty="0"/>
-              <a:t>End goal of a data architecture – </a:t>
-            </a:r>
-            <a:br>
-              <a:rPr lang="en-GB" dirty="0"/>
-            </a:br>
-            <a:r>
-              <a:rPr lang="en-GB" dirty="0"/>
-              <a:t>Allow USER to take SMART decisions </a:t>
-            </a:r>
-            <a:endParaRPr lang="en-IN" dirty="0"/>
-          </a:p>
-        </p:txBody>
-      </p:sp>
-      <p:sp>
-        <p:nvSpPr>
-          <p:cNvPr id="3" name="Content Placeholder 2">
-            <a:extLst>
-              <a:ext uri="{FF2B5EF4-FFF2-40B4-BE49-F238E27FC236}">
-                <a16:creationId xmlns:a16="http://schemas.microsoft.com/office/drawing/2014/main" id="{EB2639B3-9964-4D3C-8F7B-F105DF97B6CE}"/>
-              </a:ext>
-            </a:extLst>
-          </p:cNvPr>
-          <p:cNvSpPr>
-            <a:spLocks noGrp="1"/>
-          </p:cNvSpPr>
-          <p:nvPr>
-            <p:ph idx="1"/>
-          </p:nvPr>
-        </p:nvSpPr>
-        <p:spPr>
-          <a:xfrm>
-            <a:off x="1024129" y="2286000"/>
-            <a:ext cx="4109574" cy="4023360"/>
-          </a:xfrm>
-        </p:spPr>
-        <p:txBody>
-          <a:bodyPr/>
-          <a:lstStyle/>
-          <a:p>
-            <a:r>
-              <a:rPr lang="en-GB" dirty="0"/>
-              <a:t>* Don’t choose a data tech, just because you / your team knew it.</a:t>
-            </a:r>
-          </a:p>
-          <a:p>
-            <a:endParaRPr lang="en-GB" dirty="0"/>
-          </a:p>
-          <a:p>
-            <a:r>
-              <a:rPr lang="en-GB" dirty="0"/>
-              <a:t>* Architect such that </a:t>
-            </a:r>
-            <a:r>
-              <a:rPr lang="en-GB" dirty="0">
-                <a:solidFill>
-                  <a:srgbClr val="0070C0"/>
-                </a:solidFill>
-              </a:rPr>
-              <a:t>copying data</a:t>
-            </a:r>
-            <a:r>
-              <a:rPr lang="en-GB" dirty="0"/>
-              <a:t> is lesser across teams. It is an obstacle for data democratization.</a:t>
-            </a:r>
-          </a:p>
-          <a:p>
-            <a:endParaRPr lang="en-GB" dirty="0"/>
-          </a:p>
-          <a:p>
-            <a:r>
-              <a:rPr lang="en-GB" dirty="0"/>
-              <a:t>* Define goal based on customers need. (Its not always ML or AI.)</a:t>
-            </a:r>
-          </a:p>
-          <a:p>
-            <a:endParaRPr lang="en-GB" dirty="0"/>
-          </a:p>
-          <a:p>
-            <a:endParaRPr lang="en-GB" dirty="0"/>
-          </a:p>
-          <a:p>
-            <a:endParaRPr lang="en-GB" dirty="0"/>
-          </a:p>
-        </p:txBody>
-      </p:sp>
-      <p:pic>
-        <p:nvPicPr>
-          <p:cNvPr id="5" name="Picture 4">
-            <a:extLst>
-              <a:ext uri="{FF2B5EF4-FFF2-40B4-BE49-F238E27FC236}">
-                <a16:creationId xmlns:a16="http://schemas.microsoft.com/office/drawing/2014/main" id="{1236E338-05AE-4A9B-8542-634904EB740C}"/>
-              </a:ext>
-            </a:extLst>
-          </p:cNvPr>
-          <p:cNvPicPr>
-            <a:picLocks noChangeAspect="1"/>
-          </p:cNvPicPr>
-          <p:nvPr/>
-        </p:nvPicPr>
-        <p:blipFill>
-          <a:blip r:embed="rId3"/>
-          <a:stretch>
-            <a:fillRect/>
-          </a:stretch>
-        </p:blipFill>
-        <p:spPr>
-          <a:xfrm>
-            <a:off x="5290457" y="2704011"/>
-            <a:ext cx="6601341" cy="3187337"/>
-          </a:xfrm>
-          <a:prstGeom prst="rect">
-            <a:avLst/>
-          </a:prstGeom>
-          <a:ln w="19050">
-            <a:solidFill>
-              <a:schemeClr val="accent2">
-                <a:lumMod val="50000"/>
-              </a:schemeClr>
-            </a:solidFill>
-          </a:ln>
-        </p:spPr>
-      </p:pic>
-    </p:spTree>
-    <p:extLst>
-      <p:ext uri="{BB962C8B-B14F-4D97-AF65-F5344CB8AC3E}">
-        <p14:creationId xmlns:p14="http://schemas.microsoft.com/office/powerpoint/2010/main" val="3275927977"/>
-      </p:ext>
-    </p:extLst>
-  </p:cSld>
-  <p:clrMapOvr>
-    <a:masterClrMapping/>
-  </p:clrMapOvr>
-</p:sld>
-</file>
-
-<file path=ppt/slides/slide7.xml><?xml version="1.0" encoding="utf-8"?>
 <p:sld xmlns:a="http://schemas.openxmlformats.org/drawingml/2006/main" xmlns:r="http://schemas.openxmlformats.org/officeDocument/2006/relationships" xmlns:p="http://schemas.openxmlformats.org/presentationml/2006/main">
   <p:cSld>
     <p:spTree>
@@ -27057,7 +27161,231 @@
 </p:sld>
 </file>
 
-<file path=ppt/slides/slide8.xml><?xml version="1.0" encoding="utf-8"?>
+<file path=ppt/slides/slide5.xml><?xml version="1.0" encoding="utf-8"?>
+<p:sld xmlns:a="http://schemas.openxmlformats.org/drawingml/2006/main" xmlns:r="http://schemas.openxmlformats.org/officeDocument/2006/relationships" xmlns:p="http://schemas.openxmlformats.org/presentationml/2006/main">
+  <p:cSld>
+    <p:spTree>
+      <p:nvGrpSpPr>
+        <p:cNvPr id="1" name=""/>
+        <p:cNvGrpSpPr/>
+        <p:nvPr/>
+      </p:nvGrpSpPr>
+      <p:grpSpPr>
+        <a:xfrm>
+          <a:off x="0" y="0"/>
+          <a:ext cx="0" cy="0"/>
+          <a:chOff x="0" y="0"/>
+          <a:chExt cx="0" cy="0"/>
+        </a:xfrm>
+      </p:grpSpPr>
+      <p:pic>
+        <p:nvPicPr>
+          <p:cNvPr id="5122" name="Picture 2" descr="https://im1.dineout.co.in/images/uploads/restaurant/sharpen/1/x/v/m1274-15276794335b0e89c91cc61.jpg?tr=tr:n-xlarge">
+            <a:extLst>
+              <a:ext uri="{FF2B5EF4-FFF2-40B4-BE49-F238E27FC236}">
+                <a16:creationId xmlns:a16="http://schemas.microsoft.com/office/drawing/2014/main" id="{6B6EE36B-648E-482E-B70D-AE919E794868}"/>
+              </a:ext>
+            </a:extLst>
+          </p:cNvPr>
+          <p:cNvPicPr>
+            <a:picLocks noChangeAspect="1" noChangeArrowheads="1"/>
+          </p:cNvPicPr>
+          <p:nvPr/>
+        </p:nvPicPr>
+        <p:blipFill rotWithShape="1">
+          <a:blip r:embed="rId3">
+            <a:extLst>
+              <a:ext uri="{28A0092B-C50C-407E-A947-70E740481C1C}">
+                <a14:useLocalDpi xmlns:a14="http://schemas.microsoft.com/office/drawing/2010/main" val="0"/>
+              </a:ext>
+            </a:extLst>
+          </a:blip>
+          <a:srcRect t="23569" r="-1" b="15525"/>
+          <a:stretch/>
+        </p:blipFill>
+        <p:spPr bwMode="auto">
+          <a:xfrm>
+            <a:off x="0" y="10"/>
+            <a:ext cx="6024134" cy="6857990"/>
+          </a:xfrm>
+          <a:custGeom>
+            <a:avLst/>
+            <a:gdLst>
+              <a:gd name="connsiteX0" fmla="*/ 0 w 6024154"/>
+              <a:gd name="connsiteY0" fmla="*/ 0 h 6858000"/>
+              <a:gd name="connsiteX1" fmla="*/ 5953780 w 6024154"/>
+              <a:gd name="connsiteY1" fmla="*/ 0 h 6858000"/>
+              <a:gd name="connsiteX2" fmla="*/ 5989880 w 6024154"/>
+              <a:gd name="connsiteY2" fmla="*/ 284091 h 6858000"/>
+              <a:gd name="connsiteX3" fmla="*/ 6024154 w 6024154"/>
+              <a:gd name="connsiteY3" fmla="*/ 962844 h 6858000"/>
+              <a:gd name="connsiteX4" fmla="*/ 2549934 w 6024154"/>
+              <a:gd name="connsiteY4" fmla="*/ 6800152 h 6858000"/>
+              <a:gd name="connsiteX5" fmla="*/ 2436987 w 6024154"/>
+              <a:gd name="connsiteY5" fmla="*/ 6858000 h 6858000"/>
+              <a:gd name="connsiteX6" fmla="*/ 0 w 6024154"/>
+              <a:gd name="connsiteY6" fmla="*/ 6858000 h 6858000"/>
+            </a:gdLst>
+            <a:ahLst/>
+            <a:cxnLst>
+              <a:cxn ang="0">
+                <a:pos x="connsiteX0" y="connsiteY0"/>
+              </a:cxn>
+              <a:cxn ang="0">
+                <a:pos x="connsiteX1" y="connsiteY1"/>
+              </a:cxn>
+              <a:cxn ang="0">
+                <a:pos x="connsiteX2" y="connsiteY2"/>
+              </a:cxn>
+              <a:cxn ang="0">
+                <a:pos x="connsiteX3" y="connsiteY3"/>
+              </a:cxn>
+              <a:cxn ang="0">
+                <a:pos x="connsiteX4" y="connsiteY4"/>
+              </a:cxn>
+              <a:cxn ang="0">
+                <a:pos x="connsiteX5" y="connsiteY5"/>
+              </a:cxn>
+              <a:cxn ang="0">
+                <a:pos x="connsiteX6" y="connsiteY6"/>
+              </a:cxn>
+            </a:cxnLst>
+            <a:rect l="l" t="t" r="r" b="b"/>
+            <a:pathLst>
+              <a:path w="6024154" h="6858000">
+                <a:moveTo>
+                  <a:pt x="0" y="0"/>
+                </a:moveTo>
+                <a:lnTo>
+                  <a:pt x="5953780" y="0"/>
+                </a:lnTo>
+                <a:lnTo>
+                  <a:pt x="5989880" y="284091"/>
+                </a:lnTo>
+                <a:cubicBezTo>
+                  <a:pt x="6012544" y="507260"/>
+                  <a:pt x="6024154" y="733696"/>
+                  <a:pt x="6024154" y="962844"/>
+                </a:cubicBezTo>
+                <a:cubicBezTo>
+                  <a:pt x="6024154" y="3483472"/>
+                  <a:pt x="4619336" y="5675986"/>
+                  <a:pt x="2549934" y="6800152"/>
+                </a:cubicBezTo>
+                <a:lnTo>
+                  <a:pt x="2436987" y="6858000"/>
+                </a:lnTo>
+                <a:lnTo>
+                  <a:pt x="0" y="6858000"/>
+                </a:lnTo>
+                <a:close/>
+              </a:path>
+            </a:pathLst>
+          </a:custGeom>
+          <a:noFill/>
+          <a:extLst>
+            <a:ext uri="{909E8E84-426E-40DD-AFC4-6F175D3DCCD1}">
+              <a14:hiddenFill xmlns:a14="http://schemas.microsoft.com/office/drawing/2010/main">
+                <a:solidFill>
+                  <a:srgbClr val="FFFFFF"/>
+                </a:solidFill>
+              </a14:hiddenFill>
+            </a:ext>
+          </a:extLst>
+        </p:spPr>
+      </p:pic>
+      <p:pic>
+        <p:nvPicPr>
+          <p:cNvPr id="4" name="Picture 3" descr="A screenshot of a cell phone&#10;&#10;Description automatically generated">
+            <a:extLst>
+              <a:ext uri="{FF2B5EF4-FFF2-40B4-BE49-F238E27FC236}">
+                <a16:creationId xmlns:a16="http://schemas.microsoft.com/office/drawing/2014/main" id="{DA39E205-D9BE-4510-95B7-AC554FE6F91A}"/>
+              </a:ext>
+            </a:extLst>
+          </p:cNvPr>
+          <p:cNvPicPr>
+            <a:picLocks noChangeAspect="1"/>
+          </p:cNvPicPr>
+          <p:nvPr/>
+        </p:nvPicPr>
+        <p:blipFill>
+          <a:blip r:embed="rId4"/>
+          <a:stretch>
+            <a:fillRect/>
+          </a:stretch>
+        </p:blipFill>
+        <p:spPr>
+          <a:xfrm>
+            <a:off x="4570129" y="2188029"/>
+            <a:ext cx="6844630" cy="2926080"/>
+          </a:xfrm>
+          <a:prstGeom prst="rect">
+            <a:avLst/>
+          </a:prstGeom>
+          <a:ln w="19050">
+            <a:solidFill>
+              <a:schemeClr val="accent1"/>
+            </a:solidFill>
+          </a:ln>
+        </p:spPr>
+      </p:pic>
+      <p:sp>
+        <p:nvSpPr>
+          <p:cNvPr id="5" name="Title 1">
+            <a:extLst>
+              <a:ext uri="{FF2B5EF4-FFF2-40B4-BE49-F238E27FC236}">
+                <a16:creationId xmlns:a16="http://schemas.microsoft.com/office/drawing/2014/main" id="{A5C2F618-4BBA-4020-A24B-0FE9D72F3AD9}"/>
+              </a:ext>
+            </a:extLst>
+          </p:cNvPr>
+          <p:cNvSpPr>
+            <a:spLocks noGrp="1"/>
+          </p:cNvSpPr>
+          <p:nvPr>
+            <p:ph type="title"/>
+          </p:nvPr>
+        </p:nvSpPr>
+        <p:spPr>
+          <a:xfrm>
+            <a:off x="6096000" y="1255341"/>
+            <a:ext cx="4469672" cy="932688"/>
+          </a:xfrm>
+        </p:spPr>
+        <p:txBody>
+          <a:bodyPr vert="horz" lIns="91440" tIns="45720" rIns="91440" bIns="45720" rtlCol="0" anchor="b">
+            <a:normAutofit/>
+          </a:bodyPr>
+          <a:lstStyle/>
+          <a:p>
+            <a:pPr algn="ctr"/>
+            <a:r>
+              <a:rPr lang="en-US" sz="5400" kern="1200" dirty="0">
+                <a:solidFill>
+                  <a:schemeClr val="tx1"/>
+                </a:solidFill>
+                <a:latin typeface="+mj-lt"/>
+                <a:ea typeface="+mj-ea"/>
+                <a:cs typeface="+mj-cs"/>
+              </a:rPr>
+              <a:t>Database VARITES</a:t>
+            </a:r>
+          </a:p>
+        </p:txBody>
+      </p:sp>
+    </p:spTree>
+    <p:extLst>
+      <p:ext uri="{BB962C8B-B14F-4D97-AF65-F5344CB8AC3E}">
+        <p14:creationId xmlns:p14="http://schemas.microsoft.com/office/powerpoint/2010/main" val="1490247743"/>
+      </p:ext>
+    </p:extLst>
+  </p:cSld>
+  <p:clrMapOvr>
+    <a:masterClrMapping/>
+  </p:clrMapOvr>
+</p:sld>
+</file>
+
+<file path=ppt/slides/slide6.xml><?xml version="1.0" encoding="utf-8"?>
 <p:sld xmlns:a="http://schemas.openxmlformats.org/drawingml/2006/main" xmlns:r="http://schemas.openxmlformats.org/officeDocument/2006/relationships" xmlns:p="http://schemas.openxmlformats.org/presentationml/2006/main">
   <p:cSld>
     <p:spTree>
@@ -27122,12 +27450,12 @@
         <p:spPr>
           <a:xfrm>
             <a:off x="1024129" y="2286000"/>
-            <a:ext cx="4645152" cy="4023360"/>
+            <a:ext cx="4070385" cy="4023360"/>
           </a:xfrm>
         </p:spPr>
         <p:txBody>
           <a:bodyPr>
-            <a:normAutofit/>
+            <a:normAutofit fontScale="92500" lnSpcReduction="20000"/>
           </a:bodyPr>
           <a:lstStyle/>
           <a:p>
@@ -27141,11 +27469,24 @@
                   <a:srgbClr val="0070C0"/>
                 </a:solidFill>
               </a:rPr>
-              <a:t>Co-location of Compute &amp; Storage</a:t>
+              <a:t>Co-location of Compute &amp; Storage.</a:t>
+            </a:r>
+          </a:p>
+          <a:p>
+            <a:pPr marL="0" indent="0">
+              <a:buNone/>
+            </a:pPr>
+            <a:r>
+              <a:rPr lang="en-GB" dirty="0"/>
+              <a:t> * </a:t>
             </a:r>
             <a:r>
-              <a:rPr lang="en-GB" dirty="0"/>
-              <a:t>.</a:t>
+              <a:rPr lang="en-GB" dirty="0">
+                <a:solidFill>
+                  <a:srgbClr val="0070C0"/>
+                </a:solidFill>
+              </a:rPr>
+              <a:t>Schema on Write.</a:t>
             </a:r>
           </a:p>
           <a:p>
@@ -27154,7 +27495,19 @@
           <a:p>
             <a:r>
               <a:rPr lang="en-GB" dirty="0"/>
-              <a:t>* Recommended for structured data of less than a TB, and the purpose is for OLTP.</a:t>
+              <a:t>* Recommended,</a:t>
+            </a:r>
+          </a:p>
+          <a:p>
+            <a:r>
+              <a:rPr lang="en-GB" sz="1900" dirty="0"/>
+              <a:t> =&gt; Structured data of less than a TB, </a:t>
+            </a:r>
+          </a:p>
+          <a:p>
+            <a:r>
+              <a:rPr lang="en-GB" sz="1900" dirty="0"/>
+              <a:t> =&gt; The purpose is for OLTP.</a:t>
             </a:r>
           </a:p>
           <a:p>
@@ -27163,14 +27516,26 @@
           <a:p>
             <a:r>
               <a:rPr lang="en-GB" dirty="0"/>
-              <a:t>* Not recommended for ad-hoc analytics and if there’s more dependency in </a:t>
+              <a:t>* Not recommended,</a:t>
+            </a:r>
+          </a:p>
+          <a:p>
+            <a:r>
+              <a:rPr lang="en-GB" sz="1900" dirty="0"/>
+              <a:t>=&gt; Ad-hoc analytics</a:t>
+            </a:r>
+          </a:p>
+          <a:p>
+            <a:r>
+              <a:rPr lang="en-GB" sz="1900" dirty="0"/>
+              <a:t>=&gt; More dependency in </a:t>
             </a:r>
             <a:r>
-              <a:rPr lang="en-GB" dirty="0" err="1"/>
+              <a:rPr lang="en-GB" sz="1900" dirty="0" err="1"/>
               <a:t>sharding</a:t>
             </a:r>
             <a:r>
-              <a:rPr lang="en-GB" dirty="0"/>
+              <a:rPr lang="en-GB" sz="1900" dirty="0"/>
               <a:t>.</a:t>
             </a:r>
           </a:p>
@@ -27205,8 +27570,8 @@
         </p:blipFill>
         <p:spPr bwMode="auto">
           <a:xfrm>
-            <a:off x="6417329" y="2286000"/>
-            <a:ext cx="5140262" cy="3017520"/>
+            <a:off x="5352107" y="2455817"/>
+            <a:ext cx="6074855" cy="3566160"/>
           </a:xfrm>
           <a:prstGeom prst="rect">
             <a:avLst/>
@@ -27243,7 +27608,7 @@
 </p:sld>
 </file>
 
-<file path=ppt/slides/slide9.xml><?xml version="1.0" encoding="utf-8"?>
+<file path=ppt/slides/slide7.xml><?xml version="1.0" encoding="utf-8"?>
 <p:sld xmlns:a="http://schemas.openxmlformats.org/drawingml/2006/main" xmlns:r="http://schemas.openxmlformats.org/officeDocument/2006/relationships" xmlns:p="http://schemas.openxmlformats.org/presentationml/2006/main">
   <p:cSld>
     <p:spTree>
@@ -27591,6 +27956,464 @@
     <p:extLst>
       <p:ext uri="{BB962C8B-B14F-4D97-AF65-F5344CB8AC3E}">
         <p14:creationId xmlns:p14="http://schemas.microsoft.com/office/powerpoint/2010/main" val="100059540"/>
+      </p:ext>
+    </p:extLst>
+  </p:cSld>
+  <p:clrMapOvr>
+    <a:masterClrMapping/>
+  </p:clrMapOvr>
+</p:sld>
+</file>
+
+<file path=ppt/slides/slide8.xml><?xml version="1.0" encoding="utf-8"?>
+<p:sld xmlns:a="http://schemas.openxmlformats.org/drawingml/2006/main" xmlns:r="http://schemas.openxmlformats.org/officeDocument/2006/relationships" xmlns:p="http://schemas.openxmlformats.org/presentationml/2006/main">
+  <p:cSld>
+    <p:spTree>
+      <p:nvGrpSpPr>
+        <p:cNvPr id="1" name=""/>
+        <p:cNvGrpSpPr/>
+        <p:nvPr/>
+      </p:nvGrpSpPr>
+      <p:grpSpPr>
+        <a:xfrm>
+          <a:off x="0" y="0"/>
+          <a:ext cx="0" cy="0"/>
+          <a:chOff x="0" y="0"/>
+          <a:chExt cx="0" cy="0"/>
+        </a:xfrm>
+      </p:grpSpPr>
+      <p:sp>
+        <p:nvSpPr>
+          <p:cNvPr id="2" name="Title 1">
+            <a:extLst>
+              <a:ext uri="{FF2B5EF4-FFF2-40B4-BE49-F238E27FC236}">
+                <a16:creationId xmlns:a16="http://schemas.microsoft.com/office/drawing/2014/main" id="{5B87CF65-8203-45A0-8A1D-449B3DDD5664}"/>
+              </a:ext>
+            </a:extLst>
+          </p:cNvPr>
+          <p:cNvSpPr>
+            <a:spLocks noGrp="1"/>
+          </p:cNvSpPr>
+          <p:nvPr>
+            <p:ph type="title"/>
+          </p:nvPr>
+        </p:nvSpPr>
+        <p:spPr/>
+        <p:txBody>
+          <a:bodyPr/>
+          <a:lstStyle/>
+          <a:p>
+            <a:r>
+              <a:rPr lang="en-GB" dirty="0"/>
+              <a:t>Data Warehouse</a:t>
+            </a:r>
+            <a:endParaRPr lang="en-IN" dirty="0"/>
+          </a:p>
+        </p:txBody>
+      </p:sp>
+      <p:sp>
+        <p:nvSpPr>
+          <p:cNvPr id="3" name="Content Placeholder 2">
+            <a:extLst>
+              <a:ext uri="{FF2B5EF4-FFF2-40B4-BE49-F238E27FC236}">
+                <a16:creationId xmlns:a16="http://schemas.microsoft.com/office/drawing/2014/main" id="{86CBC334-2225-4ED6-8E26-6DDD7BD9E2FA}"/>
+              </a:ext>
+            </a:extLst>
+          </p:cNvPr>
+          <p:cNvSpPr>
+            <a:spLocks noGrp="1"/>
+          </p:cNvSpPr>
+          <p:nvPr>
+            <p:ph idx="1"/>
+          </p:nvPr>
+        </p:nvSpPr>
+        <p:spPr>
+          <a:xfrm>
+            <a:off x="1024128" y="2286000"/>
+            <a:ext cx="3809129" cy="4023360"/>
+          </a:xfrm>
+        </p:spPr>
+        <p:txBody>
+          <a:bodyPr>
+            <a:normAutofit fontScale="77500" lnSpcReduction="20000"/>
+          </a:bodyPr>
+          <a:lstStyle/>
+          <a:p>
+            <a:r>
+              <a:rPr lang="en-GB" dirty="0"/>
+              <a:t>* </a:t>
+            </a:r>
+            <a:r>
+              <a:rPr lang="en-GB" dirty="0">
+                <a:solidFill>
+                  <a:srgbClr val="0070C0"/>
+                </a:solidFill>
+              </a:rPr>
+              <a:t>Separation of Compute &amp; Storage.</a:t>
+            </a:r>
+          </a:p>
+          <a:p>
+            <a:r>
+              <a:rPr lang="en-GB" dirty="0">
+                <a:solidFill>
+                  <a:srgbClr val="0070C0"/>
+                </a:solidFill>
+              </a:rPr>
+              <a:t>* Schema on Write.</a:t>
+            </a:r>
+          </a:p>
+          <a:p>
+            <a:endParaRPr lang="en-GB" dirty="0">
+              <a:solidFill>
+                <a:srgbClr val="0070C0"/>
+              </a:solidFill>
+            </a:endParaRPr>
+          </a:p>
+          <a:p>
+            <a:r>
+              <a:rPr lang="en-GB" dirty="0"/>
+              <a:t>* Recommended,</a:t>
+            </a:r>
+          </a:p>
+          <a:p>
+            <a:r>
+              <a:rPr lang="en-GB" sz="2100" dirty="0"/>
+              <a:t>=&gt; If you know metadata &amp; schema/format of analytics to be done.</a:t>
+            </a:r>
+          </a:p>
+          <a:p>
+            <a:r>
+              <a:rPr lang="en-GB" sz="2100" dirty="0"/>
+              <a:t>=&gt; Decided that ML/AI not needed; </a:t>
+            </a:r>
+          </a:p>
+          <a:p>
+            <a:r>
+              <a:rPr lang="en-GB" sz="2100" dirty="0"/>
+              <a:t>=&gt; Expose out, allowing customers to analyse.</a:t>
+            </a:r>
+          </a:p>
+          <a:p>
+            <a:endParaRPr lang="en-GB" dirty="0"/>
+          </a:p>
+          <a:p>
+            <a:r>
+              <a:rPr lang="en-GB" dirty="0"/>
+              <a:t>* Not recommended, </a:t>
+            </a:r>
+          </a:p>
+          <a:p>
+            <a:r>
+              <a:rPr lang="en-GB" dirty="0"/>
+              <a:t>=&gt; Unstructured data like image and video.</a:t>
+            </a:r>
+          </a:p>
+          <a:p>
+            <a:endParaRPr lang="en-GB" dirty="0"/>
+          </a:p>
+        </p:txBody>
+      </p:sp>
+      <p:pic>
+        <p:nvPicPr>
+          <p:cNvPr id="5" name="Picture 4">
+            <a:extLst>
+              <a:ext uri="{FF2B5EF4-FFF2-40B4-BE49-F238E27FC236}">
+                <a16:creationId xmlns:a16="http://schemas.microsoft.com/office/drawing/2014/main" id="{30CCA892-55F8-44F1-9663-F94598196AC0}"/>
+              </a:ext>
+            </a:extLst>
+          </p:cNvPr>
+          <p:cNvPicPr>
+            <a:picLocks noChangeAspect="1"/>
+          </p:cNvPicPr>
+          <p:nvPr/>
+        </p:nvPicPr>
+        <p:blipFill>
+          <a:blip r:embed="rId3"/>
+          <a:stretch>
+            <a:fillRect/>
+          </a:stretch>
+        </p:blipFill>
+        <p:spPr>
+          <a:xfrm>
+            <a:off x="4833257" y="1530967"/>
+            <a:ext cx="7037933" cy="4741817"/>
+          </a:xfrm>
+          <a:prstGeom prst="rect">
+            <a:avLst/>
+          </a:prstGeom>
+          <a:ln w="19050">
+            <a:solidFill>
+              <a:schemeClr val="accent2">
+                <a:lumMod val="50000"/>
+              </a:schemeClr>
+            </a:solidFill>
+          </a:ln>
+        </p:spPr>
+      </p:pic>
+    </p:spTree>
+    <p:extLst>
+      <p:ext uri="{BB962C8B-B14F-4D97-AF65-F5344CB8AC3E}">
+        <p14:creationId xmlns:p14="http://schemas.microsoft.com/office/powerpoint/2010/main" val="229161001"/>
+      </p:ext>
+    </p:extLst>
+  </p:cSld>
+  <p:clrMapOvr>
+    <a:masterClrMapping/>
+  </p:clrMapOvr>
+</p:sld>
+</file>
+
+<file path=ppt/slides/slide9.xml><?xml version="1.0" encoding="utf-8"?>
+<p:sld xmlns:a="http://schemas.openxmlformats.org/drawingml/2006/main" xmlns:r="http://schemas.openxmlformats.org/officeDocument/2006/relationships" xmlns:p="http://schemas.openxmlformats.org/presentationml/2006/main">
+  <p:cSld>
+    <p:spTree>
+      <p:nvGrpSpPr>
+        <p:cNvPr id="1" name=""/>
+        <p:cNvGrpSpPr/>
+        <p:nvPr/>
+      </p:nvGrpSpPr>
+      <p:grpSpPr>
+        <a:xfrm>
+          <a:off x="0" y="0"/>
+          <a:ext cx="0" cy="0"/>
+          <a:chOff x="0" y="0"/>
+          <a:chExt cx="0" cy="0"/>
+        </a:xfrm>
+      </p:grpSpPr>
+      <p:sp>
+        <p:nvSpPr>
+          <p:cNvPr id="2" name="Title 1">
+            <a:extLst>
+              <a:ext uri="{FF2B5EF4-FFF2-40B4-BE49-F238E27FC236}">
+                <a16:creationId xmlns:a16="http://schemas.microsoft.com/office/drawing/2014/main" id="{5B87CF65-8203-45A0-8A1D-449B3DDD5664}"/>
+              </a:ext>
+            </a:extLst>
+          </p:cNvPr>
+          <p:cNvSpPr>
+            <a:spLocks noGrp="1"/>
+          </p:cNvSpPr>
+          <p:nvPr>
+            <p:ph type="title"/>
+          </p:nvPr>
+        </p:nvSpPr>
+        <p:spPr/>
+        <p:txBody>
+          <a:bodyPr/>
+          <a:lstStyle/>
+          <a:p>
+            <a:r>
+              <a:rPr lang="en-GB" dirty="0"/>
+              <a:t>Data Lake</a:t>
+            </a:r>
+            <a:endParaRPr lang="en-IN" dirty="0"/>
+          </a:p>
+        </p:txBody>
+      </p:sp>
+      <p:sp>
+        <p:nvSpPr>
+          <p:cNvPr id="3" name="Content Placeholder 2">
+            <a:extLst>
+              <a:ext uri="{FF2B5EF4-FFF2-40B4-BE49-F238E27FC236}">
+                <a16:creationId xmlns:a16="http://schemas.microsoft.com/office/drawing/2014/main" id="{86CBC334-2225-4ED6-8E26-6DDD7BD9E2FA}"/>
+              </a:ext>
+            </a:extLst>
+          </p:cNvPr>
+          <p:cNvSpPr>
+            <a:spLocks noGrp="1"/>
+          </p:cNvSpPr>
+          <p:nvPr>
+            <p:ph idx="1"/>
+          </p:nvPr>
+        </p:nvSpPr>
+        <p:spPr>
+          <a:xfrm>
+            <a:off x="1024128" y="2299063"/>
+            <a:ext cx="4266329" cy="4023360"/>
+          </a:xfrm>
+        </p:spPr>
+        <p:txBody>
+          <a:bodyPr>
+            <a:normAutofit fontScale="85000" lnSpcReduction="20000"/>
+          </a:bodyPr>
+          <a:lstStyle/>
+          <a:p>
+            <a:r>
+              <a:rPr lang="en-GB" dirty="0"/>
+              <a:t>* </a:t>
+            </a:r>
+            <a:r>
+              <a:rPr lang="en-GB" dirty="0">
+                <a:solidFill>
+                  <a:srgbClr val="0070C0"/>
+                </a:solidFill>
+              </a:rPr>
+              <a:t>Separation of Compute &amp; Data.</a:t>
+            </a:r>
+          </a:p>
+          <a:p>
+            <a:r>
+              <a:rPr lang="en-GB" dirty="0">
+                <a:solidFill>
+                  <a:srgbClr val="0070C0"/>
+                </a:solidFill>
+              </a:rPr>
+              <a:t>* Schema on Read.</a:t>
+            </a:r>
+          </a:p>
+          <a:p>
+            <a:endParaRPr lang="en-GB" dirty="0">
+              <a:solidFill>
+                <a:srgbClr val="0070C0"/>
+              </a:solidFill>
+            </a:endParaRPr>
+          </a:p>
+          <a:p>
+            <a:pPr marL="0" indent="0">
+              <a:buNone/>
+            </a:pPr>
+            <a:r>
+              <a:rPr lang="en-GB" dirty="0"/>
+              <a:t>* Recommended when,</a:t>
+            </a:r>
+          </a:p>
+          <a:p>
+            <a:pPr>
+              <a:buFont typeface="Symbol" panose="05050102010706020507" pitchFamily="18" charset="2"/>
+              <a:buChar char="Þ"/>
+            </a:pPr>
+            <a:r>
+              <a:rPr lang="en-GB" sz="1800" dirty="0"/>
+              <a:t>Have </a:t>
+            </a:r>
+            <a:r>
+              <a:rPr lang="en-GB" sz="1800" i="1" dirty="0"/>
+              <a:t>all types</a:t>
+            </a:r>
+            <a:r>
+              <a:rPr lang="en-GB" sz="1800" dirty="0"/>
+              <a:t> of data of </a:t>
+            </a:r>
+            <a:r>
+              <a:rPr lang="en-GB" sz="1800" i="1" dirty="0"/>
+              <a:t>any size.</a:t>
+            </a:r>
+            <a:r>
+              <a:rPr lang="en-GB" sz="1800" dirty="0"/>
+              <a:t> </a:t>
+            </a:r>
+          </a:p>
+          <a:p>
+            <a:pPr>
+              <a:buFont typeface="Symbol" panose="05050102010706020507" pitchFamily="18" charset="2"/>
+              <a:buChar char="Þ"/>
+            </a:pPr>
+            <a:r>
+              <a:rPr lang="en-GB" sz="1800" dirty="0"/>
+              <a:t> Store now but have </a:t>
+            </a:r>
+            <a:r>
+              <a:rPr lang="en-GB" sz="1800" i="1" dirty="0"/>
+              <a:t>no plan about type of analysis to be run on it</a:t>
+            </a:r>
+            <a:r>
+              <a:rPr lang="en-GB" sz="1800" dirty="0"/>
+              <a:t>. </a:t>
+            </a:r>
+          </a:p>
+          <a:p>
+            <a:pPr>
+              <a:buFont typeface="Symbol" panose="05050102010706020507" pitchFamily="18" charset="2"/>
+              <a:buChar char="Þ"/>
+            </a:pPr>
+            <a:r>
+              <a:rPr lang="en-GB" sz="1800" dirty="0"/>
+              <a:t> I</a:t>
+            </a:r>
+            <a:r>
+              <a:rPr lang="en-GB" sz="1800" i="1" dirty="0"/>
+              <a:t>nternal analytics</a:t>
+            </a:r>
+            <a:r>
+              <a:rPr lang="en-GB" sz="1800" dirty="0"/>
+              <a:t> – dump all, play as and when you need.</a:t>
+            </a:r>
+          </a:p>
+          <a:p>
+            <a:pPr marL="0" indent="0">
+              <a:buNone/>
+            </a:pPr>
+            <a:endParaRPr lang="en-GB" sz="1800" dirty="0">
+              <a:solidFill>
+                <a:srgbClr val="0070C0"/>
+              </a:solidFill>
+            </a:endParaRPr>
+          </a:p>
+          <a:p>
+            <a:pPr marL="0" indent="0">
+              <a:buNone/>
+            </a:pPr>
+            <a:r>
+              <a:rPr lang="en-GB" dirty="0"/>
+              <a:t>Not recommended when, </a:t>
+            </a:r>
+          </a:p>
+          <a:p>
+            <a:pPr marL="0" indent="0">
+              <a:buNone/>
+            </a:pPr>
+            <a:r>
+              <a:rPr lang="en-GB" sz="1800" dirty="0"/>
+              <a:t>=&gt; Data, ready for analysis and users would create reports on it.</a:t>
+            </a:r>
+            <a:endParaRPr lang="en-IN" sz="1800" dirty="0">
+              <a:solidFill>
+                <a:srgbClr val="0070C0"/>
+              </a:solidFill>
+            </a:endParaRPr>
+          </a:p>
+        </p:txBody>
+      </p:sp>
+      <p:pic>
+        <p:nvPicPr>
+          <p:cNvPr id="5" name="Picture 4">
+            <a:extLst>
+              <a:ext uri="{FF2B5EF4-FFF2-40B4-BE49-F238E27FC236}">
+                <a16:creationId xmlns:a16="http://schemas.microsoft.com/office/drawing/2014/main" id="{EDFC0EC8-4EC0-438D-BAF1-34BE7FEE111B}"/>
+              </a:ext>
+            </a:extLst>
+          </p:cNvPr>
+          <p:cNvPicPr>
+            <a:picLocks noChangeAspect="1"/>
+          </p:cNvPicPr>
+          <p:nvPr/>
+        </p:nvPicPr>
+        <p:blipFill>
+          <a:blip r:embed="rId3"/>
+          <a:stretch>
+            <a:fillRect/>
+          </a:stretch>
+        </p:blipFill>
+        <p:spPr>
+          <a:xfrm>
+            <a:off x="5884164" y="585216"/>
+            <a:ext cx="6144482" cy="6030167"/>
+          </a:xfrm>
+          <a:prstGeom prst="rect">
+            <a:avLst/>
+          </a:prstGeom>
+          <a:ln w="19050">
+            <a:solidFill>
+              <a:schemeClr val="accent2">
+                <a:lumMod val="50000"/>
+              </a:schemeClr>
+            </a:solidFill>
+          </a:ln>
+        </p:spPr>
+      </p:pic>
+    </p:spTree>
+    <p:extLst>
+      <p:ext uri="{BB962C8B-B14F-4D97-AF65-F5344CB8AC3E}">
+        <p14:creationId xmlns:p14="http://schemas.microsoft.com/office/powerpoint/2010/main" val="3586273789"/>
       </p:ext>
     </p:extLst>
   </p:cSld>

--- a/sessions/GAB 2021/Choosing right Data Service.pptx
+++ b/sessions/GAB 2021/Choosing right Data Service.pptx
@@ -234,7 +234,7 @@
           <a:p>
             <a:fld id="{C3E45019-3D22-4B0F-9E51-C5C311B494D9}" type="datetimeFigureOut">
               <a:rPr lang="en-IN" smtClean="0"/>
-              <a:t>16-04-2021</a:t>
+              <a:t>22-05-2021</a:t>
             </a:fld>
             <a:endParaRPr lang="en-IN"/>
           </a:p>
@@ -548,7 +548,7 @@
           <a:p>
             <a:r>
               <a:rPr lang="en-GB" dirty="0"/>
-              <a:t>Technology democratization has led to make available the best features and the killer open-source frameworks to be available in almost all products in a line. Although the cloud provider used in one’s company takes priority, it makes it difficult to choose the best that fits for requirement. In this session, let me share my learnings, how our team analysed different frameworks for use cases. I hope it would help someone to choose the right data analytics tool for his need.</a:t>
+              <a:t>Technology democratization has led to make available the best features to be available in almost all products in a line. Even in same cloud provider here lets say Azure, different products in Data Analytics look alike when we just look at the features on top. In this session, let me share my learnings, how we analysed different frameworks for our use case and chosen the right tech to solve our requirement. I hope it would help folks who are watching this to setup the best data architecture by choosing right tools .</a:t>
             </a:r>
             <a:endParaRPr lang="en-IN" dirty="0"/>
           </a:p>
@@ -10810,7 +10810,7 @@
           <a:p>
             <a:fld id="{9DEB34CA-C89E-4814-A418-5B035F87DCE9}" type="datetimeFigureOut">
               <a:rPr lang="en-IN" smtClean="0"/>
-              <a:t>16-04-2021</a:t>
+              <a:t>22-05-2021</a:t>
             </a:fld>
             <a:endParaRPr lang="en-IN"/>
           </a:p>
@@ -11017,7 +11017,7 @@
           <a:p>
             <a:fld id="{9DEB34CA-C89E-4814-A418-5B035F87DCE9}" type="datetimeFigureOut">
               <a:rPr lang="en-IN" smtClean="0"/>
-              <a:t>16-04-2021</a:t>
+              <a:t>22-05-2021</a:t>
             </a:fld>
             <a:endParaRPr lang="en-IN"/>
           </a:p>
@@ -11197,7 +11197,7 @@
           <a:p>
             <a:fld id="{9DEB34CA-C89E-4814-A418-5B035F87DCE9}" type="datetimeFigureOut">
               <a:rPr lang="en-IN" smtClean="0"/>
-              <a:t>16-04-2021</a:t>
+              <a:t>22-05-2021</a:t>
             </a:fld>
             <a:endParaRPr lang="en-IN"/>
           </a:p>
@@ -11402,7 +11402,7 @@
           <a:p>
             <a:fld id="{9DEB34CA-C89E-4814-A418-5B035F87DCE9}" type="datetimeFigureOut">
               <a:rPr lang="en-IN" smtClean="0"/>
-              <a:t>16-04-2021</a:t>
+              <a:t>22-05-2021</a:t>
             </a:fld>
             <a:endParaRPr lang="en-IN"/>
           </a:p>
@@ -20300,7 +20300,7 @@
           <a:p>
             <a:fld id="{9DEB34CA-C89E-4814-A418-5B035F87DCE9}" type="datetimeFigureOut">
               <a:rPr lang="en-IN" smtClean="0"/>
-              <a:t>16-04-2021</a:t>
+              <a:t>22-05-2021</a:t>
             </a:fld>
             <a:endParaRPr lang="en-IN"/>
           </a:p>
@@ -20574,7 +20574,7 @@
           <a:p>
             <a:fld id="{9DEB34CA-C89E-4814-A418-5B035F87DCE9}" type="datetimeFigureOut">
               <a:rPr lang="en-IN" smtClean="0"/>
-              <a:t>16-04-2021</a:t>
+              <a:t>22-05-2021</a:t>
             </a:fld>
             <a:endParaRPr lang="en-IN"/>
           </a:p>
@@ -20972,7 +20972,7 @@
           <a:p>
             <a:fld id="{9DEB34CA-C89E-4814-A418-5B035F87DCE9}" type="datetimeFigureOut">
               <a:rPr lang="en-IN" smtClean="0"/>
-              <a:t>16-04-2021</a:t>
+              <a:t>22-05-2021</a:t>
             </a:fld>
             <a:endParaRPr lang="en-IN"/>
           </a:p>
@@ -21090,7 +21090,7 @@
           <a:p>
             <a:fld id="{9DEB34CA-C89E-4814-A418-5B035F87DCE9}" type="datetimeFigureOut">
               <a:rPr lang="en-IN" smtClean="0"/>
-              <a:t>16-04-2021</a:t>
+              <a:t>22-05-2021</a:t>
             </a:fld>
             <a:endParaRPr lang="en-IN"/>
           </a:p>
@@ -21185,7 +21185,7 @@
           <a:p>
             <a:fld id="{9DEB34CA-C89E-4814-A418-5B035F87DCE9}" type="datetimeFigureOut">
               <a:rPr lang="en-IN" smtClean="0"/>
-              <a:t>16-04-2021</a:t>
+              <a:t>22-05-2021</a:t>
             </a:fld>
             <a:endParaRPr lang="en-IN"/>
           </a:p>
@@ -21475,7 +21475,7 @@
           <a:p>
             <a:fld id="{9DEB34CA-C89E-4814-A418-5B035F87DCE9}" type="datetimeFigureOut">
               <a:rPr lang="en-IN" smtClean="0"/>
-              <a:t>16-04-2021</a:t>
+              <a:t>22-05-2021</a:t>
             </a:fld>
             <a:endParaRPr lang="en-IN"/>
           </a:p>
@@ -21755,7 +21755,7 @@
           <a:p>
             <a:fld id="{9DEB34CA-C89E-4814-A418-5B035F87DCE9}" type="datetimeFigureOut">
               <a:rPr lang="en-IN" smtClean="0"/>
-              <a:t>16-04-2021</a:t>
+              <a:t>22-05-2021</a:t>
             </a:fld>
             <a:endParaRPr lang="en-IN"/>
           </a:p>
@@ -22005,7 +22005,7 @@
           <a:p>
             <a:fld id="{9DEB34CA-C89E-4814-A418-5B035F87DCE9}" type="datetimeFigureOut">
               <a:rPr lang="en-IN" smtClean="0"/>
-              <a:t>16-04-2021</a:t>
+              <a:t>22-05-2021</a:t>
             </a:fld>
             <a:endParaRPr lang="en-IN"/>
           </a:p>
@@ -22581,15 +22581,7 @@
           <a:p>
             <a:r>
               <a:rPr lang="en-GB" dirty="0"/>
-              <a:t>Why it should be </a:t>
-            </a:r>
-            <a:r>
-              <a:rPr lang="en-GB" dirty="0" err="1"/>
-              <a:t>choosen</a:t>
-            </a:r>
-            <a:r>
-              <a:rPr lang="en-GB" dirty="0"/>
-              <a:t>?</a:t>
+              <a:t>Why it should be chosen?</a:t>
             </a:r>
             <a:endParaRPr lang="en-IN" dirty="0"/>
           </a:p>
@@ -22836,7 +22828,23 @@
           <a:p>
             <a:r>
               <a:rPr lang="en-GB" dirty="0"/>
-              <a:t>* But still RDBMS was rocking, rocks now, and will rock in future too. </a:t>
+              <a:t>* But still RDBMS was rocking earlier, rocks now, and will rock in future for </a:t>
+            </a:r>
+            <a:r>
+              <a:rPr lang="en-GB" dirty="0" err="1"/>
+              <a:t>atleast</a:t>
+            </a:r>
+            <a:r>
+              <a:rPr lang="en-GB" dirty="0"/>
+              <a:t> a couple </a:t>
+            </a:r>
+            <a:r>
+              <a:rPr lang="en-GB"/>
+              <a:t>of decades </a:t>
+            </a:r>
+            <a:r>
+              <a:rPr lang="en-GB" dirty="0"/>
+              <a:t>too. </a:t>
             </a:r>
           </a:p>
           <a:p>
@@ -23275,6 +23283,60 @@
           </a:extLst>
         </p:spPr>
       </p:pic>
+      <p:sp>
+        <p:nvSpPr>
+          <p:cNvPr id="4" name="Rectangle 3">
+            <a:extLst>
+              <a:ext uri="{FF2B5EF4-FFF2-40B4-BE49-F238E27FC236}">
+                <a16:creationId xmlns:a16="http://schemas.microsoft.com/office/drawing/2014/main" id="{3BBFA4EF-A79B-4608-9178-AA4EB603B174}"/>
+              </a:ext>
+            </a:extLst>
+          </p:cNvPr>
+          <p:cNvSpPr/>
+          <p:nvPr/>
+        </p:nvSpPr>
+        <p:spPr>
+          <a:xfrm>
+            <a:off x="7824651" y="5016137"/>
+            <a:ext cx="1188720" cy="718457"/>
+          </a:xfrm>
+          <a:prstGeom prst="rect">
+            <a:avLst/>
+          </a:prstGeom>
+          <a:solidFill>
+            <a:schemeClr val="bg1"/>
+          </a:solidFill>
+          <a:ln>
+            <a:solidFill>
+              <a:schemeClr val="bg1"/>
+            </a:solidFill>
+          </a:ln>
+        </p:spPr>
+        <p:style>
+          <a:lnRef idx="2">
+            <a:schemeClr val="accent1">
+              <a:shade val="50000"/>
+            </a:schemeClr>
+          </a:lnRef>
+          <a:fillRef idx="1">
+            <a:schemeClr val="accent1"/>
+          </a:fillRef>
+          <a:effectRef idx="0">
+            <a:schemeClr val="accent1"/>
+          </a:effectRef>
+          <a:fontRef idx="minor">
+            <a:schemeClr val="lt1"/>
+          </a:fontRef>
+        </p:style>
+        <p:txBody>
+          <a:bodyPr rtlCol="0" anchor="ctr"/>
+          <a:lstStyle/>
+          <a:p>
+            <a:pPr algn="ctr"/>
+            <a:endParaRPr lang="en-IN"/>
+          </a:p>
+        </p:txBody>
+      </p:sp>
     </p:spTree>
     <p:extLst>
       <p:ext uri="{BB962C8B-B14F-4D97-AF65-F5344CB8AC3E}">
@@ -26348,7 +26410,7 @@
           <a:p>
             <a:r>
               <a:rPr lang="en-GB" dirty="0"/>
-              <a:t>* Define goal based on customers need. (Its not always ML or AI.)</a:t>
+              <a:t>* Define goal based on customers need. (Its not always ML or AI. Its shouldn’t be because you know one.)</a:t>
             </a:r>
           </a:p>
           <a:p>
@@ -26384,8 +26446,8 @@
         </p:blipFill>
         <p:spPr>
           <a:xfrm>
-            <a:off x="2583492" y="3323191"/>
-            <a:ext cx="6601341" cy="3187337"/>
+            <a:off x="3315013" y="3580372"/>
+            <a:ext cx="6129433" cy="2959485"/>
           </a:xfrm>
           <a:prstGeom prst="rect">
             <a:avLst/>
@@ -27316,7 +27378,7 @@
         </p:blipFill>
         <p:spPr>
           <a:xfrm>
-            <a:off x="4570129" y="2188029"/>
+            <a:off x="5092643" y="2188029"/>
             <a:ext cx="6844630" cy="2926080"/>
           </a:xfrm>
           <a:prstGeom prst="rect">
@@ -27501,13 +27563,16 @@
           <a:p>
             <a:r>
               <a:rPr lang="en-GB" sz="1900" dirty="0"/>
-              <a:t> =&gt; Structured data of less than a TB, </a:t>
+              <a:t>Structured data of less than a TB, </a:t>
             </a:r>
           </a:p>
           <a:p>
+            <a:pPr marL="0" indent="0">
+              <a:buNone/>
+            </a:pPr>
             <a:r>
               <a:rPr lang="en-GB" sz="1900" dirty="0"/>
-              <a:t> =&gt; The purpose is for OLTP.</a:t>
+              <a:t>  Purpose - OLTP.</a:t>
             </a:r>
           </a:p>
           <a:p>
@@ -27522,13 +27587,13 @@
           <a:p>
             <a:r>
               <a:rPr lang="en-GB" sz="1900" dirty="0"/>
-              <a:t>=&gt; Ad-hoc analytics</a:t>
+              <a:t>Ad-hoc analytics</a:t>
             </a:r>
           </a:p>
           <a:p>
             <a:r>
               <a:rPr lang="en-GB" sz="1900" dirty="0"/>
-              <a:t>=&gt; More dependency in </a:t>
+              <a:t>More dependency in </a:t>
             </a:r>
             <a:r>
               <a:rPr lang="en-GB" sz="1900" dirty="0" err="1"/>
@@ -28078,19 +28143,19 @@
           <a:p>
             <a:r>
               <a:rPr lang="en-GB" sz="2100" dirty="0"/>
-              <a:t>=&gt; If you know metadata &amp; schema/format of analytics to be done.</a:t>
+              <a:t>If you know metadata &amp; schema/format of analytics to be done.</a:t>
             </a:r>
           </a:p>
           <a:p>
             <a:r>
               <a:rPr lang="en-GB" sz="2100" dirty="0"/>
-              <a:t>=&gt; Decided that ML/AI not needed; </a:t>
+              <a:t>Decided that ML/AI not needed; </a:t>
             </a:r>
           </a:p>
           <a:p>
             <a:r>
               <a:rPr lang="en-GB" sz="2100" dirty="0"/>
-              <a:t>=&gt; Expose out, allowing customers to analyse.</a:t>
+              <a:t>Expose out, allowing customers to analyse.</a:t>
             </a:r>
           </a:p>
           <a:p>
@@ -28105,7 +28170,7 @@
           <a:p>
             <a:r>
               <a:rPr lang="en-GB" dirty="0"/>
-              <a:t>=&gt; Unstructured data like image and video.</a:t>
+              <a:t>Unstructured data like image and video.</a:t>
             </a:r>
           </a:p>
           <a:p>
@@ -28277,9 +28342,8 @@
             </a:r>
           </a:p>
           <a:p>
-            <a:pPr>
-              <a:buFont typeface="Symbol" panose="05050102010706020507" pitchFamily="18" charset="2"/>
-              <a:buChar char="Þ"/>
+            <a:pPr marL="0" indent="0">
+              <a:buNone/>
             </a:pPr>
             <a:r>
               <a:rPr lang="en-GB" sz="1800" dirty="0"/>
@@ -28303,9 +28367,8 @@
             </a:r>
           </a:p>
           <a:p>
-            <a:pPr>
-              <a:buFont typeface="Symbol" panose="05050102010706020507" pitchFamily="18" charset="2"/>
-              <a:buChar char="Þ"/>
+            <a:pPr marL="0" indent="0">
+              <a:buNone/>
             </a:pPr>
             <a:r>
               <a:rPr lang="en-GB" sz="1800" dirty="0"/>
@@ -28321,9 +28384,8 @@
             </a:r>
           </a:p>
           <a:p>
-            <a:pPr>
-              <a:buFont typeface="Symbol" panose="05050102010706020507" pitchFamily="18" charset="2"/>
-              <a:buChar char="Þ"/>
+            <a:pPr marL="0" indent="0">
+              <a:buNone/>
             </a:pPr>
             <a:r>
               <a:rPr lang="en-GB" sz="1800" dirty="0"/>
@@ -28363,7 +28425,7 @@
             </a:pPr>
             <a:r>
               <a:rPr lang="en-GB" sz="1800" dirty="0"/>
-              <a:t>=&gt; Data, ready for analysis and users would create reports on it.</a:t>
+              <a:t>Data stored should be readily available for analysis upon which users would create reports on it.</a:t>
             </a:r>
             <a:endParaRPr lang="en-IN" sz="1800" dirty="0">
               <a:solidFill>

--- a/sessions/GAB 2021/Choosing right Data Service.pptx
+++ b/sessions/GAB 2021/Choosing right Data Service.pptx
@@ -234,7 +234,7 @@
           <a:p>
             <a:fld id="{C3E45019-3D22-4B0F-9E51-C5C311B494D9}" type="datetimeFigureOut">
               <a:rPr lang="en-IN" smtClean="0"/>
-              <a:t>22-05-2021</a:t>
+              <a:t>11-06-2021</a:t>
             </a:fld>
             <a:endParaRPr lang="en-IN"/>
           </a:p>
@@ -10810,7 +10810,7 @@
           <a:p>
             <a:fld id="{9DEB34CA-C89E-4814-A418-5B035F87DCE9}" type="datetimeFigureOut">
               <a:rPr lang="en-IN" smtClean="0"/>
-              <a:t>22-05-2021</a:t>
+              <a:t>11-06-2021</a:t>
             </a:fld>
             <a:endParaRPr lang="en-IN"/>
           </a:p>
@@ -11017,7 +11017,7 @@
           <a:p>
             <a:fld id="{9DEB34CA-C89E-4814-A418-5B035F87DCE9}" type="datetimeFigureOut">
               <a:rPr lang="en-IN" smtClean="0"/>
-              <a:t>22-05-2021</a:t>
+              <a:t>11-06-2021</a:t>
             </a:fld>
             <a:endParaRPr lang="en-IN"/>
           </a:p>
@@ -11197,7 +11197,7 @@
           <a:p>
             <a:fld id="{9DEB34CA-C89E-4814-A418-5B035F87DCE9}" type="datetimeFigureOut">
               <a:rPr lang="en-IN" smtClean="0"/>
-              <a:t>22-05-2021</a:t>
+              <a:t>11-06-2021</a:t>
             </a:fld>
             <a:endParaRPr lang="en-IN"/>
           </a:p>
@@ -11402,7 +11402,7 @@
           <a:p>
             <a:fld id="{9DEB34CA-C89E-4814-A418-5B035F87DCE9}" type="datetimeFigureOut">
               <a:rPr lang="en-IN" smtClean="0"/>
-              <a:t>22-05-2021</a:t>
+              <a:t>11-06-2021</a:t>
             </a:fld>
             <a:endParaRPr lang="en-IN"/>
           </a:p>
@@ -20300,7 +20300,7 @@
           <a:p>
             <a:fld id="{9DEB34CA-C89E-4814-A418-5B035F87DCE9}" type="datetimeFigureOut">
               <a:rPr lang="en-IN" smtClean="0"/>
-              <a:t>22-05-2021</a:t>
+              <a:t>11-06-2021</a:t>
             </a:fld>
             <a:endParaRPr lang="en-IN"/>
           </a:p>
@@ -20574,7 +20574,7 @@
           <a:p>
             <a:fld id="{9DEB34CA-C89E-4814-A418-5B035F87DCE9}" type="datetimeFigureOut">
               <a:rPr lang="en-IN" smtClean="0"/>
-              <a:t>22-05-2021</a:t>
+              <a:t>11-06-2021</a:t>
             </a:fld>
             <a:endParaRPr lang="en-IN"/>
           </a:p>
@@ -20972,7 +20972,7 @@
           <a:p>
             <a:fld id="{9DEB34CA-C89E-4814-A418-5B035F87DCE9}" type="datetimeFigureOut">
               <a:rPr lang="en-IN" smtClean="0"/>
-              <a:t>22-05-2021</a:t>
+              <a:t>11-06-2021</a:t>
             </a:fld>
             <a:endParaRPr lang="en-IN"/>
           </a:p>
@@ -21090,7 +21090,7 @@
           <a:p>
             <a:fld id="{9DEB34CA-C89E-4814-A418-5B035F87DCE9}" type="datetimeFigureOut">
               <a:rPr lang="en-IN" smtClean="0"/>
-              <a:t>22-05-2021</a:t>
+              <a:t>11-06-2021</a:t>
             </a:fld>
             <a:endParaRPr lang="en-IN"/>
           </a:p>
@@ -21185,7 +21185,7 @@
           <a:p>
             <a:fld id="{9DEB34CA-C89E-4814-A418-5B035F87DCE9}" type="datetimeFigureOut">
               <a:rPr lang="en-IN" smtClean="0"/>
-              <a:t>22-05-2021</a:t>
+              <a:t>11-06-2021</a:t>
             </a:fld>
             <a:endParaRPr lang="en-IN"/>
           </a:p>
@@ -21475,7 +21475,7 @@
           <a:p>
             <a:fld id="{9DEB34CA-C89E-4814-A418-5B035F87DCE9}" type="datetimeFigureOut">
               <a:rPr lang="en-IN" smtClean="0"/>
-              <a:t>22-05-2021</a:t>
+              <a:t>11-06-2021</a:t>
             </a:fld>
             <a:endParaRPr lang="en-IN"/>
           </a:p>
@@ -21755,7 +21755,7 @@
           <a:p>
             <a:fld id="{9DEB34CA-C89E-4814-A418-5B035F87DCE9}" type="datetimeFigureOut">
               <a:rPr lang="en-IN" smtClean="0"/>
-              <a:t>22-05-2021</a:t>
+              <a:t>11-06-2021</a:t>
             </a:fld>
             <a:endParaRPr lang="en-IN"/>
           </a:p>
@@ -22005,7 +22005,7 @@
           <a:p>
             <a:fld id="{9DEB34CA-C89E-4814-A418-5B035F87DCE9}" type="datetimeFigureOut">
               <a:rPr lang="en-IN" smtClean="0"/>
-              <a:t>22-05-2021</a:t>
+              <a:t>11-06-2021</a:t>
             </a:fld>
             <a:endParaRPr lang="en-IN"/>
           </a:p>
@@ -25936,7 +25936,11 @@
           <a:p>
             <a:r>
               <a:rPr lang="en-GB" dirty="0"/>
-              <a:t>* Single Data </a:t>
+              <a:t>* </a:t>
+            </a:r>
+            <a:r>
+              <a:rPr lang="en-GB"/>
+              <a:t>Single data </a:t>
             </a:r>
             <a:r>
               <a:rPr lang="en-GB" dirty="0" err="1"/>
